--- a/vignettes/figures/nucleases.pptx
+++ b/vignettes/figures/nucleases.pptx
@@ -243,7 +243,7 @@
           <a:p>
             <a:fld id="{DD6D9246-4FED-8E4D-BC9B-CDD794F2A5B7}" type="datetimeFigureOut">
               <a:rPr lang="en-US" smtClean="0"/>
-              <a:t>9/2/21</a:t>
+              <a:t>12/21/21</a:t>
             </a:fld>
             <a:endParaRPr lang="en-US"/>
           </a:p>
@@ -413,7 +413,7 @@
           <a:p>
             <a:fld id="{DD6D9246-4FED-8E4D-BC9B-CDD794F2A5B7}" type="datetimeFigureOut">
               <a:rPr lang="en-US" smtClean="0"/>
-              <a:t>9/2/21</a:t>
+              <a:t>12/21/21</a:t>
             </a:fld>
             <a:endParaRPr lang="en-US"/>
           </a:p>
@@ -593,7 +593,7 @@
           <a:p>
             <a:fld id="{DD6D9246-4FED-8E4D-BC9B-CDD794F2A5B7}" type="datetimeFigureOut">
               <a:rPr lang="en-US" smtClean="0"/>
-              <a:t>9/2/21</a:t>
+              <a:t>12/21/21</a:t>
             </a:fld>
             <a:endParaRPr lang="en-US"/>
           </a:p>
@@ -763,7 +763,7 @@
           <a:p>
             <a:fld id="{DD6D9246-4FED-8E4D-BC9B-CDD794F2A5B7}" type="datetimeFigureOut">
               <a:rPr lang="en-US" smtClean="0"/>
-              <a:t>9/2/21</a:t>
+              <a:t>12/21/21</a:t>
             </a:fld>
             <a:endParaRPr lang="en-US"/>
           </a:p>
@@ -1009,7 +1009,7 @@
           <a:p>
             <a:fld id="{DD6D9246-4FED-8E4D-BC9B-CDD794F2A5B7}" type="datetimeFigureOut">
               <a:rPr lang="en-US" smtClean="0"/>
-              <a:t>9/2/21</a:t>
+              <a:t>12/21/21</a:t>
             </a:fld>
             <a:endParaRPr lang="en-US"/>
           </a:p>
@@ -1241,7 +1241,7 @@
           <a:p>
             <a:fld id="{DD6D9246-4FED-8E4D-BC9B-CDD794F2A5B7}" type="datetimeFigureOut">
               <a:rPr lang="en-US" smtClean="0"/>
-              <a:t>9/2/21</a:t>
+              <a:t>12/21/21</a:t>
             </a:fld>
             <a:endParaRPr lang="en-US"/>
           </a:p>
@@ -1608,7 +1608,7 @@
           <a:p>
             <a:fld id="{DD6D9246-4FED-8E4D-BC9B-CDD794F2A5B7}" type="datetimeFigureOut">
               <a:rPr lang="en-US" smtClean="0"/>
-              <a:t>9/2/21</a:t>
+              <a:t>12/21/21</a:t>
             </a:fld>
             <a:endParaRPr lang="en-US"/>
           </a:p>
@@ -1726,7 +1726,7 @@
           <a:p>
             <a:fld id="{DD6D9246-4FED-8E4D-BC9B-CDD794F2A5B7}" type="datetimeFigureOut">
               <a:rPr lang="en-US" smtClean="0"/>
-              <a:t>9/2/21</a:t>
+              <a:t>12/21/21</a:t>
             </a:fld>
             <a:endParaRPr lang="en-US"/>
           </a:p>
@@ -1821,7 +1821,7 @@
           <a:p>
             <a:fld id="{DD6D9246-4FED-8E4D-BC9B-CDD794F2A5B7}" type="datetimeFigureOut">
               <a:rPr lang="en-US" smtClean="0"/>
-              <a:t>9/2/21</a:t>
+              <a:t>12/21/21</a:t>
             </a:fld>
             <a:endParaRPr lang="en-US"/>
           </a:p>
@@ -2098,7 +2098,7 @@
           <a:p>
             <a:fld id="{DD6D9246-4FED-8E4D-BC9B-CDD794F2A5B7}" type="datetimeFigureOut">
               <a:rPr lang="en-US" smtClean="0"/>
-              <a:t>9/2/21</a:t>
+              <a:t>12/21/21</a:t>
             </a:fld>
             <a:endParaRPr lang="en-US"/>
           </a:p>
@@ -2355,7 +2355,7 @@
           <a:p>
             <a:fld id="{DD6D9246-4FED-8E4D-BC9B-CDD794F2A5B7}" type="datetimeFigureOut">
               <a:rPr lang="en-US" smtClean="0"/>
-              <a:t>9/2/21</a:t>
+              <a:t>12/21/21</a:t>
             </a:fld>
             <a:endParaRPr lang="en-US"/>
           </a:p>
@@ -2568,7 +2568,7 @@
           <a:p>
             <a:fld id="{DD6D9246-4FED-8E4D-BC9B-CDD794F2A5B7}" type="datetimeFigureOut">
               <a:rPr lang="en-US" smtClean="0"/>
-              <a:t>9/2/21</a:t>
+              <a:t>12/21/21</a:t>
             </a:fld>
             <a:endParaRPr lang="en-US"/>
           </a:p>

--- a/vignettes/figures/nucleases.pptx
+++ b/vignettes/figures/nucleases.pptx
@@ -2,12 +2,15 @@
 <file path=ppt/presentation.xml><?xml version="1.0" encoding="utf-8"?>
 <p:presentation xmlns:a="http://schemas.openxmlformats.org/drawingml/2006/main" xmlns:r="http://schemas.openxmlformats.org/officeDocument/2006/relationships" xmlns:p="http://schemas.openxmlformats.org/presentationml/2006/main" saveSubsetFonts="1" autoCompressPictures="0">
   <p:sldMasterIdLst>
-    <p:sldMasterId id="2147483756" r:id="rId1"/>
+    <p:sldMasterId id="2147483816" r:id="rId1"/>
   </p:sldMasterIdLst>
+  <p:notesMasterIdLst>
+    <p:notesMasterId r:id="rId3"/>
+  </p:notesMasterIdLst>
   <p:sldIdLst>
     <p:sldId id="257" r:id="rId2"/>
   </p:sldIdLst>
-  <p:sldSz cx="12344400" cy="7315200"/>
+  <p:sldSz cx="16459200" cy="9601200"/>
   <p:notesSz cx="6858000" cy="9144000"/>
   <p:defaultTextStyle>
     <a:defPPr>
@@ -112,6 +115,444 @@
 </p:presentation>
 </file>
 
+<file path=ppt/notesMasters/notesMaster1.xml><?xml version="1.0" encoding="utf-8"?>
+<p:notesMaster xmlns:a="http://schemas.openxmlformats.org/drawingml/2006/main" xmlns:r="http://schemas.openxmlformats.org/officeDocument/2006/relationships" xmlns:p="http://schemas.openxmlformats.org/presentationml/2006/main">
+  <p:cSld>
+    <p:bg>
+      <p:bgRef idx="1001">
+        <a:schemeClr val="bg1"/>
+      </p:bgRef>
+    </p:bg>
+    <p:spTree>
+      <p:nvGrpSpPr>
+        <p:cNvPr id="1" name=""/>
+        <p:cNvGrpSpPr/>
+        <p:nvPr/>
+      </p:nvGrpSpPr>
+      <p:grpSpPr>
+        <a:xfrm>
+          <a:off x="0" y="0"/>
+          <a:ext cx="0" cy="0"/>
+          <a:chOff x="0" y="0"/>
+          <a:chExt cx="0" cy="0"/>
+        </a:xfrm>
+      </p:grpSpPr>
+      <p:sp>
+        <p:nvSpPr>
+          <p:cNvPr id="2" name="Header Placeholder 1"/>
+          <p:cNvSpPr>
+            <a:spLocks noGrp="1"/>
+          </p:cNvSpPr>
+          <p:nvPr>
+            <p:ph type="hdr" sz="quarter"/>
+          </p:nvPr>
+        </p:nvSpPr>
+        <p:spPr>
+          <a:xfrm>
+            <a:off x="0" y="0"/>
+            <a:ext cx="2971800" cy="458788"/>
+          </a:xfrm>
+          <a:prstGeom prst="rect">
+            <a:avLst/>
+          </a:prstGeom>
+        </p:spPr>
+        <p:txBody>
+          <a:bodyPr vert="horz" lIns="91440" tIns="45720" rIns="91440" bIns="45720" rtlCol="0"/>
+          <a:lstStyle>
+            <a:lvl1pPr algn="l">
+              <a:defRPr sz="1200"/>
+            </a:lvl1pPr>
+          </a:lstStyle>
+          <a:p>
+            <a:endParaRPr lang="en-US"/>
+          </a:p>
+        </p:txBody>
+      </p:sp>
+      <p:sp>
+        <p:nvSpPr>
+          <p:cNvPr id="3" name="Date Placeholder 2"/>
+          <p:cNvSpPr>
+            <a:spLocks noGrp="1"/>
+          </p:cNvSpPr>
+          <p:nvPr>
+            <p:ph type="dt" idx="1"/>
+          </p:nvPr>
+        </p:nvSpPr>
+        <p:spPr>
+          <a:xfrm>
+            <a:off x="3884613" y="0"/>
+            <a:ext cx="2971800" cy="458788"/>
+          </a:xfrm>
+          <a:prstGeom prst="rect">
+            <a:avLst/>
+          </a:prstGeom>
+        </p:spPr>
+        <p:txBody>
+          <a:bodyPr vert="horz" lIns="91440" tIns="45720" rIns="91440" bIns="45720" rtlCol="0"/>
+          <a:lstStyle>
+            <a:lvl1pPr algn="r">
+              <a:defRPr sz="1200"/>
+            </a:lvl1pPr>
+          </a:lstStyle>
+          <a:p>
+            <a:fld id="{F1A348B4-9975-524C-BE6E-E74FD2A3F22C}" type="datetimeFigureOut">
+              <a:rPr lang="en-US" smtClean="0"/>
+              <a:t>12/22/21</a:t>
+            </a:fld>
+            <a:endParaRPr lang="en-US"/>
+          </a:p>
+        </p:txBody>
+      </p:sp>
+      <p:sp>
+        <p:nvSpPr>
+          <p:cNvPr id="4" name="Slide Image Placeholder 3"/>
+          <p:cNvSpPr>
+            <a:spLocks noGrp="1" noRot="1" noChangeAspect="1"/>
+          </p:cNvSpPr>
+          <p:nvPr>
+            <p:ph type="sldImg" idx="2"/>
+          </p:nvPr>
+        </p:nvSpPr>
+        <p:spPr>
+          <a:xfrm>
+            <a:off x="784225" y="1143000"/>
+            <a:ext cx="5289550" cy="3086100"/>
+          </a:xfrm>
+          <a:prstGeom prst="rect">
+            <a:avLst/>
+          </a:prstGeom>
+          <a:noFill/>
+          <a:ln w="12700">
+            <a:solidFill>
+              <a:prstClr val="black"/>
+            </a:solidFill>
+          </a:ln>
+        </p:spPr>
+        <p:txBody>
+          <a:bodyPr vert="horz" lIns="91440" tIns="45720" rIns="91440" bIns="45720" rtlCol="0" anchor="ctr"/>
+          <a:lstStyle/>
+          <a:p>
+            <a:endParaRPr lang="en-US"/>
+          </a:p>
+        </p:txBody>
+      </p:sp>
+      <p:sp>
+        <p:nvSpPr>
+          <p:cNvPr id="5" name="Notes Placeholder 4"/>
+          <p:cNvSpPr>
+            <a:spLocks noGrp="1"/>
+          </p:cNvSpPr>
+          <p:nvPr>
+            <p:ph type="body" sz="quarter" idx="3"/>
+          </p:nvPr>
+        </p:nvSpPr>
+        <p:spPr>
+          <a:xfrm>
+            <a:off x="685800" y="4400550"/>
+            <a:ext cx="5486400" cy="3600450"/>
+          </a:xfrm>
+          <a:prstGeom prst="rect">
+            <a:avLst/>
+          </a:prstGeom>
+        </p:spPr>
+        <p:txBody>
+          <a:bodyPr vert="horz" lIns="91440" tIns="45720" rIns="91440" bIns="45720" rtlCol="0"/>
+          <a:lstStyle/>
+          <a:p>
+            <a:pPr lvl="0"/>
+            <a:r>
+              <a:rPr lang="en-US"/>
+              <a:t>Click to edit Master text styles</a:t>
+            </a:r>
+          </a:p>
+          <a:p>
+            <a:pPr lvl="1"/>
+            <a:r>
+              <a:rPr lang="en-US"/>
+              <a:t>Second level</a:t>
+            </a:r>
+          </a:p>
+          <a:p>
+            <a:pPr lvl="2"/>
+            <a:r>
+              <a:rPr lang="en-US"/>
+              <a:t>Third level</a:t>
+            </a:r>
+          </a:p>
+          <a:p>
+            <a:pPr lvl="3"/>
+            <a:r>
+              <a:rPr lang="en-US"/>
+              <a:t>Fourth level</a:t>
+            </a:r>
+          </a:p>
+          <a:p>
+            <a:pPr lvl="4"/>
+            <a:r>
+              <a:rPr lang="en-US"/>
+              <a:t>Fifth level</a:t>
+            </a:r>
+          </a:p>
+        </p:txBody>
+      </p:sp>
+      <p:sp>
+        <p:nvSpPr>
+          <p:cNvPr id="6" name="Footer Placeholder 5"/>
+          <p:cNvSpPr>
+            <a:spLocks noGrp="1"/>
+          </p:cNvSpPr>
+          <p:nvPr>
+            <p:ph type="ftr" sz="quarter" idx="4"/>
+          </p:nvPr>
+        </p:nvSpPr>
+        <p:spPr>
+          <a:xfrm>
+            <a:off x="0" y="8685213"/>
+            <a:ext cx="2971800" cy="458787"/>
+          </a:xfrm>
+          <a:prstGeom prst="rect">
+            <a:avLst/>
+          </a:prstGeom>
+        </p:spPr>
+        <p:txBody>
+          <a:bodyPr vert="horz" lIns="91440" tIns="45720" rIns="91440" bIns="45720" rtlCol="0" anchor="b"/>
+          <a:lstStyle>
+            <a:lvl1pPr algn="l">
+              <a:defRPr sz="1200"/>
+            </a:lvl1pPr>
+          </a:lstStyle>
+          <a:p>
+            <a:endParaRPr lang="en-US"/>
+          </a:p>
+        </p:txBody>
+      </p:sp>
+      <p:sp>
+        <p:nvSpPr>
+          <p:cNvPr id="7" name="Slide Number Placeholder 6"/>
+          <p:cNvSpPr>
+            <a:spLocks noGrp="1"/>
+          </p:cNvSpPr>
+          <p:nvPr>
+            <p:ph type="sldNum" sz="quarter" idx="5"/>
+          </p:nvPr>
+        </p:nvSpPr>
+        <p:spPr>
+          <a:xfrm>
+            <a:off x="3884613" y="8685213"/>
+            <a:ext cx="2971800" cy="458787"/>
+          </a:xfrm>
+          <a:prstGeom prst="rect">
+            <a:avLst/>
+          </a:prstGeom>
+        </p:spPr>
+        <p:txBody>
+          <a:bodyPr vert="horz" lIns="91440" tIns="45720" rIns="91440" bIns="45720" rtlCol="0" anchor="b"/>
+          <a:lstStyle>
+            <a:lvl1pPr algn="r">
+              <a:defRPr sz="1200"/>
+            </a:lvl1pPr>
+          </a:lstStyle>
+          <a:p>
+            <a:fld id="{AA170446-59DF-E547-AD83-C08F6D85CE5D}" type="slidenum">
+              <a:rPr lang="en-US" smtClean="0"/>
+              <a:t>‹#›</a:t>
+            </a:fld>
+            <a:endParaRPr lang="en-US"/>
+          </a:p>
+        </p:txBody>
+      </p:sp>
+    </p:spTree>
+    <p:extLst>
+      <p:ext uri="{BB962C8B-B14F-4D97-AF65-F5344CB8AC3E}">
+        <p14:creationId xmlns:p14="http://schemas.microsoft.com/office/powerpoint/2010/main" val="1250285477"/>
+      </p:ext>
+    </p:extLst>
+  </p:cSld>
+  <p:clrMap bg1="lt1" tx1="dk1" bg2="lt2" tx2="dk2" accent1="accent1" accent2="accent2" accent3="accent3" accent4="accent4" accent5="accent5" accent6="accent6" hlink="hlink" folHlink="folHlink"/>
+  <p:notesStyle>
+    <a:lvl1pPr marL="0" algn="l" defTabSz="914400" rtl="0" eaLnBrk="1" latinLnBrk="0" hangingPunct="1">
+      <a:defRPr sz="1200" kern="1200">
+        <a:solidFill>
+          <a:schemeClr val="tx1"/>
+        </a:solidFill>
+        <a:latin typeface="+mn-lt"/>
+        <a:ea typeface="+mn-ea"/>
+        <a:cs typeface="+mn-cs"/>
+      </a:defRPr>
+    </a:lvl1pPr>
+    <a:lvl2pPr marL="457200" algn="l" defTabSz="914400" rtl="0" eaLnBrk="1" latinLnBrk="0" hangingPunct="1">
+      <a:defRPr sz="1200" kern="1200">
+        <a:solidFill>
+          <a:schemeClr val="tx1"/>
+        </a:solidFill>
+        <a:latin typeface="+mn-lt"/>
+        <a:ea typeface="+mn-ea"/>
+        <a:cs typeface="+mn-cs"/>
+      </a:defRPr>
+    </a:lvl2pPr>
+    <a:lvl3pPr marL="914400" algn="l" defTabSz="914400" rtl="0" eaLnBrk="1" latinLnBrk="0" hangingPunct="1">
+      <a:defRPr sz="1200" kern="1200">
+        <a:solidFill>
+          <a:schemeClr val="tx1"/>
+        </a:solidFill>
+        <a:latin typeface="+mn-lt"/>
+        <a:ea typeface="+mn-ea"/>
+        <a:cs typeface="+mn-cs"/>
+      </a:defRPr>
+    </a:lvl3pPr>
+    <a:lvl4pPr marL="1371600" algn="l" defTabSz="914400" rtl="0" eaLnBrk="1" latinLnBrk="0" hangingPunct="1">
+      <a:defRPr sz="1200" kern="1200">
+        <a:solidFill>
+          <a:schemeClr val="tx1"/>
+        </a:solidFill>
+        <a:latin typeface="+mn-lt"/>
+        <a:ea typeface="+mn-ea"/>
+        <a:cs typeface="+mn-cs"/>
+      </a:defRPr>
+    </a:lvl4pPr>
+    <a:lvl5pPr marL="1828800" algn="l" defTabSz="914400" rtl="0" eaLnBrk="1" latinLnBrk="0" hangingPunct="1">
+      <a:defRPr sz="1200" kern="1200">
+        <a:solidFill>
+          <a:schemeClr val="tx1"/>
+        </a:solidFill>
+        <a:latin typeface="+mn-lt"/>
+        <a:ea typeface="+mn-ea"/>
+        <a:cs typeface="+mn-cs"/>
+      </a:defRPr>
+    </a:lvl5pPr>
+    <a:lvl6pPr marL="2286000" algn="l" defTabSz="914400" rtl="0" eaLnBrk="1" latinLnBrk="0" hangingPunct="1">
+      <a:defRPr sz="1200" kern="1200">
+        <a:solidFill>
+          <a:schemeClr val="tx1"/>
+        </a:solidFill>
+        <a:latin typeface="+mn-lt"/>
+        <a:ea typeface="+mn-ea"/>
+        <a:cs typeface="+mn-cs"/>
+      </a:defRPr>
+    </a:lvl6pPr>
+    <a:lvl7pPr marL="2743200" algn="l" defTabSz="914400" rtl="0" eaLnBrk="1" latinLnBrk="0" hangingPunct="1">
+      <a:defRPr sz="1200" kern="1200">
+        <a:solidFill>
+          <a:schemeClr val="tx1"/>
+        </a:solidFill>
+        <a:latin typeface="+mn-lt"/>
+        <a:ea typeface="+mn-ea"/>
+        <a:cs typeface="+mn-cs"/>
+      </a:defRPr>
+    </a:lvl7pPr>
+    <a:lvl8pPr marL="3200400" algn="l" defTabSz="914400" rtl="0" eaLnBrk="1" latinLnBrk="0" hangingPunct="1">
+      <a:defRPr sz="1200" kern="1200">
+        <a:solidFill>
+          <a:schemeClr val="tx1"/>
+        </a:solidFill>
+        <a:latin typeface="+mn-lt"/>
+        <a:ea typeface="+mn-ea"/>
+        <a:cs typeface="+mn-cs"/>
+      </a:defRPr>
+    </a:lvl8pPr>
+    <a:lvl9pPr marL="3657600" algn="l" defTabSz="914400" rtl="0" eaLnBrk="1" latinLnBrk="0" hangingPunct="1">
+      <a:defRPr sz="1200" kern="1200">
+        <a:solidFill>
+          <a:schemeClr val="tx1"/>
+        </a:solidFill>
+        <a:latin typeface="+mn-lt"/>
+        <a:ea typeface="+mn-ea"/>
+        <a:cs typeface="+mn-cs"/>
+      </a:defRPr>
+    </a:lvl9pPr>
+  </p:notesStyle>
+</p:notesMaster>
+</file>
+
+<file path=ppt/notesSlides/notesSlide1.xml><?xml version="1.0" encoding="utf-8"?>
+<p:notes xmlns:a="http://schemas.openxmlformats.org/drawingml/2006/main" xmlns:r="http://schemas.openxmlformats.org/officeDocument/2006/relationships" xmlns:p="http://schemas.openxmlformats.org/presentationml/2006/main">
+  <p:cSld>
+    <p:spTree>
+      <p:nvGrpSpPr>
+        <p:cNvPr id="1" name=""/>
+        <p:cNvGrpSpPr/>
+        <p:nvPr/>
+      </p:nvGrpSpPr>
+      <p:grpSpPr>
+        <a:xfrm>
+          <a:off x="0" y="0"/>
+          <a:ext cx="0" cy="0"/>
+          <a:chOff x="0" y="0"/>
+          <a:chExt cx="0" cy="0"/>
+        </a:xfrm>
+      </p:grpSpPr>
+      <p:sp>
+        <p:nvSpPr>
+          <p:cNvPr id="2" name="Slide Image Placeholder 1"/>
+          <p:cNvSpPr>
+            <a:spLocks noGrp="1" noRot="1" noChangeAspect="1"/>
+          </p:cNvSpPr>
+          <p:nvPr>
+            <p:ph type="sldImg"/>
+          </p:nvPr>
+        </p:nvSpPr>
+        <p:spPr>
+          <a:xfrm>
+            <a:off x="784225" y="1143000"/>
+            <a:ext cx="5289550" cy="3086100"/>
+          </a:xfrm>
+        </p:spPr>
+      </p:sp>
+      <p:sp>
+        <p:nvSpPr>
+          <p:cNvPr id="3" name="Notes Placeholder 2"/>
+          <p:cNvSpPr>
+            <a:spLocks noGrp="1"/>
+          </p:cNvSpPr>
+          <p:nvPr>
+            <p:ph type="body" idx="1"/>
+          </p:nvPr>
+        </p:nvSpPr>
+        <p:spPr/>
+        <p:txBody>
+          <a:bodyPr/>
+          <a:lstStyle/>
+          <a:p>
+            <a:endParaRPr lang="en-US" dirty="0"/>
+          </a:p>
+        </p:txBody>
+      </p:sp>
+      <p:sp>
+        <p:nvSpPr>
+          <p:cNvPr id="4" name="Slide Number Placeholder 3"/>
+          <p:cNvSpPr>
+            <a:spLocks noGrp="1"/>
+          </p:cNvSpPr>
+          <p:nvPr>
+            <p:ph type="sldNum" sz="quarter" idx="5"/>
+          </p:nvPr>
+        </p:nvSpPr>
+        <p:spPr/>
+        <p:txBody>
+          <a:bodyPr/>
+          <a:lstStyle/>
+          <a:p>
+            <a:fld id="{AA170446-59DF-E547-AD83-C08F6D85CE5D}" type="slidenum">
+              <a:rPr lang="en-US" smtClean="0"/>
+              <a:t>1</a:t>
+            </a:fld>
+            <a:endParaRPr lang="en-US"/>
+          </a:p>
+        </p:txBody>
+      </p:sp>
+    </p:spTree>
+    <p:extLst>
+      <p:ext uri="{BB962C8B-B14F-4D97-AF65-F5344CB8AC3E}">
+        <p14:creationId xmlns:p14="http://schemas.microsoft.com/office/powerpoint/2010/main" val="1366962714"/>
+      </p:ext>
+    </p:extLst>
+  </p:cSld>
+  <p:clrMapOvr>
+    <a:masterClrMapping/>
+  </p:clrMapOvr>
+</p:notes>
+</file>
+
 <file path=ppt/slideLayouts/slideLayout1.xml><?xml version="1.0" encoding="utf-8"?>
 <p:sldLayout xmlns:a="http://schemas.openxmlformats.org/drawingml/2006/main" xmlns:r="http://schemas.openxmlformats.org/officeDocument/2006/relationships" xmlns:p="http://schemas.openxmlformats.org/presentationml/2006/main" type="title" preserve="1">
   <p:cSld name="Title Slide">
@@ -141,15 +582,15 @@
         </p:nvSpPr>
         <p:spPr>
           <a:xfrm>
-            <a:off x="1543050" y="1197187"/>
-            <a:ext cx="9258300" cy="2546773"/>
+            <a:off x="2057400" y="1571308"/>
+            <a:ext cx="12344400" cy="3342640"/>
           </a:xfrm>
         </p:spPr>
         <p:txBody>
           <a:bodyPr anchor="b"/>
           <a:lstStyle>
             <a:lvl1pPr algn="ctr">
-              <a:defRPr sz="6075"/>
+              <a:defRPr sz="8100"/>
             </a:lvl1pPr>
           </a:lstStyle>
           <a:p>
@@ -173,8 +614,8 @@
         </p:nvSpPr>
         <p:spPr>
           <a:xfrm>
-            <a:off x="1543050" y="3842174"/>
-            <a:ext cx="9258300" cy="1766146"/>
+            <a:off x="2057400" y="5042853"/>
+            <a:ext cx="12344400" cy="2318067"/>
           </a:xfrm>
         </p:spPr>
         <p:txBody>
@@ -182,39 +623,39 @@
           <a:lstStyle>
             <a:lvl1pPr marL="0" indent="0" algn="ctr">
               <a:buNone/>
+              <a:defRPr sz="3240"/>
+            </a:lvl1pPr>
+            <a:lvl2pPr marL="617220" indent="0" algn="ctr">
+              <a:buNone/>
+              <a:defRPr sz="2700"/>
+            </a:lvl2pPr>
+            <a:lvl3pPr marL="1234440" indent="0" algn="ctr">
+              <a:buNone/>
               <a:defRPr sz="2430"/>
-            </a:lvl1pPr>
-            <a:lvl2pPr marL="462915" indent="0" algn="ctr">
+            </a:lvl3pPr>
+            <a:lvl4pPr marL="1851660" indent="0" algn="ctr">
               <a:buNone/>
-              <a:defRPr sz="2025"/>
-            </a:lvl2pPr>
-            <a:lvl3pPr marL="925830" indent="0" algn="ctr">
+              <a:defRPr sz="2160"/>
+            </a:lvl4pPr>
+            <a:lvl5pPr marL="2468880" indent="0" algn="ctr">
               <a:buNone/>
-              <a:defRPr sz="1823"/>
-            </a:lvl3pPr>
-            <a:lvl4pPr marL="1388745" indent="0" algn="ctr">
+              <a:defRPr sz="2160"/>
+            </a:lvl5pPr>
+            <a:lvl6pPr marL="3086100" indent="0" algn="ctr">
               <a:buNone/>
-              <a:defRPr sz="1620"/>
-            </a:lvl4pPr>
-            <a:lvl5pPr marL="1851660" indent="0" algn="ctr">
+              <a:defRPr sz="2160"/>
+            </a:lvl6pPr>
+            <a:lvl7pPr marL="3703320" indent="0" algn="ctr">
               <a:buNone/>
-              <a:defRPr sz="1620"/>
-            </a:lvl5pPr>
-            <a:lvl6pPr marL="2314575" indent="0" algn="ctr">
+              <a:defRPr sz="2160"/>
+            </a:lvl7pPr>
+            <a:lvl8pPr marL="4320540" indent="0" algn="ctr">
               <a:buNone/>
-              <a:defRPr sz="1620"/>
-            </a:lvl6pPr>
-            <a:lvl7pPr marL="2777490" indent="0" algn="ctr">
+              <a:defRPr sz="2160"/>
+            </a:lvl8pPr>
+            <a:lvl9pPr marL="4937760" indent="0" algn="ctr">
               <a:buNone/>
-              <a:defRPr sz="1620"/>
-            </a:lvl7pPr>
-            <a:lvl8pPr marL="3240405" indent="0" algn="ctr">
-              <a:buNone/>
-              <a:defRPr sz="1620"/>
-            </a:lvl8pPr>
-            <a:lvl9pPr marL="3703320" indent="0" algn="ctr">
-              <a:buNone/>
-              <a:defRPr sz="1620"/>
+              <a:defRPr sz="2160"/>
             </a:lvl9pPr>
           </a:lstStyle>
           <a:p>
@@ -243,7 +684,7 @@
           <a:p>
             <a:fld id="{DD6D9246-4FED-8E4D-BC9B-CDD794F2A5B7}" type="datetimeFigureOut">
               <a:rPr lang="en-US" smtClean="0"/>
-              <a:t>12/21/21</a:t>
+              <a:t>12/22/21</a:t>
             </a:fld>
             <a:endParaRPr lang="en-US"/>
           </a:p>
@@ -294,7 +735,7 @@
     </p:spTree>
     <p:extLst>
       <p:ext uri="{BB962C8B-B14F-4D97-AF65-F5344CB8AC3E}">
-        <p14:creationId xmlns:p14="http://schemas.microsoft.com/office/powerpoint/2010/main" val="3668092880"/>
+        <p14:creationId xmlns:p14="http://schemas.microsoft.com/office/powerpoint/2010/main" val="1527012138"/>
       </p:ext>
     </p:extLst>
   </p:cSld>
@@ -413,7 +854,7 @@
           <a:p>
             <a:fld id="{DD6D9246-4FED-8E4D-BC9B-CDD794F2A5B7}" type="datetimeFigureOut">
               <a:rPr lang="en-US" smtClean="0"/>
-              <a:t>12/21/21</a:t>
+              <a:t>12/22/21</a:t>
             </a:fld>
             <a:endParaRPr lang="en-US"/>
           </a:p>
@@ -464,7 +905,7 @@
     </p:spTree>
     <p:extLst>
       <p:ext uri="{BB962C8B-B14F-4D97-AF65-F5344CB8AC3E}">
-        <p14:creationId xmlns:p14="http://schemas.microsoft.com/office/powerpoint/2010/main" val="4051830887"/>
+        <p14:creationId xmlns:p14="http://schemas.microsoft.com/office/powerpoint/2010/main" val="2991324013"/>
       </p:ext>
     </p:extLst>
   </p:cSld>
@@ -503,8 +944,8 @@
         </p:nvSpPr>
         <p:spPr>
           <a:xfrm>
-            <a:off x="8833961" y="389467"/>
-            <a:ext cx="2661761" cy="6199294"/>
+            <a:off x="11778615" y="511175"/>
+            <a:ext cx="3549015" cy="8136573"/>
           </a:xfrm>
         </p:spPr>
         <p:txBody>
@@ -531,8 +972,8 @@
         </p:nvSpPr>
         <p:spPr>
           <a:xfrm>
-            <a:off x="848677" y="389467"/>
-            <a:ext cx="7830979" cy="6199294"/>
+            <a:off x="1131570" y="511175"/>
+            <a:ext cx="10441305" cy="8136573"/>
           </a:xfrm>
         </p:spPr>
         <p:txBody>
@@ -593,7 +1034,7 @@
           <a:p>
             <a:fld id="{DD6D9246-4FED-8E4D-BC9B-CDD794F2A5B7}" type="datetimeFigureOut">
               <a:rPr lang="en-US" smtClean="0"/>
-              <a:t>12/21/21</a:t>
+              <a:t>12/22/21</a:t>
             </a:fld>
             <a:endParaRPr lang="en-US"/>
           </a:p>
@@ -644,7 +1085,7 @@
     </p:spTree>
     <p:extLst>
       <p:ext uri="{BB962C8B-B14F-4D97-AF65-F5344CB8AC3E}">
-        <p14:creationId xmlns:p14="http://schemas.microsoft.com/office/powerpoint/2010/main" val="993098194"/>
+        <p14:creationId xmlns:p14="http://schemas.microsoft.com/office/powerpoint/2010/main" val="895468503"/>
       </p:ext>
     </p:extLst>
   </p:cSld>
@@ -763,7 +1204,7 @@
           <a:p>
             <a:fld id="{DD6D9246-4FED-8E4D-BC9B-CDD794F2A5B7}" type="datetimeFigureOut">
               <a:rPr lang="en-US" smtClean="0"/>
-              <a:t>12/21/21</a:t>
+              <a:t>12/22/21</a:t>
             </a:fld>
             <a:endParaRPr lang="en-US"/>
           </a:p>
@@ -814,7 +1255,7 @@
     </p:spTree>
     <p:extLst>
       <p:ext uri="{BB962C8B-B14F-4D97-AF65-F5344CB8AC3E}">
-        <p14:creationId xmlns:p14="http://schemas.microsoft.com/office/powerpoint/2010/main" val="3797547256"/>
+        <p14:creationId xmlns:p14="http://schemas.microsoft.com/office/powerpoint/2010/main" val="3675647075"/>
       </p:ext>
     </p:extLst>
   </p:cSld>
@@ -853,15 +1294,15 @@
         </p:nvSpPr>
         <p:spPr>
           <a:xfrm>
-            <a:off x="842248" y="1823721"/>
-            <a:ext cx="10647045" cy="3042919"/>
+            <a:off x="1122998" y="2393634"/>
+            <a:ext cx="14196060" cy="3993832"/>
           </a:xfrm>
         </p:spPr>
         <p:txBody>
           <a:bodyPr anchor="b"/>
           <a:lstStyle>
             <a:lvl1pPr>
-              <a:defRPr sz="6075"/>
+              <a:defRPr sz="8100"/>
             </a:lvl1pPr>
           </a:lstStyle>
           <a:p>
@@ -885,14 +1326,34 @@
         </p:nvSpPr>
         <p:spPr>
           <a:xfrm>
-            <a:off x="842248" y="4895428"/>
-            <a:ext cx="10647045" cy="1600199"/>
+            <a:off x="1122998" y="6425249"/>
+            <a:ext cx="14196060" cy="2100262"/>
           </a:xfrm>
         </p:spPr>
         <p:txBody>
           <a:bodyPr/>
           <a:lstStyle>
             <a:lvl1pPr marL="0" indent="0">
+              <a:buNone/>
+              <a:defRPr sz="3240">
+                <a:solidFill>
+                  <a:schemeClr val="tx1">
+                    <a:tint val="75000"/>
+                  </a:schemeClr>
+                </a:solidFill>
+              </a:defRPr>
+            </a:lvl1pPr>
+            <a:lvl2pPr marL="617220" indent="0">
+              <a:buNone/>
+              <a:defRPr sz="2700">
+                <a:solidFill>
+                  <a:schemeClr val="tx1">
+                    <a:tint val="75000"/>
+                  </a:schemeClr>
+                </a:solidFill>
+              </a:defRPr>
+            </a:lvl2pPr>
+            <a:lvl3pPr marL="1234440" indent="0">
               <a:buNone/>
               <a:defRPr sz="2430">
                 <a:solidFill>
@@ -901,30 +1362,10 @@
                   </a:schemeClr>
                 </a:solidFill>
               </a:defRPr>
-            </a:lvl1pPr>
-            <a:lvl2pPr marL="462915" indent="0">
+            </a:lvl3pPr>
+            <a:lvl4pPr marL="1851660" indent="0">
               <a:buNone/>
-              <a:defRPr sz="2025">
-                <a:solidFill>
-                  <a:schemeClr val="tx1">
-                    <a:tint val="75000"/>
-                  </a:schemeClr>
-                </a:solidFill>
-              </a:defRPr>
-            </a:lvl2pPr>
-            <a:lvl3pPr marL="925830" indent="0">
-              <a:buNone/>
-              <a:defRPr sz="1823">
-                <a:solidFill>
-                  <a:schemeClr val="tx1">
-                    <a:tint val="75000"/>
-                  </a:schemeClr>
-                </a:solidFill>
-              </a:defRPr>
-            </a:lvl3pPr>
-            <a:lvl4pPr marL="1388745" indent="0">
-              <a:buNone/>
-              <a:defRPr sz="1620">
+              <a:defRPr sz="2160">
                 <a:solidFill>
                   <a:schemeClr val="tx1">
                     <a:tint val="75000"/>
@@ -932,9 +1373,9 @@
                 </a:solidFill>
               </a:defRPr>
             </a:lvl4pPr>
-            <a:lvl5pPr marL="1851660" indent="0">
+            <a:lvl5pPr marL="2468880" indent="0">
               <a:buNone/>
-              <a:defRPr sz="1620">
+              <a:defRPr sz="2160">
                 <a:solidFill>
                   <a:schemeClr val="tx1">
                     <a:tint val="75000"/>
@@ -942,9 +1383,9 @@
                 </a:solidFill>
               </a:defRPr>
             </a:lvl5pPr>
-            <a:lvl6pPr marL="2314575" indent="0">
+            <a:lvl6pPr marL="3086100" indent="0">
               <a:buNone/>
-              <a:defRPr sz="1620">
+              <a:defRPr sz="2160">
                 <a:solidFill>
                   <a:schemeClr val="tx1">
                     <a:tint val="75000"/>
@@ -952,9 +1393,9 @@
                 </a:solidFill>
               </a:defRPr>
             </a:lvl6pPr>
-            <a:lvl7pPr marL="2777490" indent="0">
+            <a:lvl7pPr marL="3703320" indent="0">
               <a:buNone/>
-              <a:defRPr sz="1620">
+              <a:defRPr sz="2160">
                 <a:solidFill>
                   <a:schemeClr val="tx1">
                     <a:tint val="75000"/>
@@ -962,9 +1403,9 @@
                 </a:solidFill>
               </a:defRPr>
             </a:lvl7pPr>
-            <a:lvl8pPr marL="3240405" indent="0">
+            <a:lvl8pPr marL="4320540" indent="0">
               <a:buNone/>
-              <a:defRPr sz="1620">
+              <a:defRPr sz="2160">
                 <a:solidFill>
                   <a:schemeClr val="tx1">
                     <a:tint val="75000"/>
@@ -972,9 +1413,9 @@
                 </a:solidFill>
               </a:defRPr>
             </a:lvl8pPr>
-            <a:lvl9pPr marL="3703320" indent="0">
+            <a:lvl9pPr marL="4937760" indent="0">
               <a:buNone/>
-              <a:defRPr sz="1620">
+              <a:defRPr sz="2160">
                 <a:solidFill>
                   <a:schemeClr val="tx1">
                     <a:tint val="75000"/>
@@ -1009,7 +1450,7 @@
           <a:p>
             <a:fld id="{DD6D9246-4FED-8E4D-BC9B-CDD794F2A5B7}" type="datetimeFigureOut">
               <a:rPr lang="en-US" smtClean="0"/>
-              <a:t>12/21/21</a:t>
+              <a:t>12/22/21</a:t>
             </a:fld>
             <a:endParaRPr lang="en-US"/>
           </a:p>
@@ -1060,7 +1501,7 @@
     </p:spTree>
     <p:extLst>
       <p:ext uri="{BB962C8B-B14F-4D97-AF65-F5344CB8AC3E}">
-        <p14:creationId xmlns:p14="http://schemas.microsoft.com/office/powerpoint/2010/main" val="4263124533"/>
+        <p14:creationId xmlns:p14="http://schemas.microsoft.com/office/powerpoint/2010/main" val="928641052"/>
       </p:ext>
     </p:extLst>
   </p:cSld>
@@ -1122,8 +1563,8 @@
         </p:nvSpPr>
         <p:spPr>
           <a:xfrm>
-            <a:off x="848678" y="1947333"/>
-            <a:ext cx="5246370" cy="4641427"/>
+            <a:off x="1131570" y="2555875"/>
+            <a:ext cx="6995160" cy="6091873"/>
           </a:xfrm>
         </p:spPr>
         <p:txBody>
@@ -1179,8 +1620,8 @@
         </p:nvSpPr>
         <p:spPr>
           <a:xfrm>
-            <a:off x="6249353" y="1947333"/>
-            <a:ext cx="5246370" cy="4641427"/>
+            <a:off x="8332470" y="2555875"/>
+            <a:ext cx="6995160" cy="6091873"/>
           </a:xfrm>
         </p:spPr>
         <p:txBody>
@@ -1241,7 +1682,7 @@
           <a:p>
             <a:fld id="{DD6D9246-4FED-8E4D-BC9B-CDD794F2A5B7}" type="datetimeFigureOut">
               <a:rPr lang="en-US" smtClean="0"/>
-              <a:t>12/21/21</a:t>
+              <a:t>12/22/21</a:t>
             </a:fld>
             <a:endParaRPr lang="en-US"/>
           </a:p>
@@ -1292,7 +1733,7 @@
     </p:spTree>
     <p:extLst>
       <p:ext uri="{BB962C8B-B14F-4D97-AF65-F5344CB8AC3E}">
-        <p14:creationId xmlns:p14="http://schemas.microsoft.com/office/powerpoint/2010/main" val="269112265"/>
+        <p14:creationId xmlns:p14="http://schemas.microsoft.com/office/powerpoint/2010/main" val="165828989"/>
       </p:ext>
     </p:extLst>
   </p:cSld>
@@ -1331,8 +1772,8 @@
         </p:nvSpPr>
         <p:spPr>
           <a:xfrm>
-            <a:off x="850285" y="389467"/>
-            <a:ext cx="10647045" cy="1413934"/>
+            <a:off x="1133714" y="511176"/>
+            <a:ext cx="14196060" cy="1855788"/>
           </a:xfrm>
         </p:spPr>
         <p:txBody>
@@ -1359,8 +1800,8 @@
         </p:nvSpPr>
         <p:spPr>
           <a:xfrm>
-            <a:off x="850286" y="1793241"/>
-            <a:ext cx="5222259" cy="878839"/>
+            <a:off x="1133715" y="2353628"/>
+            <a:ext cx="6963012" cy="1153477"/>
           </a:xfrm>
         </p:spPr>
         <p:txBody>
@@ -1368,39 +1809,39 @@
           <a:lstStyle>
             <a:lvl1pPr marL="0" indent="0">
               <a:buNone/>
+              <a:defRPr sz="3240" b="1"/>
+            </a:lvl1pPr>
+            <a:lvl2pPr marL="617220" indent="0">
+              <a:buNone/>
+              <a:defRPr sz="2700" b="1"/>
+            </a:lvl2pPr>
+            <a:lvl3pPr marL="1234440" indent="0">
+              <a:buNone/>
               <a:defRPr sz="2430" b="1"/>
-            </a:lvl1pPr>
-            <a:lvl2pPr marL="462915" indent="0">
+            </a:lvl3pPr>
+            <a:lvl4pPr marL="1851660" indent="0">
               <a:buNone/>
-              <a:defRPr sz="2025" b="1"/>
-            </a:lvl2pPr>
-            <a:lvl3pPr marL="925830" indent="0">
+              <a:defRPr sz="2160" b="1"/>
+            </a:lvl4pPr>
+            <a:lvl5pPr marL="2468880" indent="0">
               <a:buNone/>
-              <a:defRPr sz="1823" b="1"/>
-            </a:lvl3pPr>
-            <a:lvl4pPr marL="1388745" indent="0">
+              <a:defRPr sz="2160" b="1"/>
+            </a:lvl5pPr>
+            <a:lvl6pPr marL="3086100" indent="0">
               <a:buNone/>
-              <a:defRPr sz="1620" b="1"/>
-            </a:lvl4pPr>
-            <a:lvl5pPr marL="1851660" indent="0">
+              <a:defRPr sz="2160" b="1"/>
+            </a:lvl6pPr>
+            <a:lvl7pPr marL="3703320" indent="0">
               <a:buNone/>
-              <a:defRPr sz="1620" b="1"/>
-            </a:lvl5pPr>
-            <a:lvl6pPr marL="2314575" indent="0">
+              <a:defRPr sz="2160" b="1"/>
+            </a:lvl7pPr>
+            <a:lvl8pPr marL="4320540" indent="0">
               <a:buNone/>
-              <a:defRPr sz="1620" b="1"/>
-            </a:lvl6pPr>
-            <a:lvl7pPr marL="2777490" indent="0">
+              <a:defRPr sz="2160" b="1"/>
+            </a:lvl8pPr>
+            <a:lvl9pPr marL="4937760" indent="0">
               <a:buNone/>
-              <a:defRPr sz="1620" b="1"/>
-            </a:lvl7pPr>
-            <a:lvl8pPr marL="3240405" indent="0">
-              <a:buNone/>
-              <a:defRPr sz="1620" b="1"/>
-            </a:lvl8pPr>
-            <a:lvl9pPr marL="3703320" indent="0">
-              <a:buNone/>
-              <a:defRPr sz="1620" b="1"/>
+              <a:defRPr sz="2160" b="1"/>
             </a:lvl9pPr>
           </a:lstStyle>
           <a:p>
@@ -1424,8 +1865,8 @@
         </p:nvSpPr>
         <p:spPr>
           <a:xfrm>
-            <a:off x="850286" y="2672080"/>
-            <a:ext cx="5222259" cy="3930227"/>
+            <a:off x="1133715" y="3507105"/>
+            <a:ext cx="6963012" cy="5158423"/>
           </a:xfrm>
         </p:spPr>
         <p:txBody>
@@ -1481,8 +1922,8 @@
         </p:nvSpPr>
         <p:spPr>
           <a:xfrm>
-            <a:off x="6249352" y="1793241"/>
-            <a:ext cx="5247978" cy="878839"/>
+            <a:off x="8332470" y="2353628"/>
+            <a:ext cx="6997304" cy="1153477"/>
           </a:xfrm>
         </p:spPr>
         <p:txBody>
@@ -1490,39 +1931,39 @@
           <a:lstStyle>
             <a:lvl1pPr marL="0" indent="0">
               <a:buNone/>
+              <a:defRPr sz="3240" b="1"/>
+            </a:lvl1pPr>
+            <a:lvl2pPr marL="617220" indent="0">
+              <a:buNone/>
+              <a:defRPr sz="2700" b="1"/>
+            </a:lvl2pPr>
+            <a:lvl3pPr marL="1234440" indent="0">
+              <a:buNone/>
               <a:defRPr sz="2430" b="1"/>
-            </a:lvl1pPr>
-            <a:lvl2pPr marL="462915" indent="0">
+            </a:lvl3pPr>
+            <a:lvl4pPr marL="1851660" indent="0">
               <a:buNone/>
-              <a:defRPr sz="2025" b="1"/>
-            </a:lvl2pPr>
-            <a:lvl3pPr marL="925830" indent="0">
+              <a:defRPr sz="2160" b="1"/>
+            </a:lvl4pPr>
+            <a:lvl5pPr marL="2468880" indent="0">
               <a:buNone/>
-              <a:defRPr sz="1823" b="1"/>
-            </a:lvl3pPr>
-            <a:lvl4pPr marL="1388745" indent="0">
+              <a:defRPr sz="2160" b="1"/>
+            </a:lvl5pPr>
+            <a:lvl6pPr marL="3086100" indent="0">
               <a:buNone/>
-              <a:defRPr sz="1620" b="1"/>
-            </a:lvl4pPr>
-            <a:lvl5pPr marL="1851660" indent="0">
+              <a:defRPr sz="2160" b="1"/>
+            </a:lvl6pPr>
+            <a:lvl7pPr marL="3703320" indent="0">
               <a:buNone/>
-              <a:defRPr sz="1620" b="1"/>
-            </a:lvl5pPr>
-            <a:lvl6pPr marL="2314575" indent="0">
+              <a:defRPr sz="2160" b="1"/>
+            </a:lvl7pPr>
+            <a:lvl8pPr marL="4320540" indent="0">
               <a:buNone/>
-              <a:defRPr sz="1620" b="1"/>
-            </a:lvl6pPr>
-            <a:lvl7pPr marL="2777490" indent="0">
+              <a:defRPr sz="2160" b="1"/>
+            </a:lvl8pPr>
+            <a:lvl9pPr marL="4937760" indent="0">
               <a:buNone/>
-              <a:defRPr sz="1620" b="1"/>
-            </a:lvl7pPr>
-            <a:lvl8pPr marL="3240405" indent="0">
-              <a:buNone/>
-              <a:defRPr sz="1620" b="1"/>
-            </a:lvl8pPr>
-            <a:lvl9pPr marL="3703320" indent="0">
-              <a:buNone/>
-              <a:defRPr sz="1620" b="1"/>
+              <a:defRPr sz="2160" b="1"/>
             </a:lvl9pPr>
           </a:lstStyle>
           <a:p>
@@ -1546,8 +1987,8 @@
         </p:nvSpPr>
         <p:spPr>
           <a:xfrm>
-            <a:off x="6249352" y="2672080"/>
-            <a:ext cx="5247978" cy="3930227"/>
+            <a:off x="8332470" y="3507105"/>
+            <a:ext cx="6997304" cy="5158423"/>
           </a:xfrm>
         </p:spPr>
         <p:txBody>
@@ -1608,7 +2049,7 @@
           <a:p>
             <a:fld id="{DD6D9246-4FED-8E4D-BC9B-CDD794F2A5B7}" type="datetimeFigureOut">
               <a:rPr lang="en-US" smtClean="0"/>
-              <a:t>12/21/21</a:t>
+              <a:t>12/22/21</a:t>
             </a:fld>
             <a:endParaRPr lang="en-US"/>
           </a:p>
@@ -1659,7 +2100,7 @@
     </p:spTree>
     <p:extLst>
       <p:ext uri="{BB962C8B-B14F-4D97-AF65-F5344CB8AC3E}">
-        <p14:creationId xmlns:p14="http://schemas.microsoft.com/office/powerpoint/2010/main" val="526848060"/>
+        <p14:creationId xmlns:p14="http://schemas.microsoft.com/office/powerpoint/2010/main" val="999058608"/>
       </p:ext>
     </p:extLst>
   </p:cSld>
@@ -1726,7 +2167,7 @@
           <a:p>
             <a:fld id="{DD6D9246-4FED-8E4D-BC9B-CDD794F2A5B7}" type="datetimeFigureOut">
               <a:rPr lang="en-US" smtClean="0"/>
-              <a:t>12/21/21</a:t>
+              <a:t>12/22/21</a:t>
             </a:fld>
             <a:endParaRPr lang="en-US"/>
           </a:p>
@@ -1777,7 +2218,7 @@
     </p:spTree>
     <p:extLst>
       <p:ext uri="{BB962C8B-B14F-4D97-AF65-F5344CB8AC3E}">
-        <p14:creationId xmlns:p14="http://schemas.microsoft.com/office/powerpoint/2010/main" val="3686189234"/>
+        <p14:creationId xmlns:p14="http://schemas.microsoft.com/office/powerpoint/2010/main" val="2115408804"/>
       </p:ext>
     </p:extLst>
   </p:cSld>
@@ -1821,7 +2262,7 @@
           <a:p>
             <a:fld id="{DD6D9246-4FED-8E4D-BC9B-CDD794F2A5B7}" type="datetimeFigureOut">
               <a:rPr lang="en-US" smtClean="0"/>
-              <a:t>12/21/21</a:t>
+              <a:t>12/22/21</a:t>
             </a:fld>
             <a:endParaRPr lang="en-US"/>
           </a:p>
@@ -1872,7 +2313,7 @@
     </p:spTree>
     <p:extLst>
       <p:ext uri="{BB962C8B-B14F-4D97-AF65-F5344CB8AC3E}">
-        <p14:creationId xmlns:p14="http://schemas.microsoft.com/office/powerpoint/2010/main" val="3970885832"/>
+        <p14:creationId xmlns:p14="http://schemas.microsoft.com/office/powerpoint/2010/main" val="2609107253"/>
       </p:ext>
     </p:extLst>
   </p:cSld>
@@ -1911,15 +2352,15 @@
         </p:nvSpPr>
         <p:spPr>
           <a:xfrm>
-            <a:off x="850286" y="487680"/>
-            <a:ext cx="3981390" cy="1706880"/>
+            <a:off x="1133714" y="640080"/>
+            <a:ext cx="5308520" cy="2240280"/>
           </a:xfrm>
         </p:spPr>
         <p:txBody>
           <a:bodyPr anchor="b"/>
           <a:lstStyle>
             <a:lvl1pPr>
-              <a:defRPr sz="3240"/>
+              <a:defRPr sz="4320"/>
             </a:lvl1pPr>
           </a:lstStyle>
           <a:p>
@@ -1943,39 +2384,39 @@
         </p:nvSpPr>
         <p:spPr>
           <a:xfrm>
-            <a:off x="5247978" y="1053254"/>
-            <a:ext cx="6249353" cy="5198533"/>
+            <a:off x="6997304" y="1382396"/>
+            <a:ext cx="8332470" cy="6823075"/>
           </a:xfrm>
         </p:spPr>
         <p:txBody>
           <a:bodyPr/>
           <a:lstStyle>
             <a:lvl1pPr>
-              <a:defRPr sz="3240"/>
+              <a:defRPr sz="4320"/>
             </a:lvl1pPr>
             <a:lvl2pPr>
-              <a:defRPr sz="2835"/>
+              <a:defRPr sz="3780"/>
             </a:lvl2pPr>
             <a:lvl3pPr>
-              <a:defRPr sz="2430"/>
+              <a:defRPr sz="3240"/>
             </a:lvl3pPr>
             <a:lvl4pPr>
-              <a:defRPr sz="2025"/>
+              <a:defRPr sz="2700"/>
             </a:lvl4pPr>
             <a:lvl5pPr>
-              <a:defRPr sz="2025"/>
+              <a:defRPr sz="2700"/>
             </a:lvl5pPr>
             <a:lvl6pPr>
-              <a:defRPr sz="2025"/>
+              <a:defRPr sz="2700"/>
             </a:lvl6pPr>
             <a:lvl7pPr>
-              <a:defRPr sz="2025"/>
+              <a:defRPr sz="2700"/>
             </a:lvl7pPr>
             <a:lvl8pPr>
-              <a:defRPr sz="2025"/>
+              <a:defRPr sz="2700"/>
             </a:lvl8pPr>
             <a:lvl9pPr>
-              <a:defRPr sz="2025"/>
+              <a:defRPr sz="2700"/>
             </a:lvl9pPr>
           </a:lstStyle>
           <a:p>
@@ -2028,8 +2469,8 @@
         </p:nvSpPr>
         <p:spPr>
           <a:xfrm>
-            <a:off x="850286" y="2194560"/>
-            <a:ext cx="3981390" cy="4065694"/>
+            <a:off x="1133714" y="2880360"/>
+            <a:ext cx="5308520" cy="5336223"/>
           </a:xfrm>
         </p:spPr>
         <p:txBody>
@@ -2037,39 +2478,39 @@
           <a:lstStyle>
             <a:lvl1pPr marL="0" indent="0">
               <a:buNone/>
+              <a:defRPr sz="2160"/>
+            </a:lvl1pPr>
+            <a:lvl2pPr marL="617220" indent="0">
+              <a:buNone/>
+              <a:defRPr sz="1890"/>
+            </a:lvl2pPr>
+            <a:lvl3pPr marL="1234440" indent="0">
+              <a:buNone/>
               <a:defRPr sz="1620"/>
-            </a:lvl1pPr>
-            <a:lvl2pPr marL="462915" indent="0">
+            </a:lvl3pPr>
+            <a:lvl4pPr marL="1851660" indent="0">
               <a:buNone/>
-              <a:defRPr sz="1418"/>
-            </a:lvl2pPr>
-            <a:lvl3pPr marL="925830" indent="0">
+              <a:defRPr sz="1350"/>
+            </a:lvl4pPr>
+            <a:lvl5pPr marL="2468880" indent="0">
               <a:buNone/>
-              <a:defRPr sz="1215"/>
-            </a:lvl3pPr>
-            <a:lvl4pPr marL="1388745" indent="0">
+              <a:defRPr sz="1350"/>
+            </a:lvl5pPr>
+            <a:lvl6pPr marL="3086100" indent="0">
               <a:buNone/>
-              <a:defRPr sz="1013"/>
-            </a:lvl4pPr>
-            <a:lvl5pPr marL="1851660" indent="0">
+              <a:defRPr sz="1350"/>
+            </a:lvl6pPr>
+            <a:lvl7pPr marL="3703320" indent="0">
               <a:buNone/>
-              <a:defRPr sz="1013"/>
-            </a:lvl5pPr>
-            <a:lvl6pPr marL="2314575" indent="0">
+              <a:defRPr sz="1350"/>
+            </a:lvl7pPr>
+            <a:lvl8pPr marL="4320540" indent="0">
               <a:buNone/>
-              <a:defRPr sz="1013"/>
-            </a:lvl6pPr>
-            <a:lvl7pPr marL="2777490" indent="0">
+              <a:defRPr sz="1350"/>
+            </a:lvl8pPr>
+            <a:lvl9pPr marL="4937760" indent="0">
               <a:buNone/>
-              <a:defRPr sz="1013"/>
-            </a:lvl7pPr>
-            <a:lvl8pPr marL="3240405" indent="0">
-              <a:buNone/>
-              <a:defRPr sz="1013"/>
-            </a:lvl8pPr>
-            <a:lvl9pPr marL="3703320" indent="0">
-              <a:buNone/>
-              <a:defRPr sz="1013"/>
+              <a:defRPr sz="1350"/>
             </a:lvl9pPr>
           </a:lstStyle>
           <a:p>
@@ -2098,7 +2539,7 @@
           <a:p>
             <a:fld id="{DD6D9246-4FED-8E4D-BC9B-CDD794F2A5B7}" type="datetimeFigureOut">
               <a:rPr lang="en-US" smtClean="0"/>
-              <a:t>12/21/21</a:t>
+              <a:t>12/22/21</a:t>
             </a:fld>
             <a:endParaRPr lang="en-US"/>
           </a:p>
@@ -2149,7 +2590,7 @@
     </p:spTree>
     <p:extLst>
       <p:ext uri="{BB962C8B-B14F-4D97-AF65-F5344CB8AC3E}">
-        <p14:creationId xmlns:p14="http://schemas.microsoft.com/office/powerpoint/2010/main" val="2014251814"/>
+        <p14:creationId xmlns:p14="http://schemas.microsoft.com/office/powerpoint/2010/main" val="2634794252"/>
       </p:ext>
     </p:extLst>
   </p:cSld>
@@ -2188,15 +2629,15 @@
         </p:nvSpPr>
         <p:spPr>
           <a:xfrm>
-            <a:off x="850286" y="487680"/>
-            <a:ext cx="3981390" cy="1706880"/>
+            <a:off x="1133714" y="640080"/>
+            <a:ext cx="5308520" cy="2240280"/>
           </a:xfrm>
         </p:spPr>
         <p:txBody>
           <a:bodyPr anchor="b"/>
           <a:lstStyle>
             <a:lvl1pPr>
-              <a:defRPr sz="3240"/>
+              <a:defRPr sz="4320"/>
             </a:lvl1pPr>
           </a:lstStyle>
           <a:p>
@@ -2220,8 +2661,8 @@
         </p:nvSpPr>
         <p:spPr>
           <a:xfrm>
-            <a:off x="5247978" y="1053254"/>
-            <a:ext cx="6249353" cy="5198533"/>
+            <a:off x="6997304" y="1382396"/>
+            <a:ext cx="8332470" cy="6823075"/>
           </a:xfrm>
         </p:spPr>
         <p:txBody>
@@ -2229,39 +2670,39 @@
           <a:lstStyle>
             <a:lvl1pPr marL="0" indent="0">
               <a:buNone/>
+              <a:defRPr sz="4320"/>
+            </a:lvl1pPr>
+            <a:lvl2pPr marL="617220" indent="0">
+              <a:buNone/>
+              <a:defRPr sz="3780"/>
+            </a:lvl2pPr>
+            <a:lvl3pPr marL="1234440" indent="0">
+              <a:buNone/>
               <a:defRPr sz="3240"/>
-            </a:lvl1pPr>
-            <a:lvl2pPr marL="462915" indent="0">
+            </a:lvl3pPr>
+            <a:lvl4pPr marL="1851660" indent="0">
               <a:buNone/>
-              <a:defRPr sz="2835"/>
-            </a:lvl2pPr>
-            <a:lvl3pPr marL="925830" indent="0">
+              <a:defRPr sz="2700"/>
+            </a:lvl4pPr>
+            <a:lvl5pPr marL="2468880" indent="0">
               <a:buNone/>
-              <a:defRPr sz="2430"/>
-            </a:lvl3pPr>
-            <a:lvl4pPr marL="1388745" indent="0">
+              <a:defRPr sz="2700"/>
+            </a:lvl5pPr>
+            <a:lvl6pPr marL="3086100" indent="0">
               <a:buNone/>
-              <a:defRPr sz="2025"/>
-            </a:lvl4pPr>
-            <a:lvl5pPr marL="1851660" indent="0">
+              <a:defRPr sz="2700"/>
+            </a:lvl6pPr>
+            <a:lvl7pPr marL="3703320" indent="0">
               <a:buNone/>
-              <a:defRPr sz="2025"/>
-            </a:lvl5pPr>
-            <a:lvl6pPr marL="2314575" indent="0">
+              <a:defRPr sz="2700"/>
+            </a:lvl7pPr>
+            <a:lvl8pPr marL="4320540" indent="0">
               <a:buNone/>
-              <a:defRPr sz="2025"/>
-            </a:lvl6pPr>
-            <a:lvl7pPr marL="2777490" indent="0">
+              <a:defRPr sz="2700"/>
+            </a:lvl8pPr>
+            <a:lvl9pPr marL="4937760" indent="0">
               <a:buNone/>
-              <a:defRPr sz="2025"/>
-            </a:lvl7pPr>
-            <a:lvl8pPr marL="3240405" indent="0">
-              <a:buNone/>
-              <a:defRPr sz="2025"/>
-            </a:lvl8pPr>
-            <a:lvl9pPr marL="3703320" indent="0">
-              <a:buNone/>
-              <a:defRPr sz="2025"/>
+              <a:defRPr sz="2700"/>
             </a:lvl9pPr>
           </a:lstStyle>
           <a:p>
@@ -2285,8 +2726,8 @@
         </p:nvSpPr>
         <p:spPr>
           <a:xfrm>
-            <a:off x="850286" y="2194560"/>
-            <a:ext cx="3981390" cy="4065694"/>
+            <a:off x="1133714" y="2880360"/>
+            <a:ext cx="5308520" cy="5336223"/>
           </a:xfrm>
         </p:spPr>
         <p:txBody>
@@ -2294,39 +2735,39 @@
           <a:lstStyle>
             <a:lvl1pPr marL="0" indent="0">
               <a:buNone/>
+              <a:defRPr sz="2160"/>
+            </a:lvl1pPr>
+            <a:lvl2pPr marL="617220" indent="0">
+              <a:buNone/>
+              <a:defRPr sz="1890"/>
+            </a:lvl2pPr>
+            <a:lvl3pPr marL="1234440" indent="0">
+              <a:buNone/>
               <a:defRPr sz="1620"/>
-            </a:lvl1pPr>
-            <a:lvl2pPr marL="462915" indent="0">
+            </a:lvl3pPr>
+            <a:lvl4pPr marL="1851660" indent="0">
               <a:buNone/>
-              <a:defRPr sz="1418"/>
-            </a:lvl2pPr>
-            <a:lvl3pPr marL="925830" indent="0">
+              <a:defRPr sz="1350"/>
+            </a:lvl4pPr>
+            <a:lvl5pPr marL="2468880" indent="0">
               <a:buNone/>
-              <a:defRPr sz="1215"/>
-            </a:lvl3pPr>
-            <a:lvl4pPr marL="1388745" indent="0">
+              <a:defRPr sz="1350"/>
+            </a:lvl5pPr>
+            <a:lvl6pPr marL="3086100" indent="0">
               <a:buNone/>
-              <a:defRPr sz="1013"/>
-            </a:lvl4pPr>
-            <a:lvl5pPr marL="1851660" indent="0">
+              <a:defRPr sz="1350"/>
+            </a:lvl6pPr>
+            <a:lvl7pPr marL="3703320" indent="0">
               <a:buNone/>
-              <a:defRPr sz="1013"/>
-            </a:lvl5pPr>
-            <a:lvl6pPr marL="2314575" indent="0">
+              <a:defRPr sz="1350"/>
+            </a:lvl7pPr>
+            <a:lvl8pPr marL="4320540" indent="0">
               <a:buNone/>
-              <a:defRPr sz="1013"/>
-            </a:lvl6pPr>
-            <a:lvl7pPr marL="2777490" indent="0">
+              <a:defRPr sz="1350"/>
+            </a:lvl8pPr>
+            <a:lvl9pPr marL="4937760" indent="0">
               <a:buNone/>
-              <a:defRPr sz="1013"/>
-            </a:lvl7pPr>
-            <a:lvl8pPr marL="3240405" indent="0">
-              <a:buNone/>
-              <a:defRPr sz="1013"/>
-            </a:lvl8pPr>
-            <a:lvl9pPr marL="3703320" indent="0">
-              <a:buNone/>
-              <a:defRPr sz="1013"/>
+              <a:defRPr sz="1350"/>
             </a:lvl9pPr>
           </a:lstStyle>
           <a:p>
@@ -2355,7 +2796,7 @@
           <a:p>
             <a:fld id="{DD6D9246-4FED-8E4D-BC9B-CDD794F2A5B7}" type="datetimeFigureOut">
               <a:rPr lang="en-US" smtClean="0"/>
-              <a:t>12/21/21</a:t>
+              <a:t>12/22/21</a:t>
             </a:fld>
             <a:endParaRPr lang="en-US"/>
           </a:p>
@@ -2406,7 +2847,7 @@
     </p:spTree>
     <p:extLst>
       <p:ext uri="{BB962C8B-B14F-4D97-AF65-F5344CB8AC3E}">
-        <p14:creationId xmlns:p14="http://schemas.microsoft.com/office/powerpoint/2010/main" val="622570907"/>
+        <p14:creationId xmlns:p14="http://schemas.microsoft.com/office/powerpoint/2010/main" val="3088564528"/>
       </p:ext>
     </p:extLst>
   </p:cSld>
@@ -2450,8 +2891,8 @@
         </p:nvSpPr>
         <p:spPr>
           <a:xfrm>
-            <a:off x="848678" y="389467"/>
-            <a:ext cx="10647045" cy="1413934"/>
+            <a:off x="1131570" y="511176"/>
+            <a:ext cx="14196060" cy="1855788"/>
           </a:xfrm>
           <a:prstGeom prst="rect">
             <a:avLst/>
@@ -2483,8 +2924,8 @@
         </p:nvSpPr>
         <p:spPr>
           <a:xfrm>
-            <a:off x="848678" y="1947333"/>
-            <a:ext cx="10647045" cy="4641427"/>
+            <a:off x="1131570" y="2555875"/>
+            <a:ext cx="14196060" cy="6091873"/>
           </a:xfrm>
           <a:prstGeom prst="rect">
             <a:avLst/>
@@ -2545,8 +2986,8 @@
         </p:nvSpPr>
         <p:spPr>
           <a:xfrm>
-            <a:off x="848678" y="6780107"/>
-            <a:ext cx="2777490" cy="389467"/>
+            <a:off x="1131570" y="8898891"/>
+            <a:ext cx="3703320" cy="511175"/>
           </a:xfrm>
           <a:prstGeom prst="rect">
             <a:avLst/>
@@ -2556,7 +2997,7 @@
           <a:bodyPr vert="horz" lIns="91440" tIns="45720" rIns="91440" bIns="45720" rtlCol="0" anchor="ctr"/>
           <a:lstStyle>
             <a:lvl1pPr algn="l">
-              <a:defRPr sz="1215">
+              <a:defRPr sz="1620">
                 <a:solidFill>
                   <a:schemeClr val="tx1">
                     <a:tint val="75000"/>
@@ -2568,7 +3009,7 @@
           <a:p>
             <a:fld id="{DD6D9246-4FED-8E4D-BC9B-CDD794F2A5B7}" type="datetimeFigureOut">
               <a:rPr lang="en-US" smtClean="0"/>
-              <a:t>12/21/21</a:t>
+              <a:t>12/22/21</a:t>
             </a:fld>
             <a:endParaRPr lang="en-US"/>
           </a:p>
@@ -2586,8 +3027,8 @@
         </p:nvSpPr>
         <p:spPr>
           <a:xfrm>
-            <a:off x="4089083" y="6780107"/>
-            <a:ext cx="4166235" cy="389467"/>
+            <a:off x="5452110" y="8898891"/>
+            <a:ext cx="5554980" cy="511175"/>
           </a:xfrm>
           <a:prstGeom prst="rect">
             <a:avLst/>
@@ -2597,7 +3038,7 @@
           <a:bodyPr vert="horz" lIns="91440" tIns="45720" rIns="91440" bIns="45720" rtlCol="0" anchor="ctr"/>
           <a:lstStyle>
             <a:lvl1pPr algn="ctr">
-              <a:defRPr sz="1215">
+              <a:defRPr sz="1620">
                 <a:solidFill>
                   <a:schemeClr val="tx1">
                     <a:tint val="75000"/>
@@ -2623,8 +3064,8 @@
         </p:nvSpPr>
         <p:spPr>
           <a:xfrm>
-            <a:off x="8718233" y="6780107"/>
-            <a:ext cx="2777490" cy="389467"/>
+            <a:off x="11624310" y="8898891"/>
+            <a:ext cx="3703320" cy="511175"/>
           </a:xfrm>
           <a:prstGeom prst="rect">
             <a:avLst/>
@@ -2634,7 +3075,7 @@
           <a:bodyPr vert="horz" lIns="91440" tIns="45720" rIns="91440" bIns="45720" rtlCol="0" anchor="ctr"/>
           <a:lstStyle>
             <a:lvl1pPr algn="r">
-              <a:defRPr sz="1215">
+              <a:defRPr sz="1620">
                 <a:solidFill>
                   <a:schemeClr val="tx1">
                     <a:tint val="75000"/>
@@ -2655,27 +3096,27 @@
     </p:spTree>
     <p:extLst>
       <p:ext uri="{BB962C8B-B14F-4D97-AF65-F5344CB8AC3E}">
-        <p14:creationId xmlns:p14="http://schemas.microsoft.com/office/powerpoint/2010/main" val="2047166405"/>
+        <p14:creationId xmlns:p14="http://schemas.microsoft.com/office/powerpoint/2010/main" val="1767624253"/>
       </p:ext>
     </p:extLst>
   </p:cSld>
   <p:clrMap bg1="lt1" tx1="dk1" bg2="lt2" tx2="dk2" accent1="accent1" accent2="accent2" accent3="accent3" accent4="accent4" accent5="accent5" accent6="accent6" hlink="hlink" folHlink="folHlink"/>
   <p:sldLayoutIdLst>
-    <p:sldLayoutId id="2147483757" r:id="rId1"/>
-    <p:sldLayoutId id="2147483758" r:id="rId2"/>
-    <p:sldLayoutId id="2147483759" r:id="rId3"/>
-    <p:sldLayoutId id="2147483760" r:id="rId4"/>
-    <p:sldLayoutId id="2147483761" r:id="rId5"/>
-    <p:sldLayoutId id="2147483762" r:id="rId6"/>
-    <p:sldLayoutId id="2147483763" r:id="rId7"/>
-    <p:sldLayoutId id="2147483764" r:id="rId8"/>
-    <p:sldLayoutId id="2147483765" r:id="rId9"/>
-    <p:sldLayoutId id="2147483766" r:id="rId10"/>
-    <p:sldLayoutId id="2147483767" r:id="rId11"/>
+    <p:sldLayoutId id="2147483817" r:id="rId1"/>
+    <p:sldLayoutId id="2147483818" r:id="rId2"/>
+    <p:sldLayoutId id="2147483819" r:id="rId3"/>
+    <p:sldLayoutId id="2147483820" r:id="rId4"/>
+    <p:sldLayoutId id="2147483821" r:id="rId5"/>
+    <p:sldLayoutId id="2147483822" r:id="rId6"/>
+    <p:sldLayoutId id="2147483823" r:id="rId7"/>
+    <p:sldLayoutId id="2147483824" r:id="rId8"/>
+    <p:sldLayoutId id="2147483825" r:id="rId9"/>
+    <p:sldLayoutId id="2147483826" r:id="rId10"/>
+    <p:sldLayoutId id="2147483827" r:id="rId11"/>
   </p:sldLayoutIdLst>
   <p:txStyles>
     <p:titleStyle>
-      <a:lvl1pPr algn="l" defTabSz="925830" rtl="0" eaLnBrk="1" latinLnBrk="0" hangingPunct="1">
+      <a:lvl1pPr algn="l" defTabSz="1234440" rtl="0" eaLnBrk="1" latinLnBrk="0" hangingPunct="1">
         <a:lnSpc>
           <a:spcPct val="90000"/>
         </a:lnSpc>
@@ -2683,7 +3124,7 @@
           <a:spcPct val="0"/>
         </a:spcBef>
         <a:buNone/>
-        <a:defRPr sz="4455" kern="1200">
+        <a:defRPr sz="5940" kern="1200">
           <a:solidFill>
             <a:schemeClr val="tx1"/>
           </a:solidFill>
@@ -2694,16 +3135,16 @@
       </a:lvl1pPr>
     </p:titleStyle>
     <p:bodyStyle>
-      <a:lvl1pPr marL="231458" indent="-231458" algn="l" defTabSz="925830" rtl="0" eaLnBrk="1" latinLnBrk="0" hangingPunct="1">
+      <a:lvl1pPr marL="308610" indent="-308610" algn="l" defTabSz="1234440" rtl="0" eaLnBrk="1" latinLnBrk="0" hangingPunct="1">
         <a:lnSpc>
           <a:spcPct val="90000"/>
         </a:lnSpc>
         <a:spcBef>
-          <a:spcPts val="1013"/>
+          <a:spcPts val="1350"/>
         </a:spcBef>
         <a:buFont typeface="Arial" panose="020B0604020202020204" pitchFamily="34" charset="0"/>
         <a:buChar char="•"/>
-        <a:defRPr sz="2835" kern="1200">
+        <a:defRPr sz="3780" kern="1200">
           <a:solidFill>
             <a:schemeClr val="tx1"/>
           </a:solidFill>
@@ -2712,12 +3153,48 @@
           <a:cs typeface="+mn-cs"/>
         </a:defRPr>
       </a:lvl1pPr>
-      <a:lvl2pPr marL="694373" indent="-231458" algn="l" defTabSz="925830" rtl="0" eaLnBrk="1" latinLnBrk="0" hangingPunct="1">
+      <a:lvl2pPr marL="925830" indent="-308610" algn="l" defTabSz="1234440" rtl="0" eaLnBrk="1" latinLnBrk="0" hangingPunct="1">
         <a:lnSpc>
           <a:spcPct val="90000"/>
         </a:lnSpc>
         <a:spcBef>
-          <a:spcPts val="506"/>
+          <a:spcPts val="675"/>
+        </a:spcBef>
+        <a:buFont typeface="Arial" panose="020B0604020202020204" pitchFamily="34" charset="0"/>
+        <a:buChar char="•"/>
+        <a:defRPr sz="3240" kern="1200">
+          <a:solidFill>
+            <a:schemeClr val="tx1"/>
+          </a:solidFill>
+          <a:latin typeface="+mn-lt"/>
+          <a:ea typeface="+mn-ea"/>
+          <a:cs typeface="+mn-cs"/>
+        </a:defRPr>
+      </a:lvl2pPr>
+      <a:lvl3pPr marL="1543050" indent="-308610" algn="l" defTabSz="1234440" rtl="0" eaLnBrk="1" latinLnBrk="0" hangingPunct="1">
+        <a:lnSpc>
+          <a:spcPct val="90000"/>
+        </a:lnSpc>
+        <a:spcBef>
+          <a:spcPts val="675"/>
+        </a:spcBef>
+        <a:buFont typeface="Arial" panose="020B0604020202020204" pitchFamily="34" charset="0"/>
+        <a:buChar char="•"/>
+        <a:defRPr sz="2700" kern="1200">
+          <a:solidFill>
+            <a:schemeClr val="tx1"/>
+          </a:solidFill>
+          <a:latin typeface="+mn-lt"/>
+          <a:ea typeface="+mn-ea"/>
+          <a:cs typeface="+mn-cs"/>
+        </a:defRPr>
+      </a:lvl3pPr>
+      <a:lvl4pPr marL="2160270" indent="-308610" algn="l" defTabSz="1234440" rtl="0" eaLnBrk="1" latinLnBrk="0" hangingPunct="1">
+        <a:lnSpc>
+          <a:spcPct val="90000"/>
+        </a:lnSpc>
+        <a:spcBef>
+          <a:spcPts val="675"/>
         </a:spcBef>
         <a:buFont typeface="Arial" panose="020B0604020202020204" pitchFamily="34" charset="0"/>
         <a:buChar char="•"/>
@@ -2729,53 +3206,17 @@
           <a:ea typeface="+mn-ea"/>
           <a:cs typeface="+mn-cs"/>
         </a:defRPr>
-      </a:lvl2pPr>
-      <a:lvl3pPr marL="1157288" indent="-231458" algn="l" defTabSz="925830" rtl="0" eaLnBrk="1" latinLnBrk="0" hangingPunct="1">
+      </a:lvl4pPr>
+      <a:lvl5pPr marL="2777490" indent="-308610" algn="l" defTabSz="1234440" rtl="0" eaLnBrk="1" latinLnBrk="0" hangingPunct="1">
         <a:lnSpc>
           <a:spcPct val="90000"/>
         </a:lnSpc>
         <a:spcBef>
-          <a:spcPts val="506"/>
+          <a:spcPts val="675"/>
         </a:spcBef>
         <a:buFont typeface="Arial" panose="020B0604020202020204" pitchFamily="34" charset="0"/>
         <a:buChar char="•"/>
-        <a:defRPr sz="2025" kern="1200">
-          <a:solidFill>
-            <a:schemeClr val="tx1"/>
-          </a:solidFill>
-          <a:latin typeface="+mn-lt"/>
-          <a:ea typeface="+mn-ea"/>
-          <a:cs typeface="+mn-cs"/>
-        </a:defRPr>
-      </a:lvl3pPr>
-      <a:lvl4pPr marL="1620203" indent="-231458" algn="l" defTabSz="925830" rtl="0" eaLnBrk="1" latinLnBrk="0" hangingPunct="1">
-        <a:lnSpc>
-          <a:spcPct val="90000"/>
-        </a:lnSpc>
-        <a:spcBef>
-          <a:spcPts val="506"/>
-        </a:spcBef>
-        <a:buFont typeface="Arial" panose="020B0604020202020204" pitchFamily="34" charset="0"/>
-        <a:buChar char="•"/>
-        <a:defRPr sz="1823" kern="1200">
-          <a:solidFill>
-            <a:schemeClr val="tx1"/>
-          </a:solidFill>
-          <a:latin typeface="+mn-lt"/>
-          <a:ea typeface="+mn-ea"/>
-          <a:cs typeface="+mn-cs"/>
-        </a:defRPr>
-      </a:lvl4pPr>
-      <a:lvl5pPr marL="2083118" indent="-231458" algn="l" defTabSz="925830" rtl="0" eaLnBrk="1" latinLnBrk="0" hangingPunct="1">
-        <a:lnSpc>
-          <a:spcPct val="90000"/>
-        </a:lnSpc>
-        <a:spcBef>
-          <a:spcPts val="506"/>
-        </a:spcBef>
-        <a:buFont typeface="Arial" panose="020B0604020202020204" pitchFamily="34" charset="0"/>
-        <a:buChar char="•"/>
-        <a:defRPr sz="1823" kern="1200">
+        <a:defRPr sz="2430" kern="1200">
           <a:solidFill>
             <a:schemeClr val="tx1"/>
           </a:solidFill>
@@ -2784,16 +3225,16 @@
           <a:cs typeface="+mn-cs"/>
         </a:defRPr>
       </a:lvl5pPr>
-      <a:lvl6pPr marL="2546033" indent="-231458" algn="l" defTabSz="925830" rtl="0" eaLnBrk="1" latinLnBrk="0" hangingPunct="1">
+      <a:lvl6pPr marL="3394710" indent="-308610" algn="l" defTabSz="1234440" rtl="0" eaLnBrk="1" latinLnBrk="0" hangingPunct="1">
         <a:lnSpc>
           <a:spcPct val="90000"/>
         </a:lnSpc>
         <a:spcBef>
-          <a:spcPts val="506"/>
+          <a:spcPts val="675"/>
         </a:spcBef>
         <a:buFont typeface="Arial" panose="020B0604020202020204" pitchFamily="34" charset="0"/>
         <a:buChar char="•"/>
-        <a:defRPr sz="1823" kern="1200">
+        <a:defRPr sz="2430" kern="1200">
           <a:solidFill>
             <a:schemeClr val="tx1"/>
           </a:solidFill>
@@ -2802,16 +3243,16 @@
           <a:cs typeface="+mn-cs"/>
         </a:defRPr>
       </a:lvl6pPr>
-      <a:lvl7pPr marL="3008948" indent="-231458" algn="l" defTabSz="925830" rtl="0" eaLnBrk="1" latinLnBrk="0" hangingPunct="1">
+      <a:lvl7pPr marL="4011930" indent="-308610" algn="l" defTabSz="1234440" rtl="0" eaLnBrk="1" latinLnBrk="0" hangingPunct="1">
         <a:lnSpc>
           <a:spcPct val="90000"/>
         </a:lnSpc>
         <a:spcBef>
-          <a:spcPts val="506"/>
+          <a:spcPts val="675"/>
         </a:spcBef>
         <a:buFont typeface="Arial" panose="020B0604020202020204" pitchFamily="34" charset="0"/>
         <a:buChar char="•"/>
-        <a:defRPr sz="1823" kern="1200">
+        <a:defRPr sz="2430" kern="1200">
           <a:solidFill>
             <a:schemeClr val="tx1"/>
           </a:solidFill>
@@ -2820,16 +3261,16 @@
           <a:cs typeface="+mn-cs"/>
         </a:defRPr>
       </a:lvl7pPr>
-      <a:lvl8pPr marL="3471863" indent="-231458" algn="l" defTabSz="925830" rtl="0" eaLnBrk="1" latinLnBrk="0" hangingPunct="1">
+      <a:lvl8pPr marL="4629150" indent="-308610" algn="l" defTabSz="1234440" rtl="0" eaLnBrk="1" latinLnBrk="0" hangingPunct="1">
         <a:lnSpc>
           <a:spcPct val="90000"/>
         </a:lnSpc>
         <a:spcBef>
-          <a:spcPts val="506"/>
+          <a:spcPts val="675"/>
         </a:spcBef>
         <a:buFont typeface="Arial" panose="020B0604020202020204" pitchFamily="34" charset="0"/>
         <a:buChar char="•"/>
-        <a:defRPr sz="1823" kern="1200">
+        <a:defRPr sz="2430" kern="1200">
           <a:solidFill>
             <a:schemeClr val="tx1"/>
           </a:solidFill>
@@ -2838,16 +3279,16 @@
           <a:cs typeface="+mn-cs"/>
         </a:defRPr>
       </a:lvl8pPr>
-      <a:lvl9pPr marL="3934778" indent="-231458" algn="l" defTabSz="925830" rtl="0" eaLnBrk="1" latinLnBrk="0" hangingPunct="1">
+      <a:lvl9pPr marL="5246370" indent="-308610" algn="l" defTabSz="1234440" rtl="0" eaLnBrk="1" latinLnBrk="0" hangingPunct="1">
         <a:lnSpc>
           <a:spcPct val="90000"/>
         </a:lnSpc>
         <a:spcBef>
-          <a:spcPts val="506"/>
+          <a:spcPts val="675"/>
         </a:spcBef>
         <a:buFont typeface="Arial" panose="020B0604020202020204" pitchFamily="34" charset="0"/>
         <a:buChar char="•"/>
-        <a:defRPr sz="1823" kern="1200">
+        <a:defRPr sz="2430" kern="1200">
           <a:solidFill>
             <a:schemeClr val="tx1"/>
           </a:solidFill>
@@ -2861,8 +3302,8 @@
       <a:defPPr>
         <a:defRPr lang="en-US"/>
       </a:defPPr>
-      <a:lvl1pPr marL="0" algn="l" defTabSz="925830" rtl="0" eaLnBrk="1" latinLnBrk="0" hangingPunct="1">
-        <a:defRPr sz="1823" kern="1200">
+      <a:lvl1pPr marL="0" algn="l" defTabSz="1234440" rtl="0" eaLnBrk="1" latinLnBrk="0" hangingPunct="1">
+        <a:defRPr sz="2430" kern="1200">
           <a:solidFill>
             <a:schemeClr val="tx1"/>
           </a:solidFill>
@@ -2871,8 +3312,8 @@
           <a:cs typeface="+mn-cs"/>
         </a:defRPr>
       </a:lvl1pPr>
-      <a:lvl2pPr marL="462915" algn="l" defTabSz="925830" rtl="0" eaLnBrk="1" latinLnBrk="0" hangingPunct="1">
-        <a:defRPr sz="1823" kern="1200">
+      <a:lvl2pPr marL="617220" algn="l" defTabSz="1234440" rtl="0" eaLnBrk="1" latinLnBrk="0" hangingPunct="1">
+        <a:defRPr sz="2430" kern="1200">
           <a:solidFill>
             <a:schemeClr val="tx1"/>
           </a:solidFill>
@@ -2881,8 +3322,8 @@
           <a:cs typeface="+mn-cs"/>
         </a:defRPr>
       </a:lvl2pPr>
-      <a:lvl3pPr marL="925830" algn="l" defTabSz="925830" rtl="0" eaLnBrk="1" latinLnBrk="0" hangingPunct="1">
-        <a:defRPr sz="1823" kern="1200">
+      <a:lvl3pPr marL="1234440" algn="l" defTabSz="1234440" rtl="0" eaLnBrk="1" latinLnBrk="0" hangingPunct="1">
+        <a:defRPr sz="2430" kern="1200">
           <a:solidFill>
             <a:schemeClr val="tx1"/>
           </a:solidFill>
@@ -2891,8 +3332,8 @@
           <a:cs typeface="+mn-cs"/>
         </a:defRPr>
       </a:lvl3pPr>
-      <a:lvl4pPr marL="1388745" algn="l" defTabSz="925830" rtl="0" eaLnBrk="1" latinLnBrk="0" hangingPunct="1">
-        <a:defRPr sz="1823" kern="1200">
+      <a:lvl4pPr marL="1851660" algn="l" defTabSz="1234440" rtl="0" eaLnBrk="1" latinLnBrk="0" hangingPunct="1">
+        <a:defRPr sz="2430" kern="1200">
           <a:solidFill>
             <a:schemeClr val="tx1"/>
           </a:solidFill>
@@ -2901,8 +3342,8 @@
           <a:cs typeface="+mn-cs"/>
         </a:defRPr>
       </a:lvl4pPr>
-      <a:lvl5pPr marL="1851660" algn="l" defTabSz="925830" rtl="0" eaLnBrk="1" latinLnBrk="0" hangingPunct="1">
-        <a:defRPr sz="1823" kern="1200">
+      <a:lvl5pPr marL="2468880" algn="l" defTabSz="1234440" rtl="0" eaLnBrk="1" latinLnBrk="0" hangingPunct="1">
+        <a:defRPr sz="2430" kern="1200">
           <a:solidFill>
             <a:schemeClr val="tx1"/>
           </a:solidFill>
@@ -2911,8 +3352,8 @@
           <a:cs typeface="+mn-cs"/>
         </a:defRPr>
       </a:lvl5pPr>
-      <a:lvl6pPr marL="2314575" algn="l" defTabSz="925830" rtl="0" eaLnBrk="1" latinLnBrk="0" hangingPunct="1">
-        <a:defRPr sz="1823" kern="1200">
+      <a:lvl6pPr marL="3086100" algn="l" defTabSz="1234440" rtl="0" eaLnBrk="1" latinLnBrk="0" hangingPunct="1">
+        <a:defRPr sz="2430" kern="1200">
           <a:solidFill>
             <a:schemeClr val="tx1"/>
           </a:solidFill>
@@ -2921,8 +3362,8 @@
           <a:cs typeface="+mn-cs"/>
         </a:defRPr>
       </a:lvl6pPr>
-      <a:lvl7pPr marL="2777490" algn="l" defTabSz="925830" rtl="0" eaLnBrk="1" latinLnBrk="0" hangingPunct="1">
-        <a:defRPr sz="1823" kern="1200">
+      <a:lvl7pPr marL="3703320" algn="l" defTabSz="1234440" rtl="0" eaLnBrk="1" latinLnBrk="0" hangingPunct="1">
+        <a:defRPr sz="2430" kern="1200">
           <a:solidFill>
             <a:schemeClr val="tx1"/>
           </a:solidFill>
@@ -2931,8 +3372,8 @@
           <a:cs typeface="+mn-cs"/>
         </a:defRPr>
       </a:lvl7pPr>
-      <a:lvl8pPr marL="3240405" algn="l" defTabSz="925830" rtl="0" eaLnBrk="1" latinLnBrk="0" hangingPunct="1">
-        <a:defRPr sz="1823" kern="1200">
+      <a:lvl8pPr marL="4320540" algn="l" defTabSz="1234440" rtl="0" eaLnBrk="1" latinLnBrk="0" hangingPunct="1">
+        <a:defRPr sz="2430" kern="1200">
           <a:solidFill>
             <a:schemeClr val="tx1"/>
           </a:solidFill>
@@ -2941,8 +3382,8 @@
           <a:cs typeface="+mn-cs"/>
         </a:defRPr>
       </a:lvl8pPr>
-      <a:lvl9pPr marL="3703320" algn="l" defTabSz="925830" rtl="0" eaLnBrk="1" latinLnBrk="0" hangingPunct="1">
-        <a:defRPr sz="1823" kern="1200">
+      <a:lvl9pPr marL="4937760" algn="l" defTabSz="1234440" rtl="0" eaLnBrk="1" latinLnBrk="0" hangingPunct="1">
+        <a:defRPr sz="2430" kern="1200">
           <a:solidFill>
             <a:schemeClr val="tx1"/>
           </a:solidFill>
@@ -2975,6 +3416,90 @@
       </p:grpSpPr>
       <p:sp>
         <p:nvSpPr>
+          <p:cNvPr id="97" name="TextBox 96">
+            <a:extLst>
+              <a:ext uri="{FF2B5EF4-FFF2-40B4-BE49-F238E27FC236}">
+                <a16:creationId xmlns:a16="http://schemas.microsoft.com/office/drawing/2014/main" id="{15BE1F4D-4416-7D4D-AC90-2D4402F63CED}"/>
+              </a:ext>
+            </a:extLst>
+          </p:cNvPr>
+          <p:cNvSpPr txBox="1"/>
+          <p:nvPr/>
+        </p:nvSpPr>
+        <p:spPr>
+          <a:xfrm>
+            <a:off x="8723579" y="2501513"/>
+            <a:ext cx="4979556" cy="502766"/>
+          </a:xfrm>
+          <a:prstGeom prst="rect">
+            <a:avLst/>
+          </a:prstGeom>
+          <a:noFill/>
+        </p:spPr>
+        <p:txBody>
+          <a:bodyPr wrap="square" rtlCol="0">
+            <a:spAutoFit/>
+          </a:bodyPr>
+          <a:lstStyle/>
+          <a:p>
+            <a:r>
+              <a:rPr lang="en-US" sz="2667" dirty="0">
+                <a:solidFill>
+                  <a:schemeClr val="accent4">
+                    <a:lumMod val="75000"/>
+                  </a:schemeClr>
+                </a:solidFill>
+                <a:latin typeface="Courier" pitchFamily="2" charset="0"/>
+              </a:rPr>
+              <a:t>ACGAACGUUUGAGAGCGAGA</a:t>
+            </a:r>
+          </a:p>
+        </p:txBody>
+      </p:sp>
+      <p:sp>
+        <p:nvSpPr>
+          <p:cNvPr id="140" name="TextBox 139">
+            <a:extLst>
+              <a:ext uri="{FF2B5EF4-FFF2-40B4-BE49-F238E27FC236}">
+                <a16:creationId xmlns:a16="http://schemas.microsoft.com/office/drawing/2014/main" id="{9CF4877B-8FD4-A74D-9F7B-23801011E8EC}"/>
+              </a:ext>
+            </a:extLst>
+          </p:cNvPr>
+          <p:cNvSpPr txBox="1"/>
+          <p:nvPr/>
+        </p:nvSpPr>
+        <p:spPr>
+          <a:xfrm>
+            <a:off x="12809415" y="1591754"/>
+            <a:ext cx="1080813" cy="353943"/>
+          </a:xfrm>
+          <a:prstGeom prst="rect">
+            <a:avLst/>
+          </a:prstGeom>
+          <a:noFill/>
+        </p:spPr>
+        <p:txBody>
+          <a:bodyPr wrap="square" rtlCol="0">
+            <a:spAutoFit/>
+          </a:bodyPr>
+          <a:lstStyle/>
+          <a:p>
+            <a:pPr algn="ctr"/>
+            <a:r>
+              <a:rPr lang="en-US" sz="1700" dirty="0">
+                <a:solidFill>
+                  <a:schemeClr val="accent2">
+                    <a:lumMod val="75000"/>
+                  </a:schemeClr>
+                </a:solidFill>
+              </a:rPr>
+              <a:t>PAM</a:t>
+            </a:r>
+          </a:p>
+        </p:txBody>
+      </p:sp>
+      <p:sp>
+        <p:nvSpPr>
           <p:cNvPr id="5" name="TextBox 4">
             <a:extLst>
               <a:ext uri="{FF2B5EF4-FFF2-40B4-BE49-F238E27FC236}">
@@ -2987,7 +3512,7 @@
         </p:nvSpPr>
         <p:spPr>
           <a:xfrm>
-            <a:off x="6264953" y="1800045"/>
+            <a:off x="8720520" y="1893664"/>
             <a:ext cx="4979556" cy="502766"/>
           </a:xfrm>
           <a:prstGeom prst="rect">
@@ -3004,7 +3529,7 @@
             <a:r>
               <a:rPr lang="en-US" sz="2667" dirty="0">
                 <a:solidFill>
-                  <a:schemeClr val="accent4">
+                  <a:schemeClr val="tx2">
                     <a:lumMod val="60000"/>
                     <a:lumOff val="40000"/>
                   </a:schemeClr>
@@ -3012,15 +3537,6 @@
                 <a:latin typeface="Courier" pitchFamily="2" charset="0"/>
               </a:rPr>
               <a:t>ACGAACGTTTGAGAGCGAGA</a:t>
-            </a:r>
-            <a:r>
-              <a:rPr lang="en-US" sz="2667" dirty="0">
-                <a:solidFill>
-                  <a:srgbClr val="FF0000"/>
-                </a:solidFill>
-                <a:latin typeface="Courier" pitchFamily="2" charset="0"/>
-              </a:rPr>
-              <a:t>N</a:t>
             </a:r>
             <a:r>
               <a:rPr lang="en-US" sz="2667" dirty="0">
@@ -3031,7 +3547,7 @@
                 </a:solidFill>
                 <a:latin typeface="Courier" pitchFamily="2" charset="0"/>
               </a:rPr>
-              <a:t>GG</a:t>
+              <a:t>NGG</a:t>
             </a:r>
           </a:p>
         </p:txBody>
@@ -3052,8 +3568,8 @@
         </p:nvCxnSpPr>
         <p:spPr>
           <a:xfrm>
-            <a:off x="5752467" y="2051428"/>
-            <a:ext cx="580225" cy="0"/>
+            <a:off x="7495108" y="2145047"/>
+            <a:ext cx="1293154" cy="0"/>
           </a:xfrm>
           <a:prstGeom prst="line">
             <a:avLst/>
@@ -3079,49 +3595,6 @@
           </a:fontRef>
         </p:style>
       </p:cxnSp>
-      <p:cxnSp>
-        <p:nvCxnSpPr>
-          <p:cNvPr id="8" name="Straight Connector 7">
-            <a:extLst>
-              <a:ext uri="{FF2B5EF4-FFF2-40B4-BE49-F238E27FC236}">
-                <a16:creationId xmlns:a16="http://schemas.microsoft.com/office/drawing/2014/main" id="{3D14390D-9573-974A-921A-0384ACF1E103}"/>
-              </a:ext>
-            </a:extLst>
-          </p:cNvPr>
-          <p:cNvCxnSpPr>
-            <a:cxnSpLocks/>
-          </p:cNvCxnSpPr>
-          <p:nvPr/>
-        </p:nvCxnSpPr>
-        <p:spPr>
-          <a:xfrm>
-            <a:off x="5752467" y="2354624"/>
-            <a:ext cx="580225" cy="0"/>
-          </a:xfrm>
-          <a:prstGeom prst="line">
-            <a:avLst/>
-          </a:prstGeom>
-          <a:ln w="22225">
-            <a:solidFill>
-              <a:schemeClr val="tx1"/>
-            </a:solidFill>
-          </a:ln>
-        </p:spPr>
-        <p:style>
-          <a:lnRef idx="1">
-            <a:schemeClr val="accent1"/>
-          </a:lnRef>
-          <a:fillRef idx="0">
-            <a:schemeClr val="accent1"/>
-          </a:fillRef>
-          <a:effectRef idx="0">
-            <a:schemeClr val="accent1"/>
-          </a:effectRef>
-          <a:fontRef idx="minor">
-            <a:schemeClr val="tx1"/>
-          </a:fontRef>
-        </p:style>
-      </p:cxnSp>
       <p:sp>
         <p:nvSpPr>
           <p:cNvPr id="9" name="TextBox 8">
@@ -3136,7 +3609,7 @@
         </p:nvSpPr>
         <p:spPr>
           <a:xfrm>
-            <a:off x="6264958" y="2103241"/>
+            <a:off x="8720530" y="2983138"/>
             <a:ext cx="4886963" cy="502766"/>
           </a:xfrm>
           <a:prstGeom prst="rect">
@@ -3154,7 +3627,7 @@
               <a:rPr lang="en-US" sz="2667" dirty="0">
                 <a:latin typeface="Courier" pitchFamily="2" charset="0"/>
               </a:rPr>
-              <a:t>TGCTTGCAAACTCTCGCTCTNCC</a:t>
+              <a:t>TGCTTGCAAACTCTCGCTCT</a:t>
             </a:r>
           </a:p>
         </p:txBody>
@@ -3175,8 +3648,8 @@
         </p:nvCxnSpPr>
         <p:spPr>
           <a:xfrm>
-            <a:off x="11060764" y="2051428"/>
-            <a:ext cx="948125" cy="0"/>
+            <a:off x="13514886" y="2145047"/>
+            <a:ext cx="1325495" cy="0"/>
           </a:xfrm>
           <a:prstGeom prst="line">
             <a:avLst/>
@@ -3217,9 +3690,9 @@
           <p:nvPr/>
         </p:nvCxnSpPr>
         <p:spPr>
-          <a:xfrm>
-            <a:off x="11060764" y="2354624"/>
-            <a:ext cx="948125" cy="0"/>
+          <a:xfrm flipV="1">
+            <a:off x="14381037" y="2439688"/>
+            <a:ext cx="459342" cy="5118"/>
           </a:xfrm>
           <a:prstGeom prst="line">
             <a:avLst/>
@@ -3261,7 +3734,7 @@
         </p:nvCxnSpPr>
         <p:spPr>
           <a:xfrm flipV="1">
-            <a:off x="10517923" y="1434416"/>
+            <a:off x="12973490" y="1528040"/>
             <a:ext cx="0" cy="408949"/>
           </a:xfrm>
           <a:prstGeom prst="straightConnector1">
@@ -3303,8 +3776,8 @@
         </p:nvSpPr>
         <p:spPr>
           <a:xfrm>
-            <a:off x="9986958" y="1092093"/>
-            <a:ext cx="1690385" cy="387927"/>
+            <a:off x="12165089" y="1194986"/>
+            <a:ext cx="1690385" cy="353943"/>
           </a:xfrm>
           <a:prstGeom prst="rect">
             <a:avLst/>
@@ -3317,373 +3790,9 @@
           </a:bodyPr>
           <a:lstStyle/>
           <a:p>
-            <a:r>
-              <a:rPr lang="en-US" sz="1921" dirty="0">
-                <a:solidFill>
-                  <a:srgbClr val="FF0000"/>
-                </a:solidFill>
-              </a:rPr>
-              <a:t>PAM site</a:t>
-            </a:r>
-          </a:p>
-        </p:txBody>
-      </p:sp>
-      <p:sp>
-        <p:nvSpPr>
-          <p:cNvPr id="20" name="TextBox 19">
-            <a:extLst>
-              <a:ext uri="{FF2B5EF4-FFF2-40B4-BE49-F238E27FC236}">
-                <a16:creationId xmlns:a16="http://schemas.microsoft.com/office/drawing/2014/main" id="{FA5D2918-244F-8542-9655-489B690ABB50}"/>
-              </a:ext>
-            </a:extLst>
-          </p:cNvPr>
-          <p:cNvSpPr txBox="1"/>
-          <p:nvPr/>
-        </p:nvSpPr>
-        <p:spPr>
-          <a:xfrm>
-            <a:off x="6021399" y="6306545"/>
-            <a:ext cx="5750552" cy="502766"/>
-          </a:xfrm>
-          <a:prstGeom prst="rect">
-            <a:avLst/>
-          </a:prstGeom>
-          <a:noFill/>
-        </p:spPr>
-        <p:txBody>
-          <a:bodyPr wrap="square" rtlCol="0">
-            <a:spAutoFit/>
-          </a:bodyPr>
-          <a:lstStyle/>
-          <a:p>
-            <a:r>
-              <a:rPr lang="en-US" sz="2667" dirty="0">
-                <a:solidFill>
-                  <a:srgbClr val="FF0000"/>
-                </a:solidFill>
-                <a:latin typeface="Courier" pitchFamily="2" charset="0"/>
-              </a:rPr>
-              <a:t>T</a:t>
-            </a:r>
-            <a:r>
-              <a:rPr lang="en-US" sz="2667" dirty="0">
-                <a:solidFill>
-                  <a:schemeClr val="accent2">
-                    <a:lumMod val="75000"/>
-                  </a:schemeClr>
-                </a:solidFill>
-                <a:latin typeface="Courier" pitchFamily="2" charset="0"/>
-              </a:rPr>
-              <a:t>TTV</a:t>
-            </a:r>
-            <a:r>
-              <a:rPr lang="en-US" sz="2667" dirty="0">
-                <a:solidFill>
-                  <a:schemeClr val="accent4">
-                    <a:lumMod val="60000"/>
-                    <a:lumOff val="40000"/>
-                  </a:schemeClr>
-                </a:solidFill>
-                <a:latin typeface="Courier" pitchFamily="2" charset="0"/>
-              </a:rPr>
-              <a:t>GGCTTGCAAACTCTCGCTCTACA</a:t>
-            </a:r>
-          </a:p>
-        </p:txBody>
-      </p:sp>
-      <p:cxnSp>
-        <p:nvCxnSpPr>
-          <p:cNvPr id="21" name="Straight Connector 20">
-            <a:extLst>
-              <a:ext uri="{FF2B5EF4-FFF2-40B4-BE49-F238E27FC236}">
-                <a16:creationId xmlns:a16="http://schemas.microsoft.com/office/drawing/2014/main" id="{53894CD2-9299-B24B-A26A-8703F2812769}"/>
-              </a:ext>
-            </a:extLst>
-          </p:cNvPr>
-          <p:cNvCxnSpPr>
-            <a:cxnSpLocks/>
-          </p:cNvCxnSpPr>
-          <p:nvPr/>
-        </p:nvCxnSpPr>
-        <p:spPr>
-          <a:xfrm>
-            <a:off x="5752462" y="6557928"/>
-            <a:ext cx="346000" cy="0"/>
-          </a:xfrm>
-          <a:prstGeom prst="line">
-            <a:avLst/>
-          </a:prstGeom>
-          <a:ln w="22225">
-            <a:solidFill>
-              <a:schemeClr val="tx1"/>
-            </a:solidFill>
-          </a:ln>
-        </p:spPr>
-        <p:style>
-          <a:lnRef idx="1">
-            <a:schemeClr val="accent1"/>
-          </a:lnRef>
-          <a:fillRef idx="0">
-            <a:schemeClr val="accent1"/>
-          </a:fillRef>
-          <a:effectRef idx="0">
-            <a:schemeClr val="accent1"/>
-          </a:effectRef>
-          <a:fontRef idx="minor">
-            <a:schemeClr val="tx1"/>
-          </a:fontRef>
-        </p:style>
-      </p:cxnSp>
-      <p:cxnSp>
-        <p:nvCxnSpPr>
-          <p:cNvPr id="22" name="Straight Connector 21">
-            <a:extLst>
-              <a:ext uri="{FF2B5EF4-FFF2-40B4-BE49-F238E27FC236}">
-                <a16:creationId xmlns:a16="http://schemas.microsoft.com/office/drawing/2014/main" id="{C2E13041-1265-A241-B08E-16FE1F93CDCA}"/>
-              </a:ext>
-            </a:extLst>
-          </p:cNvPr>
-          <p:cNvCxnSpPr>
-            <a:cxnSpLocks/>
-          </p:cNvCxnSpPr>
-          <p:nvPr/>
-        </p:nvCxnSpPr>
-        <p:spPr>
-          <a:xfrm>
-            <a:off x="5752462" y="6897056"/>
-            <a:ext cx="346000" cy="0"/>
-          </a:xfrm>
-          <a:prstGeom prst="line">
-            <a:avLst/>
-          </a:prstGeom>
-          <a:ln w="22225">
-            <a:solidFill>
-              <a:schemeClr val="tx1"/>
-            </a:solidFill>
-          </a:ln>
-        </p:spPr>
-        <p:style>
-          <a:lnRef idx="1">
-            <a:schemeClr val="accent1"/>
-          </a:lnRef>
-          <a:fillRef idx="0">
-            <a:schemeClr val="accent1"/>
-          </a:fillRef>
-          <a:effectRef idx="0">
-            <a:schemeClr val="accent1"/>
-          </a:effectRef>
-          <a:fontRef idx="minor">
-            <a:schemeClr val="tx1"/>
-          </a:fontRef>
-        </p:style>
-      </p:cxnSp>
-      <p:sp>
-        <p:nvSpPr>
-          <p:cNvPr id="23" name="TextBox 22">
-            <a:extLst>
-              <a:ext uri="{FF2B5EF4-FFF2-40B4-BE49-F238E27FC236}">
-                <a16:creationId xmlns:a16="http://schemas.microsoft.com/office/drawing/2014/main" id="{F10BC938-5E7D-BA46-8DEF-593BE65541B1}"/>
-              </a:ext>
-            </a:extLst>
-          </p:cNvPr>
-          <p:cNvSpPr txBox="1"/>
-          <p:nvPr/>
-        </p:nvSpPr>
-        <p:spPr>
-          <a:xfrm>
-            <a:off x="6021404" y="6645673"/>
-            <a:ext cx="5750551" cy="502766"/>
-          </a:xfrm>
-          <a:prstGeom prst="rect">
-            <a:avLst/>
-          </a:prstGeom>
-          <a:noFill/>
-        </p:spPr>
-        <p:txBody>
-          <a:bodyPr wrap="square" rtlCol="0">
-            <a:spAutoFit/>
-          </a:bodyPr>
-          <a:lstStyle/>
-          <a:p>
-            <a:r>
-              <a:rPr lang="en-US" sz="2667" dirty="0">
-                <a:latin typeface="Courier" pitchFamily="2" charset="0"/>
-              </a:rPr>
-              <a:t>AAABCCGAACGTTTGAGAGCGAGATGT</a:t>
-            </a:r>
-            <a:endParaRPr lang="en-US" sz="2667" dirty="0">
-              <a:solidFill>
-                <a:schemeClr val="accent2">
-                  <a:lumMod val="75000"/>
-                </a:schemeClr>
-              </a:solidFill>
-              <a:latin typeface="Courier" pitchFamily="2" charset="0"/>
-            </a:endParaRPr>
-          </a:p>
-        </p:txBody>
-      </p:sp>
-      <p:cxnSp>
-        <p:nvCxnSpPr>
-          <p:cNvPr id="24" name="Straight Connector 23">
-            <a:extLst>
-              <a:ext uri="{FF2B5EF4-FFF2-40B4-BE49-F238E27FC236}">
-                <a16:creationId xmlns:a16="http://schemas.microsoft.com/office/drawing/2014/main" id="{8B4CC058-AAF1-6846-98F8-99FFF28865A1}"/>
-              </a:ext>
-            </a:extLst>
-          </p:cNvPr>
-          <p:cNvCxnSpPr>
-            <a:cxnSpLocks/>
-          </p:cNvCxnSpPr>
-          <p:nvPr/>
-        </p:nvCxnSpPr>
-        <p:spPr>
-          <a:xfrm>
-            <a:off x="11642708" y="6557928"/>
-            <a:ext cx="366176" cy="0"/>
-          </a:xfrm>
-          <a:prstGeom prst="line">
-            <a:avLst/>
-          </a:prstGeom>
-          <a:ln w="22225">
-            <a:solidFill>
-              <a:schemeClr val="tx1"/>
-            </a:solidFill>
-          </a:ln>
-        </p:spPr>
-        <p:style>
-          <a:lnRef idx="1">
-            <a:schemeClr val="accent1"/>
-          </a:lnRef>
-          <a:fillRef idx="0">
-            <a:schemeClr val="accent1"/>
-          </a:fillRef>
-          <a:effectRef idx="0">
-            <a:schemeClr val="accent1"/>
-          </a:effectRef>
-          <a:fontRef idx="minor">
-            <a:schemeClr val="tx1"/>
-          </a:fontRef>
-        </p:style>
-      </p:cxnSp>
-      <p:cxnSp>
-        <p:nvCxnSpPr>
-          <p:cNvPr id="25" name="Straight Connector 24">
-            <a:extLst>
-              <a:ext uri="{FF2B5EF4-FFF2-40B4-BE49-F238E27FC236}">
-                <a16:creationId xmlns:a16="http://schemas.microsoft.com/office/drawing/2014/main" id="{CA255827-EAEB-7249-9756-883910B95D00}"/>
-              </a:ext>
-            </a:extLst>
-          </p:cNvPr>
-          <p:cNvCxnSpPr>
-            <a:cxnSpLocks/>
-          </p:cNvCxnSpPr>
-          <p:nvPr/>
-        </p:nvCxnSpPr>
-        <p:spPr>
-          <a:xfrm>
-            <a:off x="11642708" y="6897056"/>
-            <a:ext cx="366176" cy="0"/>
-          </a:xfrm>
-          <a:prstGeom prst="line">
-            <a:avLst/>
-          </a:prstGeom>
-          <a:ln w="22225">
-            <a:solidFill>
-              <a:schemeClr val="tx1"/>
-            </a:solidFill>
-          </a:ln>
-        </p:spPr>
-        <p:style>
-          <a:lnRef idx="1">
-            <a:schemeClr val="accent1"/>
-          </a:lnRef>
-          <a:fillRef idx="0">
-            <a:schemeClr val="accent1"/>
-          </a:fillRef>
-          <a:effectRef idx="0">
-            <a:schemeClr val="accent1"/>
-          </a:effectRef>
-          <a:fontRef idx="minor">
-            <a:schemeClr val="tx1"/>
-          </a:fontRef>
-        </p:style>
-      </p:cxnSp>
-      <p:cxnSp>
-        <p:nvCxnSpPr>
-          <p:cNvPr id="26" name="Straight Arrow Connector 25">
-            <a:extLst>
-              <a:ext uri="{FF2B5EF4-FFF2-40B4-BE49-F238E27FC236}">
-                <a16:creationId xmlns:a16="http://schemas.microsoft.com/office/drawing/2014/main" id="{EB42E07B-2E18-7E41-8B46-DAE672F10EF9}"/>
-              </a:ext>
-            </a:extLst>
-          </p:cNvPr>
-          <p:cNvCxnSpPr>
-            <a:cxnSpLocks/>
-          </p:cNvCxnSpPr>
-          <p:nvPr/>
-        </p:nvCxnSpPr>
-        <p:spPr>
-          <a:xfrm flipV="1">
-            <a:off x="6217552" y="5945006"/>
-            <a:ext cx="0" cy="421689"/>
-          </a:xfrm>
-          <a:prstGeom prst="straightConnector1">
-            <a:avLst/>
-          </a:prstGeom>
-          <a:ln w="28575">
-            <a:solidFill>
-              <a:srgbClr val="FF0000">
-                <a:alpha val="99000"/>
-              </a:srgbClr>
-            </a:solidFill>
-            <a:tailEnd type="triangle"/>
-          </a:ln>
-        </p:spPr>
-        <p:style>
-          <a:lnRef idx="1">
-            <a:schemeClr val="accent1"/>
-          </a:lnRef>
-          <a:fillRef idx="0">
-            <a:schemeClr val="accent1"/>
-          </a:fillRef>
-          <a:effectRef idx="0">
-            <a:schemeClr val="accent1"/>
-          </a:effectRef>
-          <a:fontRef idx="minor">
-            <a:schemeClr val="tx1"/>
-          </a:fontRef>
-        </p:style>
-      </p:cxnSp>
-      <p:sp>
-        <p:nvSpPr>
-          <p:cNvPr id="27" name="TextBox 26">
-            <a:extLst>
-              <a:ext uri="{FF2B5EF4-FFF2-40B4-BE49-F238E27FC236}">
-                <a16:creationId xmlns:a16="http://schemas.microsoft.com/office/drawing/2014/main" id="{54E2D370-504E-0E4F-88B6-46200621BD41}"/>
-              </a:ext>
-            </a:extLst>
-          </p:cNvPr>
-          <p:cNvSpPr txBox="1"/>
-          <p:nvPr/>
-        </p:nvSpPr>
-        <p:spPr>
-          <a:xfrm>
-            <a:off x="5752467" y="5544841"/>
-            <a:ext cx="1690385" cy="387927"/>
-          </a:xfrm>
-          <a:prstGeom prst="rect">
-            <a:avLst/>
-          </a:prstGeom>
-          <a:noFill/>
-        </p:spPr>
-        <p:txBody>
-          <a:bodyPr wrap="square" rtlCol="0">
-            <a:spAutoFit/>
-          </a:bodyPr>
-          <a:lstStyle/>
-          <a:p>
-            <a:r>
-              <a:rPr lang="en-US" sz="1921" dirty="0">
+            <a:pPr algn="ctr"/>
+            <a:r>
+              <a:rPr lang="en-US" sz="1700" dirty="0">
                 <a:solidFill>
                   <a:srgbClr val="FF0000"/>
                 </a:solidFill>
@@ -3707,7 +3816,7 @@
         </p:nvSpPr>
         <p:spPr>
           <a:xfrm>
-            <a:off x="119242" y="1991988"/>
+            <a:off x="338702" y="1941234"/>
             <a:ext cx="1080813" cy="387927"/>
           </a:xfrm>
           <a:prstGeom prst="rect">
@@ -3743,7 +3852,7 @@
         </p:nvSpPr>
         <p:spPr>
           <a:xfrm>
-            <a:off x="-261154" y="6525589"/>
+            <a:off x="-65532" y="4830268"/>
             <a:ext cx="1841600" cy="387927"/>
           </a:xfrm>
           <a:prstGeom prst="rect">
@@ -3761,537 +3870,6 @@
             <a:r>
               <a:rPr lang="en-US" sz="1921" dirty="0"/>
               <a:t>AsCas12a</a:t>
-            </a:r>
-          </a:p>
-        </p:txBody>
-      </p:sp>
-      <p:sp>
-        <p:nvSpPr>
-          <p:cNvPr id="108" name="TextBox 107">
-            <a:extLst>
-              <a:ext uri="{FF2B5EF4-FFF2-40B4-BE49-F238E27FC236}">
-                <a16:creationId xmlns:a16="http://schemas.microsoft.com/office/drawing/2014/main" id="{8D920D08-EF6E-824A-96C1-A2B573CB3FBE}"/>
-              </a:ext>
-            </a:extLst>
-          </p:cNvPr>
-          <p:cNvSpPr txBox="1"/>
-          <p:nvPr/>
-        </p:nvSpPr>
-        <p:spPr>
-          <a:xfrm>
-            <a:off x="5682562" y="6196934"/>
-            <a:ext cx="368278" cy="387927"/>
-          </a:xfrm>
-          <a:prstGeom prst="rect">
-            <a:avLst/>
-          </a:prstGeom>
-          <a:noFill/>
-        </p:spPr>
-        <p:txBody>
-          <a:bodyPr wrap="square" rtlCol="0">
-            <a:spAutoFit/>
-          </a:bodyPr>
-          <a:lstStyle/>
-          <a:p>
-            <a:r>
-              <a:rPr lang="en-US" sz="1921" dirty="0"/>
-              <a:t>5’</a:t>
-            </a:r>
-          </a:p>
-        </p:txBody>
-      </p:sp>
-      <p:sp>
-        <p:nvSpPr>
-          <p:cNvPr id="109" name="TextBox 108">
-            <a:extLst>
-              <a:ext uri="{FF2B5EF4-FFF2-40B4-BE49-F238E27FC236}">
-                <a16:creationId xmlns:a16="http://schemas.microsoft.com/office/drawing/2014/main" id="{5F96485B-0B6F-054D-B2CD-98C36793A6BB}"/>
-              </a:ext>
-            </a:extLst>
-          </p:cNvPr>
-          <p:cNvSpPr txBox="1"/>
-          <p:nvPr/>
-        </p:nvSpPr>
-        <p:spPr>
-          <a:xfrm>
-            <a:off x="5682562" y="6873726"/>
-            <a:ext cx="435702" cy="387927"/>
-          </a:xfrm>
-          <a:prstGeom prst="rect">
-            <a:avLst/>
-          </a:prstGeom>
-          <a:noFill/>
-        </p:spPr>
-        <p:txBody>
-          <a:bodyPr wrap="square" rtlCol="0">
-            <a:spAutoFit/>
-          </a:bodyPr>
-          <a:lstStyle/>
-          <a:p>
-            <a:r>
-              <a:rPr lang="en-US" sz="1921" dirty="0"/>
-              <a:t>3’</a:t>
-            </a:r>
-          </a:p>
-        </p:txBody>
-      </p:sp>
-      <p:sp>
-        <p:nvSpPr>
-          <p:cNvPr id="110" name="TextBox 109">
-            <a:extLst>
-              <a:ext uri="{FF2B5EF4-FFF2-40B4-BE49-F238E27FC236}">
-                <a16:creationId xmlns:a16="http://schemas.microsoft.com/office/drawing/2014/main" id="{45139DBA-9B05-7D48-8B02-BB8C5C1AAB2D}"/>
-              </a:ext>
-            </a:extLst>
-          </p:cNvPr>
-          <p:cNvSpPr txBox="1"/>
-          <p:nvPr/>
-        </p:nvSpPr>
-        <p:spPr>
-          <a:xfrm>
-            <a:off x="11735270" y="6196934"/>
-            <a:ext cx="1080813" cy="387927"/>
-          </a:xfrm>
-          <a:prstGeom prst="rect">
-            <a:avLst/>
-          </a:prstGeom>
-          <a:noFill/>
-        </p:spPr>
-        <p:txBody>
-          <a:bodyPr wrap="square" rtlCol="0">
-            <a:spAutoFit/>
-          </a:bodyPr>
-          <a:lstStyle/>
-          <a:p>
-            <a:r>
-              <a:rPr lang="en-US" sz="1921" dirty="0"/>
-              <a:t>3’</a:t>
-            </a:r>
-          </a:p>
-        </p:txBody>
-      </p:sp>
-      <p:sp>
-        <p:nvSpPr>
-          <p:cNvPr id="111" name="TextBox 110">
-            <a:extLst>
-              <a:ext uri="{FF2B5EF4-FFF2-40B4-BE49-F238E27FC236}">
-                <a16:creationId xmlns:a16="http://schemas.microsoft.com/office/drawing/2014/main" id="{EA678000-B550-A149-A333-1926FFF5049B}"/>
-              </a:ext>
-            </a:extLst>
-          </p:cNvPr>
-          <p:cNvSpPr txBox="1"/>
-          <p:nvPr/>
-        </p:nvSpPr>
-        <p:spPr>
-          <a:xfrm>
-            <a:off x="11735270" y="6873726"/>
-            <a:ext cx="1080813" cy="387927"/>
-          </a:xfrm>
-          <a:prstGeom prst="rect">
-            <a:avLst/>
-          </a:prstGeom>
-          <a:noFill/>
-        </p:spPr>
-        <p:txBody>
-          <a:bodyPr wrap="square" rtlCol="0">
-            <a:spAutoFit/>
-          </a:bodyPr>
-          <a:lstStyle/>
-          <a:p>
-            <a:r>
-              <a:rPr lang="en-US" sz="1921" dirty="0"/>
-              <a:t>5’</a:t>
-            </a:r>
-          </a:p>
-        </p:txBody>
-      </p:sp>
-      <p:sp>
-        <p:nvSpPr>
-          <p:cNvPr id="107" name="TextBox 106">
-            <a:extLst>
-              <a:ext uri="{FF2B5EF4-FFF2-40B4-BE49-F238E27FC236}">
-                <a16:creationId xmlns:a16="http://schemas.microsoft.com/office/drawing/2014/main" id="{7E6B04F8-16A5-134E-88E7-A4CFCA5EA63F}"/>
-              </a:ext>
-            </a:extLst>
-          </p:cNvPr>
-          <p:cNvSpPr txBox="1"/>
-          <p:nvPr/>
-        </p:nvSpPr>
-        <p:spPr>
-          <a:xfrm>
-            <a:off x="6021404" y="3975339"/>
-            <a:ext cx="5759569" cy="502766"/>
-          </a:xfrm>
-          <a:prstGeom prst="rect">
-            <a:avLst/>
-          </a:prstGeom>
-          <a:noFill/>
-        </p:spPr>
-        <p:txBody>
-          <a:bodyPr wrap="square" rtlCol="0">
-            <a:spAutoFit/>
-          </a:bodyPr>
-          <a:lstStyle/>
-          <a:p>
-            <a:r>
-              <a:rPr lang="en-US" sz="2667" dirty="0">
-                <a:solidFill>
-                  <a:schemeClr val="accent4">
-                    <a:lumMod val="60000"/>
-                    <a:lumOff val="40000"/>
-                  </a:schemeClr>
-                </a:solidFill>
-                <a:latin typeface="Courier" pitchFamily="2" charset="0"/>
-              </a:rPr>
-              <a:t>CACGAACGTTTGAGAGCGAGA</a:t>
-            </a:r>
-            <a:r>
-              <a:rPr lang="en-US" sz="2667" dirty="0">
-                <a:solidFill>
-                  <a:srgbClr val="FF0000"/>
-                </a:solidFill>
-                <a:latin typeface="Courier" pitchFamily="2" charset="0"/>
-              </a:rPr>
-              <a:t>N</a:t>
-            </a:r>
-            <a:r>
-              <a:rPr lang="en-US" sz="2667" dirty="0">
-                <a:solidFill>
-                  <a:schemeClr val="accent2">
-                    <a:lumMod val="75000"/>
-                  </a:schemeClr>
-                </a:solidFill>
-                <a:latin typeface="Courier" pitchFamily="2" charset="0"/>
-              </a:rPr>
-              <a:t>NGRRT</a:t>
-            </a:r>
-          </a:p>
-        </p:txBody>
-      </p:sp>
-      <p:cxnSp>
-        <p:nvCxnSpPr>
-          <p:cNvPr id="112" name="Straight Connector 111">
-            <a:extLst>
-              <a:ext uri="{FF2B5EF4-FFF2-40B4-BE49-F238E27FC236}">
-                <a16:creationId xmlns:a16="http://schemas.microsoft.com/office/drawing/2014/main" id="{845D3777-1268-7741-9E3E-B97737FDD19F}"/>
-              </a:ext>
-            </a:extLst>
-          </p:cNvPr>
-          <p:cNvCxnSpPr>
-            <a:cxnSpLocks/>
-          </p:cNvCxnSpPr>
-          <p:nvPr/>
-        </p:nvCxnSpPr>
-        <p:spPr>
-          <a:xfrm>
-            <a:off x="5752462" y="4226722"/>
-            <a:ext cx="327984" cy="0"/>
-          </a:xfrm>
-          <a:prstGeom prst="line">
-            <a:avLst/>
-          </a:prstGeom>
-          <a:ln w="22225">
-            <a:solidFill>
-              <a:schemeClr val="tx1"/>
-            </a:solidFill>
-          </a:ln>
-        </p:spPr>
-        <p:style>
-          <a:lnRef idx="1">
-            <a:schemeClr val="accent1"/>
-          </a:lnRef>
-          <a:fillRef idx="0">
-            <a:schemeClr val="accent1"/>
-          </a:fillRef>
-          <a:effectRef idx="0">
-            <a:schemeClr val="accent1"/>
-          </a:effectRef>
-          <a:fontRef idx="minor">
-            <a:schemeClr val="tx1"/>
-          </a:fontRef>
-        </p:style>
-      </p:cxnSp>
-      <p:cxnSp>
-        <p:nvCxnSpPr>
-          <p:cNvPr id="113" name="Straight Connector 112">
-            <a:extLst>
-              <a:ext uri="{FF2B5EF4-FFF2-40B4-BE49-F238E27FC236}">
-                <a16:creationId xmlns:a16="http://schemas.microsoft.com/office/drawing/2014/main" id="{660A92B2-B01F-8544-82B3-475E52574A2B}"/>
-              </a:ext>
-            </a:extLst>
-          </p:cNvPr>
-          <p:cNvCxnSpPr>
-            <a:cxnSpLocks/>
-          </p:cNvCxnSpPr>
-          <p:nvPr/>
-        </p:nvCxnSpPr>
-        <p:spPr>
-          <a:xfrm>
-            <a:off x="5752462" y="4529918"/>
-            <a:ext cx="325896" cy="0"/>
-          </a:xfrm>
-          <a:prstGeom prst="line">
-            <a:avLst/>
-          </a:prstGeom>
-          <a:ln w="22225">
-            <a:solidFill>
-              <a:schemeClr val="tx1"/>
-            </a:solidFill>
-          </a:ln>
-        </p:spPr>
-        <p:style>
-          <a:lnRef idx="1">
-            <a:schemeClr val="accent1"/>
-          </a:lnRef>
-          <a:fillRef idx="0">
-            <a:schemeClr val="accent1"/>
-          </a:fillRef>
-          <a:effectRef idx="0">
-            <a:schemeClr val="accent1"/>
-          </a:effectRef>
-          <a:fontRef idx="minor">
-            <a:schemeClr val="tx1"/>
-          </a:fontRef>
-        </p:style>
-      </p:cxnSp>
-      <p:sp>
-        <p:nvSpPr>
-          <p:cNvPr id="114" name="TextBox 113">
-            <a:extLst>
-              <a:ext uri="{FF2B5EF4-FFF2-40B4-BE49-F238E27FC236}">
-                <a16:creationId xmlns:a16="http://schemas.microsoft.com/office/drawing/2014/main" id="{C3DB0AD8-7A85-D84C-9D1A-9E151719A1BD}"/>
-              </a:ext>
-            </a:extLst>
-          </p:cNvPr>
-          <p:cNvSpPr txBox="1"/>
-          <p:nvPr/>
-        </p:nvSpPr>
-        <p:spPr>
-          <a:xfrm>
-            <a:off x="6021404" y="4278535"/>
-            <a:ext cx="5750553" cy="502766"/>
-          </a:xfrm>
-          <a:prstGeom prst="rect">
-            <a:avLst/>
-          </a:prstGeom>
-          <a:noFill/>
-        </p:spPr>
-        <p:txBody>
-          <a:bodyPr wrap="square" rtlCol="0">
-            <a:spAutoFit/>
-          </a:bodyPr>
-          <a:lstStyle/>
-          <a:p>
-            <a:r>
-              <a:rPr lang="en-US" sz="2667" dirty="0">
-                <a:latin typeface="Courier" pitchFamily="2" charset="0"/>
-              </a:rPr>
-              <a:t>GTGCTTGCAAACTCTCGCTCTNNCYYA</a:t>
-            </a:r>
-          </a:p>
-        </p:txBody>
-      </p:sp>
-      <p:cxnSp>
-        <p:nvCxnSpPr>
-          <p:cNvPr id="117" name="Straight Connector 116">
-            <a:extLst>
-              <a:ext uri="{FF2B5EF4-FFF2-40B4-BE49-F238E27FC236}">
-                <a16:creationId xmlns:a16="http://schemas.microsoft.com/office/drawing/2014/main" id="{4C4CFCD1-8EFD-2A46-90FC-D922489B77D9}"/>
-              </a:ext>
-            </a:extLst>
-          </p:cNvPr>
-          <p:cNvCxnSpPr>
-            <a:cxnSpLocks/>
-          </p:cNvCxnSpPr>
-          <p:nvPr/>
-        </p:nvCxnSpPr>
-        <p:spPr>
-          <a:xfrm>
-            <a:off x="11670336" y="4226722"/>
-            <a:ext cx="338548" cy="0"/>
-          </a:xfrm>
-          <a:prstGeom prst="line">
-            <a:avLst/>
-          </a:prstGeom>
-          <a:ln w="22225">
-            <a:solidFill>
-              <a:schemeClr val="tx1"/>
-            </a:solidFill>
-          </a:ln>
-        </p:spPr>
-        <p:style>
-          <a:lnRef idx="1">
-            <a:schemeClr val="accent1"/>
-          </a:lnRef>
-          <a:fillRef idx="0">
-            <a:schemeClr val="accent1"/>
-          </a:fillRef>
-          <a:effectRef idx="0">
-            <a:schemeClr val="accent1"/>
-          </a:effectRef>
-          <a:fontRef idx="minor">
-            <a:schemeClr val="tx1"/>
-          </a:fontRef>
-        </p:style>
-      </p:cxnSp>
-      <p:cxnSp>
-        <p:nvCxnSpPr>
-          <p:cNvPr id="118" name="Straight Connector 117">
-            <a:extLst>
-              <a:ext uri="{FF2B5EF4-FFF2-40B4-BE49-F238E27FC236}">
-                <a16:creationId xmlns:a16="http://schemas.microsoft.com/office/drawing/2014/main" id="{45628AD2-EB17-C142-9F98-177877D3FA61}"/>
-              </a:ext>
-            </a:extLst>
-          </p:cNvPr>
-          <p:cNvCxnSpPr>
-            <a:cxnSpLocks/>
-          </p:cNvCxnSpPr>
-          <p:nvPr/>
-        </p:nvCxnSpPr>
-        <p:spPr>
-          <a:xfrm>
-            <a:off x="11670336" y="4529918"/>
-            <a:ext cx="338548" cy="0"/>
-          </a:xfrm>
-          <a:prstGeom prst="line">
-            <a:avLst/>
-          </a:prstGeom>
-          <a:ln w="22225">
-            <a:solidFill>
-              <a:schemeClr val="tx1"/>
-            </a:solidFill>
-          </a:ln>
-        </p:spPr>
-        <p:style>
-          <a:lnRef idx="1">
-            <a:schemeClr val="accent1"/>
-          </a:lnRef>
-          <a:fillRef idx="0">
-            <a:schemeClr val="accent1"/>
-          </a:fillRef>
-          <a:effectRef idx="0">
-            <a:schemeClr val="accent1"/>
-          </a:effectRef>
-          <a:fontRef idx="minor">
-            <a:schemeClr val="tx1"/>
-          </a:fontRef>
-        </p:style>
-      </p:cxnSp>
-      <p:cxnSp>
-        <p:nvCxnSpPr>
-          <p:cNvPr id="123" name="Straight Arrow Connector 122">
-            <a:extLst>
-              <a:ext uri="{FF2B5EF4-FFF2-40B4-BE49-F238E27FC236}">
-                <a16:creationId xmlns:a16="http://schemas.microsoft.com/office/drawing/2014/main" id="{062F864A-36FB-7645-B290-6C8CEE20E571}"/>
-              </a:ext>
-            </a:extLst>
-          </p:cNvPr>
-          <p:cNvCxnSpPr>
-            <a:cxnSpLocks/>
-          </p:cNvCxnSpPr>
-          <p:nvPr/>
-        </p:nvCxnSpPr>
-        <p:spPr>
-          <a:xfrm flipV="1">
-            <a:off x="10473069" y="3609710"/>
-            <a:ext cx="0" cy="408949"/>
-          </a:xfrm>
-          <a:prstGeom prst="straightConnector1">
-            <a:avLst/>
-          </a:prstGeom>
-          <a:ln w="28575">
-            <a:solidFill>
-              <a:srgbClr val="FF0000"/>
-            </a:solidFill>
-            <a:tailEnd type="triangle"/>
-          </a:ln>
-        </p:spPr>
-        <p:style>
-          <a:lnRef idx="1">
-            <a:schemeClr val="accent1"/>
-          </a:lnRef>
-          <a:fillRef idx="0">
-            <a:schemeClr val="accent1"/>
-          </a:fillRef>
-          <a:effectRef idx="0">
-            <a:schemeClr val="accent1"/>
-          </a:effectRef>
-          <a:fontRef idx="minor">
-            <a:schemeClr val="tx1"/>
-          </a:fontRef>
-        </p:style>
-      </p:cxnSp>
-      <p:sp>
-        <p:nvSpPr>
-          <p:cNvPr id="128" name="TextBox 127">
-            <a:extLst>
-              <a:ext uri="{FF2B5EF4-FFF2-40B4-BE49-F238E27FC236}">
-                <a16:creationId xmlns:a16="http://schemas.microsoft.com/office/drawing/2014/main" id="{5D0EB1B8-B4B8-204A-945D-A5E4991E51F0}"/>
-              </a:ext>
-            </a:extLst>
-          </p:cNvPr>
-          <p:cNvSpPr txBox="1"/>
-          <p:nvPr/>
-        </p:nvSpPr>
-        <p:spPr>
-          <a:xfrm>
-            <a:off x="9895804" y="3267388"/>
-            <a:ext cx="1690385" cy="387927"/>
-          </a:xfrm>
-          <a:prstGeom prst="rect">
-            <a:avLst/>
-          </a:prstGeom>
-          <a:noFill/>
-        </p:spPr>
-        <p:txBody>
-          <a:bodyPr wrap="square" rtlCol="0">
-            <a:spAutoFit/>
-          </a:bodyPr>
-          <a:lstStyle/>
-          <a:p>
-            <a:r>
-              <a:rPr lang="en-US" sz="1921" dirty="0">
-                <a:solidFill>
-                  <a:srgbClr val="FF0000"/>
-                </a:solidFill>
-              </a:rPr>
-              <a:t>PAM site</a:t>
-            </a:r>
-          </a:p>
-        </p:txBody>
-      </p:sp>
-      <p:sp>
-        <p:nvSpPr>
-          <p:cNvPr id="131" name="TextBox 130">
-            <a:extLst>
-              <a:ext uri="{FF2B5EF4-FFF2-40B4-BE49-F238E27FC236}">
-                <a16:creationId xmlns:a16="http://schemas.microsoft.com/office/drawing/2014/main" id="{07DF0631-29CC-E242-AEAB-68426822D22A}"/>
-              </a:ext>
-            </a:extLst>
-          </p:cNvPr>
-          <p:cNvSpPr txBox="1"/>
-          <p:nvPr/>
-        </p:nvSpPr>
-        <p:spPr>
-          <a:xfrm>
-            <a:off x="119242" y="4186035"/>
-            <a:ext cx="1080813" cy="387927"/>
-          </a:xfrm>
-          <a:prstGeom prst="rect">
-            <a:avLst/>
-          </a:prstGeom>
-          <a:noFill/>
-        </p:spPr>
-        <p:txBody>
-          <a:bodyPr wrap="square" rtlCol="0">
-            <a:spAutoFit/>
-          </a:bodyPr>
-          <a:lstStyle/>
-          <a:p>
-            <a:pPr algn="ctr"/>
-            <a:r>
-              <a:rPr lang="en-US" sz="1921" dirty="0"/>
-              <a:t>SaCas9</a:t>
             </a:r>
           </a:p>
         </p:txBody>
@@ -4310,19 +3888,17 @@
         </p:nvSpPr>
         <p:spPr>
           <a:xfrm rot="10800000">
-            <a:off x="9719844" y="1712975"/>
+            <a:off x="12175416" y="1806599"/>
             <a:ext cx="198783" cy="171365"/>
           </a:xfrm>
           <a:prstGeom prst="triangle">
             <a:avLst/>
           </a:prstGeom>
           <a:solidFill>
-            <a:srgbClr val="FF0000"/>
+            <a:schemeClr val="tx1"/>
           </a:solidFill>
           <a:ln>
-            <a:solidFill>
-              <a:srgbClr val="FF0000"/>
-            </a:solidFill>
+            <a:noFill/>
           </a:ln>
         </p:spPr>
         <p:style>
@@ -4363,20 +3939,18 @@
           <p:nvPr/>
         </p:nvSpPr>
         <p:spPr>
-          <a:xfrm rot="7117639">
-            <a:off x="9748942" y="2542998"/>
+          <a:xfrm>
+            <a:off x="12173368" y="3423178"/>
             <a:ext cx="198783" cy="171365"/>
           </a:xfrm>
           <a:prstGeom prst="triangle">
             <a:avLst/>
           </a:prstGeom>
           <a:solidFill>
-            <a:srgbClr val="FF0000"/>
+            <a:schemeClr val="tx1"/>
           </a:solidFill>
           <a:ln>
-            <a:solidFill>
-              <a:srgbClr val="FF0000"/>
-            </a:solidFill>
+            <a:noFill/>
           </a:ln>
         </p:spPr>
         <p:style>
@@ -4406,10 +3980,10 @@
       </p:sp>
       <p:sp>
         <p:nvSpPr>
-          <p:cNvPr id="164" name="Triangle 163">
+          <p:cNvPr id="166" name="Triangle 165">
             <a:extLst>
               <a:ext uri="{FF2B5EF4-FFF2-40B4-BE49-F238E27FC236}">
-                <a16:creationId xmlns:a16="http://schemas.microsoft.com/office/drawing/2014/main" id="{A9F991A4-5A44-9E47-B8B8-3A85DCDD3B42}"/>
+                <a16:creationId xmlns:a16="http://schemas.microsoft.com/office/drawing/2014/main" id="{7F427FF2-0F8A-3842-BA25-988B779B83AF}"/>
               </a:ext>
             </a:extLst>
           </p:cNvPr>
@@ -4418,19 +3992,17 @@
         </p:nvSpPr>
         <p:spPr>
           <a:xfrm rot="10800000">
-            <a:off x="9671631" y="3879304"/>
+            <a:off x="12748462" y="4703119"/>
             <a:ext cx="198783" cy="171365"/>
           </a:xfrm>
           <a:prstGeom prst="triangle">
             <a:avLst/>
           </a:prstGeom>
           <a:solidFill>
-            <a:srgbClr val="FF0000"/>
+            <a:schemeClr val="tx1"/>
           </a:solidFill>
           <a:ln>
-            <a:solidFill>
-              <a:srgbClr val="FF0000"/>
-            </a:solidFill>
+            <a:noFill/>
           </a:ln>
         </p:spPr>
         <p:style>
@@ -4460,10 +4032,10 @@
       </p:sp>
       <p:sp>
         <p:nvSpPr>
-          <p:cNvPr id="165" name="Triangle 164">
+          <p:cNvPr id="167" name="Triangle 166">
             <a:extLst>
               <a:ext uri="{FF2B5EF4-FFF2-40B4-BE49-F238E27FC236}">
-                <a16:creationId xmlns:a16="http://schemas.microsoft.com/office/drawing/2014/main" id="{921EEA2B-C4B2-154D-BF79-4A2AFB23F934}"/>
+                <a16:creationId xmlns:a16="http://schemas.microsoft.com/office/drawing/2014/main" id="{C8386680-58F9-4B41-800D-B19DB6F0FA81}"/>
               </a:ext>
             </a:extLst>
           </p:cNvPr>
@@ -4472,19 +4044,17 @@
         </p:nvSpPr>
         <p:spPr>
           <a:xfrm rot="7117639">
-            <a:off x="9700729" y="4709327"/>
+            <a:off x="13775127" y="6325172"/>
             <a:ext cx="198783" cy="171365"/>
           </a:xfrm>
           <a:prstGeom prst="triangle">
             <a:avLst/>
           </a:prstGeom>
           <a:solidFill>
-            <a:srgbClr val="FF0000"/>
+            <a:schemeClr val="tx1"/>
           </a:solidFill>
           <a:ln>
-            <a:solidFill>
-              <a:srgbClr val="FF0000"/>
-            </a:solidFill>
+            <a:noFill/>
           </a:ln>
         </p:spPr>
         <p:style>
@@ -4514,184 +4084,6 @@
       </p:sp>
       <p:sp>
         <p:nvSpPr>
-          <p:cNvPr id="166" name="Triangle 165">
-            <a:extLst>
-              <a:ext uri="{FF2B5EF4-FFF2-40B4-BE49-F238E27FC236}">
-                <a16:creationId xmlns:a16="http://schemas.microsoft.com/office/drawing/2014/main" id="{7F427FF2-0F8A-3842-BA25-988B779B83AF}"/>
-              </a:ext>
-            </a:extLst>
-          </p:cNvPr>
-          <p:cNvSpPr/>
-          <p:nvPr/>
-        </p:nvSpPr>
-        <p:spPr>
-          <a:xfrm rot="10800000">
-            <a:off x="10501542" y="6217757"/>
-            <a:ext cx="198783" cy="171365"/>
-          </a:xfrm>
-          <a:prstGeom prst="triangle">
-            <a:avLst/>
-          </a:prstGeom>
-          <a:solidFill>
-            <a:srgbClr val="FF0000"/>
-          </a:solidFill>
-          <a:ln>
-            <a:solidFill>
-              <a:srgbClr val="FF0000"/>
-            </a:solidFill>
-          </a:ln>
-        </p:spPr>
-        <p:style>
-          <a:lnRef idx="2">
-            <a:schemeClr val="accent1">
-              <a:shade val="50000"/>
-            </a:schemeClr>
-          </a:lnRef>
-          <a:fillRef idx="1">
-            <a:schemeClr val="accent1"/>
-          </a:fillRef>
-          <a:effectRef idx="0">
-            <a:schemeClr val="accent1"/>
-          </a:effectRef>
-          <a:fontRef idx="minor">
-            <a:schemeClr val="lt1"/>
-          </a:fontRef>
-        </p:style>
-        <p:txBody>
-          <a:bodyPr rtlCol="0" anchor="ctr"/>
-          <a:lstStyle/>
-          <a:p>
-            <a:pPr algn="ctr"/>
-            <a:endParaRPr lang="en-US"/>
-          </a:p>
-        </p:txBody>
-      </p:sp>
-      <p:sp>
-        <p:nvSpPr>
-          <p:cNvPr id="167" name="Triangle 166">
-            <a:extLst>
-              <a:ext uri="{FF2B5EF4-FFF2-40B4-BE49-F238E27FC236}">
-                <a16:creationId xmlns:a16="http://schemas.microsoft.com/office/drawing/2014/main" id="{C8386680-58F9-4B41-800D-B19DB6F0FA81}"/>
-              </a:ext>
-            </a:extLst>
-          </p:cNvPr>
-          <p:cNvSpPr/>
-          <p:nvPr/>
-        </p:nvSpPr>
-        <p:spPr>
-          <a:xfrm rot="7117639">
-            <a:off x="11558755" y="7047316"/>
-            <a:ext cx="198783" cy="171365"/>
-          </a:xfrm>
-          <a:prstGeom prst="triangle">
-            <a:avLst/>
-          </a:prstGeom>
-          <a:solidFill>
-            <a:srgbClr val="FF0000"/>
-          </a:solidFill>
-          <a:ln>
-            <a:solidFill>
-              <a:srgbClr val="FF0000"/>
-            </a:solidFill>
-          </a:ln>
-        </p:spPr>
-        <p:style>
-          <a:lnRef idx="2">
-            <a:schemeClr val="accent1">
-              <a:shade val="50000"/>
-            </a:schemeClr>
-          </a:lnRef>
-          <a:fillRef idx="1">
-            <a:schemeClr val="accent1"/>
-          </a:fillRef>
-          <a:effectRef idx="0">
-            <a:schemeClr val="accent1"/>
-          </a:effectRef>
-          <a:fontRef idx="minor">
-            <a:schemeClr val="lt1"/>
-          </a:fontRef>
-        </p:style>
-        <p:txBody>
-          <a:bodyPr rtlCol="0" anchor="ctr"/>
-          <a:lstStyle/>
-          <a:p>
-            <a:pPr algn="ctr"/>
-            <a:endParaRPr lang="en-US"/>
-          </a:p>
-        </p:txBody>
-      </p:sp>
-      <p:sp>
-        <p:nvSpPr>
-          <p:cNvPr id="68" name="TextBox 67">
-            <a:extLst>
-              <a:ext uri="{FF2B5EF4-FFF2-40B4-BE49-F238E27FC236}">
-                <a16:creationId xmlns:a16="http://schemas.microsoft.com/office/drawing/2014/main" id="{8A7D77EA-7A3F-784B-963C-808DBC5B0201}"/>
-              </a:ext>
-            </a:extLst>
-          </p:cNvPr>
-          <p:cNvSpPr txBox="1"/>
-          <p:nvPr/>
-        </p:nvSpPr>
-        <p:spPr>
-          <a:xfrm>
-            <a:off x="11735270" y="3832733"/>
-            <a:ext cx="1080813" cy="387927"/>
-          </a:xfrm>
-          <a:prstGeom prst="rect">
-            <a:avLst/>
-          </a:prstGeom>
-          <a:noFill/>
-        </p:spPr>
-        <p:txBody>
-          <a:bodyPr wrap="square" rtlCol="0">
-            <a:spAutoFit/>
-          </a:bodyPr>
-          <a:lstStyle/>
-          <a:p>
-            <a:r>
-              <a:rPr lang="en-US" sz="1921" dirty="0"/>
-              <a:t>3’</a:t>
-            </a:r>
-          </a:p>
-        </p:txBody>
-      </p:sp>
-      <p:sp>
-        <p:nvSpPr>
-          <p:cNvPr id="69" name="TextBox 68">
-            <a:extLst>
-              <a:ext uri="{FF2B5EF4-FFF2-40B4-BE49-F238E27FC236}">
-                <a16:creationId xmlns:a16="http://schemas.microsoft.com/office/drawing/2014/main" id="{EC33823C-6F24-9F43-9247-F48231334941}"/>
-              </a:ext>
-            </a:extLst>
-          </p:cNvPr>
-          <p:cNvSpPr txBox="1"/>
-          <p:nvPr/>
-        </p:nvSpPr>
-        <p:spPr>
-          <a:xfrm>
-            <a:off x="11735270" y="4509525"/>
-            <a:ext cx="1080813" cy="387927"/>
-          </a:xfrm>
-          <a:prstGeom prst="rect">
-            <a:avLst/>
-          </a:prstGeom>
-          <a:noFill/>
-        </p:spPr>
-        <p:txBody>
-          <a:bodyPr wrap="square" rtlCol="0">
-            <a:spAutoFit/>
-          </a:bodyPr>
-          <a:lstStyle/>
-          <a:p>
-            <a:r>
-              <a:rPr lang="en-US" sz="1921" dirty="0"/>
-              <a:t>5’</a:t>
-            </a:r>
-          </a:p>
-        </p:txBody>
-      </p:sp>
-      <p:sp>
-        <p:nvSpPr>
           <p:cNvPr id="70" name="TextBox 69">
             <a:extLst>
               <a:ext uri="{FF2B5EF4-FFF2-40B4-BE49-F238E27FC236}">
@@ -4704,8 +4096,8 @@
         </p:nvSpPr>
         <p:spPr>
           <a:xfrm>
-            <a:off x="11735270" y="1664365"/>
-            <a:ext cx="1080813" cy="387927"/>
+            <a:off x="14582706" y="1839897"/>
+            <a:ext cx="1080813" cy="338554"/>
           </a:xfrm>
           <a:prstGeom prst="rect">
             <a:avLst/>
@@ -4719,7 +4111,7 @@
           <a:lstStyle/>
           <a:p>
             <a:r>
-              <a:rPr lang="en-US" sz="1921" dirty="0"/>
+              <a:rPr lang="en-US" sz="1600" dirty="0"/>
               <a:t>3’</a:t>
             </a:r>
           </a:p>
@@ -4739,8 +4131,8 @@
         </p:nvSpPr>
         <p:spPr>
           <a:xfrm>
-            <a:off x="11735270" y="2341157"/>
-            <a:ext cx="1080813" cy="387927"/>
+            <a:off x="14582706" y="2425249"/>
+            <a:ext cx="1080813" cy="338554"/>
           </a:xfrm>
           <a:prstGeom prst="rect">
             <a:avLst/>
@@ -4754,78 +4146,8 @@
           <a:lstStyle/>
           <a:p>
             <a:r>
-              <a:rPr lang="en-US" sz="1921" dirty="0"/>
+              <a:rPr lang="en-US" sz="1600" dirty="0"/>
               <a:t>5’</a:t>
-            </a:r>
-          </a:p>
-        </p:txBody>
-      </p:sp>
-      <p:sp>
-        <p:nvSpPr>
-          <p:cNvPr id="72" name="TextBox 71">
-            <a:extLst>
-              <a:ext uri="{FF2B5EF4-FFF2-40B4-BE49-F238E27FC236}">
-                <a16:creationId xmlns:a16="http://schemas.microsoft.com/office/drawing/2014/main" id="{22695805-36BF-CC48-9B6D-D757996E4DF8}"/>
-              </a:ext>
-            </a:extLst>
-          </p:cNvPr>
-          <p:cNvSpPr txBox="1"/>
-          <p:nvPr/>
-        </p:nvSpPr>
-        <p:spPr>
-          <a:xfrm>
-            <a:off x="5662760" y="3832733"/>
-            <a:ext cx="368278" cy="387927"/>
-          </a:xfrm>
-          <a:prstGeom prst="rect">
-            <a:avLst/>
-          </a:prstGeom>
-          <a:noFill/>
-        </p:spPr>
-        <p:txBody>
-          <a:bodyPr wrap="square" rtlCol="0">
-            <a:spAutoFit/>
-          </a:bodyPr>
-          <a:lstStyle/>
-          <a:p>
-            <a:r>
-              <a:rPr lang="en-US" sz="1921" dirty="0"/>
-              <a:t>5’</a:t>
-            </a:r>
-          </a:p>
-        </p:txBody>
-      </p:sp>
-      <p:sp>
-        <p:nvSpPr>
-          <p:cNvPr id="73" name="TextBox 72">
-            <a:extLst>
-              <a:ext uri="{FF2B5EF4-FFF2-40B4-BE49-F238E27FC236}">
-                <a16:creationId xmlns:a16="http://schemas.microsoft.com/office/drawing/2014/main" id="{E0CE207B-1604-054F-8345-701CB3415549}"/>
-              </a:ext>
-            </a:extLst>
-          </p:cNvPr>
-          <p:cNvSpPr txBox="1"/>
-          <p:nvPr/>
-        </p:nvSpPr>
-        <p:spPr>
-          <a:xfrm>
-            <a:off x="5662760" y="4509525"/>
-            <a:ext cx="435702" cy="387927"/>
-          </a:xfrm>
-          <a:prstGeom prst="rect">
-            <a:avLst/>
-          </a:prstGeom>
-          <a:noFill/>
-        </p:spPr>
-        <p:txBody>
-          <a:bodyPr wrap="square" rtlCol="0">
-            <a:spAutoFit/>
-          </a:bodyPr>
-          <a:lstStyle/>
-          <a:p>
-            <a:r>
-              <a:rPr lang="en-US" sz="1921" dirty="0"/>
-              <a:t>3’</a:t>
             </a:r>
           </a:p>
         </p:txBody>
@@ -4844,8 +4166,8 @@
         </p:nvSpPr>
         <p:spPr>
           <a:xfrm>
-            <a:off x="5704009" y="1664365"/>
-            <a:ext cx="368278" cy="387927"/>
+            <a:off x="7436342" y="1839897"/>
+            <a:ext cx="368278" cy="338554"/>
           </a:xfrm>
           <a:prstGeom prst="rect">
             <a:avLst/>
@@ -4859,7 +4181,7 @@
           <a:lstStyle/>
           <a:p>
             <a:r>
-              <a:rPr lang="en-US" sz="1921" dirty="0"/>
+              <a:rPr lang="en-US" sz="1600" dirty="0"/>
               <a:t>5’</a:t>
             </a:r>
           </a:p>
@@ -4879,8 +4201,8 @@
         </p:nvSpPr>
         <p:spPr>
           <a:xfrm>
-            <a:off x="5704009" y="2341157"/>
-            <a:ext cx="435702" cy="387927"/>
+            <a:off x="7436342" y="2425249"/>
+            <a:ext cx="435702" cy="338554"/>
           </a:xfrm>
           <a:prstGeom prst="rect">
             <a:avLst/>
@@ -4894,7 +4216,7 @@
           <a:lstStyle/>
           <a:p>
             <a:r>
-              <a:rPr lang="en-US" sz="1921" dirty="0"/>
+              <a:rPr lang="en-US" sz="1600" dirty="0"/>
               <a:t>3’</a:t>
             </a:r>
           </a:p>
@@ -4915,9 +4237,9 @@
           <p:nvPr/>
         </p:nvCxnSpPr>
         <p:spPr>
-          <a:xfrm>
-            <a:off x="1391924" y="45943"/>
-            <a:ext cx="0" cy="7114104"/>
+          <a:xfrm flipH="1">
+            <a:off x="2724202" y="75118"/>
+            <a:ext cx="6542" cy="9385711"/>
           </a:xfrm>
           <a:prstGeom prst="line">
             <a:avLst/>
@@ -4957,7 +4279,7 @@
         </p:nvSpPr>
         <p:spPr>
           <a:xfrm>
-            <a:off x="1726472" y="1991988"/>
+            <a:off x="3017999" y="1941234"/>
             <a:ext cx="1364361" cy="387927"/>
           </a:xfrm>
           <a:prstGeom prst="rect">
@@ -4995,7 +4317,7 @@
         </p:nvSpPr>
         <p:spPr>
           <a:xfrm>
-            <a:off x="1487848" y="6525589"/>
+            <a:off x="2814672" y="4821468"/>
             <a:ext cx="1841600" cy="387927"/>
           </a:xfrm>
           <a:prstGeom prst="rect">
@@ -5015,44 +4337,6 @@
                 <a:latin typeface="Courier" pitchFamily="2" charset="0"/>
               </a:rPr>
               <a:t>TTTV(18/23)</a:t>
-            </a:r>
-          </a:p>
-        </p:txBody>
-      </p:sp>
-      <p:sp>
-        <p:nvSpPr>
-          <p:cNvPr id="83" name="TextBox 82">
-            <a:extLst>
-              <a:ext uri="{FF2B5EF4-FFF2-40B4-BE49-F238E27FC236}">
-                <a16:creationId xmlns:a16="http://schemas.microsoft.com/office/drawing/2014/main" id="{5A4982C2-EFF5-B947-945F-8C839E9EE3F6}"/>
-              </a:ext>
-            </a:extLst>
-          </p:cNvPr>
-          <p:cNvSpPr txBox="1"/>
-          <p:nvPr/>
-        </p:nvSpPr>
-        <p:spPr>
-          <a:xfrm>
-            <a:off x="1511194" y="4186035"/>
-            <a:ext cx="1794917" cy="387927"/>
-          </a:xfrm>
-          <a:prstGeom prst="rect">
-            <a:avLst/>
-          </a:prstGeom>
-          <a:noFill/>
-        </p:spPr>
-        <p:txBody>
-          <a:bodyPr wrap="square" rtlCol="0">
-            <a:spAutoFit/>
-          </a:bodyPr>
-          <a:lstStyle/>
-          <a:p>
-            <a:pPr algn="ctr"/>
-            <a:r>
-              <a:rPr lang="en-US" sz="1921" dirty="0">
-                <a:latin typeface="Courier" pitchFamily="2" charset="0"/>
-              </a:rPr>
-              <a:t>(3/3)NNGRRT</a:t>
             </a:r>
           </a:p>
         </p:txBody>
@@ -5073,8 +4357,8 @@
         </p:nvCxnSpPr>
         <p:spPr>
           <a:xfrm>
-            <a:off x="3422404" y="45943"/>
-            <a:ext cx="0" cy="7114104"/>
+            <a:off x="4713926" y="59352"/>
+            <a:ext cx="0" cy="9401477"/>
           </a:xfrm>
           <a:prstGeom prst="line">
             <a:avLst/>
@@ -5114,7 +4398,7 @@
         </p:nvSpPr>
         <p:spPr>
           <a:xfrm>
-            <a:off x="1693170" y="257224"/>
+            <a:off x="2984697" y="286404"/>
             <a:ext cx="1430969" cy="369332"/>
           </a:xfrm>
           <a:prstGeom prst="rect">
@@ -5150,7 +4434,7 @@
         </p:nvSpPr>
         <p:spPr>
           <a:xfrm>
-            <a:off x="140916" y="257224"/>
+            <a:off x="360376" y="286404"/>
             <a:ext cx="1037465" cy="369332"/>
           </a:xfrm>
           <a:prstGeom prst="rect">
@@ -5185,7 +4469,7 @@
         </p:nvSpPr>
         <p:spPr>
           <a:xfrm>
-            <a:off x="7765430" y="257224"/>
+            <a:off x="10567636" y="301976"/>
             <a:ext cx="1929374" cy="369332"/>
           </a:xfrm>
           <a:prstGeom prst="rect">
@@ -5221,9 +4505,9 @@
           <p:nvPr/>
         </p:nvCxnSpPr>
         <p:spPr>
-          <a:xfrm flipH="1" flipV="1">
-            <a:off x="119242" y="877366"/>
-            <a:ext cx="12053708" cy="37496"/>
+          <a:xfrm flipH="1">
+            <a:off x="227344" y="928271"/>
+            <a:ext cx="15949946" cy="0"/>
           </a:xfrm>
           <a:prstGeom prst="line">
             <a:avLst/>
@@ -5263,8 +4547,8 @@
         </p:nvSpPr>
         <p:spPr>
           <a:xfrm>
-            <a:off x="3429040" y="118728"/>
-            <a:ext cx="869149" cy="646331"/>
+            <a:off x="4820434" y="147907"/>
+            <a:ext cx="669414" cy="646331"/>
           </a:xfrm>
           <a:prstGeom prst="rect">
             <a:avLst/>
@@ -5279,7 +4563,7 @@
             <a:pPr algn="ctr"/>
             <a:r>
               <a:rPr lang="en-US" dirty="0"/>
-              <a:t>Spacer </a:t>
+              <a:t>PAM </a:t>
             </a:r>
           </a:p>
           <a:p>
@@ -5305,7 +4589,7 @@
         </p:nvSpPr>
         <p:spPr>
           <a:xfrm>
-            <a:off x="3323208" y="1991988"/>
+            <a:off x="4614735" y="1941234"/>
             <a:ext cx="1080813" cy="387927"/>
           </a:xfrm>
           <a:prstGeom prst="rect">
@@ -5322,7 +4606,7 @@
             <a:pPr algn="ctr"/>
             <a:r>
               <a:rPr lang="en-US" sz="1921" dirty="0"/>
-              <a:t>5’</a:t>
+              <a:t>3’</a:t>
             </a:r>
           </a:p>
         </p:txBody>
@@ -5341,7 +4625,7 @@
         </p:nvSpPr>
         <p:spPr>
           <a:xfrm>
-            <a:off x="2942811" y="6525589"/>
+            <a:off x="4269635" y="4821468"/>
             <a:ext cx="1841600" cy="387927"/>
           </a:xfrm>
           <a:prstGeom prst="rect">
@@ -5358,43 +4642,7 @@
             <a:pPr algn="ctr"/>
             <a:r>
               <a:rPr lang="en-US" sz="1921" dirty="0"/>
-              <a:t>3’</a:t>
-            </a:r>
-          </a:p>
-        </p:txBody>
-      </p:sp>
-      <p:sp>
-        <p:nvSpPr>
-          <p:cNvPr id="61" name="TextBox 60">
-            <a:extLst>
-              <a:ext uri="{FF2B5EF4-FFF2-40B4-BE49-F238E27FC236}">
-                <a16:creationId xmlns:a16="http://schemas.microsoft.com/office/drawing/2014/main" id="{51ADBC01-A975-BF47-9D63-0B2A6D0ADEEB}"/>
-              </a:ext>
-            </a:extLst>
-          </p:cNvPr>
-          <p:cNvSpPr txBox="1"/>
-          <p:nvPr/>
-        </p:nvSpPr>
-        <p:spPr>
-          <a:xfrm>
-            <a:off x="3323208" y="4186035"/>
-            <a:ext cx="1080813" cy="387927"/>
-          </a:xfrm>
-          <a:prstGeom prst="rect">
-            <a:avLst/>
-          </a:prstGeom>
-          <a:noFill/>
-        </p:spPr>
-        <p:txBody>
-          <a:bodyPr wrap="square" rtlCol="0">
-            <a:spAutoFit/>
-          </a:bodyPr>
-          <a:lstStyle/>
-          <a:p>
-            <a:pPr algn="ctr"/>
-            <a:r>
-              <a:rPr lang="en-US" sz="1921" dirty="0"/>
-              <a:t>5'</a:t>
+              <a:t>5’</a:t>
             </a:r>
           </a:p>
         </p:txBody>
@@ -5415,8 +4663,8 @@
         </p:nvCxnSpPr>
         <p:spPr>
           <a:xfrm>
-            <a:off x="4293226" y="45943"/>
-            <a:ext cx="0" cy="7114104"/>
+            <a:off x="5584748" y="59352"/>
+            <a:ext cx="0" cy="9401477"/>
           </a:xfrm>
           <a:prstGeom prst="line">
             <a:avLst/>
@@ -5458,8 +4706,8 @@
         </p:nvCxnSpPr>
         <p:spPr>
           <a:xfrm>
-            <a:off x="5334486" y="98260"/>
-            <a:ext cx="0" cy="7114104"/>
+            <a:off x="6626008" y="111669"/>
+            <a:ext cx="0" cy="9349160"/>
           </a:xfrm>
           <a:prstGeom prst="line">
             <a:avLst/>
@@ -5499,7 +4747,7 @@
         </p:nvSpPr>
         <p:spPr>
           <a:xfrm>
-            <a:off x="4386632" y="118728"/>
+            <a:off x="5678154" y="147907"/>
             <a:ext cx="869148" cy="646331"/>
           </a:xfrm>
           <a:prstGeom prst="rect">
@@ -5541,7 +4789,7 @@
         </p:nvSpPr>
         <p:spPr>
           <a:xfrm>
-            <a:off x="4423325" y="1991988"/>
+            <a:off x="5714847" y="1941234"/>
             <a:ext cx="795762" cy="387927"/>
           </a:xfrm>
           <a:prstGeom prst="rect">
@@ -5577,7 +4825,7 @@
         </p:nvSpPr>
         <p:spPr>
           <a:xfrm>
-            <a:off x="4412308" y="6525589"/>
+            <a:off x="5739132" y="4821468"/>
             <a:ext cx="817796" cy="387927"/>
           </a:xfrm>
           <a:prstGeom prst="rect">
@@ -5599,12 +4847,90 @@
           </a:p>
         </p:txBody>
       </p:sp>
-      <p:sp>
-        <p:nvSpPr>
-          <p:cNvPr id="76" name="TextBox 75">
+      <p:cxnSp>
+        <p:nvCxnSpPr>
+          <p:cNvPr id="78" name="Straight Connector 77">
             <a:extLst>
               <a:ext uri="{FF2B5EF4-FFF2-40B4-BE49-F238E27FC236}">
-                <a16:creationId xmlns:a16="http://schemas.microsoft.com/office/drawing/2014/main" id="{20E46C5F-8062-524A-A480-E870150AFB28}"/>
+                <a16:creationId xmlns:a16="http://schemas.microsoft.com/office/drawing/2014/main" id="{A4BD2588-4264-2D4A-826B-92E0824AD095}"/>
+              </a:ext>
+            </a:extLst>
+          </p:cNvPr>
+          <p:cNvCxnSpPr>
+            <a:cxnSpLocks/>
+          </p:cNvCxnSpPr>
+          <p:nvPr/>
+        </p:nvCxnSpPr>
+        <p:spPr>
+          <a:xfrm>
+            <a:off x="1684954" y="85626"/>
+            <a:ext cx="0" cy="9375203"/>
+          </a:xfrm>
+          <a:prstGeom prst="line">
+            <a:avLst/>
+          </a:prstGeom>
+          <a:ln>
+            <a:solidFill>
+              <a:schemeClr val="tx1"/>
+            </a:solidFill>
+          </a:ln>
+        </p:spPr>
+        <p:style>
+          <a:lnRef idx="1">
+            <a:schemeClr val="accent1"/>
+          </a:lnRef>
+          <a:fillRef idx="0">
+            <a:schemeClr val="accent1"/>
+          </a:fillRef>
+          <a:effectRef idx="0">
+            <a:schemeClr val="accent1"/>
+          </a:effectRef>
+          <a:fontRef idx="minor">
+            <a:schemeClr val="tx1"/>
+          </a:fontRef>
+        </p:style>
+      </p:cxnSp>
+      <p:sp>
+        <p:nvSpPr>
+          <p:cNvPr id="79" name="Rectangle 78">
+            <a:extLst>
+              <a:ext uri="{FF2B5EF4-FFF2-40B4-BE49-F238E27FC236}">
+                <a16:creationId xmlns:a16="http://schemas.microsoft.com/office/drawing/2014/main" id="{8D661178-7F79-0E41-8D06-09867363274E}"/>
+              </a:ext>
+            </a:extLst>
+          </p:cNvPr>
+          <p:cNvSpPr/>
+          <p:nvPr/>
+        </p:nvSpPr>
+        <p:spPr>
+          <a:xfrm>
+            <a:off x="1752863" y="286404"/>
+            <a:ext cx="764697" cy="369332"/>
+          </a:xfrm>
+          <a:prstGeom prst="rect">
+            <a:avLst/>
+          </a:prstGeom>
+        </p:spPr>
+        <p:txBody>
+          <a:bodyPr wrap="none">
+            <a:spAutoFit/>
+          </a:bodyPr>
+          <a:lstStyle/>
+          <a:p>
+            <a:pPr algn="ctr"/>
+            <a:r>
+              <a:rPr lang="en-US" dirty="0"/>
+              <a:t>Target</a:t>
+            </a:r>
+          </a:p>
+        </p:txBody>
+      </p:sp>
+      <p:sp>
+        <p:nvSpPr>
+          <p:cNvPr id="81" name="TextBox 80">
+            <a:extLst>
+              <a:ext uri="{FF2B5EF4-FFF2-40B4-BE49-F238E27FC236}">
+                <a16:creationId xmlns:a16="http://schemas.microsoft.com/office/drawing/2014/main" id="{C1DF5226-378D-514C-A624-9C7AC1A03866}"/>
               </a:ext>
             </a:extLst>
           </p:cNvPr>
@@ -5613,8 +4939,8 @@
         </p:nvSpPr>
         <p:spPr>
           <a:xfrm>
-            <a:off x="4376515" y="4186035"/>
-            <a:ext cx="889389" cy="387927"/>
+            <a:off x="1643390" y="1945273"/>
+            <a:ext cx="1080813" cy="387927"/>
           </a:xfrm>
           <a:prstGeom prst="rect">
             <a:avLst/>
@@ -5630,7 +4956,5386 @@
             <a:pPr algn="ctr"/>
             <a:r>
               <a:rPr lang="en-US" sz="1921" dirty="0"/>
-              <a:t>21nt</a:t>
+              <a:t>DNA</a:t>
+            </a:r>
+          </a:p>
+        </p:txBody>
+      </p:sp>
+      <p:sp>
+        <p:nvSpPr>
+          <p:cNvPr id="89" name="TextBox 88">
+            <a:extLst>
+              <a:ext uri="{FF2B5EF4-FFF2-40B4-BE49-F238E27FC236}">
+                <a16:creationId xmlns:a16="http://schemas.microsoft.com/office/drawing/2014/main" id="{974B7EB6-0F85-1C47-B410-435B14991A49}"/>
+              </a:ext>
+            </a:extLst>
+          </p:cNvPr>
+          <p:cNvSpPr txBox="1"/>
+          <p:nvPr/>
+        </p:nvSpPr>
+        <p:spPr>
+          <a:xfrm>
+            <a:off x="1298291" y="4825507"/>
+            <a:ext cx="1841600" cy="387927"/>
+          </a:xfrm>
+          <a:prstGeom prst="rect">
+            <a:avLst/>
+          </a:prstGeom>
+          <a:noFill/>
+        </p:spPr>
+        <p:txBody>
+          <a:bodyPr wrap="square" rtlCol="0">
+            <a:spAutoFit/>
+          </a:bodyPr>
+          <a:lstStyle/>
+          <a:p>
+            <a:pPr algn="ctr"/>
+            <a:r>
+              <a:rPr lang="en-US" sz="1921" dirty="0"/>
+              <a:t>DNA</a:t>
+            </a:r>
+          </a:p>
+        </p:txBody>
+      </p:sp>
+      <p:grpSp>
+        <p:nvGrpSpPr>
+          <p:cNvPr id="34" name="Group 33">
+            <a:extLst>
+              <a:ext uri="{FF2B5EF4-FFF2-40B4-BE49-F238E27FC236}">
+                <a16:creationId xmlns:a16="http://schemas.microsoft.com/office/drawing/2014/main" id="{B74869E3-7056-0643-9FEB-C01E96FBCCA5}"/>
+              </a:ext>
+            </a:extLst>
+          </p:cNvPr>
+          <p:cNvGrpSpPr/>
+          <p:nvPr/>
+        </p:nvGrpSpPr>
+        <p:grpSpPr>
+          <a:xfrm>
+            <a:off x="7495108" y="2469584"/>
+            <a:ext cx="1293154" cy="751283"/>
+            <a:chOff x="7172514" y="2200880"/>
+            <a:chExt cx="1293154" cy="751283"/>
+          </a:xfrm>
+        </p:grpSpPr>
+        <p:cxnSp>
+          <p:nvCxnSpPr>
+            <p:cNvPr id="91" name="Straight Connector 90">
+              <a:extLst>
+                <a:ext uri="{FF2B5EF4-FFF2-40B4-BE49-F238E27FC236}">
+                  <a16:creationId xmlns:a16="http://schemas.microsoft.com/office/drawing/2014/main" id="{F954D1C1-32D9-2A41-8AC2-41C4BAC347E0}"/>
+                </a:ext>
+              </a:extLst>
+            </p:cNvPr>
+            <p:cNvCxnSpPr>
+              <a:cxnSpLocks/>
+            </p:cNvCxnSpPr>
+            <p:nvPr/>
+          </p:nvCxnSpPr>
+          <p:spPr>
+            <a:xfrm>
+              <a:off x="8166945" y="2952163"/>
+              <a:ext cx="298723" cy="0"/>
+            </a:xfrm>
+            <a:prstGeom prst="line">
+              <a:avLst/>
+            </a:prstGeom>
+            <a:ln w="22225">
+              <a:solidFill>
+                <a:schemeClr val="tx1"/>
+              </a:solidFill>
+            </a:ln>
+          </p:spPr>
+          <p:style>
+            <a:lnRef idx="1">
+              <a:schemeClr val="accent1"/>
+            </a:lnRef>
+            <a:fillRef idx="0">
+              <a:schemeClr val="accent1"/>
+            </a:fillRef>
+            <a:effectRef idx="0">
+              <a:schemeClr val="accent1"/>
+            </a:effectRef>
+            <a:fontRef idx="minor">
+              <a:schemeClr val="tx1"/>
+            </a:fontRef>
+          </p:style>
+        </p:cxnSp>
+        <p:cxnSp>
+          <p:nvCxnSpPr>
+            <p:cNvPr id="92" name="Straight Connector 91">
+              <a:extLst>
+                <a:ext uri="{FF2B5EF4-FFF2-40B4-BE49-F238E27FC236}">
+                  <a16:creationId xmlns:a16="http://schemas.microsoft.com/office/drawing/2014/main" id="{22A77E19-D1B7-AC49-9EFC-7C3FC8EA3F4D}"/>
+                </a:ext>
+              </a:extLst>
+            </p:cNvPr>
+            <p:cNvCxnSpPr>
+              <a:cxnSpLocks/>
+            </p:cNvCxnSpPr>
+            <p:nvPr/>
+          </p:nvCxnSpPr>
+          <p:spPr>
+            <a:xfrm>
+              <a:off x="7828325" y="2207135"/>
+              <a:ext cx="337829" cy="745028"/>
+            </a:xfrm>
+            <a:prstGeom prst="line">
+              <a:avLst/>
+            </a:prstGeom>
+            <a:ln w="22225">
+              <a:solidFill>
+                <a:schemeClr val="tx1"/>
+              </a:solidFill>
+            </a:ln>
+          </p:spPr>
+          <p:style>
+            <a:lnRef idx="1">
+              <a:schemeClr val="accent1"/>
+            </a:lnRef>
+            <a:fillRef idx="0">
+              <a:schemeClr val="accent1"/>
+            </a:fillRef>
+            <a:effectRef idx="0">
+              <a:schemeClr val="accent1"/>
+            </a:effectRef>
+            <a:fontRef idx="minor">
+              <a:schemeClr val="tx1"/>
+            </a:fontRef>
+          </p:style>
+        </p:cxnSp>
+        <p:cxnSp>
+          <p:nvCxnSpPr>
+            <p:cNvPr id="93" name="Straight Connector 92">
+              <a:extLst>
+                <a:ext uri="{FF2B5EF4-FFF2-40B4-BE49-F238E27FC236}">
+                  <a16:creationId xmlns:a16="http://schemas.microsoft.com/office/drawing/2014/main" id="{6EAA9E46-593B-6346-85CA-4E581650B7A4}"/>
+                </a:ext>
+              </a:extLst>
+            </p:cNvPr>
+            <p:cNvCxnSpPr>
+              <a:cxnSpLocks/>
+            </p:cNvCxnSpPr>
+            <p:nvPr/>
+          </p:nvCxnSpPr>
+          <p:spPr>
+            <a:xfrm>
+              <a:off x="7172514" y="2200880"/>
+              <a:ext cx="666401" cy="0"/>
+            </a:xfrm>
+            <a:prstGeom prst="line">
+              <a:avLst/>
+            </a:prstGeom>
+            <a:ln w="22225">
+              <a:solidFill>
+                <a:schemeClr val="tx1"/>
+              </a:solidFill>
+            </a:ln>
+          </p:spPr>
+          <p:style>
+            <a:lnRef idx="1">
+              <a:schemeClr val="accent1"/>
+            </a:lnRef>
+            <a:fillRef idx="0">
+              <a:schemeClr val="accent1"/>
+            </a:fillRef>
+            <a:effectRef idx="0">
+              <a:schemeClr val="accent1"/>
+            </a:effectRef>
+            <a:fontRef idx="minor">
+              <a:schemeClr val="tx1"/>
+            </a:fontRef>
+          </p:style>
+        </p:cxnSp>
+      </p:grpSp>
+      <p:sp>
+        <p:nvSpPr>
+          <p:cNvPr id="95" name="TextBox 94">
+            <a:extLst>
+              <a:ext uri="{FF2B5EF4-FFF2-40B4-BE49-F238E27FC236}">
+                <a16:creationId xmlns:a16="http://schemas.microsoft.com/office/drawing/2014/main" id="{44AFDE1A-3412-A94B-A0AC-33C5ACB69418}"/>
+              </a:ext>
+            </a:extLst>
+          </p:cNvPr>
+          <p:cNvSpPr txBox="1"/>
+          <p:nvPr/>
+        </p:nvSpPr>
+        <p:spPr>
+          <a:xfrm>
+            <a:off x="12798568" y="2988138"/>
+            <a:ext cx="851682" cy="502766"/>
+          </a:xfrm>
+          <a:prstGeom prst="rect">
+            <a:avLst/>
+          </a:prstGeom>
+          <a:noFill/>
+        </p:spPr>
+        <p:txBody>
+          <a:bodyPr wrap="square" rtlCol="0">
+            <a:spAutoFit/>
+          </a:bodyPr>
+          <a:lstStyle/>
+          <a:p>
+            <a:r>
+              <a:rPr lang="en-US" sz="2667" dirty="0">
+                <a:latin typeface="Courier" pitchFamily="2" charset="0"/>
+              </a:rPr>
+              <a:t>NCC</a:t>
+            </a:r>
+          </a:p>
+        </p:txBody>
+      </p:sp>
+      <p:cxnSp>
+        <p:nvCxnSpPr>
+          <p:cNvPr id="96" name="Straight Connector 95">
+            <a:extLst>
+              <a:ext uri="{FF2B5EF4-FFF2-40B4-BE49-F238E27FC236}">
+                <a16:creationId xmlns:a16="http://schemas.microsoft.com/office/drawing/2014/main" id="{30636152-52A4-A949-A02F-66F0EA1E981D}"/>
+              </a:ext>
+            </a:extLst>
+          </p:cNvPr>
+          <p:cNvCxnSpPr>
+            <a:cxnSpLocks/>
+          </p:cNvCxnSpPr>
+          <p:nvPr/>
+        </p:nvCxnSpPr>
+        <p:spPr>
+          <a:xfrm flipH="1">
+            <a:off x="13514885" y="2450200"/>
+            <a:ext cx="881970" cy="786369"/>
+          </a:xfrm>
+          <a:prstGeom prst="line">
+            <a:avLst/>
+          </a:prstGeom>
+          <a:ln w="22225">
+            <a:solidFill>
+              <a:schemeClr val="tx1"/>
+            </a:solidFill>
+          </a:ln>
+        </p:spPr>
+        <p:style>
+          <a:lnRef idx="1">
+            <a:schemeClr val="accent1"/>
+          </a:lnRef>
+          <a:fillRef idx="0">
+            <a:schemeClr val="accent1"/>
+          </a:fillRef>
+          <a:effectRef idx="0">
+            <a:schemeClr val="accent1"/>
+          </a:effectRef>
+          <a:fontRef idx="minor">
+            <a:schemeClr val="tx1"/>
+          </a:fontRef>
+        </p:style>
+      </p:cxnSp>
+      <p:cxnSp>
+        <p:nvCxnSpPr>
+          <p:cNvPr id="98" name="Straight Connector 97">
+            <a:extLst>
+              <a:ext uri="{FF2B5EF4-FFF2-40B4-BE49-F238E27FC236}">
+                <a16:creationId xmlns:a16="http://schemas.microsoft.com/office/drawing/2014/main" id="{26E27648-B8F9-9540-8CF4-C78730125FE1}"/>
+              </a:ext>
+            </a:extLst>
+          </p:cNvPr>
+          <p:cNvCxnSpPr>
+            <a:cxnSpLocks/>
+          </p:cNvCxnSpPr>
+          <p:nvPr/>
+        </p:nvCxnSpPr>
+        <p:spPr>
+          <a:xfrm>
+            <a:off x="8492453" y="2757185"/>
+            <a:ext cx="253721" cy="1"/>
+          </a:xfrm>
+          <a:prstGeom prst="line">
+            <a:avLst/>
+          </a:prstGeom>
+          <a:ln w="22225">
+            <a:solidFill>
+              <a:schemeClr val="tx1"/>
+            </a:solidFill>
+          </a:ln>
+        </p:spPr>
+        <p:style>
+          <a:lnRef idx="1">
+            <a:schemeClr val="accent1"/>
+          </a:lnRef>
+          <a:fillRef idx="0">
+            <a:schemeClr val="accent1"/>
+          </a:fillRef>
+          <a:effectRef idx="0">
+            <a:schemeClr val="accent1"/>
+          </a:effectRef>
+          <a:fontRef idx="minor">
+            <a:schemeClr val="tx1"/>
+          </a:fontRef>
+        </p:style>
+      </p:cxnSp>
+      <p:cxnSp>
+        <p:nvCxnSpPr>
+          <p:cNvPr id="99" name="Straight Connector 98">
+            <a:extLst>
+              <a:ext uri="{FF2B5EF4-FFF2-40B4-BE49-F238E27FC236}">
+                <a16:creationId xmlns:a16="http://schemas.microsoft.com/office/drawing/2014/main" id="{8D855EF4-A256-BD42-9F97-FE60B4E79E81}"/>
+              </a:ext>
+            </a:extLst>
+          </p:cNvPr>
+          <p:cNvCxnSpPr>
+            <a:cxnSpLocks/>
+          </p:cNvCxnSpPr>
+          <p:nvPr/>
+        </p:nvCxnSpPr>
+        <p:spPr>
+          <a:xfrm>
+            <a:off x="12937878" y="2750162"/>
+            <a:ext cx="253721" cy="1"/>
+          </a:xfrm>
+          <a:prstGeom prst="line">
+            <a:avLst/>
+          </a:prstGeom>
+          <a:ln w="22225">
+            <a:solidFill>
+              <a:schemeClr val="tx1"/>
+            </a:solidFill>
+          </a:ln>
+        </p:spPr>
+        <p:style>
+          <a:lnRef idx="1">
+            <a:schemeClr val="accent1"/>
+          </a:lnRef>
+          <a:fillRef idx="0">
+            <a:schemeClr val="accent1"/>
+          </a:fillRef>
+          <a:effectRef idx="0">
+            <a:schemeClr val="accent1"/>
+          </a:effectRef>
+          <a:fontRef idx="minor">
+            <a:schemeClr val="tx1"/>
+          </a:fontRef>
+        </p:style>
+      </p:cxnSp>
+      <p:sp>
+        <p:nvSpPr>
+          <p:cNvPr id="100" name="TextBox 99">
+            <a:extLst>
+              <a:ext uri="{FF2B5EF4-FFF2-40B4-BE49-F238E27FC236}">
+                <a16:creationId xmlns:a16="http://schemas.microsoft.com/office/drawing/2014/main" id="{EC99F5E4-9696-1044-BB8D-0204B418C37A}"/>
+              </a:ext>
+            </a:extLst>
+          </p:cNvPr>
+          <p:cNvSpPr txBox="1"/>
+          <p:nvPr/>
+        </p:nvSpPr>
+        <p:spPr>
+          <a:xfrm>
+            <a:off x="8569580" y="2454248"/>
+            <a:ext cx="368278" cy="338554"/>
+          </a:xfrm>
+          <a:prstGeom prst="rect">
+            <a:avLst/>
+          </a:prstGeom>
+          <a:noFill/>
+        </p:spPr>
+        <p:txBody>
+          <a:bodyPr wrap="square" rtlCol="0">
+            <a:spAutoFit/>
+          </a:bodyPr>
+          <a:lstStyle/>
+          <a:p>
+            <a:r>
+              <a:rPr lang="en-US" sz="1600" dirty="0"/>
+              <a:t>5’</a:t>
+            </a:r>
+          </a:p>
+        </p:txBody>
+      </p:sp>
+      <p:sp>
+        <p:nvSpPr>
+          <p:cNvPr id="101" name="TextBox 100">
+            <a:extLst>
+              <a:ext uri="{FF2B5EF4-FFF2-40B4-BE49-F238E27FC236}">
+                <a16:creationId xmlns:a16="http://schemas.microsoft.com/office/drawing/2014/main" id="{B50DF56E-885B-6844-B18C-80A933720D91}"/>
+              </a:ext>
+            </a:extLst>
+          </p:cNvPr>
+          <p:cNvSpPr txBox="1"/>
+          <p:nvPr/>
+        </p:nvSpPr>
+        <p:spPr>
+          <a:xfrm>
+            <a:off x="12847559" y="2454248"/>
+            <a:ext cx="368278" cy="338554"/>
+          </a:xfrm>
+          <a:prstGeom prst="rect">
+            <a:avLst/>
+          </a:prstGeom>
+          <a:noFill/>
+        </p:spPr>
+        <p:txBody>
+          <a:bodyPr wrap="square" rtlCol="0">
+            <a:spAutoFit/>
+          </a:bodyPr>
+          <a:lstStyle/>
+          <a:p>
+            <a:r>
+              <a:rPr lang="en-US" sz="1600" dirty="0"/>
+              <a:t>3’</a:t>
+            </a:r>
+          </a:p>
+        </p:txBody>
+      </p:sp>
+      <p:grpSp>
+        <p:nvGrpSpPr>
+          <p:cNvPr id="102" name="Group 101">
+            <a:extLst>
+              <a:ext uri="{FF2B5EF4-FFF2-40B4-BE49-F238E27FC236}">
+                <a16:creationId xmlns:a16="http://schemas.microsoft.com/office/drawing/2014/main" id="{C649A3B3-C054-DE42-A281-17C33B2B55B7}"/>
+              </a:ext>
+            </a:extLst>
+          </p:cNvPr>
+          <p:cNvGrpSpPr/>
+          <p:nvPr/>
+        </p:nvGrpSpPr>
+        <p:grpSpPr>
+          <a:xfrm>
+            <a:off x="8898757" y="2888741"/>
+            <a:ext cx="3865401" cy="179803"/>
+            <a:chOff x="2537530" y="2602325"/>
+            <a:chExt cx="3623813" cy="168565"/>
+          </a:xfrm>
+        </p:grpSpPr>
+        <p:cxnSp>
+          <p:nvCxnSpPr>
+            <p:cNvPr id="103" name="Straight Connector 102">
+              <a:extLst>
+                <a:ext uri="{FF2B5EF4-FFF2-40B4-BE49-F238E27FC236}">
+                  <a16:creationId xmlns:a16="http://schemas.microsoft.com/office/drawing/2014/main" id="{AFB6CF54-6E37-4347-9989-CA20A681207C}"/>
+                </a:ext>
+              </a:extLst>
+            </p:cNvPr>
+            <p:cNvCxnSpPr>
+              <a:cxnSpLocks/>
+            </p:cNvCxnSpPr>
+            <p:nvPr/>
+          </p:nvCxnSpPr>
+          <p:spPr>
+            <a:xfrm>
+              <a:off x="5398435" y="2602325"/>
+              <a:ext cx="0" cy="168565"/>
+            </a:xfrm>
+            <a:prstGeom prst="line">
+              <a:avLst/>
+            </a:prstGeom>
+            <a:ln w="15875">
+              <a:solidFill>
+                <a:schemeClr val="tx1"/>
+              </a:solidFill>
+            </a:ln>
+          </p:spPr>
+          <p:style>
+            <a:lnRef idx="1">
+              <a:schemeClr val="accent1"/>
+            </a:lnRef>
+            <a:fillRef idx="0">
+              <a:schemeClr val="accent1"/>
+            </a:fillRef>
+            <a:effectRef idx="0">
+              <a:schemeClr val="accent1"/>
+            </a:effectRef>
+            <a:fontRef idx="minor">
+              <a:schemeClr val="tx1"/>
+            </a:fontRef>
+          </p:style>
+        </p:cxnSp>
+        <p:cxnSp>
+          <p:nvCxnSpPr>
+            <p:cNvPr id="104" name="Straight Connector 103">
+              <a:extLst>
+                <a:ext uri="{FF2B5EF4-FFF2-40B4-BE49-F238E27FC236}">
+                  <a16:creationId xmlns:a16="http://schemas.microsoft.com/office/drawing/2014/main" id="{220DBFD4-2585-B440-B751-CB87D08E5659}"/>
+                </a:ext>
+              </a:extLst>
+            </p:cNvPr>
+            <p:cNvCxnSpPr>
+              <a:cxnSpLocks/>
+            </p:cNvCxnSpPr>
+            <p:nvPr/>
+          </p:nvCxnSpPr>
+          <p:spPr>
+            <a:xfrm>
+              <a:off x="5589162" y="2602325"/>
+              <a:ext cx="0" cy="168565"/>
+            </a:xfrm>
+            <a:prstGeom prst="line">
+              <a:avLst/>
+            </a:prstGeom>
+            <a:ln w="15875">
+              <a:solidFill>
+                <a:schemeClr val="tx1"/>
+              </a:solidFill>
+            </a:ln>
+          </p:spPr>
+          <p:style>
+            <a:lnRef idx="1">
+              <a:schemeClr val="accent1"/>
+            </a:lnRef>
+            <a:fillRef idx="0">
+              <a:schemeClr val="accent1"/>
+            </a:fillRef>
+            <a:effectRef idx="0">
+              <a:schemeClr val="accent1"/>
+            </a:effectRef>
+            <a:fontRef idx="minor">
+              <a:schemeClr val="tx1"/>
+            </a:fontRef>
+          </p:style>
+        </p:cxnSp>
+        <p:cxnSp>
+          <p:nvCxnSpPr>
+            <p:cNvPr id="105" name="Straight Connector 104">
+              <a:extLst>
+                <a:ext uri="{FF2B5EF4-FFF2-40B4-BE49-F238E27FC236}">
+                  <a16:creationId xmlns:a16="http://schemas.microsoft.com/office/drawing/2014/main" id="{81E22766-7EE8-CD43-9572-C34BE8AEC94D}"/>
+                </a:ext>
+              </a:extLst>
+            </p:cNvPr>
+            <p:cNvCxnSpPr>
+              <a:cxnSpLocks/>
+            </p:cNvCxnSpPr>
+            <p:nvPr/>
+          </p:nvCxnSpPr>
+          <p:spPr>
+            <a:xfrm>
+              <a:off x="5207708" y="2602325"/>
+              <a:ext cx="0" cy="168565"/>
+            </a:xfrm>
+            <a:prstGeom prst="line">
+              <a:avLst/>
+            </a:prstGeom>
+            <a:ln w="15875">
+              <a:solidFill>
+                <a:schemeClr val="tx1"/>
+              </a:solidFill>
+            </a:ln>
+          </p:spPr>
+          <p:style>
+            <a:lnRef idx="1">
+              <a:schemeClr val="accent1"/>
+            </a:lnRef>
+            <a:fillRef idx="0">
+              <a:schemeClr val="accent1"/>
+            </a:fillRef>
+            <a:effectRef idx="0">
+              <a:schemeClr val="accent1"/>
+            </a:effectRef>
+            <a:fontRef idx="minor">
+              <a:schemeClr val="tx1"/>
+            </a:fontRef>
+          </p:style>
+        </p:cxnSp>
+        <p:cxnSp>
+          <p:nvCxnSpPr>
+            <p:cNvPr id="106" name="Straight Connector 105">
+              <a:extLst>
+                <a:ext uri="{FF2B5EF4-FFF2-40B4-BE49-F238E27FC236}">
+                  <a16:creationId xmlns:a16="http://schemas.microsoft.com/office/drawing/2014/main" id="{3BC98180-3BF9-2E46-B50E-C1569B401490}"/>
+                </a:ext>
+              </a:extLst>
+            </p:cNvPr>
+            <p:cNvCxnSpPr>
+              <a:cxnSpLocks/>
+            </p:cNvCxnSpPr>
+            <p:nvPr/>
+          </p:nvCxnSpPr>
+          <p:spPr>
+            <a:xfrm>
+              <a:off x="5016981" y="2602325"/>
+              <a:ext cx="0" cy="168565"/>
+            </a:xfrm>
+            <a:prstGeom prst="line">
+              <a:avLst/>
+            </a:prstGeom>
+            <a:ln w="15875">
+              <a:solidFill>
+                <a:schemeClr val="tx1"/>
+              </a:solidFill>
+            </a:ln>
+          </p:spPr>
+          <p:style>
+            <a:lnRef idx="1">
+              <a:schemeClr val="accent1"/>
+            </a:lnRef>
+            <a:fillRef idx="0">
+              <a:schemeClr val="accent1"/>
+            </a:fillRef>
+            <a:effectRef idx="0">
+              <a:schemeClr val="accent1"/>
+            </a:effectRef>
+            <a:fontRef idx="minor">
+              <a:schemeClr val="tx1"/>
+            </a:fontRef>
+          </p:style>
+        </p:cxnSp>
+        <p:cxnSp>
+          <p:nvCxnSpPr>
+            <p:cNvPr id="115" name="Straight Connector 114">
+              <a:extLst>
+                <a:ext uri="{FF2B5EF4-FFF2-40B4-BE49-F238E27FC236}">
+                  <a16:creationId xmlns:a16="http://schemas.microsoft.com/office/drawing/2014/main" id="{44DDAC82-510D-DE49-98D6-D7EFB4AB5690}"/>
+                </a:ext>
+              </a:extLst>
+            </p:cNvPr>
+            <p:cNvCxnSpPr>
+              <a:cxnSpLocks/>
+            </p:cNvCxnSpPr>
+            <p:nvPr/>
+          </p:nvCxnSpPr>
+          <p:spPr>
+            <a:xfrm>
+              <a:off x="4635527" y="2602325"/>
+              <a:ext cx="0" cy="168565"/>
+            </a:xfrm>
+            <a:prstGeom prst="line">
+              <a:avLst/>
+            </a:prstGeom>
+            <a:ln w="15875">
+              <a:solidFill>
+                <a:schemeClr val="tx1"/>
+              </a:solidFill>
+            </a:ln>
+          </p:spPr>
+          <p:style>
+            <a:lnRef idx="1">
+              <a:schemeClr val="accent1"/>
+            </a:lnRef>
+            <a:fillRef idx="0">
+              <a:schemeClr val="accent1"/>
+            </a:fillRef>
+            <a:effectRef idx="0">
+              <a:schemeClr val="accent1"/>
+            </a:effectRef>
+            <a:fontRef idx="minor">
+              <a:schemeClr val="tx1"/>
+            </a:fontRef>
+          </p:style>
+        </p:cxnSp>
+        <p:cxnSp>
+          <p:nvCxnSpPr>
+            <p:cNvPr id="116" name="Straight Connector 115">
+              <a:extLst>
+                <a:ext uri="{FF2B5EF4-FFF2-40B4-BE49-F238E27FC236}">
+                  <a16:creationId xmlns:a16="http://schemas.microsoft.com/office/drawing/2014/main" id="{3763E430-3B42-EE42-8BE3-621DFF567493}"/>
+                </a:ext>
+              </a:extLst>
+            </p:cNvPr>
+            <p:cNvCxnSpPr>
+              <a:cxnSpLocks/>
+            </p:cNvCxnSpPr>
+            <p:nvPr/>
+          </p:nvCxnSpPr>
+          <p:spPr>
+            <a:xfrm>
+              <a:off x="4826254" y="2602325"/>
+              <a:ext cx="0" cy="168565"/>
+            </a:xfrm>
+            <a:prstGeom prst="line">
+              <a:avLst/>
+            </a:prstGeom>
+            <a:ln w="15875">
+              <a:solidFill>
+                <a:schemeClr val="tx1"/>
+              </a:solidFill>
+            </a:ln>
+          </p:spPr>
+          <p:style>
+            <a:lnRef idx="1">
+              <a:schemeClr val="accent1"/>
+            </a:lnRef>
+            <a:fillRef idx="0">
+              <a:schemeClr val="accent1"/>
+            </a:fillRef>
+            <a:effectRef idx="0">
+              <a:schemeClr val="accent1"/>
+            </a:effectRef>
+            <a:fontRef idx="minor">
+              <a:schemeClr val="tx1"/>
+            </a:fontRef>
+          </p:style>
+        </p:cxnSp>
+        <p:cxnSp>
+          <p:nvCxnSpPr>
+            <p:cNvPr id="119" name="Straight Connector 118">
+              <a:extLst>
+                <a:ext uri="{FF2B5EF4-FFF2-40B4-BE49-F238E27FC236}">
+                  <a16:creationId xmlns:a16="http://schemas.microsoft.com/office/drawing/2014/main" id="{F9C0B057-E168-2647-8060-6790DA3F3F71}"/>
+                </a:ext>
+              </a:extLst>
+            </p:cNvPr>
+            <p:cNvCxnSpPr>
+              <a:cxnSpLocks/>
+            </p:cNvCxnSpPr>
+            <p:nvPr/>
+          </p:nvCxnSpPr>
+          <p:spPr>
+            <a:xfrm>
+              <a:off x="4444800" y="2602325"/>
+              <a:ext cx="0" cy="168565"/>
+            </a:xfrm>
+            <a:prstGeom prst="line">
+              <a:avLst/>
+            </a:prstGeom>
+            <a:ln w="15875">
+              <a:solidFill>
+                <a:schemeClr val="tx1"/>
+              </a:solidFill>
+            </a:ln>
+          </p:spPr>
+          <p:style>
+            <a:lnRef idx="1">
+              <a:schemeClr val="accent1"/>
+            </a:lnRef>
+            <a:fillRef idx="0">
+              <a:schemeClr val="accent1"/>
+            </a:fillRef>
+            <a:effectRef idx="0">
+              <a:schemeClr val="accent1"/>
+            </a:effectRef>
+            <a:fontRef idx="minor">
+              <a:schemeClr val="tx1"/>
+            </a:fontRef>
+          </p:style>
+        </p:cxnSp>
+        <p:cxnSp>
+          <p:nvCxnSpPr>
+            <p:cNvPr id="120" name="Straight Connector 119">
+              <a:extLst>
+                <a:ext uri="{FF2B5EF4-FFF2-40B4-BE49-F238E27FC236}">
+                  <a16:creationId xmlns:a16="http://schemas.microsoft.com/office/drawing/2014/main" id="{DA888C23-EFB0-8E4E-AC22-81A247B0BCED}"/>
+                </a:ext>
+              </a:extLst>
+            </p:cNvPr>
+            <p:cNvCxnSpPr>
+              <a:cxnSpLocks/>
+            </p:cNvCxnSpPr>
+            <p:nvPr/>
+          </p:nvCxnSpPr>
+          <p:spPr>
+            <a:xfrm>
+              <a:off x="4254073" y="2602325"/>
+              <a:ext cx="0" cy="168565"/>
+            </a:xfrm>
+            <a:prstGeom prst="line">
+              <a:avLst/>
+            </a:prstGeom>
+            <a:ln w="15875">
+              <a:solidFill>
+                <a:schemeClr val="tx1"/>
+              </a:solidFill>
+            </a:ln>
+          </p:spPr>
+          <p:style>
+            <a:lnRef idx="1">
+              <a:schemeClr val="accent1"/>
+            </a:lnRef>
+            <a:fillRef idx="0">
+              <a:schemeClr val="accent1"/>
+            </a:fillRef>
+            <a:effectRef idx="0">
+              <a:schemeClr val="accent1"/>
+            </a:effectRef>
+            <a:fontRef idx="minor">
+              <a:schemeClr val="tx1"/>
+            </a:fontRef>
+          </p:style>
+        </p:cxnSp>
+        <p:cxnSp>
+          <p:nvCxnSpPr>
+            <p:cNvPr id="121" name="Straight Connector 120">
+              <a:extLst>
+                <a:ext uri="{FF2B5EF4-FFF2-40B4-BE49-F238E27FC236}">
+                  <a16:creationId xmlns:a16="http://schemas.microsoft.com/office/drawing/2014/main" id="{79C717D1-DEE7-B747-AD4F-8AB94C999274}"/>
+                </a:ext>
+              </a:extLst>
+            </p:cNvPr>
+            <p:cNvCxnSpPr>
+              <a:cxnSpLocks/>
+            </p:cNvCxnSpPr>
+            <p:nvPr/>
+          </p:nvCxnSpPr>
+          <p:spPr>
+            <a:xfrm>
+              <a:off x="3872619" y="2602325"/>
+              <a:ext cx="0" cy="168565"/>
+            </a:xfrm>
+            <a:prstGeom prst="line">
+              <a:avLst/>
+            </a:prstGeom>
+            <a:ln w="15875">
+              <a:solidFill>
+                <a:schemeClr val="tx1"/>
+              </a:solidFill>
+            </a:ln>
+          </p:spPr>
+          <p:style>
+            <a:lnRef idx="1">
+              <a:schemeClr val="accent1"/>
+            </a:lnRef>
+            <a:fillRef idx="0">
+              <a:schemeClr val="accent1"/>
+            </a:fillRef>
+            <a:effectRef idx="0">
+              <a:schemeClr val="accent1"/>
+            </a:effectRef>
+            <a:fontRef idx="minor">
+              <a:schemeClr val="tx1"/>
+            </a:fontRef>
+          </p:style>
+        </p:cxnSp>
+        <p:cxnSp>
+          <p:nvCxnSpPr>
+            <p:cNvPr id="122" name="Straight Connector 121">
+              <a:extLst>
+                <a:ext uri="{FF2B5EF4-FFF2-40B4-BE49-F238E27FC236}">
+                  <a16:creationId xmlns:a16="http://schemas.microsoft.com/office/drawing/2014/main" id="{48144B5E-BEBA-4B4E-967C-76F1A3D055CF}"/>
+                </a:ext>
+              </a:extLst>
+            </p:cNvPr>
+            <p:cNvCxnSpPr>
+              <a:cxnSpLocks/>
+            </p:cNvCxnSpPr>
+            <p:nvPr/>
+          </p:nvCxnSpPr>
+          <p:spPr>
+            <a:xfrm>
+              <a:off x="4063346" y="2602325"/>
+              <a:ext cx="0" cy="168565"/>
+            </a:xfrm>
+            <a:prstGeom prst="line">
+              <a:avLst/>
+            </a:prstGeom>
+            <a:ln w="15875">
+              <a:solidFill>
+                <a:schemeClr val="tx1"/>
+              </a:solidFill>
+            </a:ln>
+          </p:spPr>
+          <p:style>
+            <a:lnRef idx="1">
+              <a:schemeClr val="accent1"/>
+            </a:lnRef>
+            <a:fillRef idx="0">
+              <a:schemeClr val="accent1"/>
+            </a:fillRef>
+            <a:effectRef idx="0">
+              <a:schemeClr val="accent1"/>
+            </a:effectRef>
+            <a:fontRef idx="minor">
+              <a:schemeClr val="tx1"/>
+            </a:fontRef>
+          </p:style>
+        </p:cxnSp>
+        <p:cxnSp>
+          <p:nvCxnSpPr>
+            <p:cNvPr id="124" name="Straight Connector 123">
+              <a:extLst>
+                <a:ext uri="{FF2B5EF4-FFF2-40B4-BE49-F238E27FC236}">
+                  <a16:creationId xmlns:a16="http://schemas.microsoft.com/office/drawing/2014/main" id="{707C1623-4F77-A946-A88E-2B1C7028B3E5}"/>
+                </a:ext>
+              </a:extLst>
+            </p:cNvPr>
+            <p:cNvCxnSpPr>
+              <a:cxnSpLocks/>
+            </p:cNvCxnSpPr>
+            <p:nvPr/>
+          </p:nvCxnSpPr>
+          <p:spPr>
+            <a:xfrm>
+              <a:off x="3681892" y="2602325"/>
+              <a:ext cx="0" cy="168565"/>
+            </a:xfrm>
+            <a:prstGeom prst="line">
+              <a:avLst/>
+            </a:prstGeom>
+            <a:ln w="15875">
+              <a:solidFill>
+                <a:schemeClr val="tx1"/>
+              </a:solidFill>
+            </a:ln>
+          </p:spPr>
+          <p:style>
+            <a:lnRef idx="1">
+              <a:schemeClr val="accent1"/>
+            </a:lnRef>
+            <a:fillRef idx="0">
+              <a:schemeClr val="accent1"/>
+            </a:fillRef>
+            <a:effectRef idx="0">
+              <a:schemeClr val="accent1"/>
+            </a:effectRef>
+            <a:fontRef idx="minor">
+              <a:schemeClr val="tx1"/>
+            </a:fontRef>
+          </p:style>
+        </p:cxnSp>
+        <p:cxnSp>
+          <p:nvCxnSpPr>
+            <p:cNvPr id="125" name="Straight Connector 124">
+              <a:extLst>
+                <a:ext uri="{FF2B5EF4-FFF2-40B4-BE49-F238E27FC236}">
+                  <a16:creationId xmlns:a16="http://schemas.microsoft.com/office/drawing/2014/main" id="{808EECC4-FEB4-7743-92DA-AA08A02F485E}"/>
+                </a:ext>
+              </a:extLst>
+            </p:cNvPr>
+            <p:cNvCxnSpPr>
+              <a:cxnSpLocks/>
+            </p:cNvCxnSpPr>
+            <p:nvPr/>
+          </p:nvCxnSpPr>
+          <p:spPr>
+            <a:xfrm>
+              <a:off x="3491165" y="2602325"/>
+              <a:ext cx="0" cy="168565"/>
+            </a:xfrm>
+            <a:prstGeom prst="line">
+              <a:avLst/>
+            </a:prstGeom>
+            <a:ln w="15875">
+              <a:solidFill>
+                <a:schemeClr val="tx1"/>
+              </a:solidFill>
+            </a:ln>
+          </p:spPr>
+          <p:style>
+            <a:lnRef idx="1">
+              <a:schemeClr val="accent1"/>
+            </a:lnRef>
+            <a:fillRef idx="0">
+              <a:schemeClr val="accent1"/>
+            </a:fillRef>
+            <a:effectRef idx="0">
+              <a:schemeClr val="accent1"/>
+            </a:effectRef>
+            <a:fontRef idx="minor">
+              <a:schemeClr val="tx1"/>
+            </a:fontRef>
+          </p:style>
+        </p:cxnSp>
+        <p:cxnSp>
+          <p:nvCxnSpPr>
+            <p:cNvPr id="126" name="Straight Connector 125">
+              <a:extLst>
+                <a:ext uri="{FF2B5EF4-FFF2-40B4-BE49-F238E27FC236}">
+                  <a16:creationId xmlns:a16="http://schemas.microsoft.com/office/drawing/2014/main" id="{DBB8E099-5E17-F048-983A-066BC751EE7B}"/>
+                </a:ext>
+              </a:extLst>
+            </p:cNvPr>
+            <p:cNvCxnSpPr>
+              <a:cxnSpLocks/>
+            </p:cNvCxnSpPr>
+            <p:nvPr/>
+          </p:nvCxnSpPr>
+          <p:spPr>
+            <a:xfrm>
+              <a:off x="3109711" y="2602325"/>
+              <a:ext cx="0" cy="168565"/>
+            </a:xfrm>
+            <a:prstGeom prst="line">
+              <a:avLst/>
+            </a:prstGeom>
+            <a:ln w="15875">
+              <a:solidFill>
+                <a:schemeClr val="tx1"/>
+              </a:solidFill>
+            </a:ln>
+          </p:spPr>
+          <p:style>
+            <a:lnRef idx="1">
+              <a:schemeClr val="accent1"/>
+            </a:lnRef>
+            <a:fillRef idx="0">
+              <a:schemeClr val="accent1"/>
+            </a:fillRef>
+            <a:effectRef idx="0">
+              <a:schemeClr val="accent1"/>
+            </a:effectRef>
+            <a:fontRef idx="minor">
+              <a:schemeClr val="tx1"/>
+            </a:fontRef>
+          </p:style>
+        </p:cxnSp>
+        <p:cxnSp>
+          <p:nvCxnSpPr>
+            <p:cNvPr id="127" name="Straight Connector 126">
+              <a:extLst>
+                <a:ext uri="{FF2B5EF4-FFF2-40B4-BE49-F238E27FC236}">
+                  <a16:creationId xmlns:a16="http://schemas.microsoft.com/office/drawing/2014/main" id="{AB4DC4EC-DBD7-AE48-84EA-9076A18252EB}"/>
+                </a:ext>
+              </a:extLst>
+            </p:cNvPr>
+            <p:cNvCxnSpPr>
+              <a:cxnSpLocks/>
+            </p:cNvCxnSpPr>
+            <p:nvPr/>
+          </p:nvCxnSpPr>
+          <p:spPr>
+            <a:xfrm>
+              <a:off x="3300438" y="2602325"/>
+              <a:ext cx="0" cy="168565"/>
+            </a:xfrm>
+            <a:prstGeom prst="line">
+              <a:avLst/>
+            </a:prstGeom>
+            <a:ln w="15875">
+              <a:solidFill>
+                <a:schemeClr val="tx1"/>
+              </a:solidFill>
+            </a:ln>
+          </p:spPr>
+          <p:style>
+            <a:lnRef idx="1">
+              <a:schemeClr val="accent1"/>
+            </a:lnRef>
+            <a:fillRef idx="0">
+              <a:schemeClr val="accent1"/>
+            </a:fillRef>
+            <a:effectRef idx="0">
+              <a:schemeClr val="accent1"/>
+            </a:effectRef>
+            <a:fontRef idx="minor">
+              <a:schemeClr val="tx1"/>
+            </a:fontRef>
+          </p:style>
+        </p:cxnSp>
+        <p:cxnSp>
+          <p:nvCxnSpPr>
+            <p:cNvPr id="129" name="Straight Connector 128">
+              <a:extLst>
+                <a:ext uri="{FF2B5EF4-FFF2-40B4-BE49-F238E27FC236}">
+                  <a16:creationId xmlns:a16="http://schemas.microsoft.com/office/drawing/2014/main" id="{592D9FE3-6277-E146-9CBF-54E49A25F09E}"/>
+                </a:ext>
+              </a:extLst>
+            </p:cNvPr>
+            <p:cNvCxnSpPr>
+              <a:cxnSpLocks/>
+            </p:cNvCxnSpPr>
+            <p:nvPr/>
+          </p:nvCxnSpPr>
+          <p:spPr>
+            <a:xfrm>
+              <a:off x="2918984" y="2602325"/>
+              <a:ext cx="0" cy="168565"/>
+            </a:xfrm>
+            <a:prstGeom prst="line">
+              <a:avLst/>
+            </a:prstGeom>
+            <a:ln w="15875">
+              <a:solidFill>
+                <a:schemeClr val="tx1"/>
+              </a:solidFill>
+            </a:ln>
+          </p:spPr>
+          <p:style>
+            <a:lnRef idx="1">
+              <a:schemeClr val="accent1"/>
+            </a:lnRef>
+            <a:fillRef idx="0">
+              <a:schemeClr val="accent1"/>
+            </a:fillRef>
+            <a:effectRef idx="0">
+              <a:schemeClr val="accent1"/>
+            </a:effectRef>
+            <a:fontRef idx="minor">
+              <a:schemeClr val="tx1"/>
+            </a:fontRef>
+          </p:style>
+        </p:cxnSp>
+        <p:cxnSp>
+          <p:nvCxnSpPr>
+            <p:cNvPr id="130" name="Straight Connector 129">
+              <a:extLst>
+                <a:ext uri="{FF2B5EF4-FFF2-40B4-BE49-F238E27FC236}">
+                  <a16:creationId xmlns:a16="http://schemas.microsoft.com/office/drawing/2014/main" id="{C4697E61-65DF-CF49-BEA9-E7774F8ABFC3}"/>
+                </a:ext>
+              </a:extLst>
+            </p:cNvPr>
+            <p:cNvCxnSpPr>
+              <a:cxnSpLocks/>
+            </p:cNvCxnSpPr>
+            <p:nvPr/>
+          </p:nvCxnSpPr>
+          <p:spPr>
+            <a:xfrm>
+              <a:off x="2728257" y="2602325"/>
+              <a:ext cx="0" cy="168565"/>
+            </a:xfrm>
+            <a:prstGeom prst="line">
+              <a:avLst/>
+            </a:prstGeom>
+            <a:ln w="15875">
+              <a:solidFill>
+                <a:schemeClr val="tx1"/>
+              </a:solidFill>
+            </a:ln>
+          </p:spPr>
+          <p:style>
+            <a:lnRef idx="1">
+              <a:schemeClr val="accent1"/>
+            </a:lnRef>
+            <a:fillRef idx="0">
+              <a:schemeClr val="accent1"/>
+            </a:fillRef>
+            <a:effectRef idx="0">
+              <a:schemeClr val="accent1"/>
+            </a:effectRef>
+            <a:fontRef idx="minor">
+              <a:schemeClr val="tx1"/>
+            </a:fontRef>
+          </p:style>
+        </p:cxnSp>
+        <p:cxnSp>
+          <p:nvCxnSpPr>
+            <p:cNvPr id="132" name="Straight Connector 131">
+              <a:extLst>
+                <a:ext uri="{FF2B5EF4-FFF2-40B4-BE49-F238E27FC236}">
+                  <a16:creationId xmlns:a16="http://schemas.microsoft.com/office/drawing/2014/main" id="{431C60ED-DED2-324E-A8CF-F51F9D593261}"/>
+                </a:ext>
+              </a:extLst>
+            </p:cNvPr>
+            <p:cNvCxnSpPr>
+              <a:cxnSpLocks/>
+            </p:cNvCxnSpPr>
+            <p:nvPr/>
+          </p:nvCxnSpPr>
+          <p:spPr>
+            <a:xfrm>
+              <a:off x="2537530" y="2602325"/>
+              <a:ext cx="0" cy="168565"/>
+            </a:xfrm>
+            <a:prstGeom prst="line">
+              <a:avLst/>
+            </a:prstGeom>
+            <a:ln w="15875">
+              <a:solidFill>
+                <a:schemeClr val="tx1"/>
+              </a:solidFill>
+            </a:ln>
+          </p:spPr>
+          <p:style>
+            <a:lnRef idx="1">
+              <a:schemeClr val="accent1"/>
+            </a:lnRef>
+            <a:fillRef idx="0">
+              <a:schemeClr val="accent1"/>
+            </a:fillRef>
+            <a:effectRef idx="0">
+              <a:schemeClr val="accent1"/>
+            </a:effectRef>
+            <a:fontRef idx="minor">
+              <a:schemeClr val="tx1"/>
+            </a:fontRef>
+          </p:style>
+        </p:cxnSp>
+        <p:cxnSp>
+          <p:nvCxnSpPr>
+            <p:cNvPr id="133" name="Straight Connector 132">
+              <a:extLst>
+                <a:ext uri="{FF2B5EF4-FFF2-40B4-BE49-F238E27FC236}">
+                  <a16:creationId xmlns:a16="http://schemas.microsoft.com/office/drawing/2014/main" id="{9F50108E-082E-5E4B-95B2-FAFC3111A16A}"/>
+                </a:ext>
+              </a:extLst>
+            </p:cNvPr>
+            <p:cNvCxnSpPr>
+              <a:cxnSpLocks/>
+            </p:cNvCxnSpPr>
+            <p:nvPr/>
+          </p:nvCxnSpPr>
+          <p:spPr>
+            <a:xfrm>
+              <a:off x="6161343" y="2602325"/>
+              <a:ext cx="0" cy="168565"/>
+            </a:xfrm>
+            <a:prstGeom prst="line">
+              <a:avLst/>
+            </a:prstGeom>
+            <a:ln w="15875">
+              <a:solidFill>
+                <a:schemeClr val="tx1"/>
+              </a:solidFill>
+            </a:ln>
+          </p:spPr>
+          <p:style>
+            <a:lnRef idx="1">
+              <a:schemeClr val="accent1"/>
+            </a:lnRef>
+            <a:fillRef idx="0">
+              <a:schemeClr val="accent1"/>
+            </a:fillRef>
+            <a:effectRef idx="0">
+              <a:schemeClr val="accent1"/>
+            </a:effectRef>
+            <a:fontRef idx="minor">
+              <a:schemeClr val="tx1"/>
+            </a:fontRef>
+          </p:style>
+        </p:cxnSp>
+        <p:cxnSp>
+          <p:nvCxnSpPr>
+            <p:cNvPr id="134" name="Straight Connector 133">
+              <a:extLst>
+                <a:ext uri="{FF2B5EF4-FFF2-40B4-BE49-F238E27FC236}">
+                  <a16:creationId xmlns:a16="http://schemas.microsoft.com/office/drawing/2014/main" id="{5F1DC264-4A49-0F43-8E8A-B18C4B36AD9B}"/>
+                </a:ext>
+              </a:extLst>
+            </p:cNvPr>
+            <p:cNvCxnSpPr>
+              <a:cxnSpLocks/>
+            </p:cNvCxnSpPr>
+            <p:nvPr/>
+          </p:nvCxnSpPr>
+          <p:spPr>
+            <a:xfrm>
+              <a:off x="5970616" y="2602325"/>
+              <a:ext cx="0" cy="168565"/>
+            </a:xfrm>
+            <a:prstGeom prst="line">
+              <a:avLst/>
+            </a:prstGeom>
+            <a:ln w="15875">
+              <a:solidFill>
+                <a:schemeClr val="tx1"/>
+              </a:solidFill>
+            </a:ln>
+          </p:spPr>
+          <p:style>
+            <a:lnRef idx="1">
+              <a:schemeClr val="accent1"/>
+            </a:lnRef>
+            <a:fillRef idx="0">
+              <a:schemeClr val="accent1"/>
+            </a:fillRef>
+            <a:effectRef idx="0">
+              <a:schemeClr val="accent1"/>
+            </a:effectRef>
+            <a:fontRef idx="minor">
+              <a:schemeClr val="tx1"/>
+            </a:fontRef>
+          </p:style>
+        </p:cxnSp>
+        <p:cxnSp>
+          <p:nvCxnSpPr>
+            <p:cNvPr id="135" name="Straight Connector 134">
+              <a:extLst>
+                <a:ext uri="{FF2B5EF4-FFF2-40B4-BE49-F238E27FC236}">
+                  <a16:creationId xmlns:a16="http://schemas.microsoft.com/office/drawing/2014/main" id="{09395DCB-A2C4-B04E-8E05-695D3141F0E6}"/>
+                </a:ext>
+              </a:extLst>
+            </p:cNvPr>
+            <p:cNvCxnSpPr>
+              <a:cxnSpLocks/>
+            </p:cNvCxnSpPr>
+            <p:nvPr/>
+          </p:nvCxnSpPr>
+          <p:spPr>
+            <a:xfrm>
+              <a:off x="5779889" y="2602325"/>
+              <a:ext cx="0" cy="168565"/>
+            </a:xfrm>
+            <a:prstGeom prst="line">
+              <a:avLst/>
+            </a:prstGeom>
+            <a:ln w="15875">
+              <a:solidFill>
+                <a:schemeClr val="tx1"/>
+              </a:solidFill>
+            </a:ln>
+          </p:spPr>
+          <p:style>
+            <a:lnRef idx="1">
+              <a:schemeClr val="accent1"/>
+            </a:lnRef>
+            <a:fillRef idx="0">
+              <a:schemeClr val="accent1"/>
+            </a:fillRef>
+            <a:effectRef idx="0">
+              <a:schemeClr val="accent1"/>
+            </a:effectRef>
+            <a:fontRef idx="minor">
+              <a:schemeClr val="tx1"/>
+            </a:fontRef>
+          </p:style>
+        </p:cxnSp>
+      </p:grpSp>
+      <p:sp>
+        <p:nvSpPr>
+          <p:cNvPr id="136" name="TextBox 135">
+            <a:extLst>
+              <a:ext uri="{FF2B5EF4-FFF2-40B4-BE49-F238E27FC236}">
+                <a16:creationId xmlns:a16="http://schemas.microsoft.com/office/drawing/2014/main" id="{7B96C218-BCED-6043-BBC7-8C933C0F392D}"/>
+              </a:ext>
+            </a:extLst>
+          </p:cNvPr>
+          <p:cNvSpPr txBox="1"/>
+          <p:nvPr/>
+        </p:nvSpPr>
+        <p:spPr>
+          <a:xfrm>
+            <a:off x="10277833" y="2341185"/>
+            <a:ext cx="1080813" cy="353943"/>
+          </a:xfrm>
+          <a:prstGeom prst="rect">
+            <a:avLst/>
+          </a:prstGeom>
+          <a:noFill/>
+        </p:spPr>
+        <p:txBody>
+          <a:bodyPr wrap="square" rtlCol="0">
+            <a:spAutoFit/>
+          </a:bodyPr>
+          <a:lstStyle/>
+          <a:p>
+            <a:pPr algn="ctr"/>
+            <a:r>
+              <a:rPr lang="en-US" sz="1700" dirty="0">
+                <a:solidFill>
+                  <a:schemeClr val="accent4">
+                    <a:lumMod val="75000"/>
+                  </a:schemeClr>
+                </a:solidFill>
+              </a:rPr>
+              <a:t>Spacer</a:t>
+            </a:r>
+          </a:p>
+        </p:txBody>
+      </p:sp>
+      <p:sp>
+        <p:nvSpPr>
+          <p:cNvPr id="137" name="TextBox 136">
+            <a:extLst>
+              <a:ext uri="{FF2B5EF4-FFF2-40B4-BE49-F238E27FC236}">
+                <a16:creationId xmlns:a16="http://schemas.microsoft.com/office/drawing/2014/main" id="{38142CB5-39AB-584E-AC80-0A997366E5AD}"/>
+              </a:ext>
+            </a:extLst>
+          </p:cNvPr>
+          <p:cNvSpPr txBox="1"/>
+          <p:nvPr/>
+        </p:nvSpPr>
+        <p:spPr>
+          <a:xfrm>
+            <a:off x="10060357" y="1703678"/>
+            <a:ext cx="1515765" cy="353943"/>
+          </a:xfrm>
+          <a:prstGeom prst="rect">
+            <a:avLst/>
+          </a:prstGeom>
+          <a:noFill/>
+        </p:spPr>
+        <p:txBody>
+          <a:bodyPr wrap="square" rtlCol="0">
+            <a:spAutoFit/>
+          </a:bodyPr>
+          <a:lstStyle/>
+          <a:p>
+            <a:pPr algn="ctr"/>
+            <a:r>
+              <a:rPr lang="en-US" sz="1700" dirty="0">
+                <a:solidFill>
+                  <a:schemeClr val="tx2">
+                    <a:lumMod val="60000"/>
+                    <a:lumOff val="40000"/>
+                  </a:schemeClr>
+                </a:solidFill>
+              </a:rPr>
+              <a:t>Protospacer</a:t>
+            </a:r>
+          </a:p>
+        </p:txBody>
+      </p:sp>
+      <p:sp>
+        <p:nvSpPr>
+          <p:cNvPr id="138" name="TextBox 137">
+            <a:extLst>
+              <a:ext uri="{FF2B5EF4-FFF2-40B4-BE49-F238E27FC236}">
+                <a16:creationId xmlns:a16="http://schemas.microsoft.com/office/drawing/2014/main" id="{A9FDAA18-8D25-7D47-943A-A4E8F7FF4FCA}"/>
+              </a:ext>
+            </a:extLst>
+          </p:cNvPr>
+          <p:cNvSpPr txBox="1"/>
+          <p:nvPr/>
+        </p:nvSpPr>
+        <p:spPr>
+          <a:xfrm>
+            <a:off x="12955419" y="2551831"/>
+            <a:ext cx="1080813" cy="353943"/>
+          </a:xfrm>
+          <a:prstGeom prst="rect">
+            <a:avLst/>
+          </a:prstGeom>
+          <a:noFill/>
+        </p:spPr>
+        <p:txBody>
+          <a:bodyPr wrap="square" rtlCol="0">
+            <a:spAutoFit/>
+          </a:bodyPr>
+          <a:lstStyle/>
+          <a:p>
+            <a:pPr algn="ctr"/>
+            <a:r>
+              <a:rPr lang="en-US" sz="1700" dirty="0"/>
+              <a:t>gRNA</a:t>
+            </a:r>
+          </a:p>
+        </p:txBody>
+      </p:sp>
+      <p:sp>
+        <p:nvSpPr>
+          <p:cNvPr id="139" name="TextBox 138">
+            <a:extLst>
+              <a:ext uri="{FF2B5EF4-FFF2-40B4-BE49-F238E27FC236}">
+                <a16:creationId xmlns:a16="http://schemas.microsoft.com/office/drawing/2014/main" id="{B983181E-D058-6743-A31A-DC1386CAFC02}"/>
+              </a:ext>
+            </a:extLst>
+          </p:cNvPr>
+          <p:cNvSpPr txBox="1"/>
+          <p:nvPr/>
+        </p:nvSpPr>
+        <p:spPr>
+          <a:xfrm>
+            <a:off x="14692130" y="2075513"/>
+            <a:ext cx="1080813" cy="353943"/>
+          </a:xfrm>
+          <a:prstGeom prst="rect">
+            <a:avLst/>
+          </a:prstGeom>
+          <a:noFill/>
+        </p:spPr>
+        <p:txBody>
+          <a:bodyPr wrap="square" rtlCol="0">
+            <a:spAutoFit/>
+          </a:bodyPr>
+          <a:lstStyle/>
+          <a:p>
+            <a:pPr algn="ctr"/>
+            <a:r>
+              <a:rPr lang="en-US" sz="1700" dirty="0"/>
+              <a:t>dsDNA</a:t>
+            </a:r>
+          </a:p>
+        </p:txBody>
+      </p:sp>
+      <p:sp>
+        <p:nvSpPr>
+          <p:cNvPr id="256" name="TextBox 255">
+            <a:extLst>
+              <a:ext uri="{FF2B5EF4-FFF2-40B4-BE49-F238E27FC236}">
+                <a16:creationId xmlns:a16="http://schemas.microsoft.com/office/drawing/2014/main" id="{03314906-AD11-1C4C-84CD-2EFE753E17BF}"/>
+              </a:ext>
+            </a:extLst>
+          </p:cNvPr>
+          <p:cNvSpPr txBox="1"/>
+          <p:nvPr/>
+        </p:nvSpPr>
+        <p:spPr>
+          <a:xfrm>
+            <a:off x="11406482" y="1487092"/>
+            <a:ext cx="1690385" cy="353943"/>
+          </a:xfrm>
+          <a:prstGeom prst="rect">
+            <a:avLst/>
+          </a:prstGeom>
+          <a:noFill/>
+        </p:spPr>
+        <p:txBody>
+          <a:bodyPr wrap="square" rtlCol="0">
+            <a:spAutoFit/>
+          </a:bodyPr>
+          <a:lstStyle/>
+          <a:p>
+            <a:pPr algn="ctr"/>
+            <a:r>
+              <a:rPr lang="en-US" sz="1700" dirty="0"/>
+              <a:t>Cut site</a:t>
+            </a:r>
+          </a:p>
+        </p:txBody>
+      </p:sp>
+      <p:cxnSp>
+        <p:nvCxnSpPr>
+          <p:cNvPr id="260" name="Straight Connector 259">
+            <a:extLst>
+              <a:ext uri="{FF2B5EF4-FFF2-40B4-BE49-F238E27FC236}">
+                <a16:creationId xmlns:a16="http://schemas.microsoft.com/office/drawing/2014/main" id="{92C5EFD4-B010-B24E-9DB0-89FFD469B1B3}"/>
+              </a:ext>
+            </a:extLst>
+          </p:cNvPr>
+          <p:cNvCxnSpPr>
+            <a:cxnSpLocks/>
+          </p:cNvCxnSpPr>
+          <p:nvPr/>
+        </p:nvCxnSpPr>
+        <p:spPr>
+          <a:xfrm>
+            <a:off x="7004935" y="5041936"/>
+            <a:ext cx="1293154" cy="0"/>
+          </a:xfrm>
+          <a:prstGeom prst="line">
+            <a:avLst/>
+          </a:prstGeom>
+          <a:ln w="22225">
+            <a:solidFill>
+              <a:schemeClr val="tx1"/>
+            </a:solidFill>
+          </a:ln>
+        </p:spPr>
+        <p:style>
+          <a:lnRef idx="1">
+            <a:schemeClr val="accent1"/>
+          </a:lnRef>
+          <a:fillRef idx="0">
+            <a:schemeClr val="accent1"/>
+          </a:fillRef>
+          <a:effectRef idx="0">
+            <a:schemeClr val="accent1"/>
+          </a:effectRef>
+          <a:fontRef idx="minor">
+            <a:schemeClr val="tx1"/>
+          </a:fontRef>
+        </p:style>
+      </p:cxnSp>
+      <p:cxnSp>
+        <p:nvCxnSpPr>
+          <p:cNvPr id="262" name="Straight Connector 261">
+            <a:extLst>
+              <a:ext uri="{FF2B5EF4-FFF2-40B4-BE49-F238E27FC236}">
+                <a16:creationId xmlns:a16="http://schemas.microsoft.com/office/drawing/2014/main" id="{10F4633F-1827-E247-AF26-FC1D7F201843}"/>
+              </a:ext>
+            </a:extLst>
+          </p:cNvPr>
+          <p:cNvCxnSpPr>
+            <a:cxnSpLocks/>
+          </p:cNvCxnSpPr>
+          <p:nvPr/>
+        </p:nvCxnSpPr>
+        <p:spPr>
+          <a:xfrm>
+            <a:off x="13919234" y="5041936"/>
+            <a:ext cx="1325495" cy="0"/>
+          </a:xfrm>
+          <a:prstGeom prst="line">
+            <a:avLst/>
+          </a:prstGeom>
+          <a:ln w="22225">
+            <a:solidFill>
+              <a:schemeClr val="tx1"/>
+            </a:solidFill>
+          </a:ln>
+        </p:spPr>
+        <p:style>
+          <a:lnRef idx="1">
+            <a:schemeClr val="accent1"/>
+          </a:lnRef>
+          <a:fillRef idx="0">
+            <a:schemeClr val="accent1"/>
+          </a:fillRef>
+          <a:effectRef idx="0">
+            <a:schemeClr val="accent1"/>
+          </a:effectRef>
+          <a:fontRef idx="minor">
+            <a:schemeClr val="tx1"/>
+          </a:fontRef>
+        </p:style>
+      </p:cxnSp>
+      <p:cxnSp>
+        <p:nvCxnSpPr>
+          <p:cNvPr id="263" name="Straight Connector 262">
+            <a:extLst>
+              <a:ext uri="{FF2B5EF4-FFF2-40B4-BE49-F238E27FC236}">
+                <a16:creationId xmlns:a16="http://schemas.microsoft.com/office/drawing/2014/main" id="{A40B60D6-3525-004A-BC10-75126C6839CD}"/>
+              </a:ext>
+            </a:extLst>
+          </p:cNvPr>
+          <p:cNvCxnSpPr>
+            <a:cxnSpLocks/>
+          </p:cNvCxnSpPr>
+          <p:nvPr/>
+        </p:nvCxnSpPr>
+        <p:spPr>
+          <a:xfrm flipV="1">
+            <a:off x="14785385" y="5336577"/>
+            <a:ext cx="459342" cy="5118"/>
+          </a:xfrm>
+          <a:prstGeom prst="line">
+            <a:avLst/>
+          </a:prstGeom>
+          <a:ln w="22225">
+            <a:solidFill>
+              <a:schemeClr val="tx1"/>
+            </a:solidFill>
+          </a:ln>
+        </p:spPr>
+        <p:style>
+          <a:lnRef idx="1">
+            <a:schemeClr val="accent1"/>
+          </a:lnRef>
+          <a:fillRef idx="0">
+            <a:schemeClr val="accent1"/>
+          </a:fillRef>
+          <a:effectRef idx="0">
+            <a:schemeClr val="accent1"/>
+          </a:effectRef>
+          <a:fontRef idx="minor">
+            <a:schemeClr val="tx1"/>
+          </a:fontRef>
+        </p:style>
+      </p:cxnSp>
+      <p:sp>
+        <p:nvSpPr>
+          <p:cNvPr id="268" name="TextBox 267">
+            <a:extLst>
+              <a:ext uri="{FF2B5EF4-FFF2-40B4-BE49-F238E27FC236}">
+                <a16:creationId xmlns:a16="http://schemas.microsoft.com/office/drawing/2014/main" id="{6CDBD940-33EE-E949-9B45-3DD4BCDA5309}"/>
+              </a:ext>
+            </a:extLst>
+          </p:cNvPr>
+          <p:cNvSpPr txBox="1"/>
+          <p:nvPr/>
+        </p:nvSpPr>
+        <p:spPr>
+          <a:xfrm>
+            <a:off x="14987054" y="4736786"/>
+            <a:ext cx="1080813" cy="338554"/>
+          </a:xfrm>
+          <a:prstGeom prst="rect">
+            <a:avLst/>
+          </a:prstGeom>
+          <a:noFill/>
+        </p:spPr>
+        <p:txBody>
+          <a:bodyPr wrap="square" rtlCol="0">
+            <a:spAutoFit/>
+          </a:bodyPr>
+          <a:lstStyle/>
+          <a:p>
+            <a:r>
+              <a:rPr lang="en-US" sz="1600" dirty="0"/>
+              <a:t>3’</a:t>
+            </a:r>
+          </a:p>
+        </p:txBody>
+      </p:sp>
+      <p:sp>
+        <p:nvSpPr>
+          <p:cNvPr id="269" name="TextBox 268">
+            <a:extLst>
+              <a:ext uri="{FF2B5EF4-FFF2-40B4-BE49-F238E27FC236}">
+                <a16:creationId xmlns:a16="http://schemas.microsoft.com/office/drawing/2014/main" id="{381329CC-6483-9E4F-8281-32E9BBE6A062}"/>
+              </a:ext>
+            </a:extLst>
+          </p:cNvPr>
+          <p:cNvSpPr txBox="1"/>
+          <p:nvPr/>
+        </p:nvSpPr>
+        <p:spPr>
+          <a:xfrm>
+            <a:off x="14987054" y="5322138"/>
+            <a:ext cx="1080813" cy="338554"/>
+          </a:xfrm>
+          <a:prstGeom prst="rect">
+            <a:avLst/>
+          </a:prstGeom>
+          <a:noFill/>
+        </p:spPr>
+        <p:txBody>
+          <a:bodyPr wrap="square" rtlCol="0">
+            <a:spAutoFit/>
+          </a:bodyPr>
+          <a:lstStyle/>
+          <a:p>
+            <a:r>
+              <a:rPr lang="en-US" sz="1600" dirty="0"/>
+              <a:t>5’</a:t>
+            </a:r>
+          </a:p>
+        </p:txBody>
+      </p:sp>
+      <p:sp>
+        <p:nvSpPr>
+          <p:cNvPr id="270" name="TextBox 269">
+            <a:extLst>
+              <a:ext uri="{FF2B5EF4-FFF2-40B4-BE49-F238E27FC236}">
+                <a16:creationId xmlns:a16="http://schemas.microsoft.com/office/drawing/2014/main" id="{4493C398-D30C-3142-AFF4-A85209B3DC51}"/>
+              </a:ext>
+            </a:extLst>
+          </p:cNvPr>
+          <p:cNvSpPr txBox="1"/>
+          <p:nvPr/>
+        </p:nvSpPr>
+        <p:spPr>
+          <a:xfrm>
+            <a:off x="6899671" y="4736786"/>
+            <a:ext cx="368278" cy="338554"/>
+          </a:xfrm>
+          <a:prstGeom prst="rect">
+            <a:avLst/>
+          </a:prstGeom>
+          <a:noFill/>
+        </p:spPr>
+        <p:txBody>
+          <a:bodyPr wrap="square" rtlCol="0">
+            <a:spAutoFit/>
+          </a:bodyPr>
+          <a:lstStyle/>
+          <a:p>
+            <a:pPr algn="ctr"/>
+            <a:r>
+              <a:rPr lang="en-US" sz="1600" dirty="0"/>
+              <a:t>5’</a:t>
+            </a:r>
+          </a:p>
+        </p:txBody>
+      </p:sp>
+      <p:sp>
+        <p:nvSpPr>
+          <p:cNvPr id="271" name="TextBox 270">
+            <a:extLst>
+              <a:ext uri="{FF2B5EF4-FFF2-40B4-BE49-F238E27FC236}">
+                <a16:creationId xmlns:a16="http://schemas.microsoft.com/office/drawing/2014/main" id="{37ED38C9-6942-AA47-817E-7C79E6332C89}"/>
+              </a:ext>
+            </a:extLst>
+          </p:cNvPr>
+          <p:cNvSpPr txBox="1"/>
+          <p:nvPr/>
+        </p:nvSpPr>
+        <p:spPr>
+          <a:xfrm>
+            <a:off x="6865959" y="5322138"/>
+            <a:ext cx="435702" cy="338554"/>
+          </a:xfrm>
+          <a:prstGeom prst="rect">
+            <a:avLst/>
+          </a:prstGeom>
+          <a:noFill/>
+        </p:spPr>
+        <p:txBody>
+          <a:bodyPr wrap="square" rtlCol="0">
+            <a:spAutoFit/>
+          </a:bodyPr>
+          <a:lstStyle/>
+          <a:p>
+            <a:pPr algn="ctr"/>
+            <a:r>
+              <a:rPr lang="en-US" sz="1600" dirty="0"/>
+              <a:t>3’</a:t>
+            </a:r>
+          </a:p>
+        </p:txBody>
+      </p:sp>
+      <p:grpSp>
+        <p:nvGrpSpPr>
+          <p:cNvPr id="272" name="Group 271">
+            <a:extLst>
+              <a:ext uri="{FF2B5EF4-FFF2-40B4-BE49-F238E27FC236}">
+                <a16:creationId xmlns:a16="http://schemas.microsoft.com/office/drawing/2014/main" id="{E6091B05-80ED-3046-A7D7-09881DD991B4}"/>
+              </a:ext>
+            </a:extLst>
+          </p:cNvPr>
+          <p:cNvGrpSpPr/>
+          <p:nvPr/>
+        </p:nvGrpSpPr>
+        <p:grpSpPr>
+          <a:xfrm>
+            <a:off x="7004935" y="5366473"/>
+            <a:ext cx="1293154" cy="751283"/>
+            <a:chOff x="7172514" y="2200880"/>
+            <a:chExt cx="1293154" cy="751283"/>
+          </a:xfrm>
+        </p:grpSpPr>
+        <p:cxnSp>
+          <p:nvCxnSpPr>
+            <p:cNvPr id="273" name="Straight Connector 272">
+              <a:extLst>
+                <a:ext uri="{FF2B5EF4-FFF2-40B4-BE49-F238E27FC236}">
+                  <a16:creationId xmlns:a16="http://schemas.microsoft.com/office/drawing/2014/main" id="{48DC0747-8AE8-3B40-B556-7C44CC8BB06C}"/>
+                </a:ext>
+              </a:extLst>
+            </p:cNvPr>
+            <p:cNvCxnSpPr>
+              <a:cxnSpLocks/>
+            </p:cNvCxnSpPr>
+            <p:nvPr/>
+          </p:nvCxnSpPr>
+          <p:spPr>
+            <a:xfrm>
+              <a:off x="8166945" y="2952163"/>
+              <a:ext cx="298723" cy="0"/>
+            </a:xfrm>
+            <a:prstGeom prst="line">
+              <a:avLst/>
+            </a:prstGeom>
+            <a:ln w="22225">
+              <a:solidFill>
+                <a:schemeClr val="tx1"/>
+              </a:solidFill>
+            </a:ln>
+          </p:spPr>
+          <p:style>
+            <a:lnRef idx="1">
+              <a:schemeClr val="accent1"/>
+            </a:lnRef>
+            <a:fillRef idx="0">
+              <a:schemeClr val="accent1"/>
+            </a:fillRef>
+            <a:effectRef idx="0">
+              <a:schemeClr val="accent1"/>
+            </a:effectRef>
+            <a:fontRef idx="minor">
+              <a:schemeClr val="tx1"/>
+            </a:fontRef>
+          </p:style>
+        </p:cxnSp>
+        <p:cxnSp>
+          <p:nvCxnSpPr>
+            <p:cNvPr id="274" name="Straight Connector 273">
+              <a:extLst>
+                <a:ext uri="{FF2B5EF4-FFF2-40B4-BE49-F238E27FC236}">
+                  <a16:creationId xmlns:a16="http://schemas.microsoft.com/office/drawing/2014/main" id="{87F63BA5-05BF-724E-AE91-70090AC5CDFA}"/>
+                </a:ext>
+              </a:extLst>
+            </p:cNvPr>
+            <p:cNvCxnSpPr>
+              <a:cxnSpLocks/>
+            </p:cNvCxnSpPr>
+            <p:nvPr/>
+          </p:nvCxnSpPr>
+          <p:spPr>
+            <a:xfrm>
+              <a:off x="7828325" y="2207135"/>
+              <a:ext cx="337829" cy="745028"/>
+            </a:xfrm>
+            <a:prstGeom prst="line">
+              <a:avLst/>
+            </a:prstGeom>
+            <a:ln w="22225">
+              <a:solidFill>
+                <a:schemeClr val="tx1"/>
+              </a:solidFill>
+            </a:ln>
+          </p:spPr>
+          <p:style>
+            <a:lnRef idx="1">
+              <a:schemeClr val="accent1"/>
+            </a:lnRef>
+            <a:fillRef idx="0">
+              <a:schemeClr val="accent1"/>
+            </a:fillRef>
+            <a:effectRef idx="0">
+              <a:schemeClr val="accent1"/>
+            </a:effectRef>
+            <a:fontRef idx="minor">
+              <a:schemeClr val="tx1"/>
+            </a:fontRef>
+          </p:style>
+        </p:cxnSp>
+        <p:cxnSp>
+          <p:nvCxnSpPr>
+            <p:cNvPr id="275" name="Straight Connector 274">
+              <a:extLst>
+                <a:ext uri="{FF2B5EF4-FFF2-40B4-BE49-F238E27FC236}">
+                  <a16:creationId xmlns:a16="http://schemas.microsoft.com/office/drawing/2014/main" id="{235D667C-4A39-9941-9B43-A91C75901524}"/>
+                </a:ext>
+              </a:extLst>
+            </p:cNvPr>
+            <p:cNvCxnSpPr>
+              <a:cxnSpLocks/>
+            </p:cNvCxnSpPr>
+            <p:nvPr/>
+          </p:nvCxnSpPr>
+          <p:spPr>
+            <a:xfrm>
+              <a:off x="7172514" y="2200880"/>
+              <a:ext cx="666401" cy="0"/>
+            </a:xfrm>
+            <a:prstGeom prst="line">
+              <a:avLst/>
+            </a:prstGeom>
+            <a:ln w="22225">
+              <a:solidFill>
+                <a:schemeClr val="tx1"/>
+              </a:solidFill>
+            </a:ln>
+          </p:spPr>
+          <p:style>
+            <a:lnRef idx="1">
+              <a:schemeClr val="accent1"/>
+            </a:lnRef>
+            <a:fillRef idx="0">
+              <a:schemeClr val="accent1"/>
+            </a:fillRef>
+            <a:effectRef idx="0">
+              <a:schemeClr val="accent1"/>
+            </a:effectRef>
+            <a:fontRef idx="minor">
+              <a:schemeClr val="tx1"/>
+            </a:fontRef>
+          </p:style>
+        </p:cxnSp>
+      </p:grpSp>
+      <p:cxnSp>
+        <p:nvCxnSpPr>
+          <p:cNvPr id="277" name="Straight Connector 276">
+            <a:extLst>
+              <a:ext uri="{FF2B5EF4-FFF2-40B4-BE49-F238E27FC236}">
+                <a16:creationId xmlns:a16="http://schemas.microsoft.com/office/drawing/2014/main" id="{35DF6C18-DAC4-494F-ABE5-8024C62FE2C7}"/>
+              </a:ext>
+            </a:extLst>
+          </p:cNvPr>
+          <p:cNvCxnSpPr>
+            <a:cxnSpLocks/>
+          </p:cNvCxnSpPr>
+          <p:nvPr/>
+        </p:nvCxnSpPr>
+        <p:spPr>
+          <a:xfrm flipH="1">
+            <a:off x="13919233" y="5347089"/>
+            <a:ext cx="881970" cy="786369"/>
+          </a:xfrm>
+          <a:prstGeom prst="line">
+            <a:avLst/>
+          </a:prstGeom>
+          <a:ln w="22225">
+            <a:solidFill>
+              <a:schemeClr val="tx1"/>
+            </a:solidFill>
+          </a:ln>
+        </p:spPr>
+        <p:style>
+          <a:lnRef idx="1">
+            <a:schemeClr val="accent1"/>
+          </a:lnRef>
+          <a:fillRef idx="0">
+            <a:schemeClr val="accent1"/>
+          </a:fillRef>
+          <a:effectRef idx="0">
+            <a:schemeClr val="accent1"/>
+          </a:effectRef>
+          <a:fontRef idx="minor">
+            <a:schemeClr val="tx1"/>
+          </a:fontRef>
+        </p:style>
+      </p:cxnSp>
+      <p:sp>
+        <p:nvSpPr>
+          <p:cNvPr id="306" name="TextBox 305">
+            <a:extLst>
+              <a:ext uri="{FF2B5EF4-FFF2-40B4-BE49-F238E27FC236}">
+                <a16:creationId xmlns:a16="http://schemas.microsoft.com/office/drawing/2014/main" id="{38AEC384-5B3E-BC41-9BD2-4CC71FF8883D}"/>
+              </a:ext>
+            </a:extLst>
+          </p:cNvPr>
+          <p:cNvSpPr txBox="1"/>
+          <p:nvPr/>
+        </p:nvSpPr>
+        <p:spPr>
+          <a:xfrm>
+            <a:off x="15096478" y="4972402"/>
+            <a:ext cx="1080813" cy="353943"/>
+          </a:xfrm>
+          <a:prstGeom prst="rect">
+            <a:avLst/>
+          </a:prstGeom>
+          <a:noFill/>
+        </p:spPr>
+        <p:txBody>
+          <a:bodyPr wrap="square" rtlCol="0">
+            <a:spAutoFit/>
+          </a:bodyPr>
+          <a:lstStyle/>
+          <a:p>
+            <a:pPr algn="ctr"/>
+            <a:r>
+              <a:rPr lang="en-US" sz="1700" dirty="0"/>
+              <a:t>dsDNA</a:t>
+            </a:r>
+          </a:p>
+        </p:txBody>
+      </p:sp>
+      <p:sp>
+        <p:nvSpPr>
+          <p:cNvPr id="308" name="TextBox 307">
+            <a:extLst>
+              <a:ext uri="{FF2B5EF4-FFF2-40B4-BE49-F238E27FC236}">
+                <a16:creationId xmlns:a16="http://schemas.microsoft.com/office/drawing/2014/main" id="{B142B822-C5F2-654B-B35E-8DAF23066CB3}"/>
+              </a:ext>
+            </a:extLst>
+          </p:cNvPr>
+          <p:cNvSpPr txBox="1"/>
+          <p:nvPr/>
+        </p:nvSpPr>
+        <p:spPr>
+          <a:xfrm>
+            <a:off x="8277983" y="4812105"/>
+            <a:ext cx="5750552" cy="502766"/>
+          </a:xfrm>
+          <a:prstGeom prst="rect">
+            <a:avLst/>
+          </a:prstGeom>
+          <a:noFill/>
+        </p:spPr>
+        <p:txBody>
+          <a:bodyPr wrap="square" rtlCol="0">
+            <a:spAutoFit/>
+          </a:bodyPr>
+          <a:lstStyle/>
+          <a:p>
+            <a:r>
+              <a:rPr lang="en-US" sz="2667" dirty="0">
+                <a:solidFill>
+                  <a:schemeClr val="accent2">
+                    <a:lumMod val="75000"/>
+                  </a:schemeClr>
+                </a:solidFill>
+                <a:latin typeface="Courier" pitchFamily="2" charset="0"/>
+              </a:rPr>
+              <a:t>TTTV</a:t>
+            </a:r>
+            <a:r>
+              <a:rPr lang="en-US" sz="2667" dirty="0">
+                <a:solidFill>
+                  <a:schemeClr val="tx2">
+                    <a:lumMod val="60000"/>
+                    <a:lumOff val="40000"/>
+                  </a:schemeClr>
+                </a:solidFill>
+                <a:latin typeface="Courier" pitchFamily="2" charset="0"/>
+              </a:rPr>
+              <a:t>GGCTTGCAAACTCTCGCTCTACA</a:t>
+            </a:r>
+          </a:p>
+        </p:txBody>
+      </p:sp>
+      <p:sp>
+        <p:nvSpPr>
+          <p:cNvPr id="309" name="TextBox 308">
+            <a:extLst>
+              <a:ext uri="{FF2B5EF4-FFF2-40B4-BE49-F238E27FC236}">
+                <a16:creationId xmlns:a16="http://schemas.microsoft.com/office/drawing/2014/main" id="{E16FD42B-A37E-1F47-B9CE-901E15EFA52D}"/>
+              </a:ext>
+            </a:extLst>
+          </p:cNvPr>
+          <p:cNvSpPr txBox="1"/>
+          <p:nvPr/>
+        </p:nvSpPr>
+        <p:spPr>
+          <a:xfrm>
+            <a:off x="8277451" y="5866372"/>
+            <a:ext cx="5750551" cy="502766"/>
+          </a:xfrm>
+          <a:prstGeom prst="rect">
+            <a:avLst/>
+          </a:prstGeom>
+          <a:noFill/>
+        </p:spPr>
+        <p:txBody>
+          <a:bodyPr wrap="square" rtlCol="0">
+            <a:spAutoFit/>
+          </a:bodyPr>
+          <a:lstStyle/>
+          <a:p>
+            <a:r>
+              <a:rPr lang="en-US" sz="2667" dirty="0">
+                <a:latin typeface="Courier" pitchFamily="2" charset="0"/>
+              </a:rPr>
+              <a:t>AAABCCGAACGTTTGAGAGCGAGATGT</a:t>
+            </a:r>
+            <a:endParaRPr lang="en-US" sz="2667" dirty="0">
+              <a:solidFill>
+                <a:schemeClr val="accent2">
+                  <a:lumMod val="75000"/>
+                </a:schemeClr>
+              </a:solidFill>
+              <a:latin typeface="Courier" pitchFamily="2" charset="0"/>
+            </a:endParaRPr>
+          </a:p>
+        </p:txBody>
+      </p:sp>
+      <p:sp>
+        <p:nvSpPr>
+          <p:cNvPr id="310" name="TextBox 309">
+            <a:extLst>
+              <a:ext uri="{FF2B5EF4-FFF2-40B4-BE49-F238E27FC236}">
+                <a16:creationId xmlns:a16="http://schemas.microsoft.com/office/drawing/2014/main" id="{AADE7B30-F130-9542-B138-704C1ECD0A1A}"/>
+              </a:ext>
+            </a:extLst>
+          </p:cNvPr>
+          <p:cNvSpPr txBox="1"/>
+          <p:nvPr/>
+        </p:nvSpPr>
+        <p:spPr>
+          <a:xfrm>
+            <a:off x="9093228" y="5397293"/>
+            <a:ext cx="4979556" cy="502766"/>
+          </a:xfrm>
+          <a:prstGeom prst="rect">
+            <a:avLst/>
+          </a:prstGeom>
+          <a:noFill/>
+        </p:spPr>
+        <p:txBody>
+          <a:bodyPr wrap="square" rtlCol="0">
+            <a:spAutoFit/>
+          </a:bodyPr>
+          <a:lstStyle/>
+          <a:p>
+            <a:r>
+              <a:rPr lang="en-US" sz="2667" dirty="0">
+                <a:solidFill>
+                  <a:schemeClr val="accent4">
+                    <a:lumMod val="75000"/>
+                  </a:schemeClr>
+                </a:solidFill>
+                <a:latin typeface="Courier" pitchFamily="2" charset="0"/>
+              </a:rPr>
+              <a:t>GGCUUGCAAACUCUCGCUCUACA</a:t>
+            </a:r>
+          </a:p>
+        </p:txBody>
+      </p:sp>
+      <p:cxnSp>
+        <p:nvCxnSpPr>
+          <p:cNvPr id="311" name="Straight Connector 310">
+            <a:extLst>
+              <a:ext uri="{FF2B5EF4-FFF2-40B4-BE49-F238E27FC236}">
+                <a16:creationId xmlns:a16="http://schemas.microsoft.com/office/drawing/2014/main" id="{87DFAAA3-F256-6A4E-AECC-9C1BC67891EC}"/>
+              </a:ext>
+            </a:extLst>
+          </p:cNvPr>
+          <p:cNvCxnSpPr>
+            <a:cxnSpLocks/>
+          </p:cNvCxnSpPr>
+          <p:nvPr/>
+        </p:nvCxnSpPr>
+        <p:spPr>
+          <a:xfrm>
+            <a:off x="8878647" y="5650721"/>
+            <a:ext cx="253721" cy="1"/>
+          </a:xfrm>
+          <a:prstGeom prst="line">
+            <a:avLst/>
+          </a:prstGeom>
+          <a:ln w="22225">
+            <a:solidFill>
+              <a:schemeClr val="tx1"/>
+            </a:solidFill>
+          </a:ln>
+        </p:spPr>
+        <p:style>
+          <a:lnRef idx="1">
+            <a:schemeClr val="accent1"/>
+          </a:lnRef>
+          <a:fillRef idx="0">
+            <a:schemeClr val="accent1"/>
+          </a:fillRef>
+          <a:effectRef idx="0">
+            <a:schemeClr val="accent1"/>
+          </a:effectRef>
+          <a:fontRef idx="minor">
+            <a:schemeClr val="tx1"/>
+          </a:fontRef>
+        </p:style>
+      </p:cxnSp>
+      <p:sp>
+        <p:nvSpPr>
+          <p:cNvPr id="312" name="TextBox 311">
+            <a:extLst>
+              <a:ext uri="{FF2B5EF4-FFF2-40B4-BE49-F238E27FC236}">
+                <a16:creationId xmlns:a16="http://schemas.microsoft.com/office/drawing/2014/main" id="{6BACCCF3-9DA0-BE4D-B057-D7DB4F724308}"/>
+              </a:ext>
+            </a:extLst>
+          </p:cNvPr>
+          <p:cNvSpPr txBox="1"/>
+          <p:nvPr/>
+        </p:nvSpPr>
+        <p:spPr>
+          <a:xfrm>
+            <a:off x="8974062" y="5352361"/>
+            <a:ext cx="368278" cy="338554"/>
+          </a:xfrm>
+          <a:prstGeom prst="rect">
+            <a:avLst/>
+          </a:prstGeom>
+          <a:noFill/>
+        </p:spPr>
+        <p:txBody>
+          <a:bodyPr wrap="square" rtlCol="0">
+            <a:spAutoFit/>
+          </a:bodyPr>
+          <a:lstStyle/>
+          <a:p>
+            <a:r>
+              <a:rPr lang="en-US" sz="1600" dirty="0"/>
+              <a:t>5’</a:t>
+            </a:r>
+          </a:p>
+        </p:txBody>
+      </p:sp>
+      <p:cxnSp>
+        <p:nvCxnSpPr>
+          <p:cNvPr id="317" name="Straight Connector 316">
+            <a:extLst>
+              <a:ext uri="{FF2B5EF4-FFF2-40B4-BE49-F238E27FC236}">
+                <a16:creationId xmlns:a16="http://schemas.microsoft.com/office/drawing/2014/main" id="{53E9796A-FB2F-2B4A-9F68-9254866C9E2F}"/>
+              </a:ext>
+            </a:extLst>
+          </p:cNvPr>
+          <p:cNvCxnSpPr>
+            <a:cxnSpLocks/>
+          </p:cNvCxnSpPr>
+          <p:nvPr/>
+        </p:nvCxnSpPr>
+        <p:spPr>
+          <a:xfrm>
+            <a:off x="13888892" y="5652852"/>
+            <a:ext cx="253721" cy="1"/>
+          </a:xfrm>
+          <a:prstGeom prst="line">
+            <a:avLst/>
+          </a:prstGeom>
+          <a:ln w="22225">
+            <a:solidFill>
+              <a:schemeClr val="tx1"/>
+            </a:solidFill>
+          </a:ln>
+        </p:spPr>
+        <p:style>
+          <a:lnRef idx="1">
+            <a:schemeClr val="accent1"/>
+          </a:lnRef>
+          <a:fillRef idx="0">
+            <a:schemeClr val="accent1"/>
+          </a:fillRef>
+          <a:effectRef idx="0">
+            <a:schemeClr val="accent1"/>
+          </a:effectRef>
+          <a:fontRef idx="minor">
+            <a:schemeClr val="tx1"/>
+          </a:fontRef>
+        </p:style>
+      </p:cxnSp>
+      <p:sp>
+        <p:nvSpPr>
+          <p:cNvPr id="318" name="TextBox 317">
+            <a:extLst>
+              <a:ext uri="{FF2B5EF4-FFF2-40B4-BE49-F238E27FC236}">
+                <a16:creationId xmlns:a16="http://schemas.microsoft.com/office/drawing/2014/main" id="{86B00912-E7D0-314E-B3C7-F1AEE5D6FD4E}"/>
+              </a:ext>
+            </a:extLst>
+          </p:cNvPr>
+          <p:cNvSpPr txBox="1"/>
+          <p:nvPr/>
+        </p:nvSpPr>
+        <p:spPr>
+          <a:xfrm>
+            <a:off x="13816861" y="5352361"/>
+            <a:ext cx="368278" cy="338554"/>
+          </a:xfrm>
+          <a:prstGeom prst="rect">
+            <a:avLst/>
+          </a:prstGeom>
+          <a:noFill/>
+        </p:spPr>
+        <p:txBody>
+          <a:bodyPr wrap="square" rtlCol="0">
+            <a:spAutoFit/>
+          </a:bodyPr>
+          <a:lstStyle/>
+          <a:p>
+            <a:r>
+              <a:rPr lang="en-US" sz="1600" dirty="0"/>
+              <a:t>3’</a:t>
+            </a:r>
+          </a:p>
+        </p:txBody>
+      </p:sp>
+      <p:sp>
+        <p:nvSpPr>
+          <p:cNvPr id="320" name="TextBox 319">
+            <a:extLst>
+              <a:ext uri="{FF2B5EF4-FFF2-40B4-BE49-F238E27FC236}">
+                <a16:creationId xmlns:a16="http://schemas.microsoft.com/office/drawing/2014/main" id="{C32BAFD0-D4DE-EA4E-A561-8CBEA2A14BA0}"/>
+              </a:ext>
+            </a:extLst>
+          </p:cNvPr>
+          <p:cNvSpPr txBox="1"/>
+          <p:nvPr/>
+        </p:nvSpPr>
+        <p:spPr>
+          <a:xfrm>
+            <a:off x="8061862" y="5465821"/>
+            <a:ext cx="1080813" cy="353943"/>
+          </a:xfrm>
+          <a:prstGeom prst="rect">
+            <a:avLst/>
+          </a:prstGeom>
+          <a:noFill/>
+        </p:spPr>
+        <p:txBody>
+          <a:bodyPr wrap="square" rtlCol="0">
+            <a:spAutoFit/>
+          </a:bodyPr>
+          <a:lstStyle/>
+          <a:p>
+            <a:pPr algn="ctr"/>
+            <a:r>
+              <a:rPr lang="en-US" sz="1700" dirty="0"/>
+              <a:t>gRNA</a:t>
+            </a:r>
+          </a:p>
+        </p:txBody>
+      </p:sp>
+      <p:cxnSp>
+        <p:nvCxnSpPr>
+          <p:cNvPr id="321" name="Straight Arrow Connector 320">
+            <a:extLst>
+              <a:ext uri="{FF2B5EF4-FFF2-40B4-BE49-F238E27FC236}">
+                <a16:creationId xmlns:a16="http://schemas.microsoft.com/office/drawing/2014/main" id="{315AE888-15B5-0E4D-850B-834872E6BF84}"/>
+              </a:ext>
+            </a:extLst>
+          </p:cNvPr>
+          <p:cNvCxnSpPr>
+            <a:cxnSpLocks/>
+          </p:cNvCxnSpPr>
+          <p:nvPr/>
+        </p:nvCxnSpPr>
+        <p:spPr>
+          <a:xfrm flipV="1">
+            <a:off x="8475670" y="4495584"/>
+            <a:ext cx="0" cy="408949"/>
+          </a:xfrm>
+          <a:prstGeom prst="straightConnector1">
+            <a:avLst/>
+          </a:prstGeom>
+          <a:ln w="28575">
+            <a:solidFill>
+              <a:srgbClr val="FF0000"/>
+            </a:solidFill>
+            <a:tailEnd type="triangle"/>
+          </a:ln>
+        </p:spPr>
+        <p:style>
+          <a:lnRef idx="1">
+            <a:schemeClr val="accent1"/>
+          </a:lnRef>
+          <a:fillRef idx="0">
+            <a:schemeClr val="accent1"/>
+          </a:fillRef>
+          <a:effectRef idx="0">
+            <a:schemeClr val="accent1"/>
+          </a:effectRef>
+          <a:fontRef idx="minor">
+            <a:schemeClr val="tx1"/>
+          </a:fontRef>
+        </p:style>
+      </p:cxnSp>
+      <p:sp>
+        <p:nvSpPr>
+          <p:cNvPr id="322" name="TextBox 321">
+            <a:extLst>
+              <a:ext uri="{FF2B5EF4-FFF2-40B4-BE49-F238E27FC236}">
+                <a16:creationId xmlns:a16="http://schemas.microsoft.com/office/drawing/2014/main" id="{856022AC-6C6E-8A4B-873F-43B68B76691C}"/>
+              </a:ext>
+            </a:extLst>
+          </p:cNvPr>
+          <p:cNvSpPr txBox="1"/>
+          <p:nvPr/>
+        </p:nvSpPr>
+        <p:spPr>
+          <a:xfrm>
+            <a:off x="7667269" y="4162530"/>
+            <a:ext cx="1690385" cy="353943"/>
+          </a:xfrm>
+          <a:prstGeom prst="rect">
+            <a:avLst/>
+          </a:prstGeom>
+          <a:noFill/>
+        </p:spPr>
+        <p:txBody>
+          <a:bodyPr wrap="square" rtlCol="0">
+            <a:spAutoFit/>
+          </a:bodyPr>
+          <a:lstStyle/>
+          <a:p>
+            <a:pPr algn="ctr"/>
+            <a:r>
+              <a:rPr lang="en-US" sz="1700" dirty="0">
+                <a:solidFill>
+                  <a:srgbClr val="FF0000"/>
+                </a:solidFill>
+              </a:rPr>
+              <a:t>PAM site</a:t>
+            </a:r>
+          </a:p>
+        </p:txBody>
+      </p:sp>
+      <p:grpSp>
+        <p:nvGrpSpPr>
+          <p:cNvPr id="324" name="Group 323">
+            <a:extLst>
+              <a:ext uri="{FF2B5EF4-FFF2-40B4-BE49-F238E27FC236}">
+                <a16:creationId xmlns:a16="http://schemas.microsoft.com/office/drawing/2014/main" id="{CAA76DF3-A48D-644B-9733-FB188B0C76A0}"/>
+              </a:ext>
+            </a:extLst>
+          </p:cNvPr>
+          <p:cNvGrpSpPr/>
+          <p:nvPr/>
+        </p:nvGrpSpPr>
+        <p:grpSpPr>
+          <a:xfrm>
+            <a:off x="9288318" y="5796361"/>
+            <a:ext cx="4470582" cy="183339"/>
+            <a:chOff x="2537530" y="2602325"/>
+            <a:chExt cx="4191170" cy="171880"/>
+          </a:xfrm>
+        </p:grpSpPr>
+        <p:cxnSp>
+          <p:nvCxnSpPr>
+            <p:cNvPr id="325" name="Straight Connector 324">
+              <a:extLst>
+                <a:ext uri="{FF2B5EF4-FFF2-40B4-BE49-F238E27FC236}">
+                  <a16:creationId xmlns:a16="http://schemas.microsoft.com/office/drawing/2014/main" id="{C8C338DF-08E9-2E43-BC95-3AE35B694B93}"/>
+                </a:ext>
+              </a:extLst>
+            </p:cNvPr>
+            <p:cNvCxnSpPr>
+              <a:cxnSpLocks/>
+            </p:cNvCxnSpPr>
+            <p:nvPr/>
+          </p:nvCxnSpPr>
+          <p:spPr>
+            <a:xfrm>
+              <a:off x="5398435" y="2602325"/>
+              <a:ext cx="0" cy="168565"/>
+            </a:xfrm>
+            <a:prstGeom prst="line">
+              <a:avLst/>
+            </a:prstGeom>
+            <a:ln w="15875">
+              <a:solidFill>
+                <a:schemeClr val="tx1"/>
+              </a:solidFill>
+            </a:ln>
+          </p:spPr>
+          <p:style>
+            <a:lnRef idx="1">
+              <a:schemeClr val="accent1"/>
+            </a:lnRef>
+            <a:fillRef idx="0">
+              <a:schemeClr val="accent1"/>
+            </a:fillRef>
+            <a:effectRef idx="0">
+              <a:schemeClr val="accent1"/>
+            </a:effectRef>
+            <a:fontRef idx="minor">
+              <a:schemeClr val="tx1"/>
+            </a:fontRef>
+          </p:style>
+        </p:cxnSp>
+        <p:cxnSp>
+          <p:nvCxnSpPr>
+            <p:cNvPr id="326" name="Straight Connector 325">
+              <a:extLst>
+                <a:ext uri="{FF2B5EF4-FFF2-40B4-BE49-F238E27FC236}">
+                  <a16:creationId xmlns:a16="http://schemas.microsoft.com/office/drawing/2014/main" id="{D7A5773C-E7BD-EE44-AC70-DCEE6691B723}"/>
+                </a:ext>
+              </a:extLst>
+            </p:cNvPr>
+            <p:cNvCxnSpPr>
+              <a:cxnSpLocks/>
+            </p:cNvCxnSpPr>
+            <p:nvPr/>
+          </p:nvCxnSpPr>
+          <p:spPr>
+            <a:xfrm>
+              <a:off x="5589162" y="2602325"/>
+              <a:ext cx="0" cy="168565"/>
+            </a:xfrm>
+            <a:prstGeom prst="line">
+              <a:avLst/>
+            </a:prstGeom>
+            <a:ln w="15875">
+              <a:solidFill>
+                <a:schemeClr val="tx1"/>
+              </a:solidFill>
+            </a:ln>
+          </p:spPr>
+          <p:style>
+            <a:lnRef idx="1">
+              <a:schemeClr val="accent1"/>
+            </a:lnRef>
+            <a:fillRef idx="0">
+              <a:schemeClr val="accent1"/>
+            </a:fillRef>
+            <a:effectRef idx="0">
+              <a:schemeClr val="accent1"/>
+            </a:effectRef>
+            <a:fontRef idx="minor">
+              <a:schemeClr val="tx1"/>
+            </a:fontRef>
+          </p:style>
+        </p:cxnSp>
+        <p:cxnSp>
+          <p:nvCxnSpPr>
+            <p:cNvPr id="327" name="Straight Connector 326">
+              <a:extLst>
+                <a:ext uri="{FF2B5EF4-FFF2-40B4-BE49-F238E27FC236}">
+                  <a16:creationId xmlns:a16="http://schemas.microsoft.com/office/drawing/2014/main" id="{139E8857-743F-044F-9AD3-B9A20E5716BC}"/>
+                </a:ext>
+              </a:extLst>
+            </p:cNvPr>
+            <p:cNvCxnSpPr>
+              <a:cxnSpLocks/>
+            </p:cNvCxnSpPr>
+            <p:nvPr/>
+          </p:nvCxnSpPr>
+          <p:spPr>
+            <a:xfrm>
+              <a:off x="5207708" y="2602325"/>
+              <a:ext cx="0" cy="168565"/>
+            </a:xfrm>
+            <a:prstGeom prst="line">
+              <a:avLst/>
+            </a:prstGeom>
+            <a:ln w="15875">
+              <a:solidFill>
+                <a:schemeClr val="tx1"/>
+              </a:solidFill>
+            </a:ln>
+          </p:spPr>
+          <p:style>
+            <a:lnRef idx="1">
+              <a:schemeClr val="accent1"/>
+            </a:lnRef>
+            <a:fillRef idx="0">
+              <a:schemeClr val="accent1"/>
+            </a:fillRef>
+            <a:effectRef idx="0">
+              <a:schemeClr val="accent1"/>
+            </a:effectRef>
+            <a:fontRef idx="minor">
+              <a:schemeClr val="tx1"/>
+            </a:fontRef>
+          </p:style>
+        </p:cxnSp>
+        <p:cxnSp>
+          <p:nvCxnSpPr>
+            <p:cNvPr id="328" name="Straight Connector 327">
+              <a:extLst>
+                <a:ext uri="{FF2B5EF4-FFF2-40B4-BE49-F238E27FC236}">
+                  <a16:creationId xmlns:a16="http://schemas.microsoft.com/office/drawing/2014/main" id="{2AC3B5DC-6C5E-7649-9BEC-5443A7D523B5}"/>
+                </a:ext>
+              </a:extLst>
+            </p:cNvPr>
+            <p:cNvCxnSpPr>
+              <a:cxnSpLocks/>
+            </p:cNvCxnSpPr>
+            <p:nvPr/>
+          </p:nvCxnSpPr>
+          <p:spPr>
+            <a:xfrm>
+              <a:off x="5016981" y="2602325"/>
+              <a:ext cx="0" cy="168565"/>
+            </a:xfrm>
+            <a:prstGeom prst="line">
+              <a:avLst/>
+            </a:prstGeom>
+            <a:ln w="15875">
+              <a:solidFill>
+                <a:schemeClr val="tx1"/>
+              </a:solidFill>
+            </a:ln>
+          </p:spPr>
+          <p:style>
+            <a:lnRef idx="1">
+              <a:schemeClr val="accent1"/>
+            </a:lnRef>
+            <a:fillRef idx="0">
+              <a:schemeClr val="accent1"/>
+            </a:fillRef>
+            <a:effectRef idx="0">
+              <a:schemeClr val="accent1"/>
+            </a:effectRef>
+            <a:fontRef idx="minor">
+              <a:schemeClr val="tx1"/>
+            </a:fontRef>
+          </p:style>
+        </p:cxnSp>
+        <p:cxnSp>
+          <p:nvCxnSpPr>
+            <p:cNvPr id="329" name="Straight Connector 328">
+              <a:extLst>
+                <a:ext uri="{FF2B5EF4-FFF2-40B4-BE49-F238E27FC236}">
+                  <a16:creationId xmlns:a16="http://schemas.microsoft.com/office/drawing/2014/main" id="{072BBE49-3D3F-6E4A-AA87-132DFF1EFB4B}"/>
+                </a:ext>
+              </a:extLst>
+            </p:cNvPr>
+            <p:cNvCxnSpPr>
+              <a:cxnSpLocks/>
+            </p:cNvCxnSpPr>
+            <p:nvPr/>
+          </p:nvCxnSpPr>
+          <p:spPr>
+            <a:xfrm>
+              <a:off x="4635527" y="2602325"/>
+              <a:ext cx="0" cy="168565"/>
+            </a:xfrm>
+            <a:prstGeom prst="line">
+              <a:avLst/>
+            </a:prstGeom>
+            <a:ln w="15875">
+              <a:solidFill>
+                <a:schemeClr val="tx1"/>
+              </a:solidFill>
+            </a:ln>
+          </p:spPr>
+          <p:style>
+            <a:lnRef idx="1">
+              <a:schemeClr val="accent1"/>
+            </a:lnRef>
+            <a:fillRef idx="0">
+              <a:schemeClr val="accent1"/>
+            </a:fillRef>
+            <a:effectRef idx="0">
+              <a:schemeClr val="accent1"/>
+            </a:effectRef>
+            <a:fontRef idx="minor">
+              <a:schemeClr val="tx1"/>
+            </a:fontRef>
+          </p:style>
+        </p:cxnSp>
+        <p:cxnSp>
+          <p:nvCxnSpPr>
+            <p:cNvPr id="330" name="Straight Connector 329">
+              <a:extLst>
+                <a:ext uri="{FF2B5EF4-FFF2-40B4-BE49-F238E27FC236}">
+                  <a16:creationId xmlns:a16="http://schemas.microsoft.com/office/drawing/2014/main" id="{CF8EB7A0-4897-144B-B369-B1C8BEC52101}"/>
+                </a:ext>
+              </a:extLst>
+            </p:cNvPr>
+            <p:cNvCxnSpPr>
+              <a:cxnSpLocks/>
+            </p:cNvCxnSpPr>
+            <p:nvPr/>
+          </p:nvCxnSpPr>
+          <p:spPr>
+            <a:xfrm>
+              <a:off x="4826254" y="2602325"/>
+              <a:ext cx="0" cy="168565"/>
+            </a:xfrm>
+            <a:prstGeom prst="line">
+              <a:avLst/>
+            </a:prstGeom>
+            <a:ln w="15875">
+              <a:solidFill>
+                <a:schemeClr val="tx1"/>
+              </a:solidFill>
+            </a:ln>
+          </p:spPr>
+          <p:style>
+            <a:lnRef idx="1">
+              <a:schemeClr val="accent1"/>
+            </a:lnRef>
+            <a:fillRef idx="0">
+              <a:schemeClr val="accent1"/>
+            </a:fillRef>
+            <a:effectRef idx="0">
+              <a:schemeClr val="accent1"/>
+            </a:effectRef>
+            <a:fontRef idx="minor">
+              <a:schemeClr val="tx1"/>
+            </a:fontRef>
+          </p:style>
+        </p:cxnSp>
+        <p:cxnSp>
+          <p:nvCxnSpPr>
+            <p:cNvPr id="331" name="Straight Connector 330">
+              <a:extLst>
+                <a:ext uri="{FF2B5EF4-FFF2-40B4-BE49-F238E27FC236}">
+                  <a16:creationId xmlns:a16="http://schemas.microsoft.com/office/drawing/2014/main" id="{7737B250-D158-1C4F-B54E-D5AF944A1E43}"/>
+                </a:ext>
+              </a:extLst>
+            </p:cNvPr>
+            <p:cNvCxnSpPr>
+              <a:cxnSpLocks/>
+            </p:cNvCxnSpPr>
+            <p:nvPr/>
+          </p:nvCxnSpPr>
+          <p:spPr>
+            <a:xfrm>
+              <a:off x="4444800" y="2602325"/>
+              <a:ext cx="0" cy="168565"/>
+            </a:xfrm>
+            <a:prstGeom prst="line">
+              <a:avLst/>
+            </a:prstGeom>
+            <a:ln w="15875">
+              <a:solidFill>
+                <a:schemeClr val="tx1"/>
+              </a:solidFill>
+            </a:ln>
+          </p:spPr>
+          <p:style>
+            <a:lnRef idx="1">
+              <a:schemeClr val="accent1"/>
+            </a:lnRef>
+            <a:fillRef idx="0">
+              <a:schemeClr val="accent1"/>
+            </a:fillRef>
+            <a:effectRef idx="0">
+              <a:schemeClr val="accent1"/>
+            </a:effectRef>
+            <a:fontRef idx="minor">
+              <a:schemeClr val="tx1"/>
+            </a:fontRef>
+          </p:style>
+        </p:cxnSp>
+        <p:cxnSp>
+          <p:nvCxnSpPr>
+            <p:cNvPr id="332" name="Straight Connector 331">
+              <a:extLst>
+                <a:ext uri="{FF2B5EF4-FFF2-40B4-BE49-F238E27FC236}">
+                  <a16:creationId xmlns:a16="http://schemas.microsoft.com/office/drawing/2014/main" id="{7605C693-0F7F-114C-845B-51A1F708B3BD}"/>
+                </a:ext>
+              </a:extLst>
+            </p:cNvPr>
+            <p:cNvCxnSpPr>
+              <a:cxnSpLocks/>
+            </p:cNvCxnSpPr>
+            <p:nvPr/>
+          </p:nvCxnSpPr>
+          <p:spPr>
+            <a:xfrm>
+              <a:off x="4254073" y="2602325"/>
+              <a:ext cx="0" cy="168565"/>
+            </a:xfrm>
+            <a:prstGeom prst="line">
+              <a:avLst/>
+            </a:prstGeom>
+            <a:ln w="15875">
+              <a:solidFill>
+                <a:schemeClr val="tx1"/>
+              </a:solidFill>
+            </a:ln>
+          </p:spPr>
+          <p:style>
+            <a:lnRef idx="1">
+              <a:schemeClr val="accent1"/>
+            </a:lnRef>
+            <a:fillRef idx="0">
+              <a:schemeClr val="accent1"/>
+            </a:fillRef>
+            <a:effectRef idx="0">
+              <a:schemeClr val="accent1"/>
+            </a:effectRef>
+            <a:fontRef idx="minor">
+              <a:schemeClr val="tx1"/>
+            </a:fontRef>
+          </p:style>
+        </p:cxnSp>
+        <p:cxnSp>
+          <p:nvCxnSpPr>
+            <p:cNvPr id="333" name="Straight Connector 332">
+              <a:extLst>
+                <a:ext uri="{FF2B5EF4-FFF2-40B4-BE49-F238E27FC236}">
+                  <a16:creationId xmlns:a16="http://schemas.microsoft.com/office/drawing/2014/main" id="{1BEE5361-6182-324A-82FC-AE3F086B37E5}"/>
+                </a:ext>
+              </a:extLst>
+            </p:cNvPr>
+            <p:cNvCxnSpPr>
+              <a:cxnSpLocks/>
+            </p:cNvCxnSpPr>
+            <p:nvPr/>
+          </p:nvCxnSpPr>
+          <p:spPr>
+            <a:xfrm>
+              <a:off x="3872619" y="2602325"/>
+              <a:ext cx="0" cy="168565"/>
+            </a:xfrm>
+            <a:prstGeom prst="line">
+              <a:avLst/>
+            </a:prstGeom>
+            <a:ln w="15875">
+              <a:solidFill>
+                <a:schemeClr val="tx1"/>
+              </a:solidFill>
+            </a:ln>
+          </p:spPr>
+          <p:style>
+            <a:lnRef idx="1">
+              <a:schemeClr val="accent1"/>
+            </a:lnRef>
+            <a:fillRef idx="0">
+              <a:schemeClr val="accent1"/>
+            </a:fillRef>
+            <a:effectRef idx="0">
+              <a:schemeClr val="accent1"/>
+            </a:effectRef>
+            <a:fontRef idx="minor">
+              <a:schemeClr val="tx1"/>
+            </a:fontRef>
+          </p:style>
+        </p:cxnSp>
+        <p:cxnSp>
+          <p:nvCxnSpPr>
+            <p:cNvPr id="334" name="Straight Connector 333">
+              <a:extLst>
+                <a:ext uri="{FF2B5EF4-FFF2-40B4-BE49-F238E27FC236}">
+                  <a16:creationId xmlns:a16="http://schemas.microsoft.com/office/drawing/2014/main" id="{1F3BEA5A-F872-8B45-ACE4-EBD98F68ABCA}"/>
+                </a:ext>
+              </a:extLst>
+            </p:cNvPr>
+            <p:cNvCxnSpPr>
+              <a:cxnSpLocks/>
+            </p:cNvCxnSpPr>
+            <p:nvPr/>
+          </p:nvCxnSpPr>
+          <p:spPr>
+            <a:xfrm>
+              <a:off x="4063346" y="2602325"/>
+              <a:ext cx="0" cy="168565"/>
+            </a:xfrm>
+            <a:prstGeom prst="line">
+              <a:avLst/>
+            </a:prstGeom>
+            <a:ln w="15875">
+              <a:solidFill>
+                <a:schemeClr val="tx1"/>
+              </a:solidFill>
+            </a:ln>
+          </p:spPr>
+          <p:style>
+            <a:lnRef idx="1">
+              <a:schemeClr val="accent1"/>
+            </a:lnRef>
+            <a:fillRef idx="0">
+              <a:schemeClr val="accent1"/>
+            </a:fillRef>
+            <a:effectRef idx="0">
+              <a:schemeClr val="accent1"/>
+            </a:effectRef>
+            <a:fontRef idx="minor">
+              <a:schemeClr val="tx1"/>
+            </a:fontRef>
+          </p:style>
+        </p:cxnSp>
+        <p:cxnSp>
+          <p:nvCxnSpPr>
+            <p:cNvPr id="335" name="Straight Connector 334">
+              <a:extLst>
+                <a:ext uri="{FF2B5EF4-FFF2-40B4-BE49-F238E27FC236}">
+                  <a16:creationId xmlns:a16="http://schemas.microsoft.com/office/drawing/2014/main" id="{803B4CB5-AB9E-E842-9840-3B11AD57BCD6}"/>
+                </a:ext>
+              </a:extLst>
+            </p:cNvPr>
+            <p:cNvCxnSpPr>
+              <a:cxnSpLocks/>
+            </p:cNvCxnSpPr>
+            <p:nvPr/>
+          </p:nvCxnSpPr>
+          <p:spPr>
+            <a:xfrm>
+              <a:off x="3681892" y="2602325"/>
+              <a:ext cx="0" cy="168565"/>
+            </a:xfrm>
+            <a:prstGeom prst="line">
+              <a:avLst/>
+            </a:prstGeom>
+            <a:ln w="15875">
+              <a:solidFill>
+                <a:schemeClr val="tx1"/>
+              </a:solidFill>
+            </a:ln>
+          </p:spPr>
+          <p:style>
+            <a:lnRef idx="1">
+              <a:schemeClr val="accent1"/>
+            </a:lnRef>
+            <a:fillRef idx="0">
+              <a:schemeClr val="accent1"/>
+            </a:fillRef>
+            <a:effectRef idx="0">
+              <a:schemeClr val="accent1"/>
+            </a:effectRef>
+            <a:fontRef idx="minor">
+              <a:schemeClr val="tx1"/>
+            </a:fontRef>
+          </p:style>
+        </p:cxnSp>
+        <p:cxnSp>
+          <p:nvCxnSpPr>
+            <p:cNvPr id="336" name="Straight Connector 335">
+              <a:extLst>
+                <a:ext uri="{FF2B5EF4-FFF2-40B4-BE49-F238E27FC236}">
+                  <a16:creationId xmlns:a16="http://schemas.microsoft.com/office/drawing/2014/main" id="{DD918775-3F41-0743-98A2-D45899BB4CA9}"/>
+                </a:ext>
+              </a:extLst>
+            </p:cNvPr>
+            <p:cNvCxnSpPr>
+              <a:cxnSpLocks/>
+            </p:cNvCxnSpPr>
+            <p:nvPr/>
+          </p:nvCxnSpPr>
+          <p:spPr>
+            <a:xfrm>
+              <a:off x="3491165" y="2602325"/>
+              <a:ext cx="0" cy="168565"/>
+            </a:xfrm>
+            <a:prstGeom prst="line">
+              <a:avLst/>
+            </a:prstGeom>
+            <a:ln w="15875">
+              <a:solidFill>
+                <a:schemeClr val="tx1"/>
+              </a:solidFill>
+            </a:ln>
+          </p:spPr>
+          <p:style>
+            <a:lnRef idx="1">
+              <a:schemeClr val="accent1"/>
+            </a:lnRef>
+            <a:fillRef idx="0">
+              <a:schemeClr val="accent1"/>
+            </a:fillRef>
+            <a:effectRef idx="0">
+              <a:schemeClr val="accent1"/>
+            </a:effectRef>
+            <a:fontRef idx="minor">
+              <a:schemeClr val="tx1"/>
+            </a:fontRef>
+          </p:style>
+        </p:cxnSp>
+        <p:cxnSp>
+          <p:nvCxnSpPr>
+            <p:cNvPr id="337" name="Straight Connector 336">
+              <a:extLst>
+                <a:ext uri="{FF2B5EF4-FFF2-40B4-BE49-F238E27FC236}">
+                  <a16:creationId xmlns:a16="http://schemas.microsoft.com/office/drawing/2014/main" id="{3F19A6AB-CE51-514D-A684-EE978FF4FD95}"/>
+                </a:ext>
+              </a:extLst>
+            </p:cNvPr>
+            <p:cNvCxnSpPr>
+              <a:cxnSpLocks/>
+            </p:cNvCxnSpPr>
+            <p:nvPr/>
+          </p:nvCxnSpPr>
+          <p:spPr>
+            <a:xfrm>
+              <a:off x="3109711" y="2602325"/>
+              <a:ext cx="0" cy="168565"/>
+            </a:xfrm>
+            <a:prstGeom prst="line">
+              <a:avLst/>
+            </a:prstGeom>
+            <a:ln w="15875">
+              <a:solidFill>
+                <a:schemeClr val="tx1"/>
+              </a:solidFill>
+            </a:ln>
+          </p:spPr>
+          <p:style>
+            <a:lnRef idx="1">
+              <a:schemeClr val="accent1"/>
+            </a:lnRef>
+            <a:fillRef idx="0">
+              <a:schemeClr val="accent1"/>
+            </a:fillRef>
+            <a:effectRef idx="0">
+              <a:schemeClr val="accent1"/>
+            </a:effectRef>
+            <a:fontRef idx="minor">
+              <a:schemeClr val="tx1"/>
+            </a:fontRef>
+          </p:style>
+        </p:cxnSp>
+        <p:cxnSp>
+          <p:nvCxnSpPr>
+            <p:cNvPr id="338" name="Straight Connector 337">
+              <a:extLst>
+                <a:ext uri="{FF2B5EF4-FFF2-40B4-BE49-F238E27FC236}">
+                  <a16:creationId xmlns:a16="http://schemas.microsoft.com/office/drawing/2014/main" id="{35A7DC6B-EA76-C24B-839B-CB243DB9E37F}"/>
+                </a:ext>
+              </a:extLst>
+            </p:cNvPr>
+            <p:cNvCxnSpPr>
+              <a:cxnSpLocks/>
+            </p:cNvCxnSpPr>
+            <p:nvPr/>
+          </p:nvCxnSpPr>
+          <p:spPr>
+            <a:xfrm>
+              <a:off x="3300438" y="2602325"/>
+              <a:ext cx="0" cy="168565"/>
+            </a:xfrm>
+            <a:prstGeom prst="line">
+              <a:avLst/>
+            </a:prstGeom>
+            <a:ln w="15875">
+              <a:solidFill>
+                <a:schemeClr val="tx1"/>
+              </a:solidFill>
+            </a:ln>
+          </p:spPr>
+          <p:style>
+            <a:lnRef idx="1">
+              <a:schemeClr val="accent1"/>
+            </a:lnRef>
+            <a:fillRef idx="0">
+              <a:schemeClr val="accent1"/>
+            </a:fillRef>
+            <a:effectRef idx="0">
+              <a:schemeClr val="accent1"/>
+            </a:effectRef>
+            <a:fontRef idx="minor">
+              <a:schemeClr val="tx1"/>
+            </a:fontRef>
+          </p:style>
+        </p:cxnSp>
+        <p:cxnSp>
+          <p:nvCxnSpPr>
+            <p:cNvPr id="339" name="Straight Connector 338">
+              <a:extLst>
+                <a:ext uri="{FF2B5EF4-FFF2-40B4-BE49-F238E27FC236}">
+                  <a16:creationId xmlns:a16="http://schemas.microsoft.com/office/drawing/2014/main" id="{27FA3D03-9A15-B344-8EAD-537E7474F5D3}"/>
+                </a:ext>
+              </a:extLst>
+            </p:cNvPr>
+            <p:cNvCxnSpPr>
+              <a:cxnSpLocks/>
+            </p:cNvCxnSpPr>
+            <p:nvPr/>
+          </p:nvCxnSpPr>
+          <p:spPr>
+            <a:xfrm>
+              <a:off x="2918984" y="2602325"/>
+              <a:ext cx="0" cy="168565"/>
+            </a:xfrm>
+            <a:prstGeom prst="line">
+              <a:avLst/>
+            </a:prstGeom>
+            <a:ln w="15875">
+              <a:solidFill>
+                <a:schemeClr val="tx1"/>
+              </a:solidFill>
+            </a:ln>
+          </p:spPr>
+          <p:style>
+            <a:lnRef idx="1">
+              <a:schemeClr val="accent1"/>
+            </a:lnRef>
+            <a:fillRef idx="0">
+              <a:schemeClr val="accent1"/>
+            </a:fillRef>
+            <a:effectRef idx="0">
+              <a:schemeClr val="accent1"/>
+            </a:effectRef>
+            <a:fontRef idx="minor">
+              <a:schemeClr val="tx1"/>
+            </a:fontRef>
+          </p:style>
+        </p:cxnSp>
+        <p:cxnSp>
+          <p:nvCxnSpPr>
+            <p:cNvPr id="340" name="Straight Connector 339">
+              <a:extLst>
+                <a:ext uri="{FF2B5EF4-FFF2-40B4-BE49-F238E27FC236}">
+                  <a16:creationId xmlns:a16="http://schemas.microsoft.com/office/drawing/2014/main" id="{891337F8-096A-1D43-B4B7-F2AAD36596E3}"/>
+                </a:ext>
+              </a:extLst>
+            </p:cNvPr>
+            <p:cNvCxnSpPr>
+              <a:cxnSpLocks/>
+            </p:cNvCxnSpPr>
+            <p:nvPr/>
+          </p:nvCxnSpPr>
+          <p:spPr>
+            <a:xfrm>
+              <a:off x="2728257" y="2602325"/>
+              <a:ext cx="0" cy="168565"/>
+            </a:xfrm>
+            <a:prstGeom prst="line">
+              <a:avLst/>
+            </a:prstGeom>
+            <a:ln w="15875">
+              <a:solidFill>
+                <a:schemeClr val="tx1"/>
+              </a:solidFill>
+            </a:ln>
+          </p:spPr>
+          <p:style>
+            <a:lnRef idx="1">
+              <a:schemeClr val="accent1"/>
+            </a:lnRef>
+            <a:fillRef idx="0">
+              <a:schemeClr val="accent1"/>
+            </a:fillRef>
+            <a:effectRef idx="0">
+              <a:schemeClr val="accent1"/>
+            </a:effectRef>
+            <a:fontRef idx="minor">
+              <a:schemeClr val="tx1"/>
+            </a:fontRef>
+          </p:style>
+        </p:cxnSp>
+        <p:cxnSp>
+          <p:nvCxnSpPr>
+            <p:cNvPr id="341" name="Straight Connector 340">
+              <a:extLst>
+                <a:ext uri="{FF2B5EF4-FFF2-40B4-BE49-F238E27FC236}">
+                  <a16:creationId xmlns:a16="http://schemas.microsoft.com/office/drawing/2014/main" id="{68DE3F72-564A-6546-8095-BC1306257074}"/>
+                </a:ext>
+              </a:extLst>
+            </p:cNvPr>
+            <p:cNvCxnSpPr>
+              <a:cxnSpLocks/>
+            </p:cNvCxnSpPr>
+            <p:nvPr/>
+          </p:nvCxnSpPr>
+          <p:spPr>
+            <a:xfrm>
+              <a:off x="2537530" y="2602325"/>
+              <a:ext cx="0" cy="168565"/>
+            </a:xfrm>
+            <a:prstGeom prst="line">
+              <a:avLst/>
+            </a:prstGeom>
+            <a:ln w="15875">
+              <a:solidFill>
+                <a:schemeClr val="tx1"/>
+              </a:solidFill>
+            </a:ln>
+          </p:spPr>
+          <p:style>
+            <a:lnRef idx="1">
+              <a:schemeClr val="accent1"/>
+            </a:lnRef>
+            <a:fillRef idx="0">
+              <a:schemeClr val="accent1"/>
+            </a:fillRef>
+            <a:effectRef idx="0">
+              <a:schemeClr val="accent1"/>
+            </a:effectRef>
+            <a:fontRef idx="minor">
+              <a:schemeClr val="tx1"/>
+            </a:fontRef>
+          </p:style>
+        </p:cxnSp>
+        <p:cxnSp>
+          <p:nvCxnSpPr>
+            <p:cNvPr id="342" name="Straight Connector 341">
+              <a:extLst>
+                <a:ext uri="{FF2B5EF4-FFF2-40B4-BE49-F238E27FC236}">
+                  <a16:creationId xmlns:a16="http://schemas.microsoft.com/office/drawing/2014/main" id="{26AC2C14-5A2F-AD4C-B848-AFA66FFF6E1F}"/>
+                </a:ext>
+              </a:extLst>
+            </p:cNvPr>
+            <p:cNvCxnSpPr>
+              <a:cxnSpLocks/>
+            </p:cNvCxnSpPr>
+            <p:nvPr/>
+          </p:nvCxnSpPr>
+          <p:spPr>
+            <a:xfrm>
+              <a:off x="6161343" y="2602325"/>
+              <a:ext cx="0" cy="168565"/>
+            </a:xfrm>
+            <a:prstGeom prst="line">
+              <a:avLst/>
+            </a:prstGeom>
+            <a:ln w="15875">
+              <a:solidFill>
+                <a:schemeClr val="tx1"/>
+              </a:solidFill>
+            </a:ln>
+          </p:spPr>
+          <p:style>
+            <a:lnRef idx="1">
+              <a:schemeClr val="accent1"/>
+            </a:lnRef>
+            <a:fillRef idx="0">
+              <a:schemeClr val="accent1"/>
+            </a:fillRef>
+            <a:effectRef idx="0">
+              <a:schemeClr val="accent1"/>
+            </a:effectRef>
+            <a:fontRef idx="minor">
+              <a:schemeClr val="tx1"/>
+            </a:fontRef>
+          </p:style>
+        </p:cxnSp>
+        <p:cxnSp>
+          <p:nvCxnSpPr>
+            <p:cNvPr id="343" name="Straight Connector 342">
+              <a:extLst>
+                <a:ext uri="{FF2B5EF4-FFF2-40B4-BE49-F238E27FC236}">
+                  <a16:creationId xmlns:a16="http://schemas.microsoft.com/office/drawing/2014/main" id="{D8A615A2-2302-5B4D-B34F-41FB74710CB7}"/>
+                </a:ext>
+              </a:extLst>
+            </p:cNvPr>
+            <p:cNvCxnSpPr>
+              <a:cxnSpLocks/>
+            </p:cNvCxnSpPr>
+            <p:nvPr/>
+          </p:nvCxnSpPr>
+          <p:spPr>
+            <a:xfrm>
+              <a:off x="5970616" y="2602325"/>
+              <a:ext cx="0" cy="168565"/>
+            </a:xfrm>
+            <a:prstGeom prst="line">
+              <a:avLst/>
+            </a:prstGeom>
+            <a:ln w="15875">
+              <a:solidFill>
+                <a:schemeClr val="tx1"/>
+              </a:solidFill>
+            </a:ln>
+          </p:spPr>
+          <p:style>
+            <a:lnRef idx="1">
+              <a:schemeClr val="accent1"/>
+            </a:lnRef>
+            <a:fillRef idx="0">
+              <a:schemeClr val="accent1"/>
+            </a:fillRef>
+            <a:effectRef idx="0">
+              <a:schemeClr val="accent1"/>
+            </a:effectRef>
+            <a:fontRef idx="minor">
+              <a:schemeClr val="tx1"/>
+            </a:fontRef>
+          </p:style>
+        </p:cxnSp>
+        <p:cxnSp>
+          <p:nvCxnSpPr>
+            <p:cNvPr id="344" name="Straight Connector 343">
+              <a:extLst>
+                <a:ext uri="{FF2B5EF4-FFF2-40B4-BE49-F238E27FC236}">
+                  <a16:creationId xmlns:a16="http://schemas.microsoft.com/office/drawing/2014/main" id="{8F5A4484-70CF-2248-938B-B07A9E83500B}"/>
+                </a:ext>
+              </a:extLst>
+            </p:cNvPr>
+            <p:cNvCxnSpPr>
+              <a:cxnSpLocks/>
+            </p:cNvCxnSpPr>
+            <p:nvPr/>
+          </p:nvCxnSpPr>
+          <p:spPr>
+            <a:xfrm>
+              <a:off x="5779889" y="2602325"/>
+              <a:ext cx="0" cy="168565"/>
+            </a:xfrm>
+            <a:prstGeom prst="line">
+              <a:avLst/>
+            </a:prstGeom>
+            <a:ln w="15875">
+              <a:solidFill>
+                <a:schemeClr val="tx1"/>
+              </a:solidFill>
+            </a:ln>
+          </p:spPr>
+          <p:style>
+            <a:lnRef idx="1">
+              <a:schemeClr val="accent1"/>
+            </a:lnRef>
+            <a:fillRef idx="0">
+              <a:schemeClr val="accent1"/>
+            </a:fillRef>
+            <a:effectRef idx="0">
+              <a:schemeClr val="accent1"/>
+            </a:effectRef>
+            <a:fontRef idx="minor">
+              <a:schemeClr val="tx1"/>
+            </a:fontRef>
+          </p:style>
+        </p:cxnSp>
+        <p:cxnSp>
+          <p:nvCxnSpPr>
+            <p:cNvPr id="345" name="Straight Connector 344">
+              <a:extLst>
+                <a:ext uri="{FF2B5EF4-FFF2-40B4-BE49-F238E27FC236}">
+                  <a16:creationId xmlns:a16="http://schemas.microsoft.com/office/drawing/2014/main" id="{5121D113-B355-734E-8825-9325ED34A6A8}"/>
+                </a:ext>
+              </a:extLst>
+            </p:cNvPr>
+            <p:cNvCxnSpPr>
+              <a:cxnSpLocks/>
+            </p:cNvCxnSpPr>
+            <p:nvPr/>
+          </p:nvCxnSpPr>
+          <p:spPr>
+            <a:xfrm>
+              <a:off x="6728700" y="2605640"/>
+              <a:ext cx="0" cy="168565"/>
+            </a:xfrm>
+            <a:prstGeom prst="line">
+              <a:avLst/>
+            </a:prstGeom>
+            <a:ln w="15875">
+              <a:solidFill>
+                <a:schemeClr val="tx1"/>
+              </a:solidFill>
+            </a:ln>
+          </p:spPr>
+          <p:style>
+            <a:lnRef idx="1">
+              <a:schemeClr val="accent1"/>
+            </a:lnRef>
+            <a:fillRef idx="0">
+              <a:schemeClr val="accent1"/>
+            </a:fillRef>
+            <a:effectRef idx="0">
+              <a:schemeClr val="accent1"/>
+            </a:effectRef>
+            <a:fontRef idx="minor">
+              <a:schemeClr val="tx1"/>
+            </a:fontRef>
+          </p:style>
+        </p:cxnSp>
+        <p:cxnSp>
+          <p:nvCxnSpPr>
+            <p:cNvPr id="346" name="Straight Connector 345">
+              <a:extLst>
+                <a:ext uri="{FF2B5EF4-FFF2-40B4-BE49-F238E27FC236}">
+                  <a16:creationId xmlns:a16="http://schemas.microsoft.com/office/drawing/2014/main" id="{3DC20173-4563-3848-AAC1-C334C05B6D8E}"/>
+                </a:ext>
+              </a:extLst>
+            </p:cNvPr>
+            <p:cNvCxnSpPr>
+              <a:cxnSpLocks/>
+            </p:cNvCxnSpPr>
+            <p:nvPr/>
+          </p:nvCxnSpPr>
+          <p:spPr>
+            <a:xfrm>
+              <a:off x="6537973" y="2605640"/>
+              <a:ext cx="0" cy="168565"/>
+            </a:xfrm>
+            <a:prstGeom prst="line">
+              <a:avLst/>
+            </a:prstGeom>
+            <a:ln w="15875">
+              <a:solidFill>
+                <a:schemeClr val="tx1"/>
+              </a:solidFill>
+            </a:ln>
+          </p:spPr>
+          <p:style>
+            <a:lnRef idx="1">
+              <a:schemeClr val="accent1"/>
+            </a:lnRef>
+            <a:fillRef idx="0">
+              <a:schemeClr val="accent1"/>
+            </a:fillRef>
+            <a:effectRef idx="0">
+              <a:schemeClr val="accent1"/>
+            </a:effectRef>
+            <a:fontRef idx="minor">
+              <a:schemeClr val="tx1"/>
+            </a:fontRef>
+          </p:style>
+        </p:cxnSp>
+        <p:cxnSp>
+          <p:nvCxnSpPr>
+            <p:cNvPr id="347" name="Straight Connector 346">
+              <a:extLst>
+                <a:ext uri="{FF2B5EF4-FFF2-40B4-BE49-F238E27FC236}">
+                  <a16:creationId xmlns:a16="http://schemas.microsoft.com/office/drawing/2014/main" id="{5906E996-B9D5-894E-80C8-BE39765B521A}"/>
+                </a:ext>
+              </a:extLst>
+            </p:cNvPr>
+            <p:cNvCxnSpPr>
+              <a:cxnSpLocks/>
+            </p:cNvCxnSpPr>
+            <p:nvPr/>
+          </p:nvCxnSpPr>
+          <p:spPr>
+            <a:xfrm>
+              <a:off x="6347246" y="2605640"/>
+              <a:ext cx="0" cy="168565"/>
+            </a:xfrm>
+            <a:prstGeom prst="line">
+              <a:avLst/>
+            </a:prstGeom>
+            <a:ln w="15875">
+              <a:solidFill>
+                <a:schemeClr val="tx1"/>
+              </a:solidFill>
+            </a:ln>
+          </p:spPr>
+          <p:style>
+            <a:lnRef idx="1">
+              <a:schemeClr val="accent1"/>
+            </a:lnRef>
+            <a:fillRef idx="0">
+              <a:schemeClr val="accent1"/>
+            </a:fillRef>
+            <a:effectRef idx="0">
+              <a:schemeClr val="accent1"/>
+            </a:effectRef>
+            <a:fontRef idx="minor">
+              <a:schemeClr val="tx1"/>
+            </a:fontRef>
+          </p:style>
+        </p:cxnSp>
+      </p:grpSp>
+      <p:sp>
+        <p:nvSpPr>
+          <p:cNvPr id="348" name="TextBox 347">
+            <a:extLst>
+              <a:ext uri="{FF2B5EF4-FFF2-40B4-BE49-F238E27FC236}">
+                <a16:creationId xmlns:a16="http://schemas.microsoft.com/office/drawing/2014/main" id="{BB0603B8-13FF-B04C-9A6D-52A5BF793213}"/>
+              </a:ext>
+            </a:extLst>
+          </p:cNvPr>
+          <p:cNvSpPr txBox="1"/>
+          <p:nvPr/>
+        </p:nvSpPr>
+        <p:spPr>
+          <a:xfrm>
+            <a:off x="-76866" y="8066937"/>
+            <a:ext cx="1841600" cy="387927"/>
+          </a:xfrm>
+          <a:prstGeom prst="rect">
+            <a:avLst/>
+          </a:prstGeom>
+          <a:noFill/>
+        </p:spPr>
+        <p:txBody>
+          <a:bodyPr wrap="square" rtlCol="0">
+            <a:spAutoFit/>
+          </a:bodyPr>
+          <a:lstStyle/>
+          <a:p>
+            <a:pPr algn="ctr"/>
+            <a:r>
+              <a:rPr lang="en-US" sz="1921" dirty="0" err="1"/>
+              <a:t>CasRx</a:t>
+            </a:r>
+            <a:endParaRPr lang="en-US" sz="1921" dirty="0"/>
+          </a:p>
+        </p:txBody>
+      </p:sp>
+      <p:sp>
+        <p:nvSpPr>
+          <p:cNvPr id="349" name="TextBox 348">
+            <a:extLst>
+              <a:ext uri="{FF2B5EF4-FFF2-40B4-BE49-F238E27FC236}">
+                <a16:creationId xmlns:a16="http://schemas.microsoft.com/office/drawing/2014/main" id="{B3C2D729-754E-5745-BD2F-DE25AF853473}"/>
+              </a:ext>
+            </a:extLst>
+          </p:cNvPr>
+          <p:cNvSpPr txBox="1"/>
+          <p:nvPr/>
+        </p:nvSpPr>
+        <p:spPr>
+          <a:xfrm>
+            <a:off x="2803338" y="8058137"/>
+            <a:ext cx="1841600" cy="387927"/>
+          </a:xfrm>
+          <a:prstGeom prst="rect">
+            <a:avLst/>
+          </a:prstGeom>
+          <a:noFill/>
+        </p:spPr>
+        <p:txBody>
+          <a:bodyPr wrap="square" rtlCol="0">
+            <a:spAutoFit/>
+          </a:bodyPr>
+          <a:lstStyle/>
+          <a:p>
+            <a:pPr algn="ctr"/>
+            <a:r>
+              <a:rPr lang="en-US" sz="1921" dirty="0">
+                <a:latin typeface="Courier" pitchFamily="2" charset="0"/>
+              </a:rPr>
+              <a:t>N</a:t>
+            </a:r>
+          </a:p>
+        </p:txBody>
+      </p:sp>
+      <p:sp>
+        <p:nvSpPr>
+          <p:cNvPr id="350" name="TextBox 349">
+            <a:extLst>
+              <a:ext uri="{FF2B5EF4-FFF2-40B4-BE49-F238E27FC236}">
+                <a16:creationId xmlns:a16="http://schemas.microsoft.com/office/drawing/2014/main" id="{6C193E02-B1B0-5341-BCC2-849CE64D8AB4}"/>
+              </a:ext>
+            </a:extLst>
+          </p:cNvPr>
+          <p:cNvSpPr txBox="1"/>
+          <p:nvPr/>
+        </p:nvSpPr>
+        <p:spPr>
+          <a:xfrm>
+            <a:off x="4258301" y="8058137"/>
+            <a:ext cx="1841600" cy="387927"/>
+          </a:xfrm>
+          <a:prstGeom prst="rect">
+            <a:avLst/>
+          </a:prstGeom>
+          <a:noFill/>
+        </p:spPr>
+        <p:txBody>
+          <a:bodyPr wrap="square" rtlCol="0">
+            <a:spAutoFit/>
+          </a:bodyPr>
+          <a:lstStyle/>
+          <a:p>
+            <a:pPr algn="ctr"/>
+            <a:r>
+              <a:rPr lang="en-US" sz="1921" dirty="0"/>
+              <a:t>3’</a:t>
+            </a:r>
+          </a:p>
+        </p:txBody>
+      </p:sp>
+      <p:sp>
+        <p:nvSpPr>
+          <p:cNvPr id="351" name="TextBox 350">
+            <a:extLst>
+              <a:ext uri="{FF2B5EF4-FFF2-40B4-BE49-F238E27FC236}">
+                <a16:creationId xmlns:a16="http://schemas.microsoft.com/office/drawing/2014/main" id="{8D792AEB-CD23-CA43-AD6B-A5D7BC159500}"/>
+              </a:ext>
+            </a:extLst>
+          </p:cNvPr>
+          <p:cNvSpPr txBox="1"/>
+          <p:nvPr/>
+        </p:nvSpPr>
+        <p:spPr>
+          <a:xfrm>
+            <a:off x="5727798" y="8058137"/>
+            <a:ext cx="817796" cy="387927"/>
+          </a:xfrm>
+          <a:prstGeom prst="rect">
+            <a:avLst/>
+          </a:prstGeom>
+          <a:noFill/>
+        </p:spPr>
+        <p:txBody>
+          <a:bodyPr wrap="square" rtlCol="0">
+            <a:spAutoFit/>
+          </a:bodyPr>
+          <a:lstStyle/>
+          <a:p>
+            <a:pPr algn="ctr"/>
+            <a:r>
+              <a:rPr lang="en-US" sz="1921" dirty="0"/>
+              <a:t>22nt</a:t>
+            </a:r>
+          </a:p>
+        </p:txBody>
+      </p:sp>
+      <p:sp>
+        <p:nvSpPr>
+          <p:cNvPr id="352" name="TextBox 351">
+            <a:extLst>
+              <a:ext uri="{FF2B5EF4-FFF2-40B4-BE49-F238E27FC236}">
+                <a16:creationId xmlns:a16="http://schemas.microsoft.com/office/drawing/2014/main" id="{D2CB933E-64F0-5C46-9F81-26235A8EC1F7}"/>
+              </a:ext>
+            </a:extLst>
+          </p:cNvPr>
+          <p:cNvSpPr txBox="1"/>
+          <p:nvPr/>
+        </p:nvSpPr>
+        <p:spPr>
+          <a:xfrm>
+            <a:off x="1286957" y="8062176"/>
+            <a:ext cx="1841600" cy="387927"/>
+          </a:xfrm>
+          <a:prstGeom prst="rect">
+            <a:avLst/>
+          </a:prstGeom>
+          <a:noFill/>
+        </p:spPr>
+        <p:txBody>
+          <a:bodyPr wrap="square" rtlCol="0">
+            <a:spAutoFit/>
+          </a:bodyPr>
+          <a:lstStyle/>
+          <a:p>
+            <a:pPr algn="ctr"/>
+            <a:r>
+              <a:rPr lang="en-US" sz="1921" dirty="0"/>
+              <a:t>RNA</a:t>
+            </a:r>
+          </a:p>
+        </p:txBody>
+      </p:sp>
+      <p:cxnSp>
+        <p:nvCxnSpPr>
+          <p:cNvPr id="355" name="Straight Connector 354">
+            <a:extLst>
+              <a:ext uri="{FF2B5EF4-FFF2-40B4-BE49-F238E27FC236}">
+                <a16:creationId xmlns:a16="http://schemas.microsoft.com/office/drawing/2014/main" id="{97E68106-DDBD-D947-A955-8A41DF522903}"/>
+              </a:ext>
+            </a:extLst>
+          </p:cNvPr>
+          <p:cNvCxnSpPr>
+            <a:cxnSpLocks/>
+          </p:cNvCxnSpPr>
+          <p:nvPr/>
+        </p:nvCxnSpPr>
+        <p:spPr>
+          <a:xfrm>
+            <a:off x="7363540" y="8129164"/>
+            <a:ext cx="1293154" cy="0"/>
+          </a:xfrm>
+          <a:prstGeom prst="line">
+            <a:avLst/>
+          </a:prstGeom>
+          <a:ln w="22225">
+            <a:solidFill>
+              <a:schemeClr val="tx1"/>
+            </a:solidFill>
+          </a:ln>
+        </p:spPr>
+        <p:style>
+          <a:lnRef idx="1">
+            <a:schemeClr val="accent1"/>
+          </a:lnRef>
+          <a:fillRef idx="0">
+            <a:schemeClr val="accent1"/>
+          </a:fillRef>
+          <a:effectRef idx="0">
+            <a:schemeClr val="accent1"/>
+          </a:effectRef>
+          <a:fontRef idx="minor">
+            <a:schemeClr val="tx1"/>
+          </a:fontRef>
+        </p:style>
+      </p:cxnSp>
+      <p:cxnSp>
+        <p:nvCxnSpPr>
+          <p:cNvPr id="356" name="Straight Connector 355">
+            <a:extLst>
+              <a:ext uri="{FF2B5EF4-FFF2-40B4-BE49-F238E27FC236}">
+                <a16:creationId xmlns:a16="http://schemas.microsoft.com/office/drawing/2014/main" id="{A7E715EC-7B99-FD48-B38E-1ACDC4312E90}"/>
+              </a:ext>
+            </a:extLst>
+          </p:cNvPr>
+          <p:cNvCxnSpPr>
+            <a:cxnSpLocks/>
+          </p:cNvCxnSpPr>
+          <p:nvPr/>
+        </p:nvCxnSpPr>
+        <p:spPr>
+          <a:xfrm>
+            <a:off x="13523766" y="8163539"/>
+            <a:ext cx="1325495" cy="0"/>
+          </a:xfrm>
+          <a:prstGeom prst="line">
+            <a:avLst/>
+          </a:prstGeom>
+          <a:ln w="22225">
+            <a:solidFill>
+              <a:schemeClr val="tx1"/>
+            </a:solidFill>
+          </a:ln>
+        </p:spPr>
+        <p:style>
+          <a:lnRef idx="1">
+            <a:schemeClr val="accent1"/>
+          </a:lnRef>
+          <a:fillRef idx="0">
+            <a:schemeClr val="accent1"/>
+          </a:fillRef>
+          <a:effectRef idx="0">
+            <a:schemeClr val="accent1"/>
+          </a:effectRef>
+          <a:fontRef idx="minor">
+            <a:schemeClr val="tx1"/>
+          </a:fontRef>
+        </p:style>
+      </p:cxnSp>
+      <p:sp>
+        <p:nvSpPr>
+          <p:cNvPr id="358" name="TextBox 357">
+            <a:extLst>
+              <a:ext uri="{FF2B5EF4-FFF2-40B4-BE49-F238E27FC236}">
+                <a16:creationId xmlns:a16="http://schemas.microsoft.com/office/drawing/2014/main" id="{1AE7548B-7EB5-484A-A9CB-F85AC4EA1F87}"/>
+              </a:ext>
+            </a:extLst>
+          </p:cNvPr>
+          <p:cNvSpPr txBox="1"/>
+          <p:nvPr/>
+        </p:nvSpPr>
+        <p:spPr>
+          <a:xfrm>
+            <a:off x="14628433" y="7860567"/>
+            <a:ext cx="1080813" cy="338554"/>
+          </a:xfrm>
+          <a:prstGeom prst="rect">
+            <a:avLst/>
+          </a:prstGeom>
+          <a:noFill/>
+        </p:spPr>
+        <p:txBody>
+          <a:bodyPr wrap="square" rtlCol="0">
+            <a:spAutoFit/>
+          </a:bodyPr>
+          <a:lstStyle/>
+          <a:p>
+            <a:r>
+              <a:rPr lang="en-US" sz="1600" dirty="0"/>
+              <a:t>3’</a:t>
+            </a:r>
+          </a:p>
+        </p:txBody>
+      </p:sp>
+      <p:sp>
+        <p:nvSpPr>
+          <p:cNvPr id="360" name="TextBox 359">
+            <a:extLst>
+              <a:ext uri="{FF2B5EF4-FFF2-40B4-BE49-F238E27FC236}">
+                <a16:creationId xmlns:a16="http://schemas.microsoft.com/office/drawing/2014/main" id="{B5246DA5-919E-3D4A-9243-AF91447DDE8B}"/>
+              </a:ext>
+            </a:extLst>
+          </p:cNvPr>
+          <p:cNvSpPr txBox="1"/>
+          <p:nvPr/>
+        </p:nvSpPr>
+        <p:spPr>
+          <a:xfrm>
+            <a:off x="7304774" y="7826192"/>
+            <a:ext cx="368278" cy="338554"/>
+          </a:xfrm>
+          <a:prstGeom prst="rect">
+            <a:avLst/>
+          </a:prstGeom>
+          <a:noFill/>
+        </p:spPr>
+        <p:txBody>
+          <a:bodyPr wrap="square" rtlCol="0">
+            <a:spAutoFit/>
+          </a:bodyPr>
+          <a:lstStyle/>
+          <a:p>
+            <a:r>
+              <a:rPr lang="en-US" sz="1600" dirty="0"/>
+              <a:t>5’</a:t>
+            </a:r>
+          </a:p>
+        </p:txBody>
+      </p:sp>
+      <p:sp>
+        <p:nvSpPr>
+          <p:cNvPr id="367" name="TextBox 366">
+            <a:extLst>
+              <a:ext uri="{FF2B5EF4-FFF2-40B4-BE49-F238E27FC236}">
+                <a16:creationId xmlns:a16="http://schemas.microsoft.com/office/drawing/2014/main" id="{E48140F2-A236-4447-94B5-82A2789905F9}"/>
+              </a:ext>
+            </a:extLst>
+          </p:cNvPr>
+          <p:cNvSpPr txBox="1"/>
+          <p:nvPr/>
+        </p:nvSpPr>
+        <p:spPr>
+          <a:xfrm>
+            <a:off x="14753163" y="7954903"/>
+            <a:ext cx="1080813" cy="353943"/>
+          </a:xfrm>
+          <a:prstGeom prst="rect">
+            <a:avLst/>
+          </a:prstGeom>
+          <a:noFill/>
+        </p:spPr>
+        <p:txBody>
+          <a:bodyPr wrap="square" rtlCol="0">
+            <a:spAutoFit/>
+          </a:bodyPr>
+          <a:lstStyle/>
+          <a:p>
+            <a:pPr algn="ctr"/>
+            <a:r>
+              <a:rPr lang="en-US" sz="1700" dirty="0" err="1"/>
+              <a:t>ssRNA</a:t>
+            </a:r>
+            <a:endParaRPr lang="en-US" sz="1700" dirty="0"/>
+          </a:p>
+        </p:txBody>
+      </p:sp>
+      <p:sp>
+        <p:nvSpPr>
+          <p:cNvPr id="368" name="TextBox 367">
+            <a:extLst>
+              <a:ext uri="{FF2B5EF4-FFF2-40B4-BE49-F238E27FC236}">
+                <a16:creationId xmlns:a16="http://schemas.microsoft.com/office/drawing/2014/main" id="{16DE9B9D-D3E2-6A46-A7D5-318088F45124}"/>
+              </a:ext>
+            </a:extLst>
+          </p:cNvPr>
+          <p:cNvSpPr txBox="1"/>
+          <p:nvPr/>
+        </p:nvSpPr>
+        <p:spPr>
+          <a:xfrm>
+            <a:off x="8682882" y="7902412"/>
+            <a:ext cx="5256242" cy="502766"/>
+          </a:xfrm>
+          <a:prstGeom prst="rect">
+            <a:avLst/>
+          </a:prstGeom>
+          <a:noFill/>
+        </p:spPr>
+        <p:txBody>
+          <a:bodyPr wrap="square" rtlCol="0">
+            <a:spAutoFit/>
+          </a:bodyPr>
+          <a:lstStyle/>
+          <a:p>
+            <a:r>
+              <a:rPr lang="en-US" sz="2667" dirty="0">
+                <a:solidFill>
+                  <a:schemeClr val="tx2">
+                    <a:lumMod val="60000"/>
+                    <a:lumOff val="40000"/>
+                  </a:schemeClr>
+                </a:solidFill>
+                <a:latin typeface="Courier" pitchFamily="2" charset="0"/>
+              </a:rPr>
+              <a:t>CGGCTTGCAAACTCTCGCTCTA</a:t>
+            </a:r>
+            <a:r>
+              <a:rPr lang="en-US" sz="2667" dirty="0">
+                <a:solidFill>
+                  <a:schemeClr val="accent2">
+                    <a:lumMod val="75000"/>
+                  </a:schemeClr>
+                </a:solidFill>
+                <a:latin typeface="Courier" pitchFamily="2" charset="0"/>
+              </a:rPr>
+              <a:t>N</a:t>
+            </a:r>
+          </a:p>
+        </p:txBody>
+      </p:sp>
+      <p:sp>
+        <p:nvSpPr>
+          <p:cNvPr id="369" name="TextBox 368">
+            <a:extLst>
+              <a:ext uri="{FF2B5EF4-FFF2-40B4-BE49-F238E27FC236}">
+                <a16:creationId xmlns:a16="http://schemas.microsoft.com/office/drawing/2014/main" id="{E3F57ABB-5040-0A40-93EF-492EE661B591}"/>
+              </a:ext>
+            </a:extLst>
+          </p:cNvPr>
+          <p:cNvSpPr txBox="1"/>
+          <p:nvPr/>
+        </p:nvSpPr>
+        <p:spPr>
+          <a:xfrm>
+            <a:off x="8689661" y="8448938"/>
+            <a:ext cx="4955630" cy="502766"/>
+          </a:xfrm>
+          <a:prstGeom prst="rect">
+            <a:avLst/>
+          </a:prstGeom>
+          <a:noFill/>
+        </p:spPr>
+        <p:txBody>
+          <a:bodyPr wrap="square" rtlCol="0">
+            <a:spAutoFit/>
+          </a:bodyPr>
+          <a:lstStyle/>
+          <a:p>
+            <a:r>
+              <a:rPr lang="en-US" sz="2667" dirty="0">
+                <a:solidFill>
+                  <a:schemeClr val="accent4">
+                    <a:lumMod val="75000"/>
+                  </a:schemeClr>
+                </a:solidFill>
+                <a:latin typeface="Courier" pitchFamily="2" charset="0"/>
+              </a:rPr>
+              <a:t>GCCGAACGUUUGAGAGCGAGAU</a:t>
+            </a:r>
+          </a:p>
+        </p:txBody>
+      </p:sp>
+      <p:cxnSp>
+        <p:nvCxnSpPr>
+          <p:cNvPr id="371" name="Straight Connector 370">
+            <a:extLst>
+              <a:ext uri="{FF2B5EF4-FFF2-40B4-BE49-F238E27FC236}">
+                <a16:creationId xmlns:a16="http://schemas.microsoft.com/office/drawing/2014/main" id="{72AE64D9-128E-C44E-A835-011E7868A841}"/>
+              </a:ext>
+            </a:extLst>
+          </p:cNvPr>
+          <p:cNvCxnSpPr>
+            <a:cxnSpLocks/>
+          </p:cNvCxnSpPr>
+          <p:nvPr/>
+        </p:nvCxnSpPr>
+        <p:spPr>
+          <a:xfrm>
+            <a:off x="8384494" y="8699398"/>
+            <a:ext cx="253721" cy="1"/>
+          </a:xfrm>
+          <a:prstGeom prst="line">
+            <a:avLst/>
+          </a:prstGeom>
+          <a:ln w="22225">
+            <a:solidFill>
+              <a:schemeClr val="tx1"/>
+            </a:solidFill>
+          </a:ln>
+        </p:spPr>
+        <p:style>
+          <a:lnRef idx="1">
+            <a:schemeClr val="accent1"/>
+          </a:lnRef>
+          <a:fillRef idx="0">
+            <a:schemeClr val="accent1"/>
+          </a:fillRef>
+          <a:effectRef idx="0">
+            <a:schemeClr val="accent1"/>
+          </a:effectRef>
+          <a:fontRef idx="minor">
+            <a:schemeClr val="tx1"/>
+          </a:fontRef>
+        </p:style>
+      </p:cxnSp>
+      <p:sp>
+        <p:nvSpPr>
+          <p:cNvPr id="372" name="TextBox 371">
+            <a:extLst>
+              <a:ext uri="{FF2B5EF4-FFF2-40B4-BE49-F238E27FC236}">
+                <a16:creationId xmlns:a16="http://schemas.microsoft.com/office/drawing/2014/main" id="{40B93F7C-DD30-E746-8B3C-012FFA7585E7}"/>
+              </a:ext>
+            </a:extLst>
+          </p:cNvPr>
+          <p:cNvSpPr txBox="1"/>
+          <p:nvPr/>
+        </p:nvSpPr>
+        <p:spPr>
+          <a:xfrm>
+            <a:off x="8452477" y="8398477"/>
+            <a:ext cx="368278" cy="338554"/>
+          </a:xfrm>
+          <a:prstGeom prst="rect">
+            <a:avLst/>
+          </a:prstGeom>
+          <a:noFill/>
+        </p:spPr>
+        <p:txBody>
+          <a:bodyPr wrap="square" rtlCol="0">
+            <a:spAutoFit/>
+          </a:bodyPr>
+          <a:lstStyle/>
+          <a:p>
+            <a:r>
+              <a:rPr lang="en-US" sz="1600" dirty="0"/>
+              <a:t>3’</a:t>
+            </a:r>
+          </a:p>
+        </p:txBody>
+      </p:sp>
+      <p:cxnSp>
+        <p:nvCxnSpPr>
+          <p:cNvPr id="373" name="Straight Connector 372">
+            <a:extLst>
+              <a:ext uri="{FF2B5EF4-FFF2-40B4-BE49-F238E27FC236}">
+                <a16:creationId xmlns:a16="http://schemas.microsoft.com/office/drawing/2014/main" id="{62943F8D-49F0-0E48-9C51-726319B19C58}"/>
+              </a:ext>
+            </a:extLst>
+          </p:cNvPr>
+          <p:cNvCxnSpPr>
+            <a:cxnSpLocks/>
+          </p:cNvCxnSpPr>
+          <p:nvPr/>
+        </p:nvCxnSpPr>
+        <p:spPr>
+          <a:xfrm>
+            <a:off x="13325583" y="8696407"/>
+            <a:ext cx="253721" cy="1"/>
+          </a:xfrm>
+          <a:prstGeom prst="line">
+            <a:avLst/>
+          </a:prstGeom>
+          <a:ln w="22225">
+            <a:solidFill>
+              <a:schemeClr val="tx1"/>
+            </a:solidFill>
+          </a:ln>
+        </p:spPr>
+        <p:style>
+          <a:lnRef idx="1">
+            <a:schemeClr val="accent1"/>
+          </a:lnRef>
+          <a:fillRef idx="0">
+            <a:schemeClr val="accent1"/>
+          </a:fillRef>
+          <a:effectRef idx="0">
+            <a:schemeClr val="accent1"/>
+          </a:effectRef>
+          <a:fontRef idx="minor">
+            <a:schemeClr val="tx1"/>
+          </a:fontRef>
+        </p:style>
+      </p:cxnSp>
+      <p:sp>
+        <p:nvSpPr>
+          <p:cNvPr id="374" name="TextBox 373">
+            <a:extLst>
+              <a:ext uri="{FF2B5EF4-FFF2-40B4-BE49-F238E27FC236}">
+                <a16:creationId xmlns:a16="http://schemas.microsoft.com/office/drawing/2014/main" id="{BC5D305E-6017-8E40-BA42-98A50694F3CD}"/>
+              </a:ext>
+            </a:extLst>
+          </p:cNvPr>
+          <p:cNvSpPr txBox="1"/>
+          <p:nvPr/>
+        </p:nvSpPr>
+        <p:spPr>
+          <a:xfrm>
+            <a:off x="13253552" y="8398477"/>
+            <a:ext cx="368278" cy="338554"/>
+          </a:xfrm>
+          <a:prstGeom prst="rect">
+            <a:avLst/>
+          </a:prstGeom>
+          <a:noFill/>
+        </p:spPr>
+        <p:txBody>
+          <a:bodyPr wrap="square" rtlCol="0">
+            <a:spAutoFit/>
+          </a:bodyPr>
+          <a:lstStyle/>
+          <a:p>
+            <a:r>
+              <a:rPr lang="en-US" sz="1600" dirty="0"/>
+              <a:t>5’</a:t>
+            </a:r>
+          </a:p>
+        </p:txBody>
+      </p:sp>
+      <p:sp>
+        <p:nvSpPr>
+          <p:cNvPr id="375" name="TextBox 374">
+            <a:extLst>
+              <a:ext uri="{FF2B5EF4-FFF2-40B4-BE49-F238E27FC236}">
+                <a16:creationId xmlns:a16="http://schemas.microsoft.com/office/drawing/2014/main" id="{07858232-9073-3F44-8364-2948E747D433}"/>
+              </a:ext>
+            </a:extLst>
+          </p:cNvPr>
+          <p:cNvSpPr txBox="1"/>
+          <p:nvPr/>
+        </p:nvSpPr>
+        <p:spPr>
+          <a:xfrm>
+            <a:off x="7567709" y="8514498"/>
+            <a:ext cx="1080813" cy="353943"/>
+          </a:xfrm>
+          <a:prstGeom prst="rect">
+            <a:avLst/>
+          </a:prstGeom>
+          <a:noFill/>
+        </p:spPr>
+        <p:txBody>
+          <a:bodyPr wrap="square" rtlCol="0">
+            <a:spAutoFit/>
+          </a:bodyPr>
+          <a:lstStyle/>
+          <a:p>
+            <a:pPr algn="ctr"/>
+            <a:r>
+              <a:rPr lang="en-US" sz="1700" dirty="0"/>
+              <a:t>gRNA</a:t>
+            </a:r>
+          </a:p>
+        </p:txBody>
+      </p:sp>
+      <p:cxnSp>
+        <p:nvCxnSpPr>
+          <p:cNvPr id="376" name="Straight Arrow Connector 375">
+            <a:extLst>
+              <a:ext uri="{FF2B5EF4-FFF2-40B4-BE49-F238E27FC236}">
+                <a16:creationId xmlns:a16="http://schemas.microsoft.com/office/drawing/2014/main" id="{580FB056-D515-934E-9242-1D0A961E75E4}"/>
+              </a:ext>
+            </a:extLst>
+          </p:cNvPr>
+          <p:cNvCxnSpPr>
+            <a:cxnSpLocks/>
+          </p:cNvCxnSpPr>
+          <p:nvPr/>
+        </p:nvCxnSpPr>
+        <p:spPr>
+          <a:xfrm flipV="1">
+            <a:off x="13335205" y="7552924"/>
+            <a:ext cx="0" cy="408949"/>
+          </a:xfrm>
+          <a:prstGeom prst="straightConnector1">
+            <a:avLst/>
+          </a:prstGeom>
+          <a:ln w="28575">
+            <a:solidFill>
+              <a:srgbClr val="FF0000"/>
+            </a:solidFill>
+            <a:tailEnd type="triangle"/>
+          </a:ln>
+        </p:spPr>
+        <p:style>
+          <a:lnRef idx="1">
+            <a:schemeClr val="accent1"/>
+          </a:lnRef>
+          <a:fillRef idx="0">
+            <a:schemeClr val="accent1"/>
+          </a:fillRef>
+          <a:effectRef idx="0">
+            <a:schemeClr val="accent1"/>
+          </a:effectRef>
+          <a:fontRef idx="minor">
+            <a:schemeClr val="tx1"/>
+          </a:fontRef>
+        </p:style>
+      </p:cxnSp>
+      <p:sp>
+        <p:nvSpPr>
+          <p:cNvPr id="377" name="TextBox 376">
+            <a:extLst>
+              <a:ext uri="{FF2B5EF4-FFF2-40B4-BE49-F238E27FC236}">
+                <a16:creationId xmlns:a16="http://schemas.microsoft.com/office/drawing/2014/main" id="{2314C2DD-F23F-EB4D-9DC7-2D0F389811A4}"/>
+              </a:ext>
+            </a:extLst>
+          </p:cNvPr>
+          <p:cNvSpPr txBox="1"/>
+          <p:nvPr/>
+        </p:nvSpPr>
+        <p:spPr>
+          <a:xfrm>
+            <a:off x="12519929" y="7219870"/>
+            <a:ext cx="1690385" cy="353943"/>
+          </a:xfrm>
+          <a:prstGeom prst="rect">
+            <a:avLst/>
+          </a:prstGeom>
+          <a:noFill/>
+        </p:spPr>
+        <p:txBody>
+          <a:bodyPr wrap="square" rtlCol="0">
+            <a:spAutoFit/>
+          </a:bodyPr>
+          <a:lstStyle/>
+          <a:p>
+            <a:pPr algn="ctr"/>
+            <a:r>
+              <a:rPr lang="en-US" sz="1700" dirty="0">
+                <a:solidFill>
+                  <a:srgbClr val="FF0000"/>
+                </a:solidFill>
+              </a:rPr>
+              <a:t>PFS site</a:t>
+            </a:r>
+          </a:p>
+        </p:txBody>
+      </p:sp>
+      <p:grpSp>
+        <p:nvGrpSpPr>
+          <p:cNvPr id="378" name="Group 377">
+            <a:extLst>
+              <a:ext uri="{FF2B5EF4-FFF2-40B4-BE49-F238E27FC236}">
+                <a16:creationId xmlns:a16="http://schemas.microsoft.com/office/drawing/2014/main" id="{93792F88-6429-1C46-8B4D-E90EE656E933}"/>
+              </a:ext>
+            </a:extLst>
+          </p:cNvPr>
+          <p:cNvGrpSpPr/>
+          <p:nvPr/>
+        </p:nvGrpSpPr>
+        <p:grpSpPr>
+          <a:xfrm>
+            <a:off x="8885857" y="8329926"/>
+            <a:ext cx="4262398" cy="185269"/>
+            <a:chOff x="2537530" y="2602325"/>
+            <a:chExt cx="3995999" cy="173689"/>
+          </a:xfrm>
+        </p:grpSpPr>
+        <p:cxnSp>
+          <p:nvCxnSpPr>
+            <p:cNvPr id="379" name="Straight Connector 378">
+              <a:extLst>
+                <a:ext uri="{FF2B5EF4-FFF2-40B4-BE49-F238E27FC236}">
+                  <a16:creationId xmlns:a16="http://schemas.microsoft.com/office/drawing/2014/main" id="{CDBB3FD6-2813-944B-A978-3D6EC740AE92}"/>
+                </a:ext>
+              </a:extLst>
+            </p:cNvPr>
+            <p:cNvCxnSpPr>
+              <a:cxnSpLocks/>
+            </p:cNvCxnSpPr>
+            <p:nvPr/>
+          </p:nvCxnSpPr>
+          <p:spPr>
+            <a:xfrm>
+              <a:off x="5398435" y="2602325"/>
+              <a:ext cx="0" cy="168565"/>
+            </a:xfrm>
+            <a:prstGeom prst="line">
+              <a:avLst/>
+            </a:prstGeom>
+            <a:ln w="15875">
+              <a:solidFill>
+                <a:schemeClr val="tx1"/>
+              </a:solidFill>
+            </a:ln>
+          </p:spPr>
+          <p:style>
+            <a:lnRef idx="1">
+              <a:schemeClr val="accent1"/>
+            </a:lnRef>
+            <a:fillRef idx="0">
+              <a:schemeClr val="accent1"/>
+            </a:fillRef>
+            <a:effectRef idx="0">
+              <a:schemeClr val="accent1"/>
+            </a:effectRef>
+            <a:fontRef idx="minor">
+              <a:schemeClr val="tx1"/>
+            </a:fontRef>
+          </p:style>
+        </p:cxnSp>
+        <p:cxnSp>
+          <p:nvCxnSpPr>
+            <p:cNvPr id="380" name="Straight Connector 379">
+              <a:extLst>
+                <a:ext uri="{FF2B5EF4-FFF2-40B4-BE49-F238E27FC236}">
+                  <a16:creationId xmlns:a16="http://schemas.microsoft.com/office/drawing/2014/main" id="{0F80FAB5-911D-9E49-859D-B9F3B5194AD6}"/>
+                </a:ext>
+              </a:extLst>
+            </p:cNvPr>
+            <p:cNvCxnSpPr>
+              <a:cxnSpLocks/>
+            </p:cNvCxnSpPr>
+            <p:nvPr/>
+          </p:nvCxnSpPr>
+          <p:spPr>
+            <a:xfrm>
+              <a:off x="5589162" y="2602325"/>
+              <a:ext cx="0" cy="168565"/>
+            </a:xfrm>
+            <a:prstGeom prst="line">
+              <a:avLst/>
+            </a:prstGeom>
+            <a:ln w="15875">
+              <a:solidFill>
+                <a:schemeClr val="tx1"/>
+              </a:solidFill>
+            </a:ln>
+          </p:spPr>
+          <p:style>
+            <a:lnRef idx="1">
+              <a:schemeClr val="accent1"/>
+            </a:lnRef>
+            <a:fillRef idx="0">
+              <a:schemeClr val="accent1"/>
+            </a:fillRef>
+            <a:effectRef idx="0">
+              <a:schemeClr val="accent1"/>
+            </a:effectRef>
+            <a:fontRef idx="minor">
+              <a:schemeClr val="tx1"/>
+            </a:fontRef>
+          </p:style>
+        </p:cxnSp>
+        <p:cxnSp>
+          <p:nvCxnSpPr>
+            <p:cNvPr id="381" name="Straight Connector 380">
+              <a:extLst>
+                <a:ext uri="{FF2B5EF4-FFF2-40B4-BE49-F238E27FC236}">
+                  <a16:creationId xmlns:a16="http://schemas.microsoft.com/office/drawing/2014/main" id="{16E28B98-CE70-F442-A028-BB298A51D3BD}"/>
+                </a:ext>
+              </a:extLst>
+            </p:cNvPr>
+            <p:cNvCxnSpPr>
+              <a:cxnSpLocks/>
+            </p:cNvCxnSpPr>
+            <p:nvPr/>
+          </p:nvCxnSpPr>
+          <p:spPr>
+            <a:xfrm>
+              <a:off x="5207708" y="2602325"/>
+              <a:ext cx="0" cy="168565"/>
+            </a:xfrm>
+            <a:prstGeom prst="line">
+              <a:avLst/>
+            </a:prstGeom>
+            <a:ln w="15875">
+              <a:solidFill>
+                <a:schemeClr val="tx1"/>
+              </a:solidFill>
+            </a:ln>
+          </p:spPr>
+          <p:style>
+            <a:lnRef idx="1">
+              <a:schemeClr val="accent1"/>
+            </a:lnRef>
+            <a:fillRef idx="0">
+              <a:schemeClr val="accent1"/>
+            </a:fillRef>
+            <a:effectRef idx="0">
+              <a:schemeClr val="accent1"/>
+            </a:effectRef>
+            <a:fontRef idx="minor">
+              <a:schemeClr val="tx1"/>
+            </a:fontRef>
+          </p:style>
+        </p:cxnSp>
+        <p:cxnSp>
+          <p:nvCxnSpPr>
+            <p:cNvPr id="382" name="Straight Connector 381">
+              <a:extLst>
+                <a:ext uri="{FF2B5EF4-FFF2-40B4-BE49-F238E27FC236}">
+                  <a16:creationId xmlns:a16="http://schemas.microsoft.com/office/drawing/2014/main" id="{1EF2DAB6-8634-394F-ACC2-92E3C458CF2D}"/>
+                </a:ext>
+              </a:extLst>
+            </p:cNvPr>
+            <p:cNvCxnSpPr>
+              <a:cxnSpLocks/>
+            </p:cNvCxnSpPr>
+            <p:nvPr/>
+          </p:nvCxnSpPr>
+          <p:spPr>
+            <a:xfrm>
+              <a:off x="5016981" y="2602325"/>
+              <a:ext cx="0" cy="168565"/>
+            </a:xfrm>
+            <a:prstGeom prst="line">
+              <a:avLst/>
+            </a:prstGeom>
+            <a:ln w="15875">
+              <a:solidFill>
+                <a:schemeClr val="tx1"/>
+              </a:solidFill>
+            </a:ln>
+          </p:spPr>
+          <p:style>
+            <a:lnRef idx="1">
+              <a:schemeClr val="accent1"/>
+            </a:lnRef>
+            <a:fillRef idx="0">
+              <a:schemeClr val="accent1"/>
+            </a:fillRef>
+            <a:effectRef idx="0">
+              <a:schemeClr val="accent1"/>
+            </a:effectRef>
+            <a:fontRef idx="minor">
+              <a:schemeClr val="tx1"/>
+            </a:fontRef>
+          </p:style>
+        </p:cxnSp>
+        <p:cxnSp>
+          <p:nvCxnSpPr>
+            <p:cNvPr id="383" name="Straight Connector 382">
+              <a:extLst>
+                <a:ext uri="{FF2B5EF4-FFF2-40B4-BE49-F238E27FC236}">
+                  <a16:creationId xmlns:a16="http://schemas.microsoft.com/office/drawing/2014/main" id="{3ABB3FCC-B954-5343-8BA2-4F39252ED698}"/>
+                </a:ext>
+              </a:extLst>
+            </p:cNvPr>
+            <p:cNvCxnSpPr>
+              <a:cxnSpLocks/>
+            </p:cNvCxnSpPr>
+            <p:nvPr/>
+          </p:nvCxnSpPr>
+          <p:spPr>
+            <a:xfrm>
+              <a:off x="4635527" y="2602325"/>
+              <a:ext cx="0" cy="168565"/>
+            </a:xfrm>
+            <a:prstGeom prst="line">
+              <a:avLst/>
+            </a:prstGeom>
+            <a:ln w="15875">
+              <a:solidFill>
+                <a:schemeClr val="tx1"/>
+              </a:solidFill>
+            </a:ln>
+          </p:spPr>
+          <p:style>
+            <a:lnRef idx="1">
+              <a:schemeClr val="accent1"/>
+            </a:lnRef>
+            <a:fillRef idx="0">
+              <a:schemeClr val="accent1"/>
+            </a:fillRef>
+            <a:effectRef idx="0">
+              <a:schemeClr val="accent1"/>
+            </a:effectRef>
+            <a:fontRef idx="minor">
+              <a:schemeClr val="tx1"/>
+            </a:fontRef>
+          </p:style>
+        </p:cxnSp>
+        <p:cxnSp>
+          <p:nvCxnSpPr>
+            <p:cNvPr id="384" name="Straight Connector 383">
+              <a:extLst>
+                <a:ext uri="{FF2B5EF4-FFF2-40B4-BE49-F238E27FC236}">
+                  <a16:creationId xmlns:a16="http://schemas.microsoft.com/office/drawing/2014/main" id="{C1A7B543-ECF7-8140-AB57-BC1712E2C032}"/>
+                </a:ext>
+              </a:extLst>
+            </p:cNvPr>
+            <p:cNvCxnSpPr>
+              <a:cxnSpLocks/>
+            </p:cNvCxnSpPr>
+            <p:nvPr/>
+          </p:nvCxnSpPr>
+          <p:spPr>
+            <a:xfrm>
+              <a:off x="4826254" y="2602325"/>
+              <a:ext cx="0" cy="168565"/>
+            </a:xfrm>
+            <a:prstGeom prst="line">
+              <a:avLst/>
+            </a:prstGeom>
+            <a:ln w="15875">
+              <a:solidFill>
+                <a:schemeClr val="tx1"/>
+              </a:solidFill>
+            </a:ln>
+          </p:spPr>
+          <p:style>
+            <a:lnRef idx="1">
+              <a:schemeClr val="accent1"/>
+            </a:lnRef>
+            <a:fillRef idx="0">
+              <a:schemeClr val="accent1"/>
+            </a:fillRef>
+            <a:effectRef idx="0">
+              <a:schemeClr val="accent1"/>
+            </a:effectRef>
+            <a:fontRef idx="minor">
+              <a:schemeClr val="tx1"/>
+            </a:fontRef>
+          </p:style>
+        </p:cxnSp>
+        <p:cxnSp>
+          <p:nvCxnSpPr>
+            <p:cNvPr id="385" name="Straight Connector 384">
+              <a:extLst>
+                <a:ext uri="{FF2B5EF4-FFF2-40B4-BE49-F238E27FC236}">
+                  <a16:creationId xmlns:a16="http://schemas.microsoft.com/office/drawing/2014/main" id="{84C42AF8-4CB3-9144-A342-C6457223E96F}"/>
+                </a:ext>
+              </a:extLst>
+            </p:cNvPr>
+            <p:cNvCxnSpPr>
+              <a:cxnSpLocks/>
+            </p:cNvCxnSpPr>
+            <p:nvPr/>
+          </p:nvCxnSpPr>
+          <p:spPr>
+            <a:xfrm>
+              <a:off x="4444800" y="2602325"/>
+              <a:ext cx="0" cy="168565"/>
+            </a:xfrm>
+            <a:prstGeom prst="line">
+              <a:avLst/>
+            </a:prstGeom>
+            <a:ln w="15875">
+              <a:solidFill>
+                <a:schemeClr val="tx1"/>
+              </a:solidFill>
+            </a:ln>
+          </p:spPr>
+          <p:style>
+            <a:lnRef idx="1">
+              <a:schemeClr val="accent1"/>
+            </a:lnRef>
+            <a:fillRef idx="0">
+              <a:schemeClr val="accent1"/>
+            </a:fillRef>
+            <a:effectRef idx="0">
+              <a:schemeClr val="accent1"/>
+            </a:effectRef>
+            <a:fontRef idx="minor">
+              <a:schemeClr val="tx1"/>
+            </a:fontRef>
+          </p:style>
+        </p:cxnSp>
+        <p:cxnSp>
+          <p:nvCxnSpPr>
+            <p:cNvPr id="386" name="Straight Connector 385">
+              <a:extLst>
+                <a:ext uri="{FF2B5EF4-FFF2-40B4-BE49-F238E27FC236}">
+                  <a16:creationId xmlns:a16="http://schemas.microsoft.com/office/drawing/2014/main" id="{E84E184F-A1C1-2842-842D-9FD12120F7FF}"/>
+                </a:ext>
+              </a:extLst>
+            </p:cNvPr>
+            <p:cNvCxnSpPr>
+              <a:cxnSpLocks/>
+            </p:cNvCxnSpPr>
+            <p:nvPr/>
+          </p:nvCxnSpPr>
+          <p:spPr>
+            <a:xfrm>
+              <a:off x="4254073" y="2602325"/>
+              <a:ext cx="0" cy="168565"/>
+            </a:xfrm>
+            <a:prstGeom prst="line">
+              <a:avLst/>
+            </a:prstGeom>
+            <a:ln w="15875">
+              <a:solidFill>
+                <a:schemeClr val="tx1"/>
+              </a:solidFill>
+            </a:ln>
+          </p:spPr>
+          <p:style>
+            <a:lnRef idx="1">
+              <a:schemeClr val="accent1"/>
+            </a:lnRef>
+            <a:fillRef idx="0">
+              <a:schemeClr val="accent1"/>
+            </a:fillRef>
+            <a:effectRef idx="0">
+              <a:schemeClr val="accent1"/>
+            </a:effectRef>
+            <a:fontRef idx="minor">
+              <a:schemeClr val="tx1"/>
+            </a:fontRef>
+          </p:style>
+        </p:cxnSp>
+        <p:cxnSp>
+          <p:nvCxnSpPr>
+            <p:cNvPr id="387" name="Straight Connector 386">
+              <a:extLst>
+                <a:ext uri="{FF2B5EF4-FFF2-40B4-BE49-F238E27FC236}">
+                  <a16:creationId xmlns:a16="http://schemas.microsoft.com/office/drawing/2014/main" id="{DAC3A641-AF0E-2B43-9CD9-DBE1ED2E69F4}"/>
+                </a:ext>
+              </a:extLst>
+            </p:cNvPr>
+            <p:cNvCxnSpPr>
+              <a:cxnSpLocks/>
+            </p:cNvCxnSpPr>
+            <p:nvPr/>
+          </p:nvCxnSpPr>
+          <p:spPr>
+            <a:xfrm>
+              <a:off x="3872619" y="2602325"/>
+              <a:ext cx="0" cy="168565"/>
+            </a:xfrm>
+            <a:prstGeom prst="line">
+              <a:avLst/>
+            </a:prstGeom>
+            <a:ln w="15875">
+              <a:solidFill>
+                <a:schemeClr val="tx1"/>
+              </a:solidFill>
+            </a:ln>
+          </p:spPr>
+          <p:style>
+            <a:lnRef idx="1">
+              <a:schemeClr val="accent1"/>
+            </a:lnRef>
+            <a:fillRef idx="0">
+              <a:schemeClr val="accent1"/>
+            </a:fillRef>
+            <a:effectRef idx="0">
+              <a:schemeClr val="accent1"/>
+            </a:effectRef>
+            <a:fontRef idx="minor">
+              <a:schemeClr val="tx1"/>
+            </a:fontRef>
+          </p:style>
+        </p:cxnSp>
+        <p:cxnSp>
+          <p:nvCxnSpPr>
+            <p:cNvPr id="388" name="Straight Connector 387">
+              <a:extLst>
+                <a:ext uri="{FF2B5EF4-FFF2-40B4-BE49-F238E27FC236}">
+                  <a16:creationId xmlns:a16="http://schemas.microsoft.com/office/drawing/2014/main" id="{BCF30F37-2F51-2F4D-B5DF-F05B7DB03FE0}"/>
+                </a:ext>
+              </a:extLst>
+            </p:cNvPr>
+            <p:cNvCxnSpPr>
+              <a:cxnSpLocks/>
+            </p:cNvCxnSpPr>
+            <p:nvPr/>
+          </p:nvCxnSpPr>
+          <p:spPr>
+            <a:xfrm>
+              <a:off x="4063346" y="2602325"/>
+              <a:ext cx="0" cy="168565"/>
+            </a:xfrm>
+            <a:prstGeom prst="line">
+              <a:avLst/>
+            </a:prstGeom>
+            <a:ln w="15875">
+              <a:solidFill>
+                <a:schemeClr val="tx1"/>
+              </a:solidFill>
+            </a:ln>
+          </p:spPr>
+          <p:style>
+            <a:lnRef idx="1">
+              <a:schemeClr val="accent1"/>
+            </a:lnRef>
+            <a:fillRef idx="0">
+              <a:schemeClr val="accent1"/>
+            </a:fillRef>
+            <a:effectRef idx="0">
+              <a:schemeClr val="accent1"/>
+            </a:effectRef>
+            <a:fontRef idx="minor">
+              <a:schemeClr val="tx1"/>
+            </a:fontRef>
+          </p:style>
+        </p:cxnSp>
+        <p:cxnSp>
+          <p:nvCxnSpPr>
+            <p:cNvPr id="389" name="Straight Connector 388">
+              <a:extLst>
+                <a:ext uri="{FF2B5EF4-FFF2-40B4-BE49-F238E27FC236}">
+                  <a16:creationId xmlns:a16="http://schemas.microsoft.com/office/drawing/2014/main" id="{C7A83066-D007-EF48-961B-94C90AEDFE2A}"/>
+                </a:ext>
+              </a:extLst>
+            </p:cNvPr>
+            <p:cNvCxnSpPr>
+              <a:cxnSpLocks/>
+            </p:cNvCxnSpPr>
+            <p:nvPr/>
+          </p:nvCxnSpPr>
+          <p:spPr>
+            <a:xfrm>
+              <a:off x="3681892" y="2602325"/>
+              <a:ext cx="0" cy="168565"/>
+            </a:xfrm>
+            <a:prstGeom prst="line">
+              <a:avLst/>
+            </a:prstGeom>
+            <a:ln w="15875">
+              <a:solidFill>
+                <a:schemeClr val="tx1"/>
+              </a:solidFill>
+            </a:ln>
+          </p:spPr>
+          <p:style>
+            <a:lnRef idx="1">
+              <a:schemeClr val="accent1"/>
+            </a:lnRef>
+            <a:fillRef idx="0">
+              <a:schemeClr val="accent1"/>
+            </a:fillRef>
+            <a:effectRef idx="0">
+              <a:schemeClr val="accent1"/>
+            </a:effectRef>
+            <a:fontRef idx="minor">
+              <a:schemeClr val="tx1"/>
+            </a:fontRef>
+          </p:style>
+        </p:cxnSp>
+        <p:cxnSp>
+          <p:nvCxnSpPr>
+            <p:cNvPr id="390" name="Straight Connector 389">
+              <a:extLst>
+                <a:ext uri="{FF2B5EF4-FFF2-40B4-BE49-F238E27FC236}">
+                  <a16:creationId xmlns:a16="http://schemas.microsoft.com/office/drawing/2014/main" id="{EF984C6C-68F8-0E4D-B714-4E06B6409AE7}"/>
+                </a:ext>
+              </a:extLst>
+            </p:cNvPr>
+            <p:cNvCxnSpPr>
+              <a:cxnSpLocks/>
+            </p:cNvCxnSpPr>
+            <p:nvPr/>
+          </p:nvCxnSpPr>
+          <p:spPr>
+            <a:xfrm>
+              <a:off x="3491165" y="2602325"/>
+              <a:ext cx="0" cy="168565"/>
+            </a:xfrm>
+            <a:prstGeom prst="line">
+              <a:avLst/>
+            </a:prstGeom>
+            <a:ln w="15875">
+              <a:solidFill>
+                <a:schemeClr val="tx1"/>
+              </a:solidFill>
+            </a:ln>
+          </p:spPr>
+          <p:style>
+            <a:lnRef idx="1">
+              <a:schemeClr val="accent1"/>
+            </a:lnRef>
+            <a:fillRef idx="0">
+              <a:schemeClr val="accent1"/>
+            </a:fillRef>
+            <a:effectRef idx="0">
+              <a:schemeClr val="accent1"/>
+            </a:effectRef>
+            <a:fontRef idx="minor">
+              <a:schemeClr val="tx1"/>
+            </a:fontRef>
+          </p:style>
+        </p:cxnSp>
+        <p:cxnSp>
+          <p:nvCxnSpPr>
+            <p:cNvPr id="391" name="Straight Connector 390">
+              <a:extLst>
+                <a:ext uri="{FF2B5EF4-FFF2-40B4-BE49-F238E27FC236}">
+                  <a16:creationId xmlns:a16="http://schemas.microsoft.com/office/drawing/2014/main" id="{20A78BC0-C792-2848-A873-7DDEBF4F4CCE}"/>
+                </a:ext>
+              </a:extLst>
+            </p:cNvPr>
+            <p:cNvCxnSpPr>
+              <a:cxnSpLocks/>
+            </p:cNvCxnSpPr>
+            <p:nvPr/>
+          </p:nvCxnSpPr>
+          <p:spPr>
+            <a:xfrm>
+              <a:off x="3109711" y="2602325"/>
+              <a:ext cx="0" cy="168565"/>
+            </a:xfrm>
+            <a:prstGeom prst="line">
+              <a:avLst/>
+            </a:prstGeom>
+            <a:ln w="15875">
+              <a:solidFill>
+                <a:schemeClr val="tx1"/>
+              </a:solidFill>
+            </a:ln>
+          </p:spPr>
+          <p:style>
+            <a:lnRef idx="1">
+              <a:schemeClr val="accent1"/>
+            </a:lnRef>
+            <a:fillRef idx="0">
+              <a:schemeClr val="accent1"/>
+            </a:fillRef>
+            <a:effectRef idx="0">
+              <a:schemeClr val="accent1"/>
+            </a:effectRef>
+            <a:fontRef idx="minor">
+              <a:schemeClr val="tx1"/>
+            </a:fontRef>
+          </p:style>
+        </p:cxnSp>
+        <p:cxnSp>
+          <p:nvCxnSpPr>
+            <p:cNvPr id="392" name="Straight Connector 391">
+              <a:extLst>
+                <a:ext uri="{FF2B5EF4-FFF2-40B4-BE49-F238E27FC236}">
+                  <a16:creationId xmlns:a16="http://schemas.microsoft.com/office/drawing/2014/main" id="{A9F0CFEA-20DB-A94B-8D6C-A3651FBDF09D}"/>
+                </a:ext>
+              </a:extLst>
+            </p:cNvPr>
+            <p:cNvCxnSpPr>
+              <a:cxnSpLocks/>
+            </p:cNvCxnSpPr>
+            <p:nvPr/>
+          </p:nvCxnSpPr>
+          <p:spPr>
+            <a:xfrm>
+              <a:off x="3300438" y="2602325"/>
+              <a:ext cx="0" cy="168565"/>
+            </a:xfrm>
+            <a:prstGeom prst="line">
+              <a:avLst/>
+            </a:prstGeom>
+            <a:ln w="15875">
+              <a:solidFill>
+                <a:schemeClr val="tx1"/>
+              </a:solidFill>
+            </a:ln>
+          </p:spPr>
+          <p:style>
+            <a:lnRef idx="1">
+              <a:schemeClr val="accent1"/>
+            </a:lnRef>
+            <a:fillRef idx="0">
+              <a:schemeClr val="accent1"/>
+            </a:fillRef>
+            <a:effectRef idx="0">
+              <a:schemeClr val="accent1"/>
+            </a:effectRef>
+            <a:fontRef idx="minor">
+              <a:schemeClr val="tx1"/>
+            </a:fontRef>
+          </p:style>
+        </p:cxnSp>
+        <p:cxnSp>
+          <p:nvCxnSpPr>
+            <p:cNvPr id="393" name="Straight Connector 392">
+              <a:extLst>
+                <a:ext uri="{FF2B5EF4-FFF2-40B4-BE49-F238E27FC236}">
+                  <a16:creationId xmlns:a16="http://schemas.microsoft.com/office/drawing/2014/main" id="{B4665113-55A0-9B43-8597-DADF9D6E3454}"/>
+                </a:ext>
+              </a:extLst>
+            </p:cNvPr>
+            <p:cNvCxnSpPr>
+              <a:cxnSpLocks/>
+            </p:cNvCxnSpPr>
+            <p:nvPr/>
+          </p:nvCxnSpPr>
+          <p:spPr>
+            <a:xfrm>
+              <a:off x="2918984" y="2602325"/>
+              <a:ext cx="0" cy="168565"/>
+            </a:xfrm>
+            <a:prstGeom prst="line">
+              <a:avLst/>
+            </a:prstGeom>
+            <a:ln w="15875">
+              <a:solidFill>
+                <a:schemeClr val="tx1"/>
+              </a:solidFill>
+            </a:ln>
+          </p:spPr>
+          <p:style>
+            <a:lnRef idx="1">
+              <a:schemeClr val="accent1"/>
+            </a:lnRef>
+            <a:fillRef idx="0">
+              <a:schemeClr val="accent1"/>
+            </a:fillRef>
+            <a:effectRef idx="0">
+              <a:schemeClr val="accent1"/>
+            </a:effectRef>
+            <a:fontRef idx="minor">
+              <a:schemeClr val="tx1"/>
+            </a:fontRef>
+          </p:style>
+        </p:cxnSp>
+        <p:cxnSp>
+          <p:nvCxnSpPr>
+            <p:cNvPr id="394" name="Straight Connector 393">
+              <a:extLst>
+                <a:ext uri="{FF2B5EF4-FFF2-40B4-BE49-F238E27FC236}">
+                  <a16:creationId xmlns:a16="http://schemas.microsoft.com/office/drawing/2014/main" id="{BE1D36A5-0BE2-4142-B84D-2297A06EDC11}"/>
+                </a:ext>
+              </a:extLst>
+            </p:cNvPr>
+            <p:cNvCxnSpPr>
+              <a:cxnSpLocks/>
+            </p:cNvCxnSpPr>
+            <p:nvPr/>
+          </p:nvCxnSpPr>
+          <p:spPr>
+            <a:xfrm>
+              <a:off x="2728257" y="2602325"/>
+              <a:ext cx="0" cy="168565"/>
+            </a:xfrm>
+            <a:prstGeom prst="line">
+              <a:avLst/>
+            </a:prstGeom>
+            <a:ln w="15875">
+              <a:solidFill>
+                <a:schemeClr val="tx1"/>
+              </a:solidFill>
+            </a:ln>
+          </p:spPr>
+          <p:style>
+            <a:lnRef idx="1">
+              <a:schemeClr val="accent1"/>
+            </a:lnRef>
+            <a:fillRef idx="0">
+              <a:schemeClr val="accent1"/>
+            </a:fillRef>
+            <a:effectRef idx="0">
+              <a:schemeClr val="accent1"/>
+            </a:effectRef>
+            <a:fontRef idx="minor">
+              <a:schemeClr val="tx1"/>
+            </a:fontRef>
+          </p:style>
+        </p:cxnSp>
+        <p:cxnSp>
+          <p:nvCxnSpPr>
+            <p:cNvPr id="395" name="Straight Connector 394">
+              <a:extLst>
+                <a:ext uri="{FF2B5EF4-FFF2-40B4-BE49-F238E27FC236}">
+                  <a16:creationId xmlns:a16="http://schemas.microsoft.com/office/drawing/2014/main" id="{5E7BE029-514D-E840-85B9-6B46109EDE23}"/>
+                </a:ext>
+              </a:extLst>
+            </p:cNvPr>
+            <p:cNvCxnSpPr>
+              <a:cxnSpLocks/>
+            </p:cNvCxnSpPr>
+            <p:nvPr/>
+          </p:nvCxnSpPr>
+          <p:spPr>
+            <a:xfrm>
+              <a:off x="2537530" y="2602325"/>
+              <a:ext cx="0" cy="168565"/>
+            </a:xfrm>
+            <a:prstGeom prst="line">
+              <a:avLst/>
+            </a:prstGeom>
+            <a:ln w="15875">
+              <a:solidFill>
+                <a:schemeClr val="tx1"/>
+              </a:solidFill>
+            </a:ln>
+          </p:spPr>
+          <p:style>
+            <a:lnRef idx="1">
+              <a:schemeClr val="accent1"/>
+            </a:lnRef>
+            <a:fillRef idx="0">
+              <a:schemeClr val="accent1"/>
+            </a:fillRef>
+            <a:effectRef idx="0">
+              <a:schemeClr val="accent1"/>
+            </a:effectRef>
+            <a:fontRef idx="minor">
+              <a:schemeClr val="tx1"/>
+            </a:fontRef>
+          </p:style>
+        </p:cxnSp>
+        <p:cxnSp>
+          <p:nvCxnSpPr>
+            <p:cNvPr id="396" name="Straight Connector 395">
+              <a:extLst>
+                <a:ext uri="{FF2B5EF4-FFF2-40B4-BE49-F238E27FC236}">
+                  <a16:creationId xmlns:a16="http://schemas.microsoft.com/office/drawing/2014/main" id="{B5F19C3B-9881-8944-9ACE-F61E14D94657}"/>
+                </a:ext>
+              </a:extLst>
+            </p:cNvPr>
+            <p:cNvCxnSpPr>
+              <a:cxnSpLocks/>
+            </p:cNvCxnSpPr>
+            <p:nvPr/>
+          </p:nvCxnSpPr>
+          <p:spPr>
+            <a:xfrm>
+              <a:off x="6161343" y="2602325"/>
+              <a:ext cx="0" cy="168565"/>
+            </a:xfrm>
+            <a:prstGeom prst="line">
+              <a:avLst/>
+            </a:prstGeom>
+            <a:ln w="15875">
+              <a:solidFill>
+                <a:schemeClr val="tx1"/>
+              </a:solidFill>
+            </a:ln>
+          </p:spPr>
+          <p:style>
+            <a:lnRef idx="1">
+              <a:schemeClr val="accent1"/>
+            </a:lnRef>
+            <a:fillRef idx="0">
+              <a:schemeClr val="accent1"/>
+            </a:fillRef>
+            <a:effectRef idx="0">
+              <a:schemeClr val="accent1"/>
+            </a:effectRef>
+            <a:fontRef idx="minor">
+              <a:schemeClr val="tx1"/>
+            </a:fontRef>
+          </p:style>
+        </p:cxnSp>
+        <p:cxnSp>
+          <p:nvCxnSpPr>
+            <p:cNvPr id="397" name="Straight Connector 396">
+              <a:extLst>
+                <a:ext uri="{FF2B5EF4-FFF2-40B4-BE49-F238E27FC236}">
+                  <a16:creationId xmlns:a16="http://schemas.microsoft.com/office/drawing/2014/main" id="{B938A171-DB13-E249-A6E8-44DB41CCE570}"/>
+                </a:ext>
+              </a:extLst>
+            </p:cNvPr>
+            <p:cNvCxnSpPr>
+              <a:cxnSpLocks/>
+            </p:cNvCxnSpPr>
+            <p:nvPr/>
+          </p:nvCxnSpPr>
+          <p:spPr>
+            <a:xfrm>
+              <a:off x="5970616" y="2602325"/>
+              <a:ext cx="0" cy="168565"/>
+            </a:xfrm>
+            <a:prstGeom prst="line">
+              <a:avLst/>
+            </a:prstGeom>
+            <a:ln w="15875">
+              <a:solidFill>
+                <a:schemeClr val="tx1"/>
+              </a:solidFill>
+            </a:ln>
+          </p:spPr>
+          <p:style>
+            <a:lnRef idx="1">
+              <a:schemeClr val="accent1"/>
+            </a:lnRef>
+            <a:fillRef idx="0">
+              <a:schemeClr val="accent1"/>
+            </a:fillRef>
+            <a:effectRef idx="0">
+              <a:schemeClr val="accent1"/>
+            </a:effectRef>
+            <a:fontRef idx="minor">
+              <a:schemeClr val="tx1"/>
+            </a:fontRef>
+          </p:style>
+        </p:cxnSp>
+        <p:cxnSp>
+          <p:nvCxnSpPr>
+            <p:cNvPr id="398" name="Straight Connector 397">
+              <a:extLst>
+                <a:ext uri="{FF2B5EF4-FFF2-40B4-BE49-F238E27FC236}">
+                  <a16:creationId xmlns:a16="http://schemas.microsoft.com/office/drawing/2014/main" id="{B4B2452F-8070-8745-B840-AC7D57E24425}"/>
+                </a:ext>
+              </a:extLst>
+            </p:cNvPr>
+            <p:cNvCxnSpPr>
+              <a:cxnSpLocks/>
+            </p:cNvCxnSpPr>
+            <p:nvPr/>
+          </p:nvCxnSpPr>
+          <p:spPr>
+            <a:xfrm>
+              <a:off x="5779889" y="2602325"/>
+              <a:ext cx="0" cy="168565"/>
+            </a:xfrm>
+            <a:prstGeom prst="line">
+              <a:avLst/>
+            </a:prstGeom>
+            <a:ln w="15875">
+              <a:solidFill>
+                <a:schemeClr val="tx1"/>
+              </a:solidFill>
+            </a:ln>
+          </p:spPr>
+          <p:style>
+            <a:lnRef idx="1">
+              <a:schemeClr val="accent1"/>
+            </a:lnRef>
+            <a:fillRef idx="0">
+              <a:schemeClr val="accent1"/>
+            </a:fillRef>
+            <a:effectRef idx="0">
+              <a:schemeClr val="accent1"/>
+            </a:effectRef>
+            <a:fontRef idx="minor">
+              <a:schemeClr val="tx1"/>
+            </a:fontRef>
+          </p:style>
+        </p:cxnSp>
+        <p:cxnSp>
+          <p:nvCxnSpPr>
+            <p:cNvPr id="401" name="Straight Connector 400">
+              <a:extLst>
+                <a:ext uri="{FF2B5EF4-FFF2-40B4-BE49-F238E27FC236}">
+                  <a16:creationId xmlns:a16="http://schemas.microsoft.com/office/drawing/2014/main" id="{A31E0C4E-1EEA-CA4B-B6E2-DB4D0737EF13}"/>
+                </a:ext>
+              </a:extLst>
+            </p:cNvPr>
+            <p:cNvCxnSpPr>
+              <a:cxnSpLocks/>
+            </p:cNvCxnSpPr>
+            <p:nvPr/>
+          </p:nvCxnSpPr>
+          <p:spPr>
+            <a:xfrm>
+              <a:off x="6347246" y="2605640"/>
+              <a:ext cx="0" cy="168565"/>
+            </a:xfrm>
+            <a:prstGeom prst="line">
+              <a:avLst/>
+            </a:prstGeom>
+            <a:ln w="15875">
+              <a:solidFill>
+                <a:schemeClr val="tx1"/>
+              </a:solidFill>
+            </a:ln>
+          </p:spPr>
+          <p:style>
+            <a:lnRef idx="1">
+              <a:schemeClr val="accent1"/>
+            </a:lnRef>
+            <a:fillRef idx="0">
+              <a:schemeClr val="accent1"/>
+            </a:fillRef>
+            <a:effectRef idx="0">
+              <a:schemeClr val="accent1"/>
+            </a:effectRef>
+            <a:fontRef idx="minor">
+              <a:schemeClr val="tx1"/>
+            </a:fontRef>
+          </p:style>
+        </p:cxnSp>
+        <p:cxnSp>
+          <p:nvCxnSpPr>
+            <p:cNvPr id="169" name="Straight Connector 168">
+              <a:extLst>
+                <a:ext uri="{FF2B5EF4-FFF2-40B4-BE49-F238E27FC236}">
+                  <a16:creationId xmlns:a16="http://schemas.microsoft.com/office/drawing/2014/main" id="{2CD5DA1D-F030-FF45-B776-97065592BC55}"/>
+                </a:ext>
+              </a:extLst>
+            </p:cNvPr>
+            <p:cNvCxnSpPr>
+              <a:cxnSpLocks/>
+            </p:cNvCxnSpPr>
+            <p:nvPr/>
+          </p:nvCxnSpPr>
+          <p:spPr>
+            <a:xfrm>
+              <a:off x="6533529" y="2607449"/>
+              <a:ext cx="0" cy="168565"/>
+            </a:xfrm>
+            <a:prstGeom prst="line">
+              <a:avLst/>
+            </a:prstGeom>
+            <a:ln w="15875">
+              <a:solidFill>
+                <a:schemeClr val="tx1"/>
+              </a:solidFill>
+            </a:ln>
+          </p:spPr>
+          <p:style>
+            <a:lnRef idx="1">
+              <a:schemeClr val="accent1"/>
+            </a:lnRef>
+            <a:fillRef idx="0">
+              <a:schemeClr val="accent1"/>
+            </a:fillRef>
+            <a:effectRef idx="0">
+              <a:schemeClr val="accent1"/>
+            </a:effectRef>
+            <a:fontRef idx="minor">
+              <a:schemeClr val="tx1"/>
+            </a:fontRef>
+          </p:style>
+        </p:cxnSp>
+      </p:grpSp>
+      <p:sp>
+        <p:nvSpPr>
+          <p:cNvPr id="402" name="TextBox 401">
+            <a:extLst>
+              <a:ext uri="{FF2B5EF4-FFF2-40B4-BE49-F238E27FC236}">
+                <a16:creationId xmlns:a16="http://schemas.microsoft.com/office/drawing/2014/main" id="{D3B4F8E6-9BDE-F648-82ED-F3792273EB1D}"/>
+              </a:ext>
+            </a:extLst>
+          </p:cNvPr>
+          <p:cNvSpPr txBox="1"/>
+          <p:nvPr/>
+        </p:nvSpPr>
+        <p:spPr>
+          <a:xfrm>
+            <a:off x="10391462" y="8880611"/>
+            <a:ext cx="1080813" cy="353943"/>
+          </a:xfrm>
+          <a:prstGeom prst="rect">
+            <a:avLst/>
+          </a:prstGeom>
+          <a:noFill/>
+        </p:spPr>
+        <p:txBody>
+          <a:bodyPr wrap="square" rtlCol="0">
+            <a:spAutoFit/>
+          </a:bodyPr>
+          <a:lstStyle/>
+          <a:p>
+            <a:pPr algn="ctr"/>
+            <a:r>
+              <a:rPr lang="en-US" sz="1700" dirty="0">
+                <a:solidFill>
+                  <a:schemeClr val="accent4">
+                    <a:lumMod val="75000"/>
+                  </a:schemeClr>
+                </a:solidFill>
+              </a:rPr>
+              <a:t>Spacer</a:t>
+            </a:r>
+          </a:p>
+        </p:txBody>
+      </p:sp>
+      <p:sp>
+        <p:nvSpPr>
+          <p:cNvPr id="403" name="TextBox 402">
+            <a:extLst>
+              <a:ext uri="{FF2B5EF4-FFF2-40B4-BE49-F238E27FC236}">
+                <a16:creationId xmlns:a16="http://schemas.microsoft.com/office/drawing/2014/main" id="{65410C1B-EBE6-AC4B-8541-2EB35427FC35}"/>
+              </a:ext>
+            </a:extLst>
+          </p:cNvPr>
+          <p:cNvSpPr txBox="1"/>
+          <p:nvPr/>
+        </p:nvSpPr>
+        <p:spPr>
+          <a:xfrm>
+            <a:off x="10173986" y="7613393"/>
+            <a:ext cx="1515765" cy="353943"/>
+          </a:xfrm>
+          <a:prstGeom prst="rect">
+            <a:avLst/>
+          </a:prstGeom>
+          <a:noFill/>
+        </p:spPr>
+        <p:txBody>
+          <a:bodyPr wrap="square" rtlCol="0">
+            <a:spAutoFit/>
+          </a:bodyPr>
+          <a:lstStyle/>
+          <a:p>
+            <a:pPr algn="ctr"/>
+            <a:r>
+              <a:rPr lang="en-US" sz="1700" dirty="0">
+                <a:solidFill>
+                  <a:schemeClr val="tx2">
+                    <a:lumMod val="60000"/>
+                    <a:lumOff val="40000"/>
+                  </a:schemeClr>
+                </a:solidFill>
+              </a:rPr>
+              <a:t>Protospacer</a:t>
+            </a:r>
+          </a:p>
+        </p:txBody>
+      </p:sp>
+      <p:sp>
+        <p:nvSpPr>
+          <p:cNvPr id="404" name="TextBox 403">
+            <a:extLst>
+              <a:ext uri="{FF2B5EF4-FFF2-40B4-BE49-F238E27FC236}">
+                <a16:creationId xmlns:a16="http://schemas.microsoft.com/office/drawing/2014/main" id="{C40BF58E-7250-EE4E-A607-09F511CC8660}"/>
+              </a:ext>
+            </a:extLst>
+          </p:cNvPr>
+          <p:cNvSpPr txBox="1"/>
+          <p:nvPr/>
+        </p:nvSpPr>
+        <p:spPr>
+          <a:xfrm>
+            <a:off x="11987751" y="4366261"/>
+            <a:ext cx="1690385" cy="353943"/>
+          </a:xfrm>
+          <a:prstGeom prst="rect">
+            <a:avLst/>
+          </a:prstGeom>
+          <a:noFill/>
+        </p:spPr>
+        <p:txBody>
+          <a:bodyPr wrap="square" rtlCol="0">
+            <a:spAutoFit/>
+          </a:bodyPr>
+          <a:lstStyle/>
+          <a:p>
+            <a:pPr algn="ctr"/>
+            <a:r>
+              <a:rPr lang="en-US" sz="1700" dirty="0"/>
+              <a:t>Cut site</a:t>
+            </a:r>
+          </a:p>
+        </p:txBody>
+      </p:sp>
+      <p:sp>
+        <p:nvSpPr>
+          <p:cNvPr id="405" name="TextBox 404">
+            <a:extLst>
+              <a:ext uri="{FF2B5EF4-FFF2-40B4-BE49-F238E27FC236}">
+                <a16:creationId xmlns:a16="http://schemas.microsoft.com/office/drawing/2014/main" id="{DDBB0982-FDD7-4246-8022-018090A91937}"/>
+              </a:ext>
+            </a:extLst>
+          </p:cNvPr>
+          <p:cNvSpPr txBox="1"/>
+          <p:nvPr/>
+        </p:nvSpPr>
+        <p:spPr>
+          <a:xfrm>
+            <a:off x="13031699" y="6410854"/>
+            <a:ext cx="1690385" cy="353943"/>
+          </a:xfrm>
+          <a:prstGeom prst="rect">
+            <a:avLst/>
+          </a:prstGeom>
+          <a:noFill/>
+        </p:spPr>
+        <p:txBody>
+          <a:bodyPr wrap="square" rtlCol="0">
+            <a:spAutoFit/>
+          </a:bodyPr>
+          <a:lstStyle/>
+          <a:p>
+            <a:pPr algn="ctr"/>
+            <a:r>
+              <a:rPr lang="en-US" sz="1700" dirty="0"/>
+              <a:t>Cut site</a:t>
+            </a:r>
+          </a:p>
+        </p:txBody>
+      </p:sp>
+      <p:sp>
+        <p:nvSpPr>
+          <p:cNvPr id="170" name="TextBox 169">
+            <a:extLst>
+              <a:ext uri="{FF2B5EF4-FFF2-40B4-BE49-F238E27FC236}">
+                <a16:creationId xmlns:a16="http://schemas.microsoft.com/office/drawing/2014/main" id="{638401CA-D037-EC40-ADA9-77129A186577}"/>
+              </a:ext>
+            </a:extLst>
+          </p:cNvPr>
+          <p:cNvSpPr txBox="1"/>
+          <p:nvPr/>
+        </p:nvSpPr>
+        <p:spPr>
+          <a:xfrm>
+            <a:off x="8247187" y="4636648"/>
+            <a:ext cx="1080813" cy="353943"/>
+          </a:xfrm>
+          <a:prstGeom prst="rect">
+            <a:avLst/>
+          </a:prstGeom>
+          <a:noFill/>
+        </p:spPr>
+        <p:txBody>
+          <a:bodyPr wrap="square" rtlCol="0">
+            <a:spAutoFit/>
+          </a:bodyPr>
+          <a:lstStyle/>
+          <a:p>
+            <a:pPr algn="ctr"/>
+            <a:r>
+              <a:rPr lang="en-US" sz="1700" dirty="0">
+                <a:solidFill>
+                  <a:schemeClr val="accent2">
+                    <a:lumMod val="75000"/>
+                  </a:schemeClr>
+                </a:solidFill>
+              </a:rPr>
+              <a:t>PAM</a:t>
+            </a:r>
+          </a:p>
+        </p:txBody>
+      </p:sp>
+      <p:sp>
+        <p:nvSpPr>
+          <p:cNvPr id="171" name="TextBox 170">
+            <a:extLst>
+              <a:ext uri="{FF2B5EF4-FFF2-40B4-BE49-F238E27FC236}">
+                <a16:creationId xmlns:a16="http://schemas.microsoft.com/office/drawing/2014/main" id="{352E8CF6-56A2-7542-91A9-A32D46221287}"/>
+              </a:ext>
+            </a:extLst>
+          </p:cNvPr>
+          <p:cNvSpPr txBox="1"/>
+          <p:nvPr/>
+        </p:nvSpPr>
+        <p:spPr>
+          <a:xfrm>
+            <a:off x="13059539" y="7768973"/>
+            <a:ext cx="1080813" cy="353943"/>
+          </a:xfrm>
+          <a:prstGeom prst="rect">
+            <a:avLst/>
+          </a:prstGeom>
+          <a:noFill/>
+        </p:spPr>
+        <p:txBody>
+          <a:bodyPr wrap="square" rtlCol="0">
+            <a:spAutoFit/>
+          </a:bodyPr>
+          <a:lstStyle/>
+          <a:p>
+            <a:pPr algn="ctr"/>
+            <a:r>
+              <a:rPr lang="en-US" sz="1700" dirty="0">
+                <a:solidFill>
+                  <a:schemeClr val="accent2">
+                    <a:lumMod val="75000"/>
+                  </a:schemeClr>
+                </a:solidFill>
+              </a:rPr>
+              <a:t>PFS</a:t>
             </a:r>
           </a:p>
         </p:txBody>
@@ -5907,4 +10612,299 @@
     </a:ext>
   </a:extLst>
 </a:theme>
+</file>
+
+<file path=ppt/theme/theme2.xml><?xml version="1.0" encoding="utf-8"?>
+<a:theme xmlns:a="http://schemas.openxmlformats.org/drawingml/2006/main" name="Office Theme">
+  <a:themeElements>
+    <a:clrScheme name="Office">
+      <a:dk1>
+        <a:sysClr val="windowText" lastClr="000000"/>
+      </a:dk1>
+      <a:lt1>
+        <a:sysClr val="window" lastClr="FFFFFF"/>
+      </a:lt1>
+      <a:dk2>
+        <a:srgbClr val="44546A"/>
+      </a:dk2>
+      <a:lt2>
+        <a:srgbClr val="E7E6E6"/>
+      </a:lt2>
+      <a:accent1>
+        <a:srgbClr val="4472C4"/>
+      </a:accent1>
+      <a:accent2>
+        <a:srgbClr val="ED7D31"/>
+      </a:accent2>
+      <a:accent3>
+        <a:srgbClr val="A5A5A5"/>
+      </a:accent3>
+      <a:accent4>
+        <a:srgbClr val="FFC000"/>
+      </a:accent4>
+      <a:accent5>
+        <a:srgbClr val="5B9BD5"/>
+      </a:accent5>
+      <a:accent6>
+        <a:srgbClr val="70AD47"/>
+      </a:accent6>
+      <a:hlink>
+        <a:srgbClr val="0563C1"/>
+      </a:hlink>
+      <a:folHlink>
+        <a:srgbClr val="954F72"/>
+      </a:folHlink>
+    </a:clrScheme>
+    <a:fontScheme name="Office">
+      <a:majorFont>
+        <a:latin typeface="Calibri Light" panose="020F0302020204030204"/>
+        <a:ea typeface=""/>
+        <a:cs typeface=""/>
+        <a:font script="Jpan" typeface="游ゴシック Light"/>
+        <a:font script="Hang" typeface="맑은 고딕"/>
+        <a:font script="Hans" typeface="等线 Light"/>
+        <a:font script="Hant" typeface="新細明體"/>
+        <a:font script="Arab" typeface="Times New Roman"/>
+        <a:font script="Hebr" typeface="Times New Roman"/>
+        <a:font script="Thai" typeface="Angsana New"/>
+        <a:font script="Ethi" typeface="Nyala"/>
+        <a:font script="Beng" typeface="Vrinda"/>
+        <a:font script="Gujr" typeface="Shruti"/>
+        <a:font script="Khmr" typeface="MoolBoran"/>
+        <a:font script="Knda" typeface="Tunga"/>
+        <a:font script="Guru" typeface="Raavi"/>
+        <a:font script="Cans" typeface="Euphemia"/>
+        <a:font script="Cher" typeface="Plantagenet Cherokee"/>
+        <a:font script="Yiii" typeface="Microsoft Yi Baiti"/>
+        <a:font script="Tibt" typeface="Microsoft Himalaya"/>
+        <a:font script="Thaa" typeface="MV Boli"/>
+        <a:font script="Deva" typeface="Mangal"/>
+        <a:font script="Telu" typeface="Gautami"/>
+        <a:font script="Taml" typeface="Latha"/>
+        <a:font script="Syrc" typeface="Estrangelo Edessa"/>
+        <a:font script="Orya" typeface="Kalinga"/>
+        <a:font script="Mlym" typeface="Kartika"/>
+        <a:font script="Laoo" typeface="DokChampa"/>
+        <a:font script="Sinh" typeface="Iskoola Pota"/>
+        <a:font script="Mong" typeface="Mongolian Baiti"/>
+        <a:font script="Viet" typeface="Times New Roman"/>
+        <a:font script="Uigh" typeface="Microsoft Uighur"/>
+        <a:font script="Geor" typeface="Sylfaen"/>
+        <a:font script="Armn" typeface="Arial"/>
+        <a:font script="Bugi" typeface="Leelawadee UI"/>
+        <a:font script="Bopo" typeface="Microsoft JhengHei"/>
+        <a:font script="Java" typeface="Javanese Text"/>
+        <a:font script="Lisu" typeface="Segoe UI"/>
+        <a:font script="Mymr" typeface="Myanmar Text"/>
+        <a:font script="Nkoo" typeface="Ebrima"/>
+        <a:font script="Olck" typeface="Nirmala UI"/>
+        <a:font script="Osma" typeface="Ebrima"/>
+        <a:font script="Phag" typeface="Phagspa"/>
+        <a:font script="Syrn" typeface="Estrangelo Edessa"/>
+        <a:font script="Syrj" typeface="Estrangelo Edessa"/>
+        <a:font script="Syre" typeface="Estrangelo Edessa"/>
+        <a:font script="Sora" typeface="Nirmala UI"/>
+        <a:font script="Tale" typeface="Microsoft Tai Le"/>
+        <a:font script="Talu" typeface="Microsoft New Tai Lue"/>
+        <a:font script="Tfng" typeface="Ebrima"/>
+      </a:majorFont>
+      <a:minorFont>
+        <a:latin typeface="Calibri" panose="020F0502020204030204"/>
+        <a:ea typeface=""/>
+        <a:cs typeface=""/>
+        <a:font script="Jpan" typeface="游ゴシック"/>
+        <a:font script="Hang" typeface="맑은 고딕"/>
+        <a:font script="Hans" typeface="等线"/>
+        <a:font script="Hant" typeface="新細明體"/>
+        <a:font script="Arab" typeface="Arial"/>
+        <a:font script="Hebr" typeface="Arial"/>
+        <a:font script="Thai" typeface="Cordia New"/>
+        <a:font script="Ethi" typeface="Nyala"/>
+        <a:font script="Beng" typeface="Vrinda"/>
+        <a:font script="Gujr" typeface="Shruti"/>
+        <a:font script="Khmr" typeface="DaunPenh"/>
+        <a:font script="Knda" typeface="Tunga"/>
+        <a:font script="Guru" typeface="Raavi"/>
+        <a:font script="Cans" typeface="Euphemia"/>
+        <a:font script="Cher" typeface="Plantagenet Cherokee"/>
+        <a:font script="Yiii" typeface="Microsoft Yi Baiti"/>
+        <a:font script="Tibt" typeface="Microsoft Himalaya"/>
+        <a:font script="Thaa" typeface="MV Boli"/>
+        <a:font script="Deva" typeface="Mangal"/>
+        <a:font script="Telu" typeface="Gautami"/>
+        <a:font script="Taml" typeface="Latha"/>
+        <a:font script="Syrc" typeface="Estrangelo Edessa"/>
+        <a:font script="Orya" typeface="Kalinga"/>
+        <a:font script="Mlym" typeface="Kartika"/>
+        <a:font script="Laoo" typeface="DokChampa"/>
+        <a:font script="Sinh" typeface="Iskoola Pota"/>
+        <a:font script="Mong" typeface="Mongolian Baiti"/>
+        <a:font script="Viet" typeface="Arial"/>
+        <a:font script="Uigh" typeface="Microsoft Uighur"/>
+        <a:font script="Geor" typeface="Sylfaen"/>
+        <a:font script="Armn" typeface="Arial"/>
+        <a:font script="Bugi" typeface="Leelawadee UI"/>
+        <a:font script="Bopo" typeface="Microsoft JhengHei"/>
+        <a:font script="Java" typeface="Javanese Text"/>
+        <a:font script="Lisu" typeface="Segoe UI"/>
+        <a:font script="Mymr" typeface="Myanmar Text"/>
+        <a:font script="Nkoo" typeface="Ebrima"/>
+        <a:font script="Olck" typeface="Nirmala UI"/>
+        <a:font script="Osma" typeface="Ebrima"/>
+        <a:font script="Phag" typeface="Phagspa"/>
+        <a:font script="Syrn" typeface="Estrangelo Edessa"/>
+        <a:font script="Syrj" typeface="Estrangelo Edessa"/>
+        <a:font script="Syre" typeface="Estrangelo Edessa"/>
+        <a:font script="Sora" typeface="Nirmala UI"/>
+        <a:font script="Tale" typeface="Microsoft Tai Le"/>
+        <a:font script="Talu" typeface="Microsoft New Tai Lue"/>
+        <a:font script="Tfng" typeface="Ebrima"/>
+      </a:minorFont>
+    </a:fontScheme>
+    <a:fmtScheme name="Office">
+      <a:fillStyleLst>
+        <a:solidFill>
+          <a:schemeClr val="phClr"/>
+        </a:solidFill>
+        <a:gradFill rotWithShape="1">
+          <a:gsLst>
+            <a:gs pos="0">
+              <a:schemeClr val="phClr">
+                <a:lumMod val="110000"/>
+                <a:satMod val="105000"/>
+                <a:tint val="67000"/>
+              </a:schemeClr>
+            </a:gs>
+            <a:gs pos="50000">
+              <a:schemeClr val="phClr">
+                <a:lumMod val="105000"/>
+                <a:satMod val="103000"/>
+                <a:tint val="73000"/>
+              </a:schemeClr>
+            </a:gs>
+            <a:gs pos="100000">
+              <a:schemeClr val="phClr">
+                <a:lumMod val="105000"/>
+                <a:satMod val="109000"/>
+                <a:tint val="81000"/>
+              </a:schemeClr>
+            </a:gs>
+          </a:gsLst>
+          <a:lin ang="5400000" scaled="0"/>
+        </a:gradFill>
+        <a:gradFill rotWithShape="1">
+          <a:gsLst>
+            <a:gs pos="0">
+              <a:schemeClr val="phClr">
+                <a:satMod val="103000"/>
+                <a:lumMod val="102000"/>
+                <a:tint val="94000"/>
+              </a:schemeClr>
+            </a:gs>
+            <a:gs pos="50000">
+              <a:schemeClr val="phClr">
+                <a:satMod val="110000"/>
+                <a:lumMod val="100000"/>
+                <a:shade val="100000"/>
+              </a:schemeClr>
+            </a:gs>
+            <a:gs pos="100000">
+              <a:schemeClr val="phClr">
+                <a:lumMod val="99000"/>
+                <a:satMod val="120000"/>
+                <a:shade val="78000"/>
+              </a:schemeClr>
+            </a:gs>
+          </a:gsLst>
+          <a:lin ang="5400000" scaled="0"/>
+        </a:gradFill>
+      </a:fillStyleLst>
+      <a:lnStyleLst>
+        <a:ln w="6350" cap="flat" cmpd="sng" algn="ctr">
+          <a:solidFill>
+            <a:schemeClr val="phClr"/>
+          </a:solidFill>
+          <a:prstDash val="solid"/>
+          <a:miter lim="800000"/>
+        </a:ln>
+        <a:ln w="12700" cap="flat" cmpd="sng" algn="ctr">
+          <a:solidFill>
+            <a:schemeClr val="phClr"/>
+          </a:solidFill>
+          <a:prstDash val="solid"/>
+          <a:miter lim="800000"/>
+        </a:ln>
+        <a:ln w="19050" cap="flat" cmpd="sng" algn="ctr">
+          <a:solidFill>
+            <a:schemeClr val="phClr"/>
+          </a:solidFill>
+          <a:prstDash val="solid"/>
+          <a:miter lim="800000"/>
+        </a:ln>
+      </a:lnStyleLst>
+      <a:effectStyleLst>
+        <a:effectStyle>
+          <a:effectLst/>
+        </a:effectStyle>
+        <a:effectStyle>
+          <a:effectLst/>
+        </a:effectStyle>
+        <a:effectStyle>
+          <a:effectLst>
+            <a:outerShdw blurRad="57150" dist="19050" dir="5400000" algn="ctr" rotWithShape="0">
+              <a:srgbClr val="000000">
+                <a:alpha val="63000"/>
+              </a:srgbClr>
+            </a:outerShdw>
+          </a:effectLst>
+        </a:effectStyle>
+      </a:effectStyleLst>
+      <a:bgFillStyleLst>
+        <a:solidFill>
+          <a:schemeClr val="phClr"/>
+        </a:solidFill>
+        <a:solidFill>
+          <a:schemeClr val="phClr">
+            <a:tint val="95000"/>
+            <a:satMod val="170000"/>
+          </a:schemeClr>
+        </a:solidFill>
+        <a:gradFill rotWithShape="1">
+          <a:gsLst>
+            <a:gs pos="0">
+              <a:schemeClr val="phClr">
+                <a:tint val="93000"/>
+                <a:satMod val="150000"/>
+                <a:shade val="98000"/>
+                <a:lumMod val="102000"/>
+              </a:schemeClr>
+            </a:gs>
+            <a:gs pos="50000">
+              <a:schemeClr val="phClr">
+                <a:tint val="98000"/>
+                <a:satMod val="130000"/>
+                <a:shade val="90000"/>
+                <a:lumMod val="103000"/>
+              </a:schemeClr>
+            </a:gs>
+            <a:gs pos="100000">
+              <a:schemeClr val="phClr">
+                <a:shade val="63000"/>
+                <a:satMod val="120000"/>
+              </a:schemeClr>
+            </a:gs>
+          </a:gsLst>
+          <a:lin ang="5400000" scaled="0"/>
+        </a:gradFill>
+      </a:bgFillStyleLst>
+    </a:fmtScheme>
+  </a:themeElements>
+  <a:objectDefaults/>
+  <a:extraClrSchemeLst/>
+  <a:extLst>
+    <a:ext uri="{05A4C25C-085E-4340-85A3-A5531E510DB2}">
+      <thm15:themeFamily xmlns:thm15="http://schemas.microsoft.com/office/thememl/2012/main" name="Office Theme" id="{62F939B6-93AF-4DB8-9C6B-D6C7DFDC589F}" vid="{4A3C46E8-61CC-4603-A589-7422A47A8E4A}"/>
+    </a:ext>
+  </a:extLst>
+</a:theme>
 </file>
--- a/vignettes/figures/nucleases.pptx
+++ b/vignettes/figures/nucleases.pptx
@@ -197,7 +197,7 @@
           <a:p>
             <a:fld id="{F1A348B4-9975-524C-BE6E-E74FD2A3F22C}" type="datetimeFigureOut">
               <a:rPr lang="en-US" smtClean="0"/>
-              <a:t>12/22/21</a:t>
+              <a:t>3/2/22</a:t>
             </a:fld>
             <a:endParaRPr lang="en-US"/>
           </a:p>
@@ -684,7 +684,7 @@
           <a:p>
             <a:fld id="{DD6D9246-4FED-8E4D-BC9B-CDD794F2A5B7}" type="datetimeFigureOut">
               <a:rPr lang="en-US" smtClean="0"/>
-              <a:t>12/22/21</a:t>
+              <a:t>3/2/22</a:t>
             </a:fld>
             <a:endParaRPr lang="en-US"/>
           </a:p>
@@ -854,7 +854,7 @@
           <a:p>
             <a:fld id="{DD6D9246-4FED-8E4D-BC9B-CDD794F2A5B7}" type="datetimeFigureOut">
               <a:rPr lang="en-US" smtClean="0"/>
-              <a:t>12/22/21</a:t>
+              <a:t>3/2/22</a:t>
             </a:fld>
             <a:endParaRPr lang="en-US"/>
           </a:p>
@@ -1034,7 +1034,7 @@
           <a:p>
             <a:fld id="{DD6D9246-4FED-8E4D-BC9B-CDD794F2A5B7}" type="datetimeFigureOut">
               <a:rPr lang="en-US" smtClean="0"/>
-              <a:t>12/22/21</a:t>
+              <a:t>3/2/22</a:t>
             </a:fld>
             <a:endParaRPr lang="en-US"/>
           </a:p>
@@ -1204,7 +1204,7 @@
           <a:p>
             <a:fld id="{DD6D9246-4FED-8E4D-BC9B-CDD794F2A5B7}" type="datetimeFigureOut">
               <a:rPr lang="en-US" smtClean="0"/>
-              <a:t>12/22/21</a:t>
+              <a:t>3/2/22</a:t>
             </a:fld>
             <a:endParaRPr lang="en-US"/>
           </a:p>
@@ -1450,7 +1450,7 @@
           <a:p>
             <a:fld id="{DD6D9246-4FED-8E4D-BC9B-CDD794F2A5B7}" type="datetimeFigureOut">
               <a:rPr lang="en-US" smtClean="0"/>
-              <a:t>12/22/21</a:t>
+              <a:t>3/2/22</a:t>
             </a:fld>
             <a:endParaRPr lang="en-US"/>
           </a:p>
@@ -1682,7 +1682,7 @@
           <a:p>
             <a:fld id="{DD6D9246-4FED-8E4D-BC9B-CDD794F2A5B7}" type="datetimeFigureOut">
               <a:rPr lang="en-US" smtClean="0"/>
-              <a:t>12/22/21</a:t>
+              <a:t>3/2/22</a:t>
             </a:fld>
             <a:endParaRPr lang="en-US"/>
           </a:p>
@@ -2049,7 +2049,7 @@
           <a:p>
             <a:fld id="{DD6D9246-4FED-8E4D-BC9B-CDD794F2A5B7}" type="datetimeFigureOut">
               <a:rPr lang="en-US" smtClean="0"/>
-              <a:t>12/22/21</a:t>
+              <a:t>3/2/22</a:t>
             </a:fld>
             <a:endParaRPr lang="en-US"/>
           </a:p>
@@ -2167,7 +2167,7 @@
           <a:p>
             <a:fld id="{DD6D9246-4FED-8E4D-BC9B-CDD794F2A5B7}" type="datetimeFigureOut">
               <a:rPr lang="en-US" smtClean="0"/>
-              <a:t>12/22/21</a:t>
+              <a:t>3/2/22</a:t>
             </a:fld>
             <a:endParaRPr lang="en-US"/>
           </a:p>
@@ -2262,7 +2262,7 @@
           <a:p>
             <a:fld id="{DD6D9246-4FED-8E4D-BC9B-CDD794F2A5B7}" type="datetimeFigureOut">
               <a:rPr lang="en-US" smtClean="0"/>
-              <a:t>12/22/21</a:t>
+              <a:t>3/2/22</a:t>
             </a:fld>
             <a:endParaRPr lang="en-US"/>
           </a:p>
@@ -2539,7 +2539,7 @@
           <a:p>
             <a:fld id="{DD6D9246-4FED-8E4D-BC9B-CDD794F2A5B7}" type="datetimeFigureOut">
               <a:rPr lang="en-US" smtClean="0"/>
-              <a:t>12/22/21</a:t>
+              <a:t>3/2/22</a:t>
             </a:fld>
             <a:endParaRPr lang="en-US"/>
           </a:p>
@@ -2796,7 +2796,7 @@
           <a:p>
             <a:fld id="{DD6D9246-4FED-8E4D-BC9B-CDD794F2A5B7}" type="datetimeFigureOut">
               <a:rPr lang="en-US" smtClean="0"/>
-              <a:t>12/22/21</a:t>
+              <a:t>3/2/22</a:t>
             </a:fld>
             <a:endParaRPr lang="en-US"/>
           </a:p>
@@ -3009,7 +3009,7 @@
           <a:p>
             <a:fld id="{DD6D9246-4FED-8E4D-BC9B-CDD794F2A5B7}" type="datetimeFigureOut">
               <a:rPr lang="en-US" smtClean="0"/>
-              <a:t>12/22/21</a:t>
+              <a:t>3/2/22</a:t>
             </a:fld>
             <a:endParaRPr lang="en-US"/>
           </a:p>
@@ -8526,7 +8526,7 @@
             <a:pPr algn="ctr"/>
             <a:r>
               <a:rPr lang="en-US" sz="1921" dirty="0"/>
-              <a:t>22nt</a:t>
+              <a:t>23nt</a:t>
             </a:r>
           </a:p>
         </p:txBody>
@@ -8583,7 +8583,7 @@
         </p:nvCxnSpPr>
         <p:spPr>
           <a:xfrm>
-            <a:off x="7363540" y="8129164"/>
+            <a:off x="7158584" y="8129164"/>
             <a:ext cx="1293154" cy="0"/>
           </a:xfrm>
           <a:prstGeom prst="line">
@@ -8702,7 +8702,7 @@
         </p:nvSpPr>
         <p:spPr>
           <a:xfrm>
-            <a:off x="7304774" y="7826192"/>
+            <a:off x="7099818" y="7826192"/>
             <a:ext cx="368278" cy="338554"/>
           </a:xfrm>
           <a:prstGeom prst="rect">
@@ -8774,7 +8774,7 @@
         </p:nvSpPr>
         <p:spPr>
           <a:xfrm>
-            <a:off x="8682882" y="7902412"/>
+            <a:off x="8477925" y="7902412"/>
             <a:ext cx="5256242" cy="502766"/>
           </a:xfrm>
           <a:prstGeom prst="rect">
@@ -8798,7 +8798,7 @@
                 </a:solidFill>
                 <a:latin typeface="Courier" pitchFamily="2" charset="0"/>
               </a:rPr>
-              <a:t>CGGCTTGCAAACTCTCGCTCTA</a:t>
+              <a:t>CCGGCTTGCAAACTCTCGCTCTA</a:t>
             </a:r>
             <a:r>
               <a:rPr lang="en-US" sz="2667" dirty="0">
@@ -8828,7 +8828,7 @@
         </p:nvSpPr>
         <p:spPr>
           <a:xfrm>
-            <a:off x="8689661" y="8448938"/>
+            <a:off x="8484704" y="8448938"/>
             <a:ext cx="4955630" cy="502766"/>
           </a:xfrm>
           <a:prstGeom prst="rect">
@@ -8851,7 +8851,7 @@
                 </a:solidFill>
                 <a:latin typeface="Courier" pitchFamily="2" charset="0"/>
               </a:rPr>
-              <a:t>GCCGAACGUUUGAGAGCGAGAU</a:t>
+              <a:t>GGCCGAACGUUUGAGAGCGAGAU</a:t>
             </a:r>
           </a:p>
         </p:txBody>
@@ -8872,7 +8872,7 @@
         </p:nvCxnSpPr>
         <p:spPr>
           <a:xfrm>
-            <a:off x="8384494" y="8699398"/>
+            <a:off x="8179538" y="8699398"/>
             <a:ext cx="253721" cy="1"/>
           </a:xfrm>
           <a:prstGeom prst="line">
@@ -8913,7 +8913,7 @@
         </p:nvSpPr>
         <p:spPr>
           <a:xfrm>
-            <a:off x="8452477" y="8398477"/>
+            <a:off x="8247521" y="8398477"/>
             <a:ext cx="368278" cy="338554"/>
           </a:xfrm>
           <a:prstGeom prst="rect">
@@ -9026,7 +9026,7 @@
         </p:nvSpPr>
         <p:spPr>
           <a:xfrm>
-            <a:off x="7567709" y="8514498"/>
+            <a:off x="7362753" y="8514498"/>
             <a:ext cx="1080813" cy="353943"/>
           </a:xfrm>
           <a:prstGeom prst="rect">
@@ -9146,10 +9146,10 @@
         </p:nvGrpSpPr>
         <p:grpSpPr>
           <a:xfrm>
-            <a:off x="8885857" y="8329926"/>
-            <a:ext cx="4262398" cy="185269"/>
-            <a:chOff x="2537530" y="2602325"/>
-            <a:chExt cx="3995999" cy="173689"/>
+            <a:off x="8676060" y="8329926"/>
+            <a:ext cx="4472195" cy="185269"/>
+            <a:chOff x="2340845" y="2602325"/>
+            <a:chExt cx="4192684" cy="173689"/>
           </a:xfrm>
         </p:grpSpPr>
         <p:cxnSp>
@@ -10072,6 +10072,49 @@
           <p:spPr>
             <a:xfrm>
               <a:off x="6533529" y="2607449"/>
+              <a:ext cx="0" cy="168565"/>
+            </a:xfrm>
+            <a:prstGeom prst="line">
+              <a:avLst/>
+            </a:prstGeom>
+            <a:ln w="15875">
+              <a:solidFill>
+                <a:schemeClr val="tx1"/>
+              </a:solidFill>
+            </a:ln>
+          </p:spPr>
+          <p:style>
+            <a:lnRef idx="1">
+              <a:schemeClr val="accent1"/>
+            </a:lnRef>
+            <a:fillRef idx="0">
+              <a:schemeClr val="accent1"/>
+            </a:fillRef>
+            <a:effectRef idx="0">
+              <a:schemeClr val="accent1"/>
+            </a:effectRef>
+            <a:fontRef idx="minor">
+              <a:schemeClr val="tx1"/>
+            </a:fontRef>
+          </p:style>
+        </p:cxnSp>
+        <p:cxnSp>
+          <p:nvCxnSpPr>
+            <p:cNvPr id="172" name="Straight Connector 171">
+              <a:extLst>
+                <a:ext uri="{FF2B5EF4-FFF2-40B4-BE49-F238E27FC236}">
+                  <a16:creationId xmlns:a16="http://schemas.microsoft.com/office/drawing/2014/main" id="{F826B130-7CFE-8541-8636-B88730AE8E05}"/>
+                </a:ext>
+              </a:extLst>
+            </p:cNvPr>
+            <p:cNvCxnSpPr>
+              <a:cxnSpLocks/>
+            </p:cNvCxnSpPr>
+            <p:nvPr/>
+          </p:nvCxnSpPr>
+          <p:spPr>
+            <a:xfrm>
+              <a:off x="2340845" y="2606795"/>
               <a:ext cx="0" cy="168565"/>
             </a:xfrm>
             <a:prstGeom prst="line">

--- a/vignettes/figures/nucleases.pptx
+++ b/vignettes/figures/nucleases.pptx
@@ -197,7 +197,7 @@
           <a:p>
             <a:fld id="{F1A348B4-9975-524C-BE6E-E74FD2A3F22C}" type="datetimeFigureOut">
               <a:rPr lang="en-US" smtClean="0"/>
-              <a:t>3/2/22</a:t>
+              <a:t>3/8/22</a:t>
             </a:fld>
             <a:endParaRPr lang="en-US"/>
           </a:p>
@@ -684,7 +684,7 @@
           <a:p>
             <a:fld id="{DD6D9246-4FED-8E4D-BC9B-CDD794F2A5B7}" type="datetimeFigureOut">
               <a:rPr lang="en-US" smtClean="0"/>
-              <a:t>3/2/22</a:t>
+              <a:t>3/8/22</a:t>
             </a:fld>
             <a:endParaRPr lang="en-US"/>
           </a:p>
@@ -854,7 +854,7 @@
           <a:p>
             <a:fld id="{DD6D9246-4FED-8E4D-BC9B-CDD794F2A5B7}" type="datetimeFigureOut">
               <a:rPr lang="en-US" smtClean="0"/>
-              <a:t>3/2/22</a:t>
+              <a:t>3/8/22</a:t>
             </a:fld>
             <a:endParaRPr lang="en-US"/>
           </a:p>
@@ -1034,7 +1034,7 @@
           <a:p>
             <a:fld id="{DD6D9246-4FED-8E4D-BC9B-CDD794F2A5B7}" type="datetimeFigureOut">
               <a:rPr lang="en-US" smtClean="0"/>
-              <a:t>3/2/22</a:t>
+              <a:t>3/8/22</a:t>
             </a:fld>
             <a:endParaRPr lang="en-US"/>
           </a:p>
@@ -1204,7 +1204,7 @@
           <a:p>
             <a:fld id="{DD6D9246-4FED-8E4D-BC9B-CDD794F2A5B7}" type="datetimeFigureOut">
               <a:rPr lang="en-US" smtClean="0"/>
-              <a:t>3/2/22</a:t>
+              <a:t>3/8/22</a:t>
             </a:fld>
             <a:endParaRPr lang="en-US"/>
           </a:p>
@@ -1450,7 +1450,7 @@
           <a:p>
             <a:fld id="{DD6D9246-4FED-8E4D-BC9B-CDD794F2A5B7}" type="datetimeFigureOut">
               <a:rPr lang="en-US" smtClean="0"/>
-              <a:t>3/2/22</a:t>
+              <a:t>3/8/22</a:t>
             </a:fld>
             <a:endParaRPr lang="en-US"/>
           </a:p>
@@ -1682,7 +1682,7 @@
           <a:p>
             <a:fld id="{DD6D9246-4FED-8E4D-BC9B-CDD794F2A5B7}" type="datetimeFigureOut">
               <a:rPr lang="en-US" smtClean="0"/>
-              <a:t>3/2/22</a:t>
+              <a:t>3/8/22</a:t>
             </a:fld>
             <a:endParaRPr lang="en-US"/>
           </a:p>
@@ -2049,7 +2049,7 @@
           <a:p>
             <a:fld id="{DD6D9246-4FED-8E4D-BC9B-CDD794F2A5B7}" type="datetimeFigureOut">
               <a:rPr lang="en-US" smtClean="0"/>
-              <a:t>3/2/22</a:t>
+              <a:t>3/8/22</a:t>
             </a:fld>
             <a:endParaRPr lang="en-US"/>
           </a:p>
@@ -2167,7 +2167,7 @@
           <a:p>
             <a:fld id="{DD6D9246-4FED-8E4D-BC9B-CDD794F2A5B7}" type="datetimeFigureOut">
               <a:rPr lang="en-US" smtClean="0"/>
-              <a:t>3/2/22</a:t>
+              <a:t>3/8/22</a:t>
             </a:fld>
             <a:endParaRPr lang="en-US"/>
           </a:p>
@@ -2262,7 +2262,7 @@
           <a:p>
             <a:fld id="{DD6D9246-4FED-8E4D-BC9B-CDD794F2A5B7}" type="datetimeFigureOut">
               <a:rPr lang="en-US" smtClean="0"/>
-              <a:t>3/2/22</a:t>
+              <a:t>3/8/22</a:t>
             </a:fld>
             <a:endParaRPr lang="en-US"/>
           </a:p>
@@ -2539,7 +2539,7 @@
           <a:p>
             <a:fld id="{DD6D9246-4FED-8E4D-BC9B-CDD794F2A5B7}" type="datetimeFigureOut">
               <a:rPr lang="en-US" smtClean="0"/>
-              <a:t>3/2/22</a:t>
+              <a:t>3/8/22</a:t>
             </a:fld>
             <a:endParaRPr lang="en-US"/>
           </a:p>
@@ -2796,7 +2796,7 @@
           <a:p>
             <a:fld id="{DD6D9246-4FED-8E4D-BC9B-CDD794F2A5B7}" type="datetimeFigureOut">
               <a:rPr lang="en-US" smtClean="0"/>
-              <a:t>3/2/22</a:t>
+              <a:t>3/8/22</a:t>
             </a:fld>
             <a:endParaRPr lang="en-US"/>
           </a:p>
@@ -3009,7 +3009,7 @@
           <a:p>
             <a:fld id="{DD6D9246-4FED-8E4D-BC9B-CDD794F2A5B7}" type="datetimeFigureOut">
               <a:rPr lang="en-US" smtClean="0"/>
-              <a:t>3/2/22</a:t>
+              <a:t>3/8/22</a:t>
             </a:fld>
             <a:endParaRPr lang="en-US"/>
           </a:p>
@@ -8798,7 +8798,7 @@
                 </a:solidFill>
                 <a:latin typeface="Courier" pitchFamily="2" charset="0"/>
               </a:rPr>
-              <a:t>CCGGCTTGCAAACTCTCGCTCTA</a:t>
+              <a:t>CCGGCUUGCAAACUCUCGCUCUA</a:t>
             </a:r>
             <a:r>
               <a:rPr lang="en-US" sz="2667" dirty="0">

--- a/vignettes/figures/nucleases.pptx
+++ b/vignettes/figures/nucleases.pptx
@@ -197,7 +197,7 @@
           <a:p>
             <a:fld id="{F1A348B4-9975-524C-BE6E-E74FD2A3F22C}" type="datetimeFigureOut">
               <a:rPr lang="en-US" smtClean="0"/>
-              <a:t>3/8/22</a:t>
+              <a:t>7/5/22</a:t>
             </a:fld>
             <a:endParaRPr lang="en-US"/>
           </a:p>
@@ -684,7 +684,7 @@
           <a:p>
             <a:fld id="{DD6D9246-4FED-8E4D-BC9B-CDD794F2A5B7}" type="datetimeFigureOut">
               <a:rPr lang="en-US" smtClean="0"/>
-              <a:t>3/8/22</a:t>
+              <a:t>7/5/22</a:t>
             </a:fld>
             <a:endParaRPr lang="en-US"/>
           </a:p>
@@ -854,7 +854,7 @@
           <a:p>
             <a:fld id="{DD6D9246-4FED-8E4D-BC9B-CDD794F2A5B7}" type="datetimeFigureOut">
               <a:rPr lang="en-US" smtClean="0"/>
-              <a:t>3/8/22</a:t>
+              <a:t>7/5/22</a:t>
             </a:fld>
             <a:endParaRPr lang="en-US"/>
           </a:p>
@@ -1034,7 +1034,7 @@
           <a:p>
             <a:fld id="{DD6D9246-4FED-8E4D-BC9B-CDD794F2A5B7}" type="datetimeFigureOut">
               <a:rPr lang="en-US" smtClean="0"/>
-              <a:t>3/8/22</a:t>
+              <a:t>7/5/22</a:t>
             </a:fld>
             <a:endParaRPr lang="en-US"/>
           </a:p>
@@ -1204,7 +1204,7 @@
           <a:p>
             <a:fld id="{DD6D9246-4FED-8E4D-BC9B-CDD794F2A5B7}" type="datetimeFigureOut">
               <a:rPr lang="en-US" smtClean="0"/>
-              <a:t>3/8/22</a:t>
+              <a:t>7/5/22</a:t>
             </a:fld>
             <a:endParaRPr lang="en-US"/>
           </a:p>
@@ -1450,7 +1450,7 @@
           <a:p>
             <a:fld id="{DD6D9246-4FED-8E4D-BC9B-CDD794F2A5B7}" type="datetimeFigureOut">
               <a:rPr lang="en-US" smtClean="0"/>
-              <a:t>3/8/22</a:t>
+              <a:t>7/5/22</a:t>
             </a:fld>
             <a:endParaRPr lang="en-US"/>
           </a:p>
@@ -1682,7 +1682,7 @@
           <a:p>
             <a:fld id="{DD6D9246-4FED-8E4D-BC9B-CDD794F2A5B7}" type="datetimeFigureOut">
               <a:rPr lang="en-US" smtClean="0"/>
-              <a:t>3/8/22</a:t>
+              <a:t>7/5/22</a:t>
             </a:fld>
             <a:endParaRPr lang="en-US"/>
           </a:p>
@@ -2049,7 +2049,7 @@
           <a:p>
             <a:fld id="{DD6D9246-4FED-8E4D-BC9B-CDD794F2A5B7}" type="datetimeFigureOut">
               <a:rPr lang="en-US" smtClean="0"/>
-              <a:t>3/8/22</a:t>
+              <a:t>7/5/22</a:t>
             </a:fld>
             <a:endParaRPr lang="en-US"/>
           </a:p>
@@ -2167,7 +2167,7 @@
           <a:p>
             <a:fld id="{DD6D9246-4FED-8E4D-BC9B-CDD794F2A5B7}" type="datetimeFigureOut">
               <a:rPr lang="en-US" smtClean="0"/>
-              <a:t>3/8/22</a:t>
+              <a:t>7/5/22</a:t>
             </a:fld>
             <a:endParaRPr lang="en-US"/>
           </a:p>
@@ -2262,7 +2262,7 @@
           <a:p>
             <a:fld id="{DD6D9246-4FED-8E4D-BC9B-CDD794F2A5B7}" type="datetimeFigureOut">
               <a:rPr lang="en-US" smtClean="0"/>
-              <a:t>3/8/22</a:t>
+              <a:t>7/5/22</a:t>
             </a:fld>
             <a:endParaRPr lang="en-US"/>
           </a:p>
@@ -2539,7 +2539,7 @@
           <a:p>
             <a:fld id="{DD6D9246-4FED-8E4D-BC9B-CDD794F2A5B7}" type="datetimeFigureOut">
               <a:rPr lang="en-US" smtClean="0"/>
-              <a:t>3/8/22</a:t>
+              <a:t>7/5/22</a:t>
             </a:fld>
             <a:endParaRPr lang="en-US"/>
           </a:p>
@@ -2796,7 +2796,7 @@
           <a:p>
             <a:fld id="{DD6D9246-4FED-8E4D-BC9B-CDD794F2A5B7}" type="datetimeFigureOut">
               <a:rPr lang="en-US" smtClean="0"/>
-              <a:t>3/8/22</a:t>
+              <a:t>7/5/22</a:t>
             </a:fld>
             <a:endParaRPr lang="en-US"/>
           </a:p>
@@ -3009,7 +3009,7 @@
           <a:p>
             <a:fld id="{DD6D9246-4FED-8E4D-BC9B-CDD794F2A5B7}" type="datetimeFigureOut">
               <a:rPr lang="en-US" smtClean="0"/>
-              <a:t>3/8/22</a:t>
+              <a:t>7/5/22</a:t>
             </a:fld>
             <a:endParaRPr lang="en-US"/>
           </a:p>
